--- a/Transient_identification_LejunChen.pptx
+++ b/Transient_identification_LejunChen.pptx
@@ -5,7 +5,7 @@
     <p:sldMasterId id="2147483684" r:id="rId1"/>
   </p:sldMasterIdLst>
   <p:notesMasterIdLst>
-    <p:notesMasterId r:id="rId61"/>
+    <p:notesMasterId r:id="rId65"/>
   </p:notesMasterIdLst>
   <p:sldIdLst>
     <p:sldId id="256" r:id="rId2"/>
@@ -47,26 +47,30 @@
     <p:sldId id="307" r:id="rId38"/>
     <p:sldId id="346" r:id="rId39"/>
     <p:sldId id="336" r:id="rId40"/>
-    <p:sldId id="339" r:id="rId41"/>
-    <p:sldId id="345" r:id="rId42"/>
-    <p:sldId id="337" r:id="rId43"/>
-    <p:sldId id="340" r:id="rId44"/>
-    <p:sldId id="341" r:id="rId45"/>
-    <p:sldId id="338" r:id="rId46"/>
-    <p:sldId id="328" r:id="rId47"/>
+    <p:sldId id="351" r:id="rId41"/>
+    <p:sldId id="350" r:id="rId42"/>
+    <p:sldId id="339" r:id="rId43"/>
+    <p:sldId id="337" r:id="rId44"/>
+    <p:sldId id="340" r:id="rId45"/>
+    <p:sldId id="341" r:id="rId46"/>
+    <p:sldId id="338" r:id="rId47"/>
     <p:sldId id="342" r:id="rId48"/>
     <p:sldId id="331" r:id="rId49"/>
     <p:sldId id="332" r:id="rId50"/>
     <p:sldId id="344" r:id="rId51"/>
     <p:sldId id="343" r:id="rId52"/>
     <p:sldId id="322" r:id="rId53"/>
-    <p:sldId id="323" r:id="rId54"/>
-    <p:sldId id="324" r:id="rId55"/>
-    <p:sldId id="325" r:id="rId56"/>
-    <p:sldId id="326" r:id="rId57"/>
-    <p:sldId id="333" r:id="rId58"/>
-    <p:sldId id="334" r:id="rId59"/>
-    <p:sldId id="327" r:id="rId60"/>
+    <p:sldId id="347" r:id="rId54"/>
+    <p:sldId id="348" r:id="rId55"/>
+    <p:sldId id="345" r:id="rId56"/>
+    <p:sldId id="323" r:id="rId57"/>
+    <p:sldId id="324" r:id="rId58"/>
+    <p:sldId id="325" r:id="rId59"/>
+    <p:sldId id="326" r:id="rId60"/>
+    <p:sldId id="333" r:id="rId61"/>
+    <p:sldId id="334" r:id="rId62"/>
+    <p:sldId id="327" r:id="rId63"/>
+    <p:sldId id="328" r:id="rId64"/>
   </p:sldIdLst>
   <p:sldSz cx="12192000" cy="6858000"/>
   <p:notesSz cx="6858000" cy="9144000"/>
@@ -255,7 +259,7 @@
           <a:p>
             <a:fld id="{FAF7F5F8-8731-4C8F-B457-9465EE5FF5FF}" type="datetimeFigureOut">
               <a:rPr lang="en-GB" smtClean="0"/>
-              <a:t>21/01/2022</a:t>
+              <a:t>02/02/2022</a:t>
             </a:fld>
             <a:endParaRPr lang="en-GB"/>
           </a:p>
@@ -1027,6 +1031,90 @@
 </p:notes>
 </file>
 
+<file path=ppt/notesSlides/notesSlide7.xml><?xml version="1.0" encoding="utf-8"?>
+<p:notes xmlns:a="http://schemas.openxmlformats.org/drawingml/2006/main" xmlns:r="http://schemas.openxmlformats.org/officeDocument/2006/relationships" xmlns:p="http://schemas.openxmlformats.org/presentationml/2006/main">
+  <p:cSld>
+    <p:spTree>
+      <p:nvGrpSpPr>
+        <p:cNvPr id="1" name=""/>
+        <p:cNvGrpSpPr/>
+        <p:nvPr/>
+      </p:nvGrpSpPr>
+      <p:grpSpPr>
+        <a:xfrm>
+          <a:off x="0" y="0"/>
+          <a:ext cx="0" cy="0"/>
+          <a:chOff x="0" y="0"/>
+          <a:chExt cx="0" cy="0"/>
+        </a:xfrm>
+      </p:grpSpPr>
+      <p:sp>
+        <p:nvSpPr>
+          <p:cNvPr id="2" name="Slide Image Placeholder 1"/>
+          <p:cNvSpPr>
+            <a:spLocks noGrp="1" noRot="1" noChangeAspect="1"/>
+          </p:cNvSpPr>
+          <p:nvPr>
+            <p:ph type="sldImg"/>
+          </p:nvPr>
+        </p:nvSpPr>
+        <p:spPr/>
+      </p:sp>
+      <p:sp>
+        <p:nvSpPr>
+          <p:cNvPr id="3" name="Notes Placeholder 2"/>
+          <p:cNvSpPr>
+            <a:spLocks noGrp="1"/>
+          </p:cNvSpPr>
+          <p:nvPr>
+            <p:ph type="body" idx="1"/>
+          </p:nvPr>
+        </p:nvSpPr>
+        <p:spPr/>
+        <p:txBody>
+          <a:bodyPr/>
+          <a:lstStyle/>
+          <a:p>
+            <a:endParaRPr lang="en-GB" dirty="0"/>
+          </a:p>
+        </p:txBody>
+      </p:sp>
+      <p:sp>
+        <p:nvSpPr>
+          <p:cNvPr id="4" name="Slide Number Placeholder 3"/>
+          <p:cNvSpPr>
+            <a:spLocks noGrp="1"/>
+          </p:cNvSpPr>
+          <p:nvPr>
+            <p:ph type="sldNum" sz="quarter" idx="5"/>
+          </p:nvPr>
+        </p:nvSpPr>
+        <p:spPr/>
+        <p:txBody>
+          <a:bodyPr/>
+          <a:lstStyle/>
+          <a:p>
+            <a:fld id="{93618736-15D7-4B45-849D-16AC348CD891}" type="slidenum">
+              <a:rPr lang="en-GB" smtClean="0"/>
+              <a:t>41</a:t>
+            </a:fld>
+            <a:endParaRPr lang="en-GB"/>
+          </a:p>
+        </p:txBody>
+      </p:sp>
+    </p:spTree>
+    <p:extLst>
+      <p:ext uri="{BB962C8B-B14F-4D97-AF65-F5344CB8AC3E}">
+        <p14:creationId xmlns:p14="http://schemas.microsoft.com/office/powerpoint/2010/main" val="2414349761"/>
+      </p:ext>
+    </p:extLst>
+  </p:cSld>
+  <p:clrMapOvr>
+    <a:masterClrMapping/>
+  </p:clrMapOvr>
+</p:notes>
+</file>
+
 <file path=ppt/slideLayouts/slideLayout1.xml><?xml version="1.0" encoding="utf-8"?>
 <p:sldLayout xmlns:a="http://schemas.openxmlformats.org/drawingml/2006/main" xmlns:r="http://schemas.openxmlformats.org/officeDocument/2006/relationships" xmlns:p="http://schemas.openxmlformats.org/presentationml/2006/main" type="title" preserve="1">
   <p:cSld name="Title Slide">
@@ -1176,7 +1264,7 @@
           <a:p>
             <a:fld id="{3A31CA01-FB65-4CD8-849B-41E58A4CD733}" type="datetimeFigureOut">
               <a:rPr lang="en-GB" smtClean="0"/>
-              <a:t>21/01/2022</a:t>
+              <a:t>02/02/2022</a:t>
             </a:fld>
             <a:endParaRPr lang="en-GB"/>
           </a:p>
@@ -1376,7 +1464,7 @@
           <a:p>
             <a:fld id="{3A31CA01-FB65-4CD8-849B-41E58A4CD733}" type="datetimeFigureOut">
               <a:rPr lang="en-GB" smtClean="0"/>
-              <a:t>21/01/2022</a:t>
+              <a:t>02/02/2022</a:t>
             </a:fld>
             <a:endParaRPr lang="en-GB"/>
           </a:p>
@@ -1586,7 +1674,7 @@
           <a:p>
             <a:fld id="{3A31CA01-FB65-4CD8-849B-41E58A4CD733}" type="datetimeFigureOut">
               <a:rPr lang="en-GB" smtClean="0"/>
-              <a:t>21/01/2022</a:t>
+              <a:t>02/02/2022</a:t>
             </a:fld>
             <a:endParaRPr lang="en-GB"/>
           </a:p>
@@ -1786,7 +1874,7 @@
           <a:p>
             <a:fld id="{3A31CA01-FB65-4CD8-849B-41E58A4CD733}" type="datetimeFigureOut">
               <a:rPr lang="en-GB" smtClean="0"/>
-              <a:t>21/01/2022</a:t>
+              <a:t>02/02/2022</a:t>
             </a:fld>
             <a:endParaRPr lang="en-GB"/>
           </a:p>
@@ -2062,7 +2150,7 @@
           <a:p>
             <a:fld id="{3A31CA01-FB65-4CD8-849B-41E58A4CD733}" type="datetimeFigureOut">
               <a:rPr lang="en-GB" smtClean="0"/>
-              <a:t>21/01/2022</a:t>
+              <a:t>02/02/2022</a:t>
             </a:fld>
             <a:endParaRPr lang="en-GB"/>
           </a:p>
@@ -2330,7 +2418,7 @@
           <a:p>
             <a:fld id="{3A31CA01-FB65-4CD8-849B-41E58A4CD733}" type="datetimeFigureOut">
               <a:rPr lang="en-GB" smtClean="0"/>
-              <a:t>21/01/2022</a:t>
+              <a:t>02/02/2022</a:t>
             </a:fld>
             <a:endParaRPr lang="en-GB"/>
           </a:p>
@@ -2745,7 +2833,7 @@
           <a:p>
             <a:fld id="{3A31CA01-FB65-4CD8-849B-41E58A4CD733}" type="datetimeFigureOut">
               <a:rPr lang="en-GB" smtClean="0"/>
-              <a:t>21/01/2022</a:t>
+              <a:t>02/02/2022</a:t>
             </a:fld>
             <a:endParaRPr lang="en-GB"/>
           </a:p>
@@ -2887,7 +2975,7 @@
           <a:p>
             <a:fld id="{3A31CA01-FB65-4CD8-849B-41E58A4CD733}" type="datetimeFigureOut">
               <a:rPr lang="en-GB" smtClean="0"/>
-              <a:t>21/01/2022</a:t>
+              <a:t>02/02/2022</a:t>
             </a:fld>
             <a:endParaRPr lang="en-GB"/>
           </a:p>
@@ -3000,7 +3088,7 @@
           <a:p>
             <a:fld id="{3A31CA01-FB65-4CD8-849B-41E58A4CD733}" type="datetimeFigureOut">
               <a:rPr lang="en-GB" smtClean="0"/>
-              <a:t>21/01/2022</a:t>
+              <a:t>02/02/2022</a:t>
             </a:fld>
             <a:endParaRPr lang="en-GB"/>
           </a:p>
@@ -3313,7 +3401,7 @@
           <a:p>
             <a:fld id="{3A31CA01-FB65-4CD8-849B-41E58A4CD733}" type="datetimeFigureOut">
               <a:rPr lang="en-GB" smtClean="0"/>
-              <a:t>21/01/2022</a:t>
+              <a:t>02/02/2022</a:t>
             </a:fld>
             <a:endParaRPr lang="en-GB"/>
           </a:p>
@@ -3602,7 +3690,7 @@
           <a:p>
             <a:fld id="{3A31CA01-FB65-4CD8-849B-41E58A4CD733}" type="datetimeFigureOut">
               <a:rPr lang="en-GB" smtClean="0"/>
-              <a:t>21/01/2022</a:t>
+              <a:t>02/02/2022</a:t>
             </a:fld>
             <a:endParaRPr lang="en-GB"/>
           </a:p>
@@ -3845,7 +3933,7 @@
           <a:p>
             <a:fld id="{3A31CA01-FB65-4CD8-849B-41E58A4CD733}" type="datetimeFigureOut">
               <a:rPr lang="en-GB" smtClean="0"/>
-              <a:t>21/01/2022</a:t>
+              <a:t>02/02/2022</a:t>
             </a:fld>
             <a:endParaRPr lang="en-GB"/>
           </a:p>
@@ -5294,6 +5382,103 @@
           </a:p>
         </p:txBody>
       </p:sp>
+      <mc:AlternateContent xmlns:mc="http://schemas.openxmlformats.org/markup-compatibility/2006">
+        <mc:Choice xmlns:pslz="http://schemas.microsoft.com/office/powerpoint/2016/slidezoom" Requires="pslz">
+          <p:graphicFrame>
+            <p:nvGraphicFramePr>
+              <p:cNvPr id="5" name="Slide Zoom 4">
+                <a:extLst>
+                  <a:ext uri="{FF2B5EF4-FFF2-40B4-BE49-F238E27FC236}">
+                    <a16:creationId xmlns:a16="http://schemas.microsoft.com/office/drawing/2014/main" id="{F7313EC7-A622-49E9-9699-72FA7818CBFB}"/>
+                  </a:ext>
+                </a:extLst>
+              </p:cNvPr>
+              <p:cNvGraphicFramePr>
+                <a:graphicFrameLocks noChangeAspect="1"/>
+              </p:cNvGraphicFramePr>
+              <p:nvPr>
+                <p:extLst>
+                  <p:ext uri="{D42A27DB-BD31-4B8C-83A1-F6EECF244321}">
+                    <p14:modId xmlns:p14="http://schemas.microsoft.com/office/powerpoint/2010/main" val="2009010480"/>
+                  </p:ext>
+                </p:extLst>
+              </p:nvPr>
+            </p:nvGraphicFramePr>
+            <p:xfrm>
+              <a:off x="0" y="6154663"/>
+              <a:ext cx="1250377" cy="703337"/>
+            </p:xfrm>
+            <a:graphic>
+              <a:graphicData uri="http://schemas.microsoft.com/office/powerpoint/2016/slidezoom">
+                <pslz:sldZm>
+                  <pslz:sldZmObj sldId="336" cId="3806319067">
+                    <pslz:zmPr id="{028F3FC7-6E50-452E-A53E-80A8C87E3278}" returnToParent="0" transitionDur="1000">
+                      <p166:blipFill xmlns:p166="http://schemas.microsoft.com/office/powerpoint/2016/6/main">
+                        <a:blip r:embed="rId2"/>
+                        <a:stretch>
+                          <a:fillRect/>
+                        </a:stretch>
+                      </p166:blipFill>
+                      <p166:spPr xmlns:p166="http://schemas.microsoft.com/office/powerpoint/2016/6/main">
+                        <a:xfrm>
+                          <a:off x="0" y="0"/>
+                          <a:ext cx="1250377" cy="703337"/>
+                        </a:xfrm>
+                        <a:prstGeom prst="rect">
+                          <a:avLst/>
+                        </a:prstGeom>
+                        <a:ln w="3175">
+                          <a:solidFill>
+                            <a:prstClr val="ltGray"/>
+                          </a:solidFill>
+                        </a:ln>
+                      </p166:spPr>
+                    </pslz:zmPr>
+                  </pslz:sldZmObj>
+                </pslz:sldZm>
+              </a:graphicData>
+            </a:graphic>
+          </p:graphicFrame>
+        </mc:Choice>
+        <mc:Fallback>
+          <p:pic>
+            <p:nvPicPr>
+              <p:cNvPr id="5" name="Slide Zoom 4">
+                <a:hlinkClick r:id="rId3" action="ppaction://hlinksldjump"/>
+                <a:extLst>
+                  <a:ext uri="{FF2B5EF4-FFF2-40B4-BE49-F238E27FC236}">
+                    <a16:creationId xmlns:a16="http://schemas.microsoft.com/office/drawing/2014/main" id="{F7313EC7-A622-49E9-9699-72FA7818CBFB}"/>
+                  </a:ext>
+                </a:extLst>
+              </p:cNvPr>
+              <p:cNvPicPr>
+                <a:picLocks noGrp="1" noRot="1" noChangeAspect="1" noMove="1" noResize="1" noEditPoints="1" noAdjustHandles="1" noChangeArrowheads="1" noChangeShapeType="1"/>
+              </p:cNvPicPr>
+              <p:nvPr/>
+            </p:nvPicPr>
+            <p:blipFill>
+              <a:blip r:embed="rId2"/>
+              <a:stretch>
+                <a:fillRect/>
+              </a:stretch>
+            </p:blipFill>
+            <p:spPr>
+              <a:xfrm>
+                <a:off x="0" y="6154663"/>
+                <a:ext cx="1250377" cy="703337"/>
+              </a:xfrm>
+              <a:prstGeom prst="rect">
+                <a:avLst/>
+              </a:prstGeom>
+              <a:ln w="3175">
+                <a:solidFill>
+                  <a:prstClr val="ltGray"/>
+                </a:solidFill>
+              </a:ln>
+            </p:spPr>
+          </p:pic>
+        </mc:Fallback>
+      </mc:AlternateContent>
     </p:spTree>
     <p:extLst>
       <p:ext uri="{BB962C8B-B14F-4D97-AF65-F5344CB8AC3E}">
@@ -7460,6 +7645,103 @@
           </a:p>
         </p:txBody>
       </p:sp>
+      <mc:AlternateContent xmlns:mc="http://schemas.openxmlformats.org/markup-compatibility/2006">
+        <mc:Choice xmlns:pslz="http://schemas.microsoft.com/office/powerpoint/2016/slidezoom" Requires="pslz">
+          <p:graphicFrame>
+            <p:nvGraphicFramePr>
+              <p:cNvPr id="6" name="Slide Zoom 5">
+                <a:extLst>
+                  <a:ext uri="{FF2B5EF4-FFF2-40B4-BE49-F238E27FC236}">
+                    <a16:creationId xmlns:a16="http://schemas.microsoft.com/office/drawing/2014/main" id="{392F2BD4-E7F1-49EA-B22D-1BA8EB520006}"/>
+                  </a:ext>
+                </a:extLst>
+              </p:cNvPr>
+              <p:cNvGraphicFramePr>
+                <a:graphicFrameLocks noChangeAspect="1"/>
+              </p:cNvGraphicFramePr>
+              <p:nvPr>
+                <p:extLst>
+                  <p:ext uri="{D42A27DB-BD31-4B8C-83A1-F6EECF244321}">
+                    <p14:modId xmlns:p14="http://schemas.microsoft.com/office/powerpoint/2010/main" val="1890655881"/>
+                  </p:ext>
+                </p:extLst>
+              </p:nvPr>
+            </p:nvGraphicFramePr>
+            <p:xfrm>
+              <a:off x="0" y="6386512"/>
+              <a:ext cx="838200" cy="471488"/>
+            </p:xfrm>
+            <a:graphic>
+              <a:graphicData uri="http://schemas.microsoft.com/office/powerpoint/2016/slidezoom">
+                <pslz:sldZm>
+                  <pslz:sldZmObj sldId="342" cId="551593357">
+                    <pslz:zmPr id="{30C776DD-8D2A-41E2-9F53-022B87657731}" returnToParent="0" transitionDur="1000">
+                      <p166:blipFill xmlns:p166="http://schemas.microsoft.com/office/powerpoint/2016/6/main">
+                        <a:blip r:embed="rId9"/>
+                        <a:stretch>
+                          <a:fillRect/>
+                        </a:stretch>
+                      </p166:blipFill>
+                      <p166:spPr xmlns:p166="http://schemas.microsoft.com/office/powerpoint/2016/6/main">
+                        <a:xfrm>
+                          <a:off x="0" y="0"/>
+                          <a:ext cx="838200" cy="471488"/>
+                        </a:xfrm>
+                        <a:prstGeom prst="rect">
+                          <a:avLst/>
+                        </a:prstGeom>
+                        <a:ln w="3175">
+                          <a:solidFill>
+                            <a:prstClr val="ltGray"/>
+                          </a:solidFill>
+                        </a:ln>
+                      </p166:spPr>
+                    </pslz:zmPr>
+                  </pslz:sldZmObj>
+                </pslz:sldZm>
+              </a:graphicData>
+            </a:graphic>
+          </p:graphicFrame>
+        </mc:Choice>
+        <mc:Fallback>
+          <p:pic>
+            <p:nvPicPr>
+              <p:cNvPr id="6" name="Slide Zoom 5">
+                <a:hlinkClick r:id="rId10" action="ppaction://hlinksldjump"/>
+                <a:extLst>
+                  <a:ext uri="{FF2B5EF4-FFF2-40B4-BE49-F238E27FC236}">
+                    <a16:creationId xmlns:a16="http://schemas.microsoft.com/office/drawing/2014/main" id="{392F2BD4-E7F1-49EA-B22D-1BA8EB520006}"/>
+                  </a:ext>
+                </a:extLst>
+              </p:cNvPr>
+              <p:cNvPicPr>
+                <a:picLocks noGrp="1" noRot="1" noChangeAspect="1" noMove="1" noResize="1" noEditPoints="1" noAdjustHandles="1" noChangeArrowheads="1" noChangeShapeType="1"/>
+              </p:cNvPicPr>
+              <p:nvPr/>
+            </p:nvPicPr>
+            <p:blipFill>
+              <a:blip r:embed="rId9"/>
+              <a:stretch>
+                <a:fillRect/>
+              </a:stretch>
+            </p:blipFill>
+            <p:spPr>
+              <a:xfrm>
+                <a:off x="0" y="6386512"/>
+                <a:ext cx="838200" cy="471488"/>
+              </a:xfrm>
+              <a:prstGeom prst="rect">
+                <a:avLst/>
+              </a:prstGeom>
+              <a:ln w="3175">
+                <a:solidFill>
+                  <a:prstClr val="ltGray"/>
+                </a:solidFill>
+              </a:ln>
+            </p:spPr>
+          </p:pic>
+        </mc:Fallback>
+      </mc:AlternateContent>
     </p:spTree>
     <p:extLst>
       <p:ext uri="{BB962C8B-B14F-4D97-AF65-F5344CB8AC3E}">
@@ -9025,7 +9307,7 @@
                   <a:srgbClr val="FF0000"/>
                 </a:solidFill>
               </a:rPr>
-              <a:t>Interesting characteristics: </a:t>
+              <a:t>Interesting metrics: </a:t>
             </a:r>
           </a:p>
           <a:p>
@@ -9040,6 +9322,103 @@
           </a:p>
         </p:txBody>
       </p:sp>
+      <mc:AlternateContent xmlns:mc="http://schemas.openxmlformats.org/markup-compatibility/2006">
+        <mc:Choice xmlns:pslz="http://schemas.microsoft.com/office/powerpoint/2016/slidezoom" Requires="pslz">
+          <p:graphicFrame>
+            <p:nvGraphicFramePr>
+              <p:cNvPr id="7" name="Slide Zoom 6">
+                <a:extLst>
+                  <a:ext uri="{FF2B5EF4-FFF2-40B4-BE49-F238E27FC236}">
+                    <a16:creationId xmlns:a16="http://schemas.microsoft.com/office/drawing/2014/main" id="{BBA6D5D9-0AFE-470A-A6CA-5A93875EE564}"/>
+                  </a:ext>
+                </a:extLst>
+              </p:cNvPr>
+              <p:cNvGraphicFramePr>
+                <a:graphicFrameLocks noChangeAspect="1"/>
+              </p:cNvGraphicFramePr>
+              <p:nvPr>
+                <p:extLst>
+                  <p:ext uri="{D42A27DB-BD31-4B8C-83A1-F6EECF244321}">
+                    <p14:modId xmlns:p14="http://schemas.microsoft.com/office/powerpoint/2010/main" val="2436931805"/>
+                  </p:ext>
+                </p:extLst>
+              </p:nvPr>
+            </p:nvGraphicFramePr>
+            <p:xfrm>
+              <a:off x="0" y="6054353"/>
+              <a:ext cx="1428706" cy="803647"/>
+            </p:xfrm>
+            <a:graphic>
+              <a:graphicData uri="http://schemas.microsoft.com/office/powerpoint/2016/slidezoom">
+                <pslz:sldZm>
+                  <pslz:sldZmObj sldId="340" cId="1015769245">
+                    <pslz:zmPr id="{160D0ABE-0966-40DC-AB76-C5D1A4C96640}" returnToParent="0" transitionDur="1000">
+                      <p166:blipFill xmlns:p166="http://schemas.microsoft.com/office/powerpoint/2016/6/main">
+                        <a:blip r:embed="rId4"/>
+                        <a:stretch>
+                          <a:fillRect/>
+                        </a:stretch>
+                      </p166:blipFill>
+                      <p166:spPr xmlns:p166="http://schemas.microsoft.com/office/powerpoint/2016/6/main">
+                        <a:xfrm>
+                          <a:off x="0" y="0"/>
+                          <a:ext cx="1428706" cy="803647"/>
+                        </a:xfrm>
+                        <a:prstGeom prst="rect">
+                          <a:avLst/>
+                        </a:prstGeom>
+                        <a:ln w="3175">
+                          <a:solidFill>
+                            <a:prstClr val="ltGray"/>
+                          </a:solidFill>
+                        </a:ln>
+                      </p166:spPr>
+                    </pslz:zmPr>
+                  </pslz:sldZmObj>
+                </pslz:sldZm>
+              </a:graphicData>
+            </a:graphic>
+          </p:graphicFrame>
+        </mc:Choice>
+        <mc:Fallback>
+          <p:pic>
+            <p:nvPicPr>
+              <p:cNvPr id="7" name="Slide Zoom 6">
+                <a:hlinkClick r:id="rId5" action="ppaction://hlinksldjump"/>
+                <a:extLst>
+                  <a:ext uri="{FF2B5EF4-FFF2-40B4-BE49-F238E27FC236}">
+                    <a16:creationId xmlns:a16="http://schemas.microsoft.com/office/drawing/2014/main" id="{BBA6D5D9-0AFE-470A-A6CA-5A93875EE564}"/>
+                  </a:ext>
+                </a:extLst>
+              </p:cNvPr>
+              <p:cNvPicPr>
+                <a:picLocks noGrp="1" noRot="1" noChangeAspect="1" noMove="1" noResize="1" noEditPoints="1" noAdjustHandles="1" noChangeArrowheads="1" noChangeShapeType="1"/>
+              </p:cNvPicPr>
+              <p:nvPr/>
+            </p:nvPicPr>
+            <p:blipFill>
+              <a:blip r:embed="rId4"/>
+              <a:stretch>
+                <a:fillRect/>
+              </a:stretch>
+            </p:blipFill>
+            <p:spPr>
+              <a:xfrm>
+                <a:off x="0" y="6054353"/>
+                <a:ext cx="1428706" cy="803647"/>
+              </a:xfrm>
+              <a:prstGeom prst="rect">
+                <a:avLst/>
+              </a:prstGeom>
+              <a:ln w="3175">
+                <a:solidFill>
+                  <a:prstClr val="ltGray"/>
+                </a:solidFill>
+              </a:ln>
+            </p:spPr>
+          </p:pic>
+        </mc:Fallback>
+      </mc:AlternateContent>
     </p:spTree>
     <p:extLst>
       <p:ext uri="{BB962C8B-B14F-4D97-AF65-F5344CB8AC3E}">
@@ -10120,6 +10499,103 @@
           </a:p>
         </p:txBody>
       </p:sp>
+      <mc:AlternateContent xmlns:mc="http://schemas.openxmlformats.org/markup-compatibility/2006">
+        <mc:Choice xmlns:pslz="http://schemas.microsoft.com/office/powerpoint/2016/slidezoom" Requires="pslz">
+          <p:graphicFrame>
+            <p:nvGraphicFramePr>
+              <p:cNvPr id="5" name="Slide Zoom 4">
+                <a:extLst>
+                  <a:ext uri="{FF2B5EF4-FFF2-40B4-BE49-F238E27FC236}">
+                    <a16:creationId xmlns:a16="http://schemas.microsoft.com/office/drawing/2014/main" id="{EC5959CA-2263-4272-9132-474FBF5676C1}"/>
+                  </a:ext>
+                </a:extLst>
+              </p:cNvPr>
+              <p:cNvGraphicFramePr>
+                <a:graphicFrameLocks noChangeAspect="1"/>
+              </p:cNvGraphicFramePr>
+              <p:nvPr>
+                <p:extLst>
+                  <p:ext uri="{D42A27DB-BD31-4B8C-83A1-F6EECF244321}">
+                    <p14:modId xmlns:p14="http://schemas.microsoft.com/office/powerpoint/2010/main" val="3542405459"/>
+                  </p:ext>
+                </p:extLst>
+              </p:nvPr>
+            </p:nvGraphicFramePr>
+            <p:xfrm>
+              <a:off x="0" y="6132377"/>
+              <a:ext cx="1281769" cy="720995"/>
+            </p:xfrm>
+            <a:graphic>
+              <a:graphicData uri="http://schemas.microsoft.com/office/powerpoint/2016/slidezoom">
+                <pslz:sldZm>
+                  <pslz:sldZmObj sldId="299" cId="2179307682">
+                    <pslz:zmPr id="{BDB0021A-15D7-4CA5-8DB0-B93B19D4874D}" returnToParent="0" transitionDur="1000">
+                      <p166:blipFill xmlns:p166="http://schemas.microsoft.com/office/powerpoint/2016/6/main">
+                        <a:blip r:embed="rId2"/>
+                        <a:stretch>
+                          <a:fillRect/>
+                        </a:stretch>
+                      </p166:blipFill>
+                      <p166:spPr xmlns:p166="http://schemas.microsoft.com/office/powerpoint/2016/6/main">
+                        <a:xfrm>
+                          <a:off x="0" y="0"/>
+                          <a:ext cx="1281769" cy="720995"/>
+                        </a:xfrm>
+                        <a:prstGeom prst="rect">
+                          <a:avLst/>
+                        </a:prstGeom>
+                        <a:ln w="3175">
+                          <a:solidFill>
+                            <a:prstClr val="ltGray"/>
+                          </a:solidFill>
+                        </a:ln>
+                      </p166:spPr>
+                    </pslz:zmPr>
+                  </pslz:sldZmObj>
+                </pslz:sldZm>
+              </a:graphicData>
+            </a:graphic>
+          </p:graphicFrame>
+        </mc:Choice>
+        <mc:Fallback>
+          <p:pic>
+            <p:nvPicPr>
+              <p:cNvPr id="5" name="Slide Zoom 4">
+                <a:hlinkClick r:id="rId3" action="ppaction://hlinksldjump"/>
+                <a:extLst>
+                  <a:ext uri="{FF2B5EF4-FFF2-40B4-BE49-F238E27FC236}">
+                    <a16:creationId xmlns:a16="http://schemas.microsoft.com/office/drawing/2014/main" id="{EC5959CA-2263-4272-9132-474FBF5676C1}"/>
+                  </a:ext>
+                </a:extLst>
+              </p:cNvPr>
+              <p:cNvPicPr>
+                <a:picLocks noGrp="1" noRot="1" noChangeAspect="1" noMove="1" noResize="1" noEditPoints="1" noAdjustHandles="1" noChangeArrowheads="1" noChangeShapeType="1"/>
+              </p:cNvPicPr>
+              <p:nvPr/>
+            </p:nvPicPr>
+            <p:blipFill>
+              <a:blip r:embed="rId2"/>
+              <a:stretch>
+                <a:fillRect/>
+              </a:stretch>
+            </p:blipFill>
+            <p:spPr>
+              <a:xfrm>
+                <a:off x="0" y="6132377"/>
+                <a:ext cx="1281769" cy="720995"/>
+              </a:xfrm>
+              <a:prstGeom prst="rect">
+                <a:avLst/>
+              </a:prstGeom>
+              <a:ln w="3175">
+                <a:solidFill>
+                  <a:prstClr val="ltGray"/>
+                </a:solidFill>
+              </a:ln>
+            </p:spPr>
+          </p:pic>
+        </mc:Fallback>
+      </mc:AlternateContent>
     </p:spTree>
     <p:extLst>
       <p:ext uri="{BB962C8B-B14F-4D97-AF65-F5344CB8AC3E}">
@@ -10260,6 +10736,3720 @@
           <a:p>
             <a:r>
               <a:rPr lang="en-GB" dirty="0"/>
+              <a:t>Baseline methods:</a:t>
+            </a:r>
+          </a:p>
+        </p:txBody>
+      </p:sp>
+      <p:sp>
+        <p:nvSpPr>
+          <p:cNvPr id="3" name="Content Placeholder 2">
+            <a:extLst>
+              <a:ext uri="{FF2B5EF4-FFF2-40B4-BE49-F238E27FC236}">
+                <a16:creationId xmlns:a16="http://schemas.microsoft.com/office/drawing/2014/main" id="{50658BD8-D889-4EB8-A806-BD5FB10A772D}"/>
+              </a:ext>
+            </a:extLst>
+          </p:cNvPr>
+          <p:cNvSpPr>
+            <a:spLocks noGrp="1"/>
+          </p:cNvSpPr>
+          <p:nvPr>
+            <p:ph idx="1"/>
+          </p:nvPr>
+        </p:nvSpPr>
+        <p:spPr/>
+        <p:txBody>
+          <a:bodyPr/>
+          <a:lstStyle/>
+          <a:p>
+            <a:r>
+              <a:rPr lang="en-GB" dirty="0"/>
+              <a:t>Basic idea:</a:t>
+            </a:r>
+          </a:p>
+          <a:p>
+            <a:pPr marL="0" marR="0" lvl="0" indent="0" algn="l" defTabSz="914400" rtl="0" eaLnBrk="1" fontAlgn="auto" latinLnBrk="0" hangingPunct="1">
+              <a:lnSpc>
+                <a:spcPct val="90000"/>
+              </a:lnSpc>
+              <a:spcBef>
+                <a:spcPts val="1000"/>
+              </a:spcBef>
+              <a:spcAft>
+                <a:spcPts val="0"/>
+              </a:spcAft>
+              <a:buClrTx/>
+              <a:buSzTx/>
+              <a:buFont typeface="Arial" panose="020B0604020202020204" pitchFamily="34" charset="0"/>
+              <a:buNone/>
+              <a:tabLst/>
+              <a:defRPr/>
+            </a:pPr>
+            <a:r>
+              <a:rPr kumimoji="0" lang="en-GB" sz="1600" b="0" i="1" u="none" strike="noStrike" kern="1200" cap="none" spc="0" normalizeH="0" baseline="0" noProof="0" dirty="0">
+                <a:ln>
+                  <a:noFill/>
+                </a:ln>
+                <a:solidFill>
+                  <a:srgbClr val="5B9BD5">
+                    <a:lumMod val="75000"/>
+                  </a:srgbClr>
+                </a:solidFill>
+                <a:effectLst/>
+                <a:uLnTx/>
+                <a:uFillTx/>
+                <a:latin typeface="Calibri" panose="020F0502020204030204"/>
+                <a:ea typeface="+mn-ea"/>
+                <a:cs typeface="+mn-cs"/>
+              </a:rPr>
+              <a:t>(inspired by filter convolution method proposed by </a:t>
+            </a:r>
+            <a:r>
+              <a:rPr lang="en-GB" sz="1600" i="1" dirty="0">
+                <a:solidFill>
+                  <a:srgbClr val="5B9BD5">
+                    <a:lumMod val="75000"/>
+                  </a:srgbClr>
+                </a:solidFill>
+                <a:latin typeface="Calibri" panose="020F0502020204030204"/>
+              </a:rPr>
+              <a:t>Suzuki &amp; Chorneyko </a:t>
+            </a:r>
+            <a:r>
+              <a:rPr kumimoji="0" lang="en-GB" sz="1600" b="0" i="1" u="none" strike="noStrike" kern="1200" cap="none" spc="0" normalizeH="0" baseline="0" noProof="0" dirty="0">
+                <a:ln>
+                  <a:noFill/>
+                </a:ln>
+                <a:solidFill>
+                  <a:srgbClr val="5B9BD5">
+                    <a:lumMod val="75000"/>
+                  </a:srgbClr>
+                </a:solidFill>
+                <a:effectLst/>
+                <a:uLnTx/>
+                <a:uFillTx/>
+                <a:latin typeface="Calibri" panose="020F0502020204030204"/>
+                <a:ea typeface="+mn-ea"/>
+                <a:cs typeface="+mn-cs"/>
+              </a:rPr>
+              <a:t>)</a:t>
+            </a:r>
+          </a:p>
+          <a:p>
+            <a:endParaRPr lang="en-GB" dirty="0"/>
+          </a:p>
+          <a:p>
+            <a:pPr marL="0" indent="0">
+              <a:buNone/>
+            </a:pPr>
+            <a:endParaRPr lang="en-GB" dirty="0"/>
+          </a:p>
+        </p:txBody>
+      </p:sp>
+      <p:pic>
+        <p:nvPicPr>
+          <p:cNvPr id="5" name="Picture 4">
+            <a:extLst>
+              <a:ext uri="{FF2B5EF4-FFF2-40B4-BE49-F238E27FC236}">
+                <a16:creationId xmlns:a16="http://schemas.microsoft.com/office/drawing/2014/main" id="{F9E086B9-46AB-478E-B7C8-D7F4C3665BBC}"/>
+              </a:ext>
+            </a:extLst>
+          </p:cNvPr>
+          <p:cNvPicPr>
+            <a:picLocks noChangeAspect="1"/>
+          </p:cNvPicPr>
+          <p:nvPr/>
+        </p:nvPicPr>
+        <p:blipFill>
+          <a:blip r:embed="rId2"/>
+          <a:stretch>
+            <a:fillRect/>
+          </a:stretch>
+        </p:blipFill>
+        <p:spPr>
+          <a:xfrm>
+            <a:off x="1034156" y="4515566"/>
+            <a:ext cx="5010150" cy="1457325"/>
+          </a:xfrm>
+          <a:prstGeom prst="rect">
+            <a:avLst/>
+          </a:prstGeom>
+        </p:spPr>
+      </p:pic>
+      <p:pic>
+        <p:nvPicPr>
+          <p:cNvPr id="7" name="Picture 6">
+            <a:extLst>
+              <a:ext uri="{FF2B5EF4-FFF2-40B4-BE49-F238E27FC236}">
+                <a16:creationId xmlns:a16="http://schemas.microsoft.com/office/drawing/2014/main" id="{6B8409F6-DF01-441C-B35F-50F78078F232}"/>
+              </a:ext>
+            </a:extLst>
+          </p:cNvPr>
+          <p:cNvPicPr>
+            <a:picLocks noChangeAspect="1"/>
+          </p:cNvPicPr>
+          <p:nvPr/>
+        </p:nvPicPr>
+        <p:blipFill>
+          <a:blip r:embed="rId3"/>
+          <a:stretch>
+            <a:fillRect/>
+          </a:stretch>
+        </p:blipFill>
+        <p:spPr>
+          <a:xfrm>
+            <a:off x="1110356" y="2604854"/>
+            <a:ext cx="4857750" cy="1524000"/>
+          </a:xfrm>
+          <a:prstGeom prst="rect">
+            <a:avLst/>
+          </a:prstGeom>
+        </p:spPr>
+      </p:pic>
+    </p:spTree>
+    <p:extLst>
+      <p:ext uri="{BB962C8B-B14F-4D97-AF65-F5344CB8AC3E}">
+        <p14:creationId xmlns:p14="http://schemas.microsoft.com/office/powerpoint/2010/main" val="1763537874"/>
+      </p:ext>
+    </p:extLst>
+  </p:cSld>
+  <p:clrMapOvr>
+    <a:masterClrMapping/>
+  </p:clrMapOvr>
+</p:sld>
+</file>
+
+<file path=ppt/slides/slide41.xml><?xml version="1.0" encoding="utf-8"?>
+<p:sld xmlns:a="http://schemas.openxmlformats.org/drawingml/2006/main" xmlns:r="http://schemas.openxmlformats.org/officeDocument/2006/relationships" xmlns:p="http://schemas.openxmlformats.org/presentationml/2006/main">
+  <p:cSld>
+    <p:spTree>
+      <p:nvGrpSpPr>
+        <p:cNvPr id="1" name=""/>
+        <p:cNvGrpSpPr/>
+        <p:nvPr/>
+      </p:nvGrpSpPr>
+      <p:grpSpPr>
+        <a:xfrm>
+          <a:off x="0" y="0"/>
+          <a:ext cx="0" cy="0"/>
+          <a:chOff x="0" y="0"/>
+          <a:chExt cx="0" cy="0"/>
+        </a:xfrm>
+      </p:grpSpPr>
+      <mc:AlternateContent xmlns:mc="http://schemas.openxmlformats.org/markup-compatibility/2006">
+        <mc:Choice xmlns:a14="http://schemas.microsoft.com/office/drawing/2010/main" Requires="a14">
+          <p:graphicFrame>
+            <p:nvGraphicFramePr>
+              <p:cNvPr id="4" name="Table 4">
+                <a:extLst>
+                  <a:ext uri="{FF2B5EF4-FFF2-40B4-BE49-F238E27FC236}">
+                    <a16:creationId xmlns:a16="http://schemas.microsoft.com/office/drawing/2014/main" id="{8D6D41C4-7B76-42F4-9DD4-320517F84565}"/>
+                  </a:ext>
+                </a:extLst>
+              </p:cNvPr>
+              <p:cNvGraphicFramePr>
+                <a:graphicFrameLocks noGrp="1"/>
+              </p:cNvGraphicFramePr>
+              <p:nvPr>
+                <p:ph idx="1"/>
+                <p:extLst>
+                  <p:ext uri="{D42A27DB-BD31-4B8C-83A1-F6EECF244321}">
+                    <p14:modId xmlns:p14="http://schemas.microsoft.com/office/powerpoint/2010/main" val="444151696"/>
+                  </p:ext>
+                </p:extLst>
+              </p:nvPr>
+            </p:nvGraphicFramePr>
+            <p:xfrm>
+              <a:off x="749424" y="157480"/>
+              <a:ext cx="10515600" cy="6543040"/>
+            </p:xfrm>
+            <a:graphic>
+              <a:graphicData uri="http://schemas.openxmlformats.org/drawingml/2006/table">
+                <a:tbl>
+                  <a:tblPr firstRow="1" bandRow="1">
+                    <a:tableStyleId>{5C22544A-7EE6-4342-B048-85BDC9FD1C3A}</a:tableStyleId>
+                  </a:tblPr>
+                  <a:tblGrid>
+                    <a:gridCol w="4239828">
+                      <a:extLst>
+                        <a:ext uri="{9D8B030D-6E8A-4147-A177-3AD203B41FA5}">
+                          <a16:colId xmlns:a16="http://schemas.microsoft.com/office/drawing/2014/main" val="3200318556"/>
+                        </a:ext>
+                      </a:extLst>
+                    </a:gridCol>
+                    <a:gridCol w="6275772">
+                      <a:extLst>
+                        <a:ext uri="{9D8B030D-6E8A-4147-A177-3AD203B41FA5}">
+                          <a16:colId xmlns:a16="http://schemas.microsoft.com/office/drawing/2014/main" val="3166266220"/>
+                        </a:ext>
+                      </a:extLst>
+                    </a:gridCol>
+                  </a:tblGrid>
+                  <a:tr h="370840">
+                    <a:tc gridSpan="2">
+                      <a:txBody>
+                        <a:bodyPr/>
+                        <a:lstStyle/>
+                        <a:p>
+                          <a:pPr marL="0" marR="0" lvl="0" indent="0" algn="l" defTabSz="914400" rtl="0" eaLnBrk="1" fontAlgn="auto" latinLnBrk="0" hangingPunct="1">
+                            <a:lnSpc>
+                              <a:spcPct val="100000"/>
+                            </a:lnSpc>
+                            <a:spcBef>
+                              <a:spcPts val="0"/>
+                            </a:spcBef>
+                            <a:spcAft>
+                              <a:spcPts val="0"/>
+                            </a:spcAft>
+                            <a:buClrTx/>
+                            <a:buSzTx/>
+                            <a:buFontTx/>
+                            <a:buNone/>
+                            <a:tabLst/>
+                            <a:defRPr/>
+                          </a:pPr>
+                          <a:r>
+                            <a:rPr lang="en-GB" dirty="0"/>
+                            <a:t>Algorithm</a:t>
+                          </a:r>
+                        </a:p>
+                      </a:txBody>
+                      <a:tcPr/>
+                    </a:tc>
+                    <a:tc hMerge="1">
+                      <a:txBody>
+                        <a:bodyPr/>
+                        <a:lstStyle/>
+                        <a:p>
+                          <a:pPr marL="0" marR="0" lvl="0" indent="0" algn="l" defTabSz="914400" rtl="0" eaLnBrk="1" fontAlgn="auto" latinLnBrk="0" hangingPunct="1">
+                            <a:lnSpc>
+                              <a:spcPct val="100000"/>
+                            </a:lnSpc>
+                            <a:spcBef>
+                              <a:spcPts val="0"/>
+                            </a:spcBef>
+                            <a:spcAft>
+                              <a:spcPts val="0"/>
+                            </a:spcAft>
+                            <a:buClrTx/>
+                            <a:buSzTx/>
+                            <a:buFontTx/>
+                            <a:buNone/>
+                            <a:tabLst/>
+                            <a:defRPr/>
+                          </a:pPr>
+                          <a:endParaRPr lang="en-GB" dirty="0"/>
+                        </a:p>
+                      </a:txBody>
+                      <a:tcPr/>
+                    </a:tc>
+                    <a:extLst>
+                      <a:ext uri="{0D108BD9-81ED-4DB2-BD59-A6C34878D82A}">
+                        <a16:rowId xmlns:a16="http://schemas.microsoft.com/office/drawing/2014/main" val="198614115"/>
+                      </a:ext>
+                    </a:extLst>
+                  </a:tr>
+                  <a:tr h="370840">
+                    <a:tc gridSpan="2">
+                      <a:txBody>
+                        <a:bodyPr/>
+                        <a:lstStyle/>
+                        <a:p>
+                          <a:pPr marL="0" marR="0" lvl="0" indent="0" algn="l" defTabSz="914400" rtl="0" eaLnBrk="1" fontAlgn="auto" latinLnBrk="0" hangingPunct="1">
+                            <a:lnSpc>
+                              <a:spcPct val="100000"/>
+                            </a:lnSpc>
+                            <a:spcBef>
+                              <a:spcPts val="0"/>
+                            </a:spcBef>
+                            <a:spcAft>
+                              <a:spcPts val="0"/>
+                            </a:spcAft>
+                            <a:buClrTx/>
+                            <a:buSzTx/>
+                            <a:buFontTx/>
+                            <a:buNone/>
+                            <a:tabLst/>
+                            <a:defRPr/>
+                          </a:pPr>
+                          <a:r>
+                            <a:rPr lang="en-GB" sz="1400" dirty="0"/>
+                            <a:t>Point 1, point 2 are adjacent</a:t>
+                          </a:r>
+                        </a:p>
+                      </a:txBody>
+                      <a:tcPr/>
+                    </a:tc>
+                    <a:tc hMerge="1">
+                      <a:txBody>
+                        <a:bodyPr/>
+                        <a:lstStyle/>
+                        <a:p>
+                          <a:endParaRPr lang="en-GB" dirty="0"/>
+                        </a:p>
+                      </a:txBody>
+                      <a:tcPr/>
+                    </a:tc>
+                    <a:extLst>
+                      <a:ext uri="{0D108BD9-81ED-4DB2-BD59-A6C34878D82A}">
+                        <a16:rowId xmlns:a16="http://schemas.microsoft.com/office/drawing/2014/main" val="4265215324"/>
+                      </a:ext>
+                    </a:extLst>
+                  </a:tr>
+                  <a:tr h="370840">
+                    <a:tc gridSpan="2">
+                      <a:txBody>
+                        <a:bodyPr/>
+                        <a:lstStyle/>
+                        <a:p>
+                          <a:pPr marL="0" marR="0" lvl="0" indent="0" algn="l" defTabSz="914400" rtl="0" eaLnBrk="1" fontAlgn="auto" latinLnBrk="0" hangingPunct="1">
+                            <a:lnSpc>
+                              <a:spcPct val="100000"/>
+                            </a:lnSpc>
+                            <a:spcBef>
+                              <a:spcPts val="0"/>
+                            </a:spcBef>
+                            <a:spcAft>
+                              <a:spcPts val="0"/>
+                            </a:spcAft>
+                            <a:buClrTx/>
+                            <a:buSzTx/>
+                            <a:buFontTx/>
+                            <a:buNone/>
+                            <a:tabLst/>
+                            <a:defRPr/>
+                          </a:pPr>
+                          <a14:m>
+                            <m:oMath xmlns:m="http://schemas.openxmlformats.org/officeDocument/2006/math">
+                              <m:r>
+                                <a:rPr lang="en-GB" sz="1400" i="1" smtClean="0">
+                                  <a:latin typeface="Cambria Math" panose="02040503050406030204" pitchFamily="18" charset="0"/>
+                                  <a:ea typeface="Cambria Math" panose="02040503050406030204" pitchFamily="18" charset="0"/>
+                                </a:rPr>
+                                <m:t>∆</m:t>
+                              </m:r>
+                              <m:sSub>
+                                <m:sSubPr>
+                                  <m:ctrlPr>
+                                    <a:rPr lang="en-GB" sz="1400" i="1" smtClean="0">
+                                      <a:latin typeface="Cambria Math" panose="02040503050406030204" pitchFamily="18" charset="0"/>
+                                      <a:ea typeface="Cambria Math" panose="02040503050406030204" pitchFamily="18" charset="0"/>
+                                    </a:rPr>
+                                  </m:ctrlPr>
+                                </m:sSubPr>
+                                <m:e>
+                                  <m:r>
+                                    <a:rPr lang="en-GB" sz="1400" b="0" i="1" smtClean="0">
+                                      <a:latin typeface="Cambria Math" panose="02040503050406030204" pitchFamily="18" charset="0"/>
+                                      <a:ea typeface="Cambria Math" panose="02040503050406030204" pitchFamily="18" charset="0"/>
+                                    </a:rPr>
+                                    <m:t>𝑝</m:t>
+                                  </m:r>
+                                </m:e>
+                                <m:sub>
+                                  <m:r>
+                                    <a:rPr lang="en-GB" sz="1400" b="0" i="1" smtClean="0">
+                                      <a:latin typeface="Cambria Math" panose="02040503050406030204" pitchFamily="18" charset="0"/>
+                                      <a:ea typeface="Cambria Math" panose="02040503050406030204" pitchFamily="18" charset="0"/>
+                                    </a:rPr>
+                                    <m:t>1</m:t>
+                                  </m:r>
+                                </m:sub>
+                              </m:sSub>
+                              <m:r>
+                                <a:rPr lang="en-GB" sz="1400" b="0" i="1" smtClean="0">
+                                  <a:latin typeface="Cambria Math" panose="02040503050406030204" pitchFamily="18" charset="0"/>
+                                  <a:ea typeface="Cambria Math" panose="02040503050406030204" pitchFamily="18" charset="0"/>
+                                </a:rPr>
+                                <m:t>, </m:t>
+                              </m:r>
+                              <m:sSup>
+                                <m:sSupPr>
+                                  <m:ctrlPr>
+                                    <a:rPr lang="en-GB" sz="1400" b="0" i="1" smtClean="0">
+                                      <a:latin typeface="Cambria Math" panose="02040503050406030204" pitchFamily="18" charset="0"/>
+                                      <a:ea typeface="Cambria Math" panose="02040503050406030204" pitchFamily="18" charset="0"/>
+                                    </a:rPr>
+                                  </m:ctrlPr>
+                                </m:sSupPr>
+                                <m:e>
+                                  <m:r>
+                                    <a:rPr lang="en-GB" sz="1400" b="0" i="1" smtClean="0">
+                                      <a:latin typeface="Cambria Math" panose="02040503050406030204" pitchFamily="18" charset="0"/>
+                                      <a:ea typeface="Cambria Math" panose="02040503050406030204" pitchFamily="18" charset="0"/>
+                                    </a:rPr>
+                                    <m:t>∆</m:t>
+                                  </m:r>
+                                </m:e>
+                                <m:sup>
+                                  <m:r>
+                                    <a:rPr lang="en-GB" sz="1400" b="0" i="1" smtClean="0">
+                                      <a:latin typeface="Cambria Math" panose="02040503050406030204" pitchFamily="18" charset="0"/>
+                                      <a:ea typeface="Cambria Math" panose="02040503050406030204" pitchFamily="18" charset="0"/>
+                                    </a:rPr>
+                                    <m:t>2</m:t>
+                                  </m:r>
+                                </m:sup>
+                              </m:sSup>
+                              <m:sSub>
+                                <m:sSubPr>
+                                  <m:ctrlPr>
+                                    <a:rPr lang="en-GB" sz="1400" b="0" i="1" smtClean="0">
+                                      <a:latin typeface="Cambria Math" panose="02040503050406030204" pitchFamily="18" charset="0"/>
+                                      <a:ea typeface="Cambria Math" panose="02040503050406030204" pitchFamily="18" charset="0"/>
+                                    </a:rPr>
+                                  </m:ctrlPr>
+                                </m:sSubPr>
+                                <m:e>
+                                  <m:r>
+                                    <a:rPr lang="en-GB" sz="1400" b="0" i="1" smtClean="0">
+                                      <a:latin typeface="Cambria Math" panose="02040503050406030204" pitchFamily="18" charset="0"/>
+                                      <a:ea typeface="Cambria Math" panose="02040503050406030204" pitchFamily="18" charset="0"/>
+                                    </a:rPr>
+                                    <m:t>𝑝</m:t>
+                                  </m:r>
+                                </m:e>
+                                <m:sub>
+                                  <m:r>
+                                    <a:rPr lang="en-GB" sz="1400" b="0" i="1" smtClean="0">
+                                      <a:latin typeface="Cambria Math" panose="02040503050406030204" pitchFamily="18" charset="0"/>
+                                      <a:ea typeface="Cambria Math" panose="02040503050406030204" pitchFamily="18" charset="0"/>
+                                    </a:rPr>
+                                    <m:t>1</m:t>
+                                  </m:r>
+                                </m:sub>
+                              </m:sSub>
+                            </m:oMath>
+                          </a14:m>
+                          <a:r>
+                            <a:rPr lang="en-GB" sz="1400" dirty="0"/>
+                            <a:t> : the</a:t>
+                          </a:r>
+                          <a:r>
+                            <a:rPr lang="en-GB" sz="1400" baseline="0" dirty="0"/>
+                            <a:t> first &amp; second order derivative of point 1</a:t>
+                          </a:r>
+                          <a:endParaRPr lang="en-GB" sz="1400" dirty="0"/>
+                        </a:p>
+                      </a:txBody>
+                      <a:tcPr/>
+                    </a:tc>
+                    <a:tc hMerge="1">
+                      <a:txBody>
+                        <a:bodyPr/>
+                        <a:lstStyle/>
+                        <a:p>
+                          <a:endParaRPr lang="en-GB"/>
+                        </a:p>
+                      </a:txBody>
+                      <a:tcPr/>
+                    </a:tc>
+                    <a:extLst>
+                      <a:ext uri="{0D108BD9-81ED-4DB2-BD59-A6C34878D82A}">
+                        <a16:rowId xmlns:a16="http://schemas.microsoft.com/office/drawing/2014/main" val="219602631"/>
+                      </a:ext>
+                    </a:extLst>
+                  </a:tr>
+                  <a:tr h="370840">
+                    <a:tc gridSpan="2">
+                      <a:txBody>
+                        <a:bodyPr/>
+                        <a:lstStyle/>
+                        <a:p>
+                          <a:pPr marL="0" marR="0" lvl="0" indent="0" algn="l" defTabSz="914400" rtl="0" eaLnBrk="1" fontAlgn="auto" latinLnBrk="0" hangingPunct="1">
+                            <a:lnSpc>
+                              <a:spcPct val="100000"/>
+                            </a:lnSpc>
+                            <a:spcBef>
+                              <a:spcPts val="0"/>
+                            </a:spcBef>
+                            <a:spcAft>
+                              <a:spcPts val="0"/>
+                            </a:spcAft>
+                            <a:buClrTx/>
+                            <a:buSzTx/>
+                            <a:buFontTx/>
+                            <a:buNone/>
+                            <a:tabLst/>
+                            <a:defRPr/>
+                          </a:pPr>
+                          <a14:m>
+                            <m:oMath xmlns:m="http://schemas.openxmlformats.org/officeDocument/2006/math">
+                              <m:r>
+                                <a:rPr lang="en-GB" sz="1400" i="1" smtClean="0">
+                                  <a:latin typeface="Cambria Math" panose="02040503050406030204" pitchFamily="18" charset="0"/>
+                                  <a:ea typeface="Cambria Math" panose="02040503050406030204" pitchFamily="18" charset="0"/>
+                                </a:rPr>
+                                <m:t>∆</m:t>
+                              </m:r>
+                              <m:sSub>
+                                <m:sSubPr>
+                                  <m:ctrlPr>
+                                    <a:rPr lang="en-GB" sz="1400" i="1" smtClean="0">
+                                      <a:latin typeface="Cambria Math" panose="02040503050406030204" pitchFamily="18" charset="0"/>
+                                      <a:ea typeface="Cambria Math" panose="02040503050406030204" pitchFamily="18" charset="0"/>
+                                    </a:rPr>
+                                  </m:ctrlPr>
+                                </m:sSubPr>
+                                <m:e>
+                                  <m:r>
+                                    <a:rPr lang="en-GB" sz="1400" b="0" i="1" smtClean="0">
+                                      <a:latin typeface="Cambria Math" panose="02040503050406030204" pitchFamily="18" charset="0"/>
+                                      <a:ea typeface="Cambria Math" panose="02040503050406030204" pitchFamily="18" charset="0"/>
+                                    </a:rPr>
+                                    <m:t>𝑝</m:t>
+                                  </m:r>
+                                </m:e>
+                                <m:sub>
+                                  <m:r>
+                                    <a:rPr lang="en-GB" sz="1400" b="0" i="1" smtClean="0">
+                                      <a:latin typeface="Cambria Math" panose="02040503050406030204" pitchFamily="18" charset="0"/>
+                                      <a:ea typeface="Cambria Math" panose="02040503050406030204" pitchFamily="18" charset="0"/>
+                                    </a:rPr>
+                                    <m:t>2</m:t>
+                                  </m:r>
+                                </m:sub>
+                              </m:sSub>
+                              <m:r>
+                                <a:rPr lang="en-GB" sz="1400" b="0" i="1" smtClean="0">
+                                  <a:latin typeface="Cambria Math" panose="02040503050406030204" pitchFamily="18" charset="0"/>
+                                  <a:ea typeface="Cambria Math" panose="02040503050406030204" pitchFamily="18" charset="0"/>
+                                </a:rPr>
+                                <m:t>, </m:t>
+                              </m:r>
+                              <m:sSup>
+                                <m:sSupPr>
+                                  <m:ctrlPr>
+                                    <a:rPr lang="en-GB" sz="1400" b="0" i="1" smtClean="0">
+                                      <a:latin typeface="Cambria Math" panose="02040503050406030204" pitchFamily="18" charset="0"/>
+                                      <a:ea typeface="Cambria Math" panose="02040503050406030204" pitchFamily="18" charset="0"/>
+                                    </a:rPr>
+                                  </m:ctrlPr>
+                                </m:sSupPr>
+                                <m:e>
+                                  <m:r>
+                                    <a:rPr lang="en-GB" sz="1400" b="0" i="1" smtClean="0">
+                                      <a:latin typeface="Cambria Math" panose="02040503050406030204" pitchFamily="18" charset="0"/>
+                                      <a:ea typeface="Cambria Math" panose="02040503050406030204" pitchFamily="18" charset="0"/>
+                                    </a:rPr>
+                                    <m:t>∆</m:t>
+                                  </m:r>
+                                </m:e>
+                                <m:sup>
+                                  <m:r>
+                                    <a:rPr lang="en-GB" sz="1400" b="0" i="1" smtClean="0">
+                                      <a:latin typeface="Cambria Math" panose="02040503050406030204" pitchFamily="18" charset="0"/>
+                                      <a:ea typeface="Cambria Math" panose="02040503050406030204" pitchFamily="18" charset="0"/>
+                                    </a:rPr>
+                                    <m:t>2</m:t>
+                                  </m:r>
+                                </m:sup>
+                              </m:sSup>
+                              <m:sSub>
+                                <m:sSubPr>
+                                  <m:ctrlPr>
+                                    <a:rPr lang="en-GB" sz="1400" b="0" i="1" smtClean="0">
+                                      <a:latin typeface="Cambria Math" panose="02040503050406030204" pitchFamily="18" charset="0"/>
+                                      <a:ea typeface="Cambria Math" panose="02040503050406030204" pitchFamily="18" charset="0"/>
+                                    </a:rPr>
+                                  </m:ctrlPr>
+                                </m:sSubPr>
+                                <m:e>
+                                  <m:r>
+                                    <a:rPr lang="en-GB" sz="1400" b="0" i="1" smtClean="0">
+                                      <a:latin typeface="Cambria Math" panose="02040503050406030204" pitchFamily="18" charset="0"/>
+                                      <a:ea typeface="Cambria Math" panose="02040503050406030204" pitchFamily="18" charset="0"/>
+                                    </a:rPr>
+                                    <m:t>𝑝</m:t>
+                                  </m:r>
+                                </m:e>
+                                <m:sub>
+                                  <m:r>
+                                    <a:rPr lang="en-GB" sz="1400" b="0" i="1" smtClean="0">
+                                      <a:latin typeface="Cambria Math" panose="02040503050406030204" pitchFamily="18" charset="0"/>
+                                      <a:ea typeface="Cambria Math" panose="02040503050406030204" pitchFamily="18" charset="0"/>
+                                    </a:rPr>
+                                    <m:t>2</m:t>
+                                  </m:r>
+                                </m:sub>
+                              </m:sSub>
+                            </m:oMath>
+                          </a14:m>
+                          <a:r>
+                            <a:rPr lang="en-GB" sz="1400" dirty="0"/>
+                            <a:t> : the</a:t>
+                          </a:r>
+                          <a:r>
+                            <a:rPr lang="en-GB" sz="1400" baseline="0" dirty="0"/>
+                            <a:t> first &amp; second order derivative of point 2</a:t>
+                          </a:r>
+                          <a:endParaRPr lang="en-GB" sz="1400" dirty="0"/>
+                        </a:p>
+                      </a:txBody>
+                      <a:tcPr/>
+                    </a:tc>
+                    <a:tc hMerge="1">
+                      <a:txBody>
+                        <a:bodyPr/>
+                        <a:lstStyle/>
+                        <a:p>
+                          <a:endParaRPr lang="en-GB"/>
+                        </a:p>
+                      </a:txBody>
+                      <a:tcPr/>
+                    </a:tc>
+                    <a:extLst>
+                      <a:ext uri="{0D108BD9-81ED-4DB2-BD59-A6C34878D82A}">
+                        <a16:rowId xmlns:a16="http://schemas.microsoft.com/office/drawing/2014/main" val="834563075"/>
+                      </a:ext>
+                    </a:extLst>
+                  </a:tr>
+                  <a:tr h="370840">
+                    <a:tc gridSpan="2">
+                      <a:txBody>
+                        <a:bodyPr/>
+                        <a:lstStyle/>
+                        <a:p>
+                          <a:pPr marL="0" marR="0" lvl="0" indent="0" algn="l" defTabSz="914400" rtl="0" eaLnBrk="1" fontAlgn="auto" latinLnBrk="0" hangingPunct="1">
+                            <a:lnSpc>
+                              <a:spcPct val="100000"/>
+                            </a:lnSpc>
+                            <a:spcBef>
+                              <a:spcPts val="0"/>
+                            </a:spcBef>
+                            <a:spcAft>
+                              <a:spcPts val="0"/>
+                            </a:spcAft>
+                            <a:buClrTx/>
+                            <a:buSzTx/>
+                            <a:buFontTx/>
+                            <a:buNone/>
+                            <a:tabLst/>
+                            <a:defRPr/>
+                          </a:pPr>
+                          <a14:m>
+                            <m:oMath xmlns:m="http://schemas.openxmlformats.org/officeDocument/2006/math">
+                              <m:sSub>
+                                <m:sSubPr>
+                                  <m:ctrlPr>
+                                    <a:rPr lang="en-GB" sz="1400" b="0" i="1" smtClean="0">
+                                      <a:latin typeface="Cambria Math" panose="02040503050406030204" pitchFamily="18" charset="0"/>
+                                    </a:rPr>
+                                  </m:ctrlPr>
+                                </m:sSubPr>
+                                <m:e>
+                                  <m:r>
+                                    <a:rPr lang="en-GB" sz="1400" b="0" i="1" smtClean="0">
+                                      <a:latin typeface="Cambria Math" panose="02040503050406030204" pitchFamily="18" charset="0"/>
+                                    </a:rPr>
+                                    <m:t>𝑠𝑡𝑑</m:t>
+                                  </m:r>
+                                </m:e>
+                                <m:sub>
+                                  <m:r>
+                                    <a:rPr lang="en-GB" sz="1400" b="0" i="1" smtClean="0">
+                                      <a:latin typeface="Cambria Math" panose="02040503050406030204" pitchFamily="18" charset="0"/>
+                                    </a:rPr>
+                                    <m:t>21</m:t>
+                                  </m:r>
+                                </m:sub>
+                              </m:sSub>
+                              <m:r>
+                                <a:rPr lang="en-GB" sz="1400" b="0" i="1" smtClean="0">
+                                  <a:latin typeface="Cambria Math" panose="02040503050406030204" pitchFamily="18" charset="0"/>
+                                </a:rPr>
+                                <m:t>, </m:t>
+                              </m:r>
+                              <m:sSub>
+                                <m:sSubPr>
+                                  <m:ctrlPr>
+                                    <a:rPr lang="en-GB" sz="1400" b="0" i="1" smtClean="0">
+                                      <a:latin typeface="Cambria Math" panose="02040503050406030204" pitchFamily="18" charset="0"/>
+                                    </a:rPr>
+                                  </m:ctrlPr>
+                                </m:sSubPr>
+                                <m:e>
+                                  <m:r>
+                                    <a:rPr lang="en-GB" sz="1400" b="0" i="1" smtClean="0">
+                                      <a:latin typeface="Cambria Math" panose="02040503050406030204" pitchFamily="18" charset="0"/>
+                                    </a:rPr>
+                                    <m:t>𝑠𝑡𝑑</m:t>
+                                  </m:r>
+                                </m:e>
+                                <m:sub>
+                                  <m:r>
+                                    <a:rPr lang="en-GB" sz="1400" b="0" i="1" smtClean="0">
+                                      <a:latin typeface="Cambria Math" panose="02040503050406030204" pitchFamily="18" charset="0"/>
+                                    </a:rPr>
+                                    <m:t>22</m:t>
+                                  </m:r>
+                                </m:sub>
+                              </m:sSub>
+                            </m:oMath>
+                          </a14:m>
+                          <a:r>
+                            <a:rPr lang="en-GB" sz="1400" dirty="0"/>
+                            <a:t>: standard deviation of </a:t>
+                          </a:r>
+                          <a14:m>
+                            <m:oMath xmlns:m="http://schemas.openxmlformats.org/officeDocument/2006/math">
+                              <m:r>
+                                <a:rPr lang="en-GB" sz="1400" i="1" smtClean="0">
+                                  <a:latin typeface="Cambria Math" panose="02040503050406030204" pitchFamily="18" charset="0"/>
+                                  <a:ea typeface="Cambria Math" panose="02040503050406030204" pitchFamily="18" charset="0"/>
+                                </a:rPr>
+                                <m:t>∆</m:t>
+                              </m:r>
+                              <m:sSub>
+                                <m:sSubPr>
+                                  <m:ctrlPr>
+                                    <a:rPr lang="en-GB" sz="1400" i="1" smtClean="0">
+                                      <a:latin typeface="Cambria Math" panose="02040503050406030204" pitchFamily="18" charset="0"/>
+                                      <a:ea typeface="Cambria Math" panose="02040503050406030204" pitchFamily="18" charset="0"/>
+                                    </a:rPr>
+                                  </m:ctrlPr>
+                                </m:sSubPr>
+                                <m:e>
+                                  <m:r>
+                                    <a:rPr lang="en-GB" sz="1400" b="0" i="1" smtClean="0">
+                                      <a:latin typeface="Cambria Math" panose="02040503050406030204" pitchFamily="18" charset="0"/>
+                                      <a:ea typeface="Cambria Math" panose="02040503050406030204" pitchFamily="18" charset="0"/>
+                                    </a:rPr>
+                                    <m:t>𝑝</m:t>
+                                  </m:r>
+                                </m:e>
+                                <m:sub>
+                                  <m:r>
+                                    <a:rPr lang="en-GB" sz="1400" b="0" i="1" smtClean="0">
+                                      <a:latin typeface="Cambria Math" panose="02040503050406030204" pitchFamily="18" charset="0"/>
+                                      <a:ea typeface="Cambria Math" panose="02040503050406030204" pitchFamily="18" charset="0"/>
+                                    </a:rPr>
+                                    <m:t>2</m:t>
+                                  </m:r>
+                                </m:sub>
+                              </m:sSub>
+                              <m:r>
+                                <a:rPr lang="en-GB" sz="1400" b="0" i="1" smtClean="0">
+                                  <a:latin typeface="Cambria Math" panose="02040503050406030204" pitchFamily="18" charset="0"/>
+                                  <a:ea typeface="Cambria Math" panose="02040503050406030204" pitchFamily="18" charset="0"/>
+                                </a:rPr>
+                                <m:t>, </m:t>
+                              </m:r>
+                              <m:sSup>
+                                <m:sSupPr>
+                                  <m:ctrlPr>
+                                    <a:rPr lang="en-GB" sz="1400" b="0" i="1" smtClean="0">
+                                      <a:latin typeface="Cambria Math" panose="02040503050406030204" pitchFamily="18" charset="0"/>
+                                      <a:ea typeface="Cambria Math" panose="02040503050406030204" pitchFamily="18" charset="0"/>
+                                    </a:rPr>
+                                  </m:ctrlPr>
+                                </m:sSupPr>
+                                <m:e>
+                                  <m:r>
+                                    <a:rPr lang="en-GB" sz="1400" b="0" i="1" smtClean="0">
+                                      <a:latin typeface="Cambria Math" panose="02040503050406030204" pitchFamily="18" charset="0"/>
+                                      <a:ea typeface="Cambria Math" panose="02040503050406030204" pitchFamily="18" charset="0"/>
+                                    </a:rPr>
+                                    <m:t>∆</m:t>
+                                  </m:r>
+                                </m:e>
+                                <m:sup>
+                                  <m:r>
+                                    <a:rPr lang="en-GB" sz="1400" b="0" i="1" smtClean="0">
+                                      <a:latin typeface="Cambria Math" panose="02040503050406030204" pitchFamily="18" charset="0"/>
+                                      <a:ea typeface="Cambria Math" panose="02040503050406030204" pitchFamily="18" charset="0"/>
+                                    </a:rPr>
+                                    <m:t>2</m:t>
+                                  </m:r>
+                                </m:sup>
+                              </m:sSup>
+                              <m:sSub>
+                                <m:sSubPr>
+                                  <m:ctrlPr>
+                                    <a:rPr lang="en-GB" sz="1400" b="0" i="1" smtClean="0">
+                                      <a:latin typeface="Cambria Math" panose="02040503050406030204" pitchFamily="18" charset="0"/>
+                                      <a:ea typeface="Cambria Math" panose="02040503050406030204" pitchFamily="18" charset="0"/>
+                                    </a:rPr>
+                                  </m:ctrlPr>
+                                </m:sSubPr>
+                                <m:e>
+                                  <m:r>
+                                    <a:rPr lang="en-GB" sz="1400" b="0" i="1" smtClean="0">
+                                      <a:latin typeface="Cambria Math" panose="02040503050406030204" pitchFamily="18" charset="0"/>
+                                      <a:ea typeface="Cambria Math" panose="02040503050406030204" pitchFamily="18" charset="0"/>
+                                    </a:rPr>
+                                    <m:t>𝑝</m:t>
+                                  </m:r>
+                                </m:e>
+                                <m:sub>
+                                  <m:r>
+                                    <a:rPr lang="en-GB" sz="1400" b="0" i="1" smtClean="0">
+                                      <a:latin typeface="Cambria Math" panose="02040503050406030204" pitchFamily="18" charset="0"/>
+                                      <a:ea typeface="Cambria Math" panose="02040503050406030204" pitchFamily="18" charset="0"/>
+                                    </a:rPr>
+                                    <m:t>2</m:t>
+                                  </m:r>
+                                </m:sub>
+                              </m:sSub>
+                            </m:oMath>
+                          </a14:m>
+                          <a:r>
+                            <a:rPr lang="en-GB" sz="1400" dirty="0"/>
+                            <a:t> </a:t>
+                          </a:r>
+                        </a:p>
+                      </a:txBody>
+                      <a:tcPr/>
+                    </a:tc>
+                    <a:tc hMerge="1">
+                      <a:txBody>
+                        <a:bodyPr/>
+                        <a:lstStyle/>
+                        <a:p>
+                          <a:endParaRPr lang="en-GB" dirty="0"/>
+                        </a:p>
+                      </a:txBody>
+                      <a:tcPr/>
+                    </a:tc>
+                    <a:extLst>
+                      <a:ext uri="{0D108BD9-81ED-4DB2-BD59-A6C34878D82A}">
+                        <a16:rowId xmlns:a16="http://schemas.microsoft.com/office/drawing/2014/main" val="3901237211"/>
+                      </a:ext>
+                    </a:extLst>
+                  </a:tr>
+                  <a:tr h="370840">
+                    <a:tc gridSpan="2">
+                      <a:txBody>
+                        <a:bodyPr/>
+                        <a:lstStyle/>
+                        <a:p>
+                          <a14:m>
+                            <m:oMath xmlns:m="http://schemas.openxmlformats.org/officeDocument/2006/math">
+                              <m:r>
+                                <a:rPr lang="en-GB" sz="1400" b="0" i="1" smtClean="0">
+                                  <a:latin typeface="Cambria Math" panose="02040503050406030204" pitchFamily="18" charset="0"/>
+                                </a:rPr>
+                                <m:t>𝑛</m:t>
+                              </m:r>
+                            </m:oMath>
+                          </a14:m>
+                          <a:r>
+                            <a:rPr lang="en-GB" sz="1400" dirty="0"/>
+                            <a:t>: threshold</a:t>
+                          </a:r>
+                          <a:r>
+                            <a:rPr lang="en-GB" sz="1400" baseline="0" dirty="0"/>
+                            <a:t> tuning</a:t>
+                          </a:r>
+                          <a:endParaRPr lang="en-GB" sz="1400" dirty="0"/>
+                        </a:p>
+                      </a:txBody>
+                      <a:tcPr/>
+                    </a:tc>
+                    <a:tc hMerge="1">
+                      <a:txBody>
+                        <a:bodyPr/>
+                        <a:lstStyle/>
+                        <a:p>
+                          <a:endParaRPr lang="en-GB" dirty="0"/>
+                        </a:p>
+                      </a:txBody>
+                      <a:tcPr/>
+                    </a:tc>
+                    <a:extLst>
+                      <a:ext uri="{0D108BD9-81ED-4DB2-BD59-A6C34878D82A}">
+                        <a16:rowId xmlns:a16="http://schemas.microsoft.com/office/drawing/2014/main" val="3634268447"/>
+                      </a:ext>
+                    </a:extLst>
+                  </a:tr>
+                  <a:tr h="370840">
+                    <a:tc gridSpan="2">
+                      <a:txBody>
+                        <a:bodyPr/>
+                        <a:lstStyle/>
+                        <a:p>
+                          <a14:m>
+                            <m:oMath xmlns:m="http://schemas.openxmlformats.org/officeDocument/2006/math">
+                              <m:r>
+                                <a:rPr lang="en-GB" sz="1400" i="1" smtClean="0">
+                                  <a:latin typeface="Cambria Math" panose="02040503050406030204" pitchFamily="18" charset="0"/>
+                                  <a:ea typeface="Cambria Math" panose="02040503050406030204" pitchFamily="18" charset="0"/>
+                                </a:rPr>
+                                <m:t>∆</m:t>
+                              </m:r>
+                              <m:sSub>
+                                <m:sSubPr>
+                                  <m:ctrlPr>
+                                    <a:rPr lang="en-GB" sz="1400" i="1" smtClean="0">
+                                      <a:latin typeface="Cambria Math" panose="02040503050406030204" pitchFamily="18" charset="0"/>
+                                      <a:ea typeface="Cambria Math" panose="02040503050406030204" pitchFamily="18" charset="0"/>
+                                    </a:rPr>
+                                  </m:ctrlPr>
+                                </m:sSubPr>
+                                <m:e>
+                                  <m:r>
+                                    <a:rPr lang="en-GB" sz="1400" b="0" i="1" smtClean="0">
+                                      <a:latin typeface="Cambria Math" panose="02040503050406030204" pitchFamily="18" charset="0"/>
+                                      <a:ea typeface="Cambria Math" panose="02040503050406030204" pitchFamily="18" charset="0"/>
+                                    </a:rPr>
+                                    <m:t>𝑝</m:t>
+                                  </m:r>
+                                </m:e>
+                                <m:sub>
+                                  <m:r>
+                                    <a:rPr lang="en-GB" sz="1400" b="0" i="1" smtClean="0">
+                                      <a:latin typeface="Cambria Math" panose="02040503050406030204" pitchFamily="18" charset="0"/>
+                                      <a:ea typeface="Cambria Math" panose="02040503050406030204" pitchFamily="18" charset="0"/>
+                                    </a:rPr>
+                                    <m:t>𝑐𝑜𝑚𝑝𝑎𝑟𝑒</m:t>
+                                  </m:r>
+                                </m:sub>
+                              </m:sSub>
+                            </m:oMath>
+                          </a14:m>
+                          <a:r>
+                            <a:rPr lang="en-GB" sz="1400" b="0" dirty="0"/>
+                            <a:t>: the initial value is </a:t>
+                          </a:r>
+                          <a14:m>
+                            <m:oMath xmlns:m="http://schemas.openxmlformats.org/officeDocument/2006/math">
+                              <m:r>
+                                <a:rPr lang="en-GB" sz="1400" b="0" i="1" baseline="0" smtClean="0">
+                                  <a:latin typeface="Cambria Math" panose="02040503050406030204" pitchFamily="18" charset="0"/>
+                                  <a:ea typeface="Cambria Math" panose="02040503050406030204" pitchFamily="18" charset="0"/>
+                                </a:rPr>
+                                <m:t>∆</m:t>
+                              </m:r>
+                              <m:sSub>
+                                <m:sSubPr>
+                                  <m:ctrlPr>
+                                    <a:rPr lang="en-GB" sz="1400" b="0" i="1" baseline="0" smtClean="0">
+                                      <a:latin typeface="Cambria Math" panose="02040503050406030204" pitchFamily="18" charset="0"/>
+                                      <a:ea typeface="Cambria Math" panose="02040503050406030204" pitchFamily="18" charset="0"/>
+                                    </a:rPr>
+                                  </m:ctrlPr>
+                                </m:sSubPr>
+                                <m:e>
+                                  <m:r>
+                                    <a:rPr lang="en-GB" sz="1400" b="0" i="1" baseline="0" smtClean="0">
+                                      <a:latin typeface="Cambria Math" panose="02040503050406030204" pitchFamily="18" charset="0"/>
+                                      <a:ea typeface="Cambria Math" panose="02040503050406030204" pitchFamily="18" charset="0"/>
+                                    </a:rPr>
+                                    <m:t>𝑝</m:t>
+                                  </m:r>
+                                </m:e>
+                                <m:sub>
+                                  <m:r>
+                                    <a:rPr lang="en-GB" sz="1400" b="0" i="1" baseline="0" smtClean="0">
+                                      <a:latin typeface="Cambria Math" panose="02040503050406030204" pitchFamily="18" charset="0"/>
+                                      <a:ea typeface="Cambria Math" panose="02040503050406030204" pitchFamily="18" charset="0"/>
+                                    </a:rPr>
+                                    <m:t>𝑓𝑖𝑟𝑠𝑡</m:t>
+                                  </m:r>
+                                  <m:r>
+                                    <a:rPr lang="en-GB" sz="1400" b="0" i="1" baseline="0" smtClean="0">
+                                      <a:latin typeface="Cambria Math" panose="02040503050406030204" pitchFamily="18" charset="0"/>
+                                      <a:ea typeface="Cambria Math" panose="02040503050406030204" pitchFamily="18" charset="0"/>
+                                    </a:rPr>
+                                    <m:t> </m:t>
+                                  </m:r>
+                                  <m:r>
+                                    <a:rPr lang="en-GB" sz="1400" b="0" i="1" baseline="0" smtClean="0">
+                                      <a:latin typeface="Cambria Math" panose="02040503050406030204" pitchFamily="18" charset="0"/>
+                                      <a:ea typeface="Cambria Math" panose="02040503050406030204" pitchFamily="18" charset="0"/>
+                                    </a:rPr>
+                                    <m:t>𝑝𝑜𝑖𝑛𝑡</m:t>
+                                  </m:r>
+                                  <m:r>
+                                    <a:rPr lang="en-GB" sz="1400" b="0" i="1" baseline="0" smtClean="0">
+                                      <a:latin typeface="Cambria Math" panose="02040503050406030204" pitchFamily="18" charset="0"/>
+                                      <a:ea typeface="Cambria Math" panose="02040503050406030204" pitchFamily="18" charset="0"/>
+                                    </a:rPr>
+                                    <m:t> </m:t>
+                                  </m:r>
+                                  <m:r>
+                                    <a:rPr lang="en-GB" sz="1400" b="0" i="1" baseline="0" smtClean="0">
+                                      <a:latin typeface="Cambria Math" panose="02040503050406030204" pitchFamily="18" charset="0"/>
+                                      <a:ea typeface="Cambria Math" panose="02040503050406030204" pitchFamily="18" charset="0"/>
+                                    </a:rPr>
+                                    <m:t>𝑜𝑓</m:t>
+                                  </m:r>
+                                  <m:r>
+                                    <a:rPr lang="en-GB" sz="1400" b="0" i="1" baseline="0" smtClean="0">
+                                      <a:latin typeface="Cambria Math" panose="02040503050406030204" pitchFamily="18" charset="0"/>
+                                      <a:ea typeface="Cambria Math" panose="02040503050406030204" pitchFamily="18" charset="0"/>
+                                    </a:rPr>
+                                    <m:t> </m:t>
+                                  </m:r>
+                                  <m:r>
+                                    <a:rPr lang="en-GB" sz="1400" b="0" i="1" baseline="0" smtClean="0">
+                                      <a:latin typeface="Cambria Math" panose="02040503050406030204" pitchFamily="18" charset="0"/>
+                                      <a:ea typeface="Cambria Math" panose="02040503050406030204" pitchFamily="18" charset="0"/>
+                                    </a:rPr>
+                                    <m:t>𝑑𝑎𝑡𝑎𝑠𝑒𝑡</m:t>
+                                  </m:r>
+                                </m:sub>
+                              </m:sSub>
+                            </m:oMath>
+                          </a14:m>
+                          <a:endParaRPr lang="en-GB" sz="1400" b="0" dirty="0"/>
+                        </a:p>
+                      </a:txBody>
+                      <a:tcPr/>
+                    </a:tc>
+                    <a:tc hMerge="1">
+                      <a:txBody>
+                        <a:bodyPr/>
+                        <a:lstStyle/>
+                        <a:p>
+                          <a:endParaRPr lang="en-GB" b="1" dirty="0"/>
+                        </a:p>
+                      </a:txBody>
+                      <a:tcPr/>
+                    </a:tc>
+                    <a:extLst>
+                      <a:ext uri="{0D108BD9-81ED-4DB2-BD59-A6C34878D82A}">
+                        <a16:rowId xmlns:a16="http://schemas.microsoft.com/office/drawing/2014/main" val="3387342646"/>
+                      </a:ext>
+                    </a:extLst>
+                  </a:tr>
+                  <a:tr h="370840">
+                    <a:tc gridSpan="2">
+                      <a:txBody>
+                        <a:bodyPr/>
+                        <a:lstStyle/>
+                        <a:p>
+                          <a:r>
+                            <a:rPr lang="en-GB" b="1" dirty="0"/>
+                            <a:t>Start Point    </a:t>
+                          </a:r>
+                          <a:r>
+                            <a:rPr lang="en-GB" sz="1600" b="1" i="1" u="sng" kern="1200" dirty="0">
+                              <a:solidFill>
+                                <a:schemeClr val="accent6">
+                                  <a:lumMod val="75000"/>
+                                </a:schemeClr>
+                              </a:solidFill>
+                              <a:latin typeface="+mn-lt"/>
+                              <a:ea typeface="+mn-ea"/>
+                              <a:cs typeface="+mn-cs"/>
+                            </a:rPr>
+                            <a:t>Real field data(smoothed): 404 </a:t>
+                          </a:r>
+                          <a:r>
+                            <a:rPr lang="en-GB" sz="1600" b="1" i="1" u="sng" dirty="0">
+                              <a:solidFill>
+                                <a:schemeClr val="accent6">
+                                  <a:lumMod val="75000"/>
+                                </a:schemeClr>
+                              </a:solidFill>
+                            </a:rPr>
+                            <a:t>detected, many points missed </a:t>
+                          </a:r>
+                          <a:endParaRPr lang="en-GB" sz="1600" b="1" dirty="0"/>
+                        </a:p>
+                      </a:txBody>
+                      <a:tcPr/>
+                    </a:tc>
+                    <a:tc hMerge="1">
+                      <a:txBody>
+                        <a:bodyPr/>
+                        <a:lstStyle/>
+                        <a:p>
+                          <a:endParaRPr lang="en-GB"/>
+                        </a:p>
+                      </a:txBody>
+                      <a:tcPr/>
+                    </a:tc>
+                    <a:extLst>
+                      <a:ext uri="{0D108BD9-81ED-4DB2-BD59-A6C34878D82A}">
+                        <a16:rowId xmlns:a16="http://schemas.microsoft.com/office/drawing/2014/main" val="2299951807"/>
+                      </a:ext>
+                    </a:extLst>
+                  </a:tr>
+                  <a:tr h="370840">
+                    <a:tc gridSpan="2">
+                      <a:txBody>
+                        <a:bodyPr/>
+                        <a:lstStyle/>
+                        <a:p>
+                          <a:r>
+                            <a:rPr lang="en-GB" sz="1400" dirty="0"/>
+                            <a:t>          </a:t>
+                          </a:r>
+                          <a:r>
+                            <a:rPr lang="en-GB" sz="1400" b="1" dirty="0"/>
+                            <a:t>if</a:t>
+                          </a:r>
+                          <a:r>
+                            <a:rPr lang="en-GB" sz="1400" dirty="0"/>
+                            <a:t> </a:t>
+                          </a:r>
+                          <a14:m>
+                            <m:oMath xmlns:m="http://schemas.openxmlformats.org/officeDocument/2006/math">
+                              <m:sSub>
+                                <m:sSubPr>
+                                  <m:ctrlPr>
+                                    <a:rPr lang="en-GB" sz="1400" b="0" i="1" smtClean="0">
+                                      <a:latin typeface="Cambria Math" panose="02040503050406030204" pitchFamily="18" charset="0"/>
+                                    </a:rPr>
+                                  </m:ctrlPr>
+                                </m:sSubPr>
+                                <m:e>
+                                  <m:r>
+                                    <a:rPr lang="en-GB" sz="1400" i="1" smtClean="0">
+                                      <a:latin typeface="Cambria Math" panose="02040503050406030204" pitchFamily="18" charset="0"/>
+                                      <a:ea typeface="Cambria Math" panose="02040503050406030204" pitchFamily="18" charset="0"/>
+                                    </a:rPr>
+                                    <m:t>∆</m:t>
+                                  </m:r>
+                                  <m:sSub>
+                                    <m:sSubPr>
+                                      <m:ctrlPr>
+                                        <a:rPr lang="en-GB" sz="1400" i="1" smtClean="0">
+                                          <a:latin typeface="Cambria Math" panose="02040503050406030204" pitchFamily="18" charset="0"/>
+                                          <a:ea typeface="Cambria Math" panose="02040503050406030204" pitchFamily="18" charset="0"/>
+                                        </a:rPr>
+                                      </m:ctrlPr>
+                                    </m:sSubPr>
+                                    <m:e>
+                                      <m:r>
+                                        <a:rPr lang="en-GB" sz="1400" b="0" i="1" smtClean="0">
+                                          <a:latin typeface="Cambria Math" panose="02040503050406030204" pitchFamily="18" charset="0"/>
+                                          <a:ea typeface="Cambria Math" panose="02040503050406030204" pitchFamily="18" charset="0"/>
+                                        </a:rPr>
+                                        <m:t>𝑝</m:t>
+                                      </m:r>
+                                    </m:e>
+                                    <m:sub>
+                                      <m:r>
+                                        <a:rPr lang="en-GB" sz="1400" b="0" i="1" smtClean="0">
+                                          <a:latin typeface="Cambria Math" panose="02040503050406030204" pitchFamily="18" charset="0"/>
+                                          <a:ea typeface="Cambria Math" panose="02040503050406030204" pitchFamily="18" charset="0"/>
+                                        </a:rPr>
+                                        <m:t>2</m:t>
+                                      </m:r>
+                                    </m:sub>
+                                  </m:sSub>
+                                  <m:r>
+                                    <a:rPr lang="en-GB" sz="1400" b="0" i="1" smtClean="0">
+                                      <a:latin typeface="Cambria Math" panose="02040503050406030204" pitchFamily="18" charset="0"/>
+                                    </a:rPr>
+                                    <m:t>&gt;</m:t>
+                                  </m:r>
+                                  <m:r>
+                                    <a:rPr lang="en-GB" sz="1400" b="0" i="1" smtClean="0">
+                                      <a:latin typeface="Cambria Math" panose="02040503050406030204" pitchFamily="18" charset="0"/>
+                                    </a:rPr>
+                                    <m:t>𝑛</m:t>
+                                  </m:r>
+                                  <m:r>
+                                    <a:rPr lang="en-GB" sz="1400" b="0" i="1" smtClean="0">
+                                      <a:latin typeface="Cambria Math" panose="02040503050406030204" pitchFamily="18" charset="0"/>
+                                    </a:rPr>
+                                    <m:t>∗</m:t>
+                                  </m:r>
+                                  <m:r>
+                                    <a:rPr lang="en-GB" sz="1400" b="0" i="1" smtClean="0">
+                                      <a:latin typeface="Cambria Math" panose="02040503050406030204" pitchFamily="18" charset="0"/>
+                                    </a:rPr>
+                                    <m:t>𝑠𝑡𝑑</m:t>
+                                  </m:r>
+                                </m:e>
+                                <m:sub>
+                                  <m:r>
+                                    <a:rPr lang="en-GB" sz="1400" b="0" i="1" smtClean="0">
+                                      <a:latin typeface="Cambria Math" panose="02040503050406030204" pitchFamily="18" charset="0"/>
+                                    </a:rPr>
+                                    <m:t>21</m:t>
+                                  </m:r>
+                                </m:sub>
+                              </m:sSub>
+                              <m:r>
+                                <a:rPr lang="en-GB" sz="1400" b="0" i="1" smtClean="0">
+                                  <a:latin typeface="Cambria Math" panose="02040503050406030204" pitchFamily="18" charset="0"/>
+                                </a:rPr>
+                                <m:t> </m:t>
+                              </m:r>
+                              <m:r>
+                                <a:rPr lang="en-GB" sz="1400" b="0" i="1" smtClean="0">
+                                  <a:latin typeface="Cambria Math" panose="02040503050406030204" pitchFamily="18" charset="0"/>
+                                </a:rPr>
+                                <m:t>𝑎𝑛𝑑</m:t>
+                              </m:r>
+                              <m:sSup>
+                                <m:sSupPr>
+                                  <m:ctrlPr>
+                                    <a:rPr lang="en-GB" sz="1400" b="0" i="1" smtClean="0">
+                                      <a:latin typeface="Cambria Math" panose="02040503050406030204" pitchFamily="18" charset="0"/>
+                                      <a:ea typeface="Cambria Math" panose="02040503050406030204" pitchFamily="18" charset="0"/>
+                                    </a:rPr>
+                                  </m:ctrlPr>
+                                </m:sSupPr>
+                                <m:e>
+                                  <m:r>
+                                    <a:rPr lang="en-GB" sz="1400" b="0" i="1" smtClean="0">
+                                      <a:latin typeface="Cambria Math" panose="02040503050406030204" pitchFamily="18" charset="0"/>
+                                      <a:ea typeface="Cambria Math" panose="02040503050406030204" pitchFamily="18" charset="0"/>
+                                    </a:rPr>
+                                    <m:t> ∆</m:t>
+                                  </m:r>
+                                </m:e>
+                                <m:sup>
+                                  <m:r>
+                                    <a:rPr lang="en-GB" sz="1400" b="0" i="1" smtClean="0">
+                                      <a:latin typeface="Cambria Math" panose="02040503050406030204" pitchFamily="18" charset="0"/>
+                                      <a:ea typeface="Cambria Math" panose="02040503050406030204" pitchFamily="18" charset="0"/>
+                                    </a:rPr>
+                                    <m:t>2</m:t>
+                                  </m:r>
+                                </m:sup>
+                              </m:sSup>
+                              <m:sSub>
+                                <m:sSubPr>
+                                  <m:ctrlPr>
+                                    <a:rPr lang="en-GB" sz="1400" b="0" i="1" smtClean="0">
+                                      <a:latin typeface="Cambria Math" panose="02040503050406030204" pitchFamily="18" charset="0"/>
+                                      <a:ea typeface="Cambria Math" panose="02040503050406030204" pitchFamily="18" charset="0"/>
+                                    </a:rPr>
+                                  </m:ctrlPr>
+                                </m:sSubPr>
+                                <m:e>
+                                  <m:r>
+                                    <a:rPr lang="en-GB" sz="1400" b="0" i="1" smtClean="0">
+                                      <a:latin typeface="Cambria Math" panose="02040503050406030204" pitchFamily="18" charset="0"/>
+                                      <a:ea typeface="Cambria Math" panose="02040503050406030204" pitchFamily="18" charset="0"/>
+                                    </a:rPr>
+                                    <m:t>𝑝</m:t>
+                                  </m:r>
+                                </m:e>
+                                <m:sub>
+                                  <m:r>
+                                    <a:rPr lang="en-GB" sz="1400" b="0" i="1" smtClean="0">
+                                      <a:latin typeface="Cambria Math" panose="02040503050406030204" pitchFamily="18" charset="0"/>
+                                      <a:ea typeface="Cambria Math" panose="02040503050406030204" pitchFamily="18" charset="0"/>
+                                    </a:rPr>
+                                    <m:t>2</m:t>
+                                  </m:r>
+                                </m:sub>
+                              </m:sSub>
+                              <m:r>
+                                <a:rPr lang="en-GB" sz="1400" b="0" i="1" smtClean="0">
+                                  <a:latin typeface="Cambria Math" panose="02040503050406030204" pitchFamily="18" charset="0"/>
+                                </a:rPr>
+                                <m:t>&gt;</m:t>
+                              </m:r>
+                              <m:r>
+                                <a:rPr lang="en-GB" sz="1400" b="0" i="1" smtClean="0">
+                                  <a:latin typeface="Cambria Math" panose="02040503050406030204" pitchFamily="18" charset="0"/>
+                                </a:rPr>
+                                <m:t>𝑛</m:t>
+                              </m:r>
+                              <m:r>
+                                <a:rPr lang="en-GB" sz="1400" b="0" i="1" smtClean="0">
+                                  <a:latin typeface="Cambria Math" panose="02040503050406030204" pitchFamily="18" charset="0"/>
+                                </a:rPr>
+                                <m:t>∗</m:t>
+                              </m:r>
+                              <m:sSub>
+                                <m:sSubPr>
+                                  <m:ctrlPr>
+                                    <a:rPr lang="en-GB" sz="1400" b="0" i="1" smtClean="0">
+                                      <a:latin typeface="Cambria Math" panose="02040503050406030204" pitchFamily="18" charset="0"/>
+                                    </a:rPr>
+                                  </m:ctrlPr>
+                                </m:sSubPr>
+                                <m:e>
+                                  <m:r>
+                                    <a:rPr lang="en-GB" sz="1400" b="0" i="1" smtClean="0">
+                                      <a:latin typeface="Cambria Math" panose="02040503050406030204" pitchFamily="18" charset="0"/>
+                                    </a:rPr>
+                                    <m:t>𝑠𝑡𝑑</m:t>
+                                  </m:r>
+                                </m:e>
+                                <m:sub>
+                                  <m:r>
+                                    <a:rPr lang="en-GB" sz="1400" b="0" i="1" smtClean="0">
+                                      <a:latin typeface="Cambria Math" panose="02040503050406030204" pitchFamily="18" charset="0"/>
+                                    </a:rPr>
+                                    <m:t>22</m:t>
+                                  </m:r>
+                                </m:sub>
+                              </m:sSub>
+                            </m:oMath>
+                          </a14:m>
+                          <a:endParaRPr lang="en-GB" sz="1400" b="0" dirty="0"/>
+                        </a:p>
+                      </a:txBody>
+                      <a:tcPr/>
+                    </a:tc>
+                    <a:tc hMerge="1">
+                      <a:txBody>
+                        <a:bodyPr/>
+                        <a:lstStyle/>
+                        <a:p>
+                          <a:endParaRPr lang="en-GB" sz="1400" dirty="0"/>
+                        </a:p>
+                      </a:txBody>
+                      <a:tcPr/>
+                    </a:tc>
+                    <a:extLst>
+                      <a:ext uri="{0D108BD9-81ED-4DB2-BD59-A6C34878D82A}">
+                        <a16:rowId xmlns:a16="http://schemas.microsoft.com/office/drawing/2014/main" val="3600218825"/>
+                      </a:ext>
+                    </a:extLst>
+                  </a:tr>
+                  <a:tr h="370840">
+                    <a:tc gridSpan="2">
+                      <a:txBody>
+                        <a:bodyPr/>
+                        <a:lstStyle/>
+                        <a:p>
+                          <a:pPr marL="0" marR="0" lvl="0" indent="0" algn="l" defTabSz="914400" rtl="0" eaLnBrk="1" fontAlgn="auto" latinLnBrk="0" hangingPunct="1">
+                            <a:lnSpc>
+                              <a:spcPct val="100000"/>
+                            </a:lnSpc>
+                            <a:spcBef>
+                              <a:spcPts val="0"/>
+                            </a:spcBef>
+                            <a:spcAft>
+                              <a:spcPts val="0"/>
+                            </a:spcAft>
+                            <a:buClrTx/>
+                            <a:buSzTx/>
+                            <a:buFontTx/>
+                            <a:buNone/>
+                            <a:tabLst/>
+                            <a:defRPr/>
+                          </a:pPr>
+                          <a:r>
+                            <a:rPr lang="en-GB" sz="1400" dirty="0"/>
+                            <a:t>                   point 2 is breakpoint</a:t>
+                          </a:r>
+                          <a:endParaRPr lang="en-GB" sz="1600" dirty="0">
+                            <a:solidFill>
+                              <a:srgbClr val="FF0000"/>
+                            </a:solidFill>
+                          </a:endParaRPr>
+                        </a:p>
+                      </a:txBody>
+                      <a:tcPr/>
+                    </a:tc>
+                    <a:tc hMerge="1">
+                      <a:txBody>
+                        <a:bodyPr/>
+                        <a:lstStyle/>
+                        <a:p>
+                          <a:pPr marL="0" marR="0" lvl="0" indent="0" algn="l" defTabSz="914400" rtl="0" eaLnBrk="1" fontAlgn="auto" latinLnBrk="0" hangingPunct="1">
+                            <a:lnSpc>
+                              <a:spcPct val="100000"/>
+                            </a:lnSpc>
+                            <a:spcBef>
+                              <a:spcPts val="0"/>
+                            </a:spcBef>
+                            <a:spcAft>
+                              <a:spcPts val="0"/>
+                            </a:spcAft>
+                            <a:buClrTx/>
+                            <a:buSzTx/>
+                            <a:buFontTx/>
+                            <a:buNone/>
+                            <a:tabLst/>
+                            <a:defRPr/>
+                          </a:pPr>
+                          <a:endParaRPr lang="en-GB" sz="1400" dirty="0"/>
+                        </a:p>
+                      </a:txBody>
+                      <a:tcPr/>
+                    </a:tc>
+                    <a:extLst>
+                      <a:ext uri="{0D108BD9-81ED-4DB2-BD59-A6C34878D82A}">
+                        <a16:rowId xmlns:a16="http://schemas.microsoft.com/office/drawing/2014/main" val="889876729"/>
+                      </a:ext>
+                    </a:extLst>
+                  </a:tr>
+                  <a:tr h="370840">
+                    <a:tc>
+                      <a:txBody>
+                        <a:bodyPr/>
+                        <a:lstStyle/>
+                        <a:p>
+                          <a:r>
+                            <a:rPr lang="en-GB" b="1" dirty="0"/>
+                            <a:t>Baseline_1</a:t>
+                          </a:r>
+                        </a:p>
+                      </a:txBody>
+                      <a:tcPr/>
+                    </a:tc>
+                    <a:tc>
+                      <a:txBody>
+                        <a:bodyPr/>
+                        <a:lstStyle/>
+                        <a:p>
+                          <a:r>
+                            <a:rPr lang="en-GB" b="1" dirty="0"/>
+                            <a:t>Baseline_2</a:t>
+                          </a:r>
+                        </a:p>
+                      </a:txBody>
+                      <a:tcPr/>
+                    </a:tc>
+                    <a:extLst>
+                      <a:ext uri="{0D108BD9-81ED-4DB2-BD59-A6C34878D82A}">
+                        <a16:rowId xmlns:a16="http://schemas.microsoft.com/office/drawing/2014/main" val="2352218127"/>
+                      </a:ext>
+                    </a:extLst>
+                  </a:tr>
+                  <a:tr h="370840">
+                    <a:tc>
+                      <a:txBody>
+                        <a:bodyPr/>
+                        <a:lstStyle/>
+                        <a:p>
+                          <a:pPr marL="0" marR="0" lvl="0" indent="0" algn="l" defTabSz="914400" rtl="0" eaLnBrk="1" fontAlgn="auto" latinLnBrk="0" hangingPunct="1">
+                            <a:lnSpc>
+                              <a:spcPct val="100000"/>
+                            </a:lnSpc>
+                            <a:spcBef>
+                              <a:spcPts val="0"/>
+                            </a:spcBef>
+                            <a:spcAft>
+                              <a:spcPts val="0"/>
+                            </a:spcAft>
+                            <a:buClrTx/>
+                            <a:buSzTx/>
+                            <a:buFontTx/>
+                            <a:buNone/>
+                            <a:tabLst/>
+                            <a:defRPr/>
+                          </a:pPr>
+                          <a:r>
+                            <a:rPr lang="en-GB" sz="1400" b="1" dirty="0">
+                              <a:ea typeface="Cambria Math" panose="02040503050406030204" pitchFamily="18" charset="0"/>
+                            </a:rPr>
+                            <a:t>if</a:t>
+                          </a:r>
+                          <a:r>
+                            <a:rPr lang="en-GB" sz="1400" b="0" dirty="0">
+                              <a:ea typeface="Cambria Math" panose="02040503050406030204" pitchFamily="18" charset="0"/>
+                            </a:rPr>
+                            <a:t> </a:t>
+                          </a:r>
+                          <a14:m>
+                            <m:oMath xmlns:m="http://schemas.openxmlformats.org/officeDocument/2006/math">
+                              <m:d>
+                                <m:dPr>
+                                  <m:ctrlPr>
+                                    <a:rPr lang="en-GB" sz="1400" b="0" i="1" smtClean="0">
+                                      <a:latin typeface="Cambria Math" panose="02040503050406030204" pitchFamily="18" charset="0"/>
+                                      <a:ea typeface="Cambria Math" panose="02040503050406030204" pitchFamily="18" charset="0"/>
+                                    </a:rPr>
+                                  </m:ctrlPr>
+                                </m:dPr>
+                                <m:e>
+                                  <m:r>
+                                    <a:rPr lang="en-GB" sz="1400" i="1" smtClean="0">
+                                      <a:latin typeface="Cambria Math" panose="02040503050406030204" pitchFamily="18" charset="0"/>
+                                      <a:ea typeface="Cambria Math" panose="02040503050406030204" pitchFamily="18" charset="0"/>
+                                    </a:rPr>
+                                    <m:t>∆</m:t>
+                                  </m:r>
+                                  <m:sSub>
+                                    <m:sSubPr>
+                                      <m:ctrlPr>
+                                        <a:rPr lang="en-GB" sz="1400" i="1" smtClean="0">
+                                          <a:latin typeface="Cambria Math" panose="02040503050406030204" pitchFamily="18" charset="0"/>
+                                          <a:ea typeface="Cambria Math" panose="02040503050406030204" pitchFamily="18" charset="0"/>
+                                        </a:rPr>
+                                      </m:ctrlPr>
+                                    </m:sSubPr>
+                                    <m:e>
+                                      <m:r>
+                                        <a:rPr lang="en-GB" sz="1400" b="0" i="1" smtClean="0">
+                                          <a:latin typeface="Cambria Math" panose="02040503050406030204" pitchFamily="18" charset="0"/>
+                                          <a:ea typeface="Cambria Math" panose="02040503050406030204" pitchFamily="18" charset="0"/>
+                                        </a:rPr>
+                                        <m:t>𝑝</m:t>
+                                      </m:r>
+                                    </m:e>
+                                    <m:sub>
+                                      <m:r>
+                                        <a:rPr lang="en-GB" sz="1400" b="0" i="1" smtClean="0">
+                                          <a:latin typeface="Cambria Math" panose="02040503050406030204" pitchFamily="18" charset="0"/>
+                                          <a:ea typeface="Cambria Math" panose="02040503050406030204" pitchFamily="18" charset="0"/>
+                                        </a:rPr>
+                                        <m:t>1</m:t>
+                                      </m:r>
+                                    </m:sub>
+                                  </m:sSub>
+                                  <m:r>
+                                    <a:rPr lang="en-GB" sz="1400" b="0" i="1" smtClean="0">
+                                      <a:latin typeface="Cambria Math" panose="02040503050406030204" pitchFamily="18" charset="0"/>
+                                      <a:ea typeface="Cambria Math" panose="02040503050406030204" pitchFamily="18" charset="0"/>
+                                    </a:rPr>
+                                    <m:t>&gt;0 </m:t>
+                                  </m:r>
+                                  <m:r>
+                                    <a:rPr lang="en-GB" sz="1400" b="0" i="1" smtClean="0">
+                                      <a:latin typeface="Cambria Math" panose="02040503050406030204" pitchFamily="18" charset="0"/>
+                                      <a:ea typeface="Cambria Math" panose="02040503050406030204" pitchFamily="18" charset="0"/>
+                                    </a:rPr>
+                                    <m:t>𝑎𝑛𝑑</m:t>
+                                  </m:r>
+                                  <m:r>
+                                    <a:rPr lang="en-GB" sz="1400" b="0" i="1" smtClean="0">
+                                      <a:latin typeface="Cambria Math" panose="02040503050406030204" pitchFamily="18" charset="0"/>
+                                      <a:ea typeface="Cambria Math" panose="02040503050406030204" pitchFamily="18" charset="0"/>
+                                    </a:rPr>
+                                    <m:t> ∆</m:t>
+                                  </m:r>
+                                  <m:sSub>
+                                    <m:sSubPr>
+                                      <m:ctrlPr>
+                                        <a:rPr lang="en-GB" sz="1400" i="1" smtClean="0">
+                                          <a:latin typeface="Cambria Math" panose="02040503050406030204" pitchFamily="18" charset="0"/>
+                                          <a:ea typeface="Cambria Math" panose="02040503050406030204" pitchFamily="18" charset="0"/>
+                                        </a:rPr>
+                                      </m:ctrlPr>
+                                    </m:sSubPr>
+                                    <m:e>
+                                      <m:r>
+                                        <a:rPr lang="en-GB" sz="1400" b="0" i="1" smtClean="0">
+                                          <a:latin typeface="Cambria Math" panose="02040503050406030204" pitchFamily="18" charset="0"/>
+                                          <a:ea typeface="Cambria Math" panose="02040503050406030204" pitchFamily="18" charset="0"/>
+                                        </a:rPr>
+                                        <m:t>𝑝</m:t>
+                                      </m:r>
+                                    </m:e>
+                                    <m:sub>
+                                      <m:r>
+                                        <a:rPr lang="en-GB" sz="1400" b="0" i="1" smtClean="0">
+                                          <a:latin typeface="Cambria Math" panose="02040503050406030204" pitchFamily="18" charset="0"/>
+                                          <a:ea typeface="Cambria Math" panose="02040503050406030204" pitchFamily="18" charset="0"/>
+                                        </a:rPr>
+                                        <m:t>2</m:t>
+                                      </m:r>
+                                    </m:sub>
+                                  </m:sSub>
+                                  <m:r>
+                                    <a:rPr lang="en-GB" sz="1400" b="0" i="1" smtClean="0">
+                                      <a:latin typeface="Cambria Math" panose="02040503050406030204" pitchFamily="18" charset="0"/>
+                                      <a:ea typeface="Cambria Math" panose="02040503050406030204" pitchFamily="18" charset="0"/>
+                                    </a:rPr>
+                                    <m:t>&lt;0</m:t>
+                                  </m:r>
+                                </m:e>
+                              </m:d>
+                              <m:r>
+                                <a:rPr lang="en-GB" sz="1400" b="0" i="1" smtClean="0">
+                                  <a:latin typeface="Cambria Math" panose="02040503050406030204" pitchFamily="18" charset="0"/>
+                                  <a:ea typeface="Cambria Math" panose="02040503050406030204" pitchFamily="18" charset="0"/>
+                                </a:rPr>
+                                <m:t> </m:t>
+                              </m:r>
+                              <m:r>
+                                <a:rPr lang="en-GB" sz="1400" b="0" i="1" smtClean="0">
+                                  <a:latin typeface="Cambria Math" panose="02040503050406030204" pitchFamily="18" charset="0"/>
+                                  <a:ea typeface="Cambria Math" panose="02040503050406030204" pitchFamily="18" charset="0"/>
+                                </a:rPr>
+                                <m:t>𝑜𝑟</m:t>
+                              </m:r>
+                              <m:r>
+                                <a:rPr lang="en-GB" sz="1400" b="0" i="1" smtClean="0">
+                                  <a:latin typeface="Cambria Math" panose="02040503050406030204" pitchFamily="18" charset="0"/>
+                                  <a:ea typeface="Cambria Math" panose="02040503050406030204" pitchFamily="18" charset="0"/>
+                                </a:rPr>
+                                <m:t> (∆</m:t>
+                              </m:r>
+                              <m:sSub>
+                                <m:sSubPr>
+                                  <m:ctrlPr>
+                                    <a:rPr lang="en-GB" sz="1400" i="1" smtClean="0">
+                                      <a:latin typeface="Cambria Math" panose="02040503050406030204" pitchFamily="18" charset="0"/>
+                                      <a:ea typeface="Cambria Math" panose="02040503050406030204" pitchFamily="18" charset="0"/>
+                                    </a:rPr>
+                                  </m:ctrlPr>
+                                </m:sSubPr>
+                                <m:e>
+                                  <m:r>
+                                    <a:rPr lang="en-GB" sz="1400" b="0" i="1" smtClean="0">
+                                      <a:latin typeface="Cambria Math" panose="02040503050406030204" pitchFamily="18" charset="0"/>
+                                      <a:ea typeface="Cambria Math" panose="02040503050406030204" pitchFamily="18" charset="0"/>
+                                    </a:rPr>
+                                    <m:t>𝑝</m:t>
+                                  </m:r>
+                                </m:e>
+                                <m:sub>
+                                  <m:r>
+                                    <a:rPr lang="en-GB" sz="1400" b="0" i="1" smtClean="0">
+                                      <a:latin typeface="Cambria Math" panose="02040503050406030204" pitchFamily="18" charset="0"/>
+                                      <a:ea typeface="Cambria Math" panose="02040503050406030204" pitchFamily="18" charset="0"/>
+                                    </a:rPr>
+                                    <m:t>1</m:t>
+                                  </m:r>
+                                </m:sub>
+                              </m:sSub>
+                              <m:r>
+                                <a:rPr lang="en-GB" sz="1400" b="0" i="1" smtClean="0">
+                                  <a:latin typeface="Cambria Math" panose="02040503050406030204" pitchFamily="18" charset="0"/>
+                                  <a:ea typeface="Cambria Math" panose="02040503050406030204" pitchFamily="18" charset="0"/>
+                                </a:rPr>
+                                <m:t>&lt;0 </m:t>
+                              </m:r>
+                              <m:r>
+                                <a:rPr lang="en-GB" sz="1400" b="0" i="1" smtClean="0">
+                                  <a:latin typeface="Cambria Math" panose="02040503050406030204" pitchFamily="18" charset="0"/>
+                                  <a:ea typeface="Cambria Math" panose="02040503050406030204" pitchFamily="18" charset="0"/>
+                                </a:rPr>
+                                <m:t>𝑎𝑛𝑑</m:t>
+                              </m:r>
+                              <m:r>
+                                <a:rPr lang="en-GB" sz="1400" b="0" i="1" smtClean="0">
+                                  <a:latin typeface="Cambria Math" panose="02040503050406030204" pitchFamily="18" charset="0"/>
+                                  <a:ea typeface="Cambria Math" panose="02040503050406030204" pitchFamily="18" charset="0"/>
+                                </a:rPr>
+                                <m:t> ∆</m:t>
+                              </m:r>
+                              <m:sSub>
+                                <m:sSubPr>
+                                  <m:ctrlPr>
+                                    <a:rPr lang="en-GB" sz="1400" i="1" smtClean="0">
+                                      <a:latin typeface="Cambria Math" panose="02040503050406030204" pitchFamily="18" charset="0"/>
+                                      <a:ea typeface="Cambria Math" panose="02040503050406030204" pitchFamily="18" charset="0"/>
+                                    </a:rPr>
+                                  </m:ctrlPr>
+                                </m:sSubPr>
+                                <m:e>
+                                  <m:r>
+                                    <a:rPr lang="en-GB" sz="1400" b="0" i="1" smtClean="0">
+                                      <a:latin typeface="Cambria Math" panose="02040503050406030204" pitchFamily="18" charset="0"/>
+                                      <a:ea typeface="Cambria Math" panose="02040503050406030204" pitchFamily="18" charset="0"/>
+                                    </a:rPr>
+                                    <m:t>𝑝</m:t>
+                                  </m:r>
+                                </m:e>
+                                <m:sub>
+                                  <m:r>
+                                    <a:rPr lang="en-GB" sz="1400" b="0" i="1" smtClean="0">
+                                      <a:latin typeface="Cambria Math" panose="02040503050406030204" pitchFamily="18" charset="0"/>
+                                      <a:ea typeface="Cambria Math" panose="02040503050406030204" pitchFamily="18" charset="0"/>
+                                    </a:rPr>
+                                    <m:t>2</m:t>
+                                  </m:r>
+                                </m:sub>
+                              </m:sSub>
+                              <m:r>
+                                <a:rPr lang="en-GB" sz="1400" b="0" i="1" smtClean="0">
+                                  <a:latin typeface="Cambria Math" panose="02040503050406030204" pitchFamily="18" charset="0"/>
+                                  <a:ea typeface="Cambria Math" panose="02040503050406030204" pitchFamily="18" charset="0"/>
+                                </a:rPr>
+                                <m:t>&gt;0)</m:t>
+                              </m:r>
+                            </m:oMath>
+                          </a14:m>
+                          <a:endParaRPr lang="en-GB" sz="1400" b="0" dirty="0">
+                            <a:ea typeface="Cambria Math" panose="02040503050406030204" pitchFamily="18" charset="0"/>
+                          </a:endParaRPr>
+                        </a:p>
+                      </a:txBody>
+                      <a:tcPr/>
+                    </a:tc>
+                    <a:tc>
+                      <a:txBody>
+                        <a:bodyPr/>
+                        <a:lstStyle/>
+                        <a:p>
+                          <a:pPr marL="0" marR="0" lvl="0" indent="0" algn="l" defTabSz="914400" rtl="0" eaLnBrk="1" fontAlgn="auto" latinLnBrk="0" hangingPunct="1">
+                            <a:lnSpc>
+                              <a:spcPct val="100000"/>
+                            </a:lnSpc>
+                            <a:spcBef>
+                              <a:spcPts val="0"/>
+                            </a:spcBef>
+                            <a:spcAft>
+                              <a:spcPts val="0"/>
+                            </a:spcAft>
+                            <a:buClrTx/>
+                            <a:buSzTx/>
+                            <a:buFontTx/>
+                            <a:buNone/>
+                            <a:tabLst/>
+                            <a:defRPr/>
+                          </a:pPr>
+                          <a:r>
+                            <a:rPr lang="en-GB" sz="1400" b="1" dirty="0">
+                              <a:ea typeface="Cambria Math" panose="02040503050406030204" pitchFamily="18" charset="0"/>
+                            </a:rPr>
+                            <a:t>if</a:t>
+                          </a:r>
+                          <a:r>
+                            <a:rPr lang="en-GB" sz="1400" b="0" dirty="0">
+                              <a:ea typeface="Cambria Math" panose="02040503050406030204" pitchFamily="18" charset="0"/>
+                            </a:rPr>
+                            <a:t> </a:t>
+                          </a:r>
+                          <a14:m>
+                            <m:oMath xmlns:m="http://schemas.openxmlformats.org/officeDocument/2006/math">
+                              <m:d>
+                                <m:dPr>
+                                  <m:ctrlPr>
+                                    <a:rPr lang="en-GB" sz="1400" b="0" i="1" smtClean="0">
+                                      <a:latin typeface="Cambria Math" panose="02040503050406030204" pitchFamily="18" charset="0"/>
+                                      <a:ea typeface="Cambria Math" panose="02040503050406030204" pitchFamily="18" charset="0"/>
+                                    </a:rPr>
+                                  </m:ctrlPr>
+                                </m:dPr>
+                                <m:e>
+                                  <m:r>
+                                    <a:rPr lang="en-GB" sz="1400" i="1" smtClean="0">
+                                      <a:latin typeface="Cambria Math" panose="02040503050406030204" pitchFamily="18" charset="0"/>
+                                      <a:ea typeface="Cambria Math" panose="02040503050406030204" pitchFamily="18" charset="0"/>
+                                    </a:rPr>
+                                    <m:t>∆</m:t>
+                                  </m:r>
+                                  <m:sSub>
+                                    <m:sSubPr>
+                                      <m:ctrlPr>
+                                        <a:rPr lang="en-GB" sz="1400" i="1" smtClean="0">
+                                          <a:latin typeface="Cambria Math" panose="02040503050406030204" pitchFamily="18" charset="0"/>
+                                          <a:ea typeface="Cambria Math" panose="02040503050406030204" pitchFamily="18" charset="0"/>
+                                        </a:rPr>
+                                      </m:ctrlPr>
+                                    </m:sSubPr>
+                                    <m:e>
+                                      <m:r>
+                                        <a:rPr lang="en-GB" sz="1400" b="0" i="1" smtClean="0">
+                                          <a:latin typeface="Cambria Math" panose="02040503050406030204" pitchFamily="18" charset="0"/>
+                                          <a:ea typeface="Cambria Math" panose="02040503050406030204" pitchFamily="18" charset="0"/>
+                                        </a:rPr>
+                                        <m:t>𝑝</m:t>
+                                      </m:r>
+                                    </m:e>
+                                    <m:sub>
+                                      <m:r>
+                                        <a:rPr lang="en-GB" sz="1400" b="0" i="1" smtClean="0">
+                                          <a:latin typeface="Cambria Math" panose="02040503050406030204" pitchFamily="18" charset="0"/>
+                                          <a:ea typeface="Cambria Math" panose="02040503050406030204" pitchFamily="18" charset="0"/>
+                                        </a:rPr>
+                                        <m:t>𝑐𝑜𝑚𝑝𝑎𝑟𝑒</m:t>
+                                      </m:r>
+                                    </m:sub>
+                                  </m:sSub>
+                                  <m:r>
+                                    <a:rPr lang="en-GB" sz="1400" b="0" i="1" smtClean="0">
+                                      <a:latin typeface="Cambria Math" panose="02040503050406030204" pitchFamily="18" charset="0"/>
+                                      <a:ea typeface="Cambria Math" panose="02040503050406030204" pitchFamily="18" charset="0"/>
+                                    </a:rPr>
+                                    <m:t>&gt;0 </m:t>
+                                  </m:r>
+                                  <m:r>
+                                    <a:rPr lang="en-GB" sz="1400" b="0" i="1" smtClean="0">
+                                      <a:latin typeface="Cambria Math" panose="02040503050406030204" pitchFamily="18" charset="0"/>
+                                      <a:ea typeface="Cambria Math" panose="02040503050406030204" pitchFamily="18" charset="0"/>
+                                    </a:rPr>
+                                    <m:t>𝑎𝑛𝑑</m:t>
+                                  </m:r>
+                                  <m:r>
+                                    <a:rPr lang="en-GB" sz="1400" b="0" i="1" smtClean="0">
+                                      <a:latin typeface="Cambria Math" panose="02040503050406030204" pitchFamily="18" charset="0"/>
+                                      <a:ea typeface="Cambria Math" panose="02040503050406030204" pitchFamily="18" charset="0"/>
+                                    </a:rPr>
+                                    <m:t> ∆</m:t>
+                                  </m:r>
+                                  <m:sSub>
+                                    <m:sSubPr>
+                                      <m:ctrlPr>
+                                        <a:rPr lang="en-GB" sz="1400" i="1" smtClean="0">
+                                          <a:latin typeface="Cambria Math" panose="02040503050406030204" pitchFamily="18" charset="0"/>
+                                          <a:ea typeface="Cambria Math" panose="02040503050406030204" pitchFamily="18" charset="0"/>
+                                        </a:rPr>
+                                      </m:ctrlPr>
+                                    </m:sSubPr>
+                                    <m:e>
+                                      <m:r>
+                                        <a:rPr lang="en-GB" sz="1400" b="0" i="1" smtClean="0">
+                                          <a:latin typeface="Cambria Math" panose="02040503050406030204" pitchFamily="18" charset="0"/>
+                                          <a:ea typeface="Cambria Math" panose="02040503050406030204" pitchFamily="18" charset="0"/>
+                                        </a:rPr>
+                                        <m:t>𝑝</m:t>
+                                      </m:r>
+                                    </m:e>
+                                    <m:sub>
+                                      <m:r>
+                                        <a:rPr lang="en-GB" sz="1400" b="0" i="1" smtClean="0">
+                                          <a:latin typeface="Cambria Math" panose="02040503050406030204" pitchFamily="18" charset="0"/>
+                                          <a:ea typeface="Cambria Math" panose="02040503050406030204" pitchFamily="18" charset="0"/>
+                                        </a:rPr>
+                                        <m:t>2</m:t>
+                                      </m:r>
+                                    </m:sub>
+                                  </m:sSub>
+                                  <m:r>
+                                    <a:rPr lang="en-GB" sz="1400" b="0" i="1" smtClean="0">
+                                      <a:latin typeface="Cambria Math" panose="02040503050406030204" pitchFamily="18" charset="0"/>
+                                      <a:ea typeface="Cambria Math" panose="02040503050406030204" pitchFamily="18" charset="0"/>
+                                    </a:rPr>
+                                    <m:t>&lt;0</m:t>
+                                  </m:r>
+                                </m:e>
+                              </m:d>
+                              <m:r>
+                                <a:rPr lang="en-GB" sz="1400" b="0" i="1" smtClean="0">
+                                  <a:latin typeface="Cambria Math" panose="02040503050406030204" pitchFamily="18" charset="0"/>
+                                  <a:ea typeface="Cambria Math" panose="02040503050406030204" pitchFamily="18" charset="0"/>
+                                </a:rPr>
+                                <m:t> </m:t>
+                              </m:r>
+                              <m:r>
+                                <a:rPr lang="en-GB" sz="1400" b="0" i="1" smtClean="0">
+                                  <a:latin typeface="Cambria Math" panose="02040503050406030204" pitchFamily="18" charset="0"/>
+                                  <a:ea typeface="Cambria Math" panose="02040503050406030204" pitchFamily="18" charset="0"/>
+                                </a:rPr>
+                                <m:t>𝑜𝑟</m:t>
+                              </m:r>
+                              <m:r>
+                                <a:rPr lang="en-GB" sz="1400" b="0" i="1" smtClean="0">
+                                  <a:latin typeface="Cambria Math" panose="02040503050406030204" pitchFamily="18" charset="0"/>
+                                  <a:ea typeface="Cambria Math" panose="02040503050406030204" pitchFamily="18" charset="0"/>
+                                </a:rPr>
+                                <m:t> (∆</m:t>
+                              </m:r>
+                              <m:sSub>
+                                <m:sSubPr>
+                                  <m:ctrlPr>
+                                    <a:rPr lang="en-GB" sz="1400" i="1" smtClean="0">
+                                      <a:latin typeface="Cambria Math" panose="02040503050406030204" pitchFamily="18" charset="0"/>
+                                      <a:ea typeface="Cambria Math" panose="02040503050406030204" pitchFamily="18" charset="0"/>
+                                    </a:rPr>
+                                  </m:ctrlPr>
+                                </m:sSubPr>
+                                <m:e>
+                                  <m:r>
+                                    <a:rPr lang="en-GB" sz="1400" b="0" i="1" smtClean="0">
+                                      <a:latin typeface="Cambria Math" panose="02040503050406030204" pitchFamily="18" charset="0"/>
+                                      <a:ea typeface="Cambria Math" panose="02040503050406030204" pitchFamily="18" charset="0"/>
+                                    </a:rPr>
+                                    <m:t>𝑝</m:t>
+                                  </m:r>
+                                </m:e>
+                                <m:sub>
+                                  <m:r>
+                                    <a:rPr lang="en-GB" sz="1400" b="0" i="1" smtClean="0">
+                                      <a:latin typeface="Cambria Math" panose="02040503050406030204" pitchFamily="18" charset="0"/>
+                                      <a:ea typeface="Cambria Math" panose="02040503050406030204" pitchFamily="18" charset="0"/>
+                                    </a:rPr>
+                                    <m:t>𝑐𝑜𝑚𝑝𝑎𝑟𝑒</m:t>
+                                  </m:r>
+                                </m:sub>
+                              </m:sSub>
+                              <m:r>
+                                <a:rPr lang="en-GB" sz="1400" b="0" i="1" smtClean="0">
+                                  <a:latin typeface="Cambria Math" panose="02040503050406030204" pitchFamily="18" charset="0"/>
+                                  <a:ea typeface="Cambria Math" panose="02040503050406030204" pitchFamily="18" charset="0"/>
+                                </a:rPr>
+                                <m:t>&lt;0 </m:t>
+                              </m:r>
+                              <m:r>
+                                <a:rPr lang="en-GB" sz="1400" b="0" i="1" smtClean="0">
+                                  <a:latin typeface="Cambria Math" panose="02040503050406030204" pitchFamily="18" charset="0"/>
+                                  <a:ea typeface="Cambria Math" panose="02040503050406030204" pitchFamily="18" charset="0"/>
+                                </a:rPr>
+                                <m:t>𝑎𝑛𝑑</m:t>
+                              </m:r>
+                              <m:r>
+                                <a:rPr lang="en-GB" sz="1400" b="0" i="1" smtClean="0">
+                                  <a:latin typeface="Cambria Math" panose="02040503050406030204" pitchFamily="18" charset="0"/>
+                                  <a:ea typeface="Cambria Math" panose="02040503050406030204" pitchFamily="18" charset="0"/>
+                                </a:rPr>
+                                <m:t> ∆</m:t>
+                              </m:r>
+                              <m:sSub>
+                                <m:sSubPr>
+                                  <m:ctrlPr>
+                                    <a:rPr lang="en-GB" sz="1400" i="1" smtClean="0">
+                                      <a:latin typeface="Cambria Math" panose="02040503050406030204" pitchFamily="18" charset="0"/>
+                                      <a:ea typeface="Cambria Math" panose="02040503050406030204" pitchFamily="18" charset="0"/>
+                                    </a:rPr>
+                                  </m:ctrlPr>
+                                </m:sSubPr>
+                                <m:e>
+                                  <m:r>
+                                    <a:rPr lang="en-GB" sz="1400" b="0" i="1" smtClean="0">
+                                      <a:latin typeface="Cambria Math" panose="02040503050406030204" pitchFamily="18" charset="0"/>
+                                      <a:ea typeface="Cambria Math" panose="02040503050406030204" pitchFamily="18" charset="0"/>
+                                    </a:rPr>
+                                    <m:t>𝑝</m:t>
+                                  </m:r>
+                                </m:e>
+                                <m:sub>
+                                  <m:r>
+                                    <a:rPr lang="en-GB" sz="1400" b="0" i="1" smtClean="0">
+                                      <a:latin typeface="Cambria Math" panose="02040503050406030204" pitchFamily="18" charset="0"/>
+                                      <a:ea typeface="Cambria Math" panose="02040503050406030204" pitchFamily="18" charset="0"/>
+                                    </a:rPr>
+                                    <m:t>2</m:t>
+                                  </m:r>
+                                </m:sub>
+                              </m:sSub>
+                              <m:r>
+                                <a:rPr lang="en-GB" sz="1400" b="0" i="1" smtClean="0">
+                                  <a:latin typeface="Cambria Math" panose="02040503050406030204" pitchFamily="18" charset="0"/>
+                                  <a:ea typeface="Cambria Math" panose="02040503050406030204" pitchFamily="18" charset="0"/>
+                                </a:rPr>
+                                <m:t>&gt;0)</m:t>
+                              </m:r>
+                            </m:oMath>
+                          </a14:m>
+                          <a:endParaRPr lang="en-GB" sz="1400" b="0" dirty="0">
+                            <a:ea typeface="Cambria Math" panose="02040503050406030204" pitchFamily="18" charset="0"/>
+                          </a:endParaRPr>
+                        </a:p>
+                      </a:txBody>
+                      <a:tcPr/>
+                    </a:tc>
+                    <a:extLst>
+                      <a:ext uri="{0D108BD9-81ED-4DB2-BD59-A6C34878D82A}">
+                        <a16:rowId xmlns:a16="http://schemas.microsoft.com/office/drawing/2014/main" val="3686176604"/>
+                      </a:ext>
+                    </a:extLst>
+                  </a:tr>
+                  <a:tr h="370840">
+                    <a:tc>
+                      <a:txBody>
+                        <a:bodyPr/>
+                        <a:lstStyle/>
+                        <a:p>
+                          <a:r>
+                            <a:rPr lang="en-GB" sz="1400" dirty="0"/>
+                            <a:t>          </a:t>
+                          </a:r>
+                          <a:r>
+                            <a:rPr lang="en-GB" sz="1400" b="1" dirty="0"/>
+                            <a:t>if</a:t>
+                          </a:r>
+                          <a:r>
+                            <a:rPr lang="en-GB" sz="1400" dirty="0"/>
+                            <a:t> </a:t>
+                          </a:r>
+                          <a14:m>
+                            <m:oMath xmlns:m="http://schemas.openxmlformats.org/officeDocument/2006/math">
+                              <m:sSub>
+                                <m:sSubPr>
+                                  <m:ctrlPr>
+                                    <a:rPr lang="en-GB" sz="1400" b="0" i="1" smtClean="0">
+                                      <a:latin typeface="Cambria Math" panose="02040503050406030204" pitchFamily="18" charset="0"/>
+                                    </a:rPr>
+                                  </m:ctrlPr>
+                                </m:sSubPr>
+                                <m:e>
+                                  <m:r>
+                                    <a:rPr lang="en-GB" sz="1400" i="1" smtClean="0">
+                                      <a:latin typeface="Cambria Math" panose="02040503050406030204" pitchFamily="18" charset="0"/>
+                                      <a:ea typeface="Cambria Math" panose="02040503050406030204" pitchFamily="18" charset="0"/>
+                                    </a:rPr>
+                                    <m:t>∆</m:t>
+                                  </m:r>
+                                  <m:sSub>
+                                    <m:sSubPr>
+                                      <m:ctrlPr>
+                                        <a:rPr lang="en-GB" sz="1400" i="1" smtClean="0">
+                                          <a:latin typeface="Cambria Math" panose="02040503050406030204" pitchFamily="18" charset="0"/>
+                                          <a:ea typeface="Cambria Math" panose="02040503050406030204" pitchFamily="18" charset="0"/>
+                                        </a:rPr>
+                                      </m:ctrlPr>
+                                    </m:sSubPr>
+                                    <m:e>
+                                      <m:r>
+                                        <a:rPr lang="en-GB" sz="1400" b="0" i="1" smtClean="0">
+                                          <a:latin typeface="Cambria Math" panose="02040503050406030204" pitchFamily="18" charset="0"/>
+                                          <a:ea typeface="Cambria Math" panose="02040503050406030204" pitchFamily="18" charset="0"/>
+                                        </a:rPr>
+                                        <m:t>𝑝</m:t>
+                                      </m:r>
+                                    </m:e>
+                                    <m:sub>
+                                      <m:r>
+                                        <a:rPr lang="en-GB" sz="1400" b="0" i="1" smtClean="0">
+                                          <a:latin typeface="Cambria Math" panose="02040503050406030204" pitchFamily="18" charset="0"/>
+                                          <a:ea typeface="Cambria Math" panose="02040503050406030204" pitchFamily="18" charset="0"/>
+                                        </a:rPr>
+                                        <m:t>2</m:t>
+                                      </m:r>
+                                    </m:sub>
+                                  </m:sSub>
+                                  <m:r>
+                                    <a:rPr lang="en-GB" sz="1400" b="0" i="1" smtClean="0">
+                                      <a:latin typeface="Cambria Math" panose="02040503050406030204" pitchFamily="18" charset="0"/>
+                                    </a:rPr>
+                                    <m:t>&gt;</m:t>
+                                  </m:r>
+                                  <m:r>
+                                    <a:rPr lang="en-GB" sz="1400" b="0" i="1" smtClean="0">
+                                      <a:latin typeface="Cambria Math" panose="02040503050406030204" pitchFamily="18" charset="0"/>
+                                    </a:rPr>
+                                    <m:t>𝑛</m:t>
+                                  </m:r>
+                                  <m:r>
+                                    <a:rPr lang="en-GB" sz="1400" b="0" i="1" smtClean="0">
+                                      <a:latin typeface="Cambria Math" panose="02040503050406030204" pitchFamily="18" charset="0"/>
+                                    </a:rPr>
+                                    <m:t>∗</m:t>
+                                  </m:r>
+                                  <m:r>
+                                    <a:rPr lang="en-GB" sz="1400" b="0" i="1" smtClean="0">
+                                      <a:latin typeface="Cambria Math" panose="02040503050406030204" pitchFamily="18" charset="0"/>
+                                    </a:rPr>
+                                    <m:t>𝑠𝑡𝑑</m:t>
+                                  </m:r>
+                                </m:e>
+                                <m:sub>
+                                  <m:r>
+                                    <a:rPr lang="en-GB" sz="1400" b="0" i="1" smtClean="0">
+                                      <a:latin typeface="Cambria Math" panose="02040503050406030204" pitchFamily="18" charset="0"/>
+                                    </a:rPr>
+                                    <m:t>21</m:t>
+                                  </m:r>
+                                </m:sub>
+                              </m:sSub>
+                              <m:r>
+                                <a:rPr lang="en-GB" sz="1400" b="0" i="1" smtClean="0">
+                                  <a:latin typeface="Cambria Math" panose="02040503050406030204" pitchFamily="18" charset="0"/>
+                                </a:rPr>
+                                <m:t> </m:t>
+                              </m:r>
+                              <m:r>
+                                <a:rPr lang="en-GB" sz="1400" b="0" i="1" smtClean="0">
+                                  <a:latin typeface="Cambria Math" panose="02040503050406030204" pitchFamily="18" charset="0"/>
+                                </a:rPr>
+                                <m:t>𝑎𝑛𝑑</m:t>
+                              </m:r>
+                              <m:sSup>
+                                <m:sSupPr>
+                                  <m:ctrlPr>
+                                    <a:rPr lang="en-GB" sz="1400" b="0" i="1" smtClean="0">
+                                      <a:latin typeface="Cambria Math" panose="02040503050406030204" pitchFamily="18" charset="0"/>
+                                      <a:ea typeface="Cambria Math" panose="02040503050406030204" pitchFamily="18" charset="0"/>
+                                    </a:rPr>
+                                  </m:ctrlPr>
+                                </m:sSupPr>
+                                <m:e>
+                                  <m:r>
+                                    <a:rPr lang="en-GB" sz="1400" b="0" i="1" smtClean="0">
+                                      <a:latin typeface="Cambria Math" panose="02040503050406030204" pitchFamily="18" charset="0"/>
+                                      <a:ea typeface="Cambria Math" panose="02040503050406030204" pitchFamily="18" charset="0"/>
+                                    </a:rPr>
+                                    <m:t> ∆</m:t>
+                                  </m:r>
+                                </m:e>
+                                <m:sup>
+                                  <m:r>
+                                    <a:rPr lang="en-GB" sz="1400" b="0" i="1" smtClean="0">
+                                      <a:latin typeface="Cambria Math" panose="02040503050406030204" pitchFamily="18" charset="0"/>
+                                      <a:ea typeface="Cambria Math" panose="02040503050406030204" pitchFamily="18" charset="0"/>
+                                    </a:rPr>
+                                    <m:t>2</m:t>
+                                  </m:r>
+                                </m:sup>
+                              </m:sSup>
+                              <m:sSub>
+                                <m:sSubPr>
+                                  <m:ctrlPr>
+                                    <a:rPr lang="en-GB" sz="1400" b="0" i="1" smtClean="0">
+                                      <a:latin typeface="Cambria Math" panose="02040503050406030204" pitchFamily="18" charset="0"/>
+                                      <a:ea typeface="Cambria Math" panose="02040503050406030204" pitchFamily="18" charset="0"/>
+                                    </a:rPr>
+                                  </m:ctrlPr>
+                                </m:sSubPr>
+                                <m:e>
+                                  <m:r>
+                                    <a:rPr lang="en-GB" sz="1400" b="0" i="1" smtClean="0">
+                                      <a:latin typeface="Cambria Math" panose="02040503050406030204" pitchFamily="18" charset="0"/>
+                                      <a:ea typeface="Cambria Math" panose="02040503050406030204" pitchFamily="18" charset="0"/>
+                                    </a:rPr>
+                                    <m:t>𝑝</m:t>
+                                  </m:r>
+                                </m:e>
+                                <m:sub>
+                                  <m:r>
+                                    <a:rPr lang="en-GB" sz="1400" b="0" i="1" smtClean="0">
+                                      <a:latin typeface="Cambria Math" panose="02040503050406030204" pitchFamily="18" charset="0"/>
+                                      <a:ea typeface="Cambria Math" panose="02040503050406030204" pitchFamily="18" charset="0"/>
+                                    </a:rPr>
+                                    <m:t>2</m:t>
+                                  </m:r>
+                                </m:sub>
+                              </m:sSub>
+                              <m:r>
+                                <a:rPr lang="en-GB" sz="1400" b="0" i="1" smtClean="0">
+                                  <a:latin typeface="Cambria Math" panose="02040503050406030204" pitchFamily="18" charset="0"/>
+                                </a:rPr>
+                                <m:t>&gt;</m:t>
+                              </m:r>
+                              <m:r>
+                                <a:rPr lang="en-GB" sz="1400" b="0" i="1" smtClean="0">
+                                  <a:latin typeface="Cambria Math" panose="02040503050406030204" pitchFamily="18" charset="0"/>
+                                </a:rPr>
+                                <m:t>𝑛</m:t>
+                              </m:r>
+                              <m:r>
+                                <a:rPr lang="en-GB" sz="1400" b="0" i="1" smtClean="0">
+                                  <a:latin typeface="Cambria Math" panose="02040503050406030204" pitchFamily="18" charset="0"/>
+                                </a:rPr>
+                                <m:t>∗</m:t>
+                              </m:r>
+                              <m:sSub>
+                                <m:sSubPr>
+                                  <m:ctrlPr>
+                                    <a:rPr lang="en-GB" sz="1400" b="0" i="1" smtClean="0">
+                                      <a:latin typeface="Cambria Math" panose="02040503050406030204" pitchFamily="18" charset="0"/>
+                                    </a:rPr>
+                                  </m:ctrlPr>
+                                </m:sSubPr>
+                                <m:e>
+                                  <m:r>
+                                    <a:rPr lang="en-GB" sz="1400" b="0" i="1" smtClean="0">
+                                      <a:latin typeface="Cambria Math" panose="02040503050406030204" pitchFamily="18" charset="0"/>
+                                    </a:rPr>
+                                    <m:t>𝑠𝑡𝑑</m:t>
+                                  </m:r>
+                                </m:e>
+                                <m:sub>
+                                  <m:r>
+                                    <a:rPr lang="en-GB" sz="1400" b="0" i="1" smtClean="0">
+                                      <a:latin typeface="Cambria Math" panose="02040503050406030204" pitchFamily="18" charset="0"/>
+                                    </a:rPr>
+                                    <m:t>22</m:t>
+                                  </m:r>
+                                </m:sub>
+                              </m:sSub>
+                            </m:oMath>
+                          </a14:m>
+                          <a:endParaRPr lang="en-GB" sz="1400" dirty="0"/>
+                        </a:p>
+                      </a:txBody>
+                      <a:tcPr/>
+                    </a:tc>
+                    <a:tc>
+                      <a:txBody>
+                        <a:bodyPr/>
+                        <a:lstStyle/>
+                        <a:p>
+                          <a:r>
+                            <a:rPr lang="en-GB" sz="1400" dirty="0"/>
+                            <a:t>          </a:t>
+                          </a:r>
+                          <a:r>
+                            <a:rPr lang="en-GB" sz="1400" b="1" dirty="0"/>
+                            <a:t>if</a:t>
+                          </a:r>
+                          <a:r>
+                            <a:rPr lang="en-GB" sz="1400" dirty="0"/>
+                            <a:t> </a:t>
+                          </a:r>
+                          <a14:m>
+                            <m:oMath xmlns:m="http://schemas.openxmlformats.org/officeDocument/2006/math">
+                              <m:sSub>
+                                <m:sSubPr>
+                                  <m:ctrlPr>
+                                    <a:rPr lang="en-GB" sz="1400" b="0" i="1" smtClean="0">
+                                      <a:latin typeface="Cambria Math" panose="02040503050406030204" pitchFamily="18" charset="0"/>
+                                    </a:rPr>
+                                  </m:ctrlPr>
+                                </m:sSubPr>
+                                <m:e>
+                                  <m:r>
+                                    <a:rPr lang="en-GB" sz="1400" i="1" smtClean="0">
+                                      <a:latin typeface="Cambria Math" panose="02040503050406030204" pitchFamily="18" charset="0"/>
+                                      <a:ea typeface="Cambria Math" panose="02040503050406030204" pitchFamily="18" charset="0"/>
+                                    </a:rPr>
+                                    <m:t>∆</m:t>
+                                  </m:r>
+                                  <m:sSub>
+                                    <m:sSubPr>
+                                      <m:ctrlPr>
+                                        <a:rPr lang="en-GB" sz="1400" i="1" smtClean="0">
+                                          <a:latin typeface="Cambria Math" panose="02040503050406030204" pitchFamily="18" charset="0"/>
+                                          <a:ea typeface="Cambria Math" panose="02040503050406030204" pitchFamily="18" charset="0"/>
+                                        </a:rPr>
+                                      </m:ctrlPr>
+                                    </m:sSubPr>
+                                    <m:e>
+                                      <m:r>
+                                        <a:rPr lang="en-GB" sz="1400" b="0" i="1" smtClean="0">
+                                          <a:latin typeface="Cambria Math" panose="02040503050406030204" pitchFamily="18" charset="0"/>
+                                          <a:ea typeface="Cambria Math" panose="02040503050406030204" pitchFamily="18" charset="0"/>
+                                        </a:rPr>
+                                        <m:t>𝑝</m:t>
+                                      </m:r>
+                                    </m:e>
+                                    <m:sub>
+                                      <m:r>
+                                        <a:rPr lang="en-GB" sz="1400" b="0" i="1" smtClean="0">
+                                          <a:latin typeface="Cambria Math" panose="02040503050406030204" pitchFamily="18" charset="0"/>
+                                          <a:ea typeface="Cambria Math" panose="02040503050406030204" pitchFamily="18" charset="0"/>
+                                        </a:rPr>
+                                        <m:t>2</m:t>
+                                      </m:r>
+                                    </m:sub>
+                                  </m:sSub>
+                                  <m:r>
+                                    <a:rPr lang="en-GB" sz="1400" b="0" i="1" smtClean="0">
+                                      <a:latin typeface="Cambria Math" panose="02040503050406030204" pitchFamily="18" charset="0"/>
+                                    </a:rPr>
+                                    <m:t>&gt;</m:t>
+                                  </m:r>
+                                  <m:r>
+                                    <a:rPr lang="en-GB" sz="1400" b="0" i="1" smtClean="0">
+                                      <a:latin typeface="Cambria Math" panose="02040503050406030204" pitchFamily="18" charset="0"/>
+                                    </a:rPr>
+                                    <m:t>𝑛</m:t>
+                                  </m:r>
+                                  <m:r>
+                                    <a:rPr lang="en-GB" sz="1400" b="0" i="1" smtClean="0">
+                                      <a:latin typeface="Cambria Math" panose="02040503050406030204" pitchFamily="18" charset="0"/>
+                                    </a:rPr>
+                                    <m:t>∗</m:t>
+                                  </m:r>
+                                  <m:r>
+                                    <a:rPr lang="en-GB" sz="1400" b="0" i="1" smtClean="0">
+                                      <a:latin typeface="Cambria Math" panose="02040503050406030204" pitchFamily="18" charset="0"/>
+                                    </a:rPr>
+                                    <m:t>𝑠𝑡𝑑</m:t>
+                                  </m:r>
+                                </m:e>
+                                <m:sub>
+                                  <m:r>
+                                    <a:rPr lang="en-GB" sz="1400" b="0" i="1" smtClean="0">
+                                      <a:latin typeface="Cambria Math" panose="02040503050406030204" pitchFamily="18" charset="0"/>
+                                    </a:rPr>
+                                    <m:t>21</m:t>
+                                  </m:r>
+                                </m:sub>
+                              </m:sSub>
+                              <m:r>
+                                <a:rPr lang="en-GB" sz="1400" b="0" i="1" smtClean="0">
+                                  <a:latin typeface="Cambria Math" panose="02040503050406030204" pitchFamily="18" charset="0"/>
+                                </a:rPr>
+                                <m:t> </m:t>
+                              </m:r>
+                              <m:r>
+                                <a:rPr lang="en-GB" sz="1400" b="0" i="1" smtClean="0">
+                                  <a:latin typeface="Cambria Math" panose="02040503050406030204" pitchFamily="18" charset="0"/>
+                                </a:rPr>
+                                <m:t>𝑎𝑛𝑑</m:t>
+                              </m:r>
+                              <m:sSup>
+                                <m:sSupPr>
+                                  <m:ctrlPr>
+                                    <a:rPr lang="en-GB" sz="1400" b="0" i="1" smtClean="0">
+                                      <a:latin typeface="Cambria Math" panose="02040503050406030204" pitchFamily="18" charset="0"/>
+                                      <a:ea typeface="Cambria Math" panose="02040503050406030204" pitchFamily="18" charset="0"/>
+                                    </a:rPr>
+                                  </m:ctrlPr>
+                                </m:sSupPr>
+                                <m:e>
+                                  <m:r>
+                                    <a:rPr lang="en-GB" sz="1400" b="0" i="1" smtClean="0">
+                                      <a:latin typeface="Cambria Math" panose="02040503050406030204" pitchFamily="18" charset="0"/>
+                                      <a:ea typeface="Cambria Math" panose="02040503050406030204" pitchFamily="18" charset="0"/>
+                                    </a:rPr>
+                                    <m:t> ∆</m:t>
+                                  </m:r>
+                                </m:e>
+                                <m:sup>
+                                  <m:r>
+                                    <a:rPr lang="en-GB" sz="1400" b="0" i="1" smtClean="0">
+                                      <a:latin typeface="Cambria Math" panose="02040503050406030204" pitchFamily="18" charset="0"/>
+                                      <a:ea typeface="Cambria Math" panose="02040503050406030204" pitchFamily="18" charset="0"/>
+                                    </a:rPr>
+                                    <m:t>2</m:t>
+                                  </m:r>
+                                </m:sup>
+                              </m:sSup>
+                              <m:sSub>
+                                <m:sSubPr>
+                                  <m:ctrlPr>
+                                    <a:rPr lang="en-GB" sz="1400" b="0" i="1" smtClean="0">
+                                      <a:latin typeface="Cambria Math" panose="02040503050406030204" pitchFamily="18" charset="0"/>
+                                      <a:ea typeface="Cambria Math" panose="02040503050406030204" pitchFamily="18" charset="0"/>
+                                    </a:rPr>
+                                  </m:ctrlPr>
+                                </m:sSubPr>
+                                <m:e>
+                                  <m:r>
+                                    <a:rPr lang="en-GB" sz="1400" b="0" i="1" smtClean="0">
+                                      <a:latin typeface="Cambria Math" panose="02040503050406030204" pitchFamily="18" charset="0"/>
+                                      <a:ea typeface="Cambria Math" panose="02040503050406030204" pitchFamily="18" charset="0"/>
+                                    </a:rPr>
+                                    <m:t>𝑝</m:t>
+                                  </m:r>
+                                </m:e>
+                                <m:sub>
+                                  <m:r>
+                                    <a:rPr lang="en-GB" sz="1400" b="0" i="1" smtClean="0">
+                                      <a:latin typeface="Cambria Math" panose="02040503050406030204" pitchFamily="18" charset="0"/>
+                                      <a:ea typeface="Cambria Math" panose="02040503050406030204" pitchFamily="18" charset="0"/>
+                                    </a:rPr>
+                                    <m:t>2</m:t>
+                                  </m:r>
+                                </m:sub>
+                              </m:sSub>
+                              <m:r>
+                                <a:rPr lang="en-GB" sz="1400" b="0" i="1" smtClean="0">
+                                  <a:latin typeface="Cambria Math" panose="02040503050406030204" pitchFamily="18" charset="0"/>
+                                </a:rPr>
+                                <m:t>&gt;</m:t>
+                              </m:r>
+                              <m:r>
+                                <a:rPr lang="en-GB" sz="1400" b="0" i="1" smtClean="0">
+                                  <a:latin typeface="Cambria Math" panose="02040503050406030204" pitchFamily="18" charset="0"/>
+                                </a:rPr>
+                                <m:t>𝑛</m:t>
+                              </m:r>
+                              <m:r>
+                                <a:rPr lang="en-GB" sz="1400" b="0" i="1" smtClean="0">
+                                  <a:latin typeface="Cambria Math" panose="02040503050406030204" pitchFamily="18" charset="0"/>
+                                </a:rPr>
+                                <m:t>∗</m:t>
+                              </m:r>
+                              <m:sSub>
+                                <m:sSubPr>
+                                  <m:ctrlPr>
+                                    <a:rPr lang="en-GB" sz="1400" b="0" i="1" smtClean="0">
+                                      <a:latin typeface="Cambria Math" panose="02040503050406030204" pitchFamily="18" charset="0"/>
+                                    </a:rPr>
+                                  </m:ctrlPr>
+                                </m:sSubPr>
+                                <m:e>
+                                  <m:r>
+                                    <a:rPr lang="en-GB" sz="1400" b="0" i="1" smtClean="0">
+                                      <a:latin typeface="Cambria Math" panose="02040503050406030204" pitchFamily="18" charset="0"/>
+                                    </a:rPr>
+                                    <m:t>𝑠𝑡𝑑</m:t>
+                                  </m:r>
+                                </m:e>
+                                <m:sub>
+                                  <m:r>
+                                    <a:rPr lang="en-GB" sz="1400" b="0" i="1" smtClean="0">
+                                      <a:latin typeface="Cambria Math" panose="02040503050406030204" pitchFamily="18" charset="0"/>
+                                    </a:rPr>
+                                    <m:t>22</m:t>
+                                  </m:r>
+                                </m:sub>
+                              </m:sSub>
+                            </m:oMath>
+                          </a14:m>
+                          <a:endParaRPr lang="en-GB" sz="1400" dirty="0"/>
+                        </a:p>
+                      </a:txBody>
+                      <a:tcPr/>
+                    </a:tc>
+                    <a:extLst>
+                      <a:ext uri="{0D108BD9-81ED-4DB2-BD59-A6C34878D82A}">
+                        <a16:rowId xmlns:a16="http://schemas.microsoft.com/office/drawing/2014/main" val="1720628296"/>
+                      </a:ext>
+                    </a:extLst>
+                  </a:tr>
+                  <a:tr h="370840">
+                    <a:tc>
+                      <a:txBody>
+                        <a:bodyPr/>
+                        <a:lstStyle/>
+                        <a:p>
+                          <a:pPr marL="0" marR="0" lvl="0" indent="0" algn="l" defTabSz="914400" rtl="0" eaLnBrk="1" fontAlgn="auto" latinLnBrk="0" hangingPunct="1">
+                            <a:lnSpc>
+                              <a:spcPct val="100000"/>
+                            </a:lnSpc>
+                            <a:spcBef>
+                              <a:spcPts val="0"/>
+                            </a:spcBef>
+                            <a:spcAft>
+                              <a:spcPts val="0"/>
+                            </a:spcAft>
+                            <a:buClrTx/>
+                            <a:buSzTx/>
+                            <a:buFontTx/>
+                            <a:buNone/>
+                            <a:tabLst/>
+                            <a:defRPr/>
+                          </a:pPr>
+                          <a:r>
+                            <a:rPr lang="en-GB" sz="1400" dirty="0"/>
+                            <a:t>                   point 2 is breakpoint</a:t>
+                          </a:r>
+                        </a:p>
+                      </a:txBody>
+                      <a:tcPr/>
+                    </a:tc>
+                    <a:tc>
+                      <a:txBody>
+                        <a:bodyPr/>
+                        <a:lstStyle/>
+                        <a:p>
+                          <a:pPr marL="0" marR="0" lvl="0" indent="0" algn="l" defTabSz="914400" rtl="0" eaLnBrk="1" fontAlgn="auto" latinLnBrk="0" hangingPunct="1">
+                            <a:lnSpc>
+                              <a:spcPct val="100000"/>
+                            </a:lnSpc>
+                            <a:spcBef>
+                              <a:spcPts val="0"/>
+                            </a:spcBef>
+                            <a:spcAft>
+                              <a:spcPts val="0"/>
+                            </a:spcAft>
+                            <a:buClrTx/>
+                            <a:buSzTx/>
+                            <a:buFontTx/>
+                            <a:buNone/>
+                            <a:tabLst/>
+                            <a:defRPr/>
+                          </a:pPr>
+                          <a:r>
+                            <a:rPr lang="en-GB" sz="1400" dirty="0"/>
+                            <a:t>                   point 2 is breakpoint</a:t>
+                          </a:r>
+                        </a:p>
+                      </a:txBody>
+                      <a:tcPr/>
+                    </a:tc>
+                    <a:extLst>
+                      <a:ext uri="{0D108BD9-81ED-4DB2-BD59-A6C34878D82A}">
+                        <a16:rowId xmlns:a16="http://schemas.microsoft.com/office/drawing/2014/main" val="2880666315"/>
+                      </a:ext>
+                    </a:extLst>
+                  </a:tr>
+                  <a:tr h="370840">
+                    <a:tc>
+                      <a:txBody>
+                        <a:bodyPr/>
+                        <a:lstStyle/>
+                        <a:p>
+                          <a:endParaRPr lang="en-GB" dirty="0"/>
+                        </a:p>
+                      </a:txBody>
+                      <a:tcPr/>
+                    </a:tc>
+                    <a:tc>
+                      <a:txBody>
+                        <a:bodyPr/>
+                        <a:lstStyle/>
+                        <a:p>
+                          <a:r>
+                            <a:rPr lang="en-GB" sz="1400" dirty="0"/>
+                            <a:t>                   </a:t>
+                          </a:r>
+                          <a14:m>
+                            <m:oMath xmlns:m="http://schemas.openxmlformats.org/officeDocument/2006/math">
+                              <m:r>
+                                <a:rPr lang="en-GB" sz="1400" i="1" smtClean="0">
+                                  <a:latin typeface="Cambria Math" panose="02040503050406030204" pitchFamily="18" charset="0"/>
+                                  <a:ea typeface="Cambria Math" panose="02040503050406030204" pitchFamily="18" charset="0"/>
+                                </a:rPr>
+                                <m:t>∆</m:t>
+                              </m:r>
+                              <m:sSub>
+                                <m:sSubPr>
+                                  <m:ctrlPr>
+                                    <a:rPr lang="en-GB" sz="1400" i="1" smtClean="0">
+                                      <a:latin typeface="Cambria Math" panose="02040503050406030204" pitchFamily="18" charset="0"/>
+                                      <a:ea typeface="Cambria Math" panose="02040503050406030204" pitchFamily="18" charset="0"/>
+                                    </a:rPr>
+                                  </m:ctrlPr>
+                                </m:sSubPr>
+                                <m:e>
+                                  <m:r>
+                                    <a:rPr lang="en-GB" sz="1400" b="0" i="1" smtClean="0">
+                                      <a:latin typeface="Cambria Math" panose="02040503050406030204" pitchFamily="18" charset="0"/>
+                                      <a:ea typeface="Cambria Math" panose="02040503050406030204" pitchFamily="18" charset="0"/>
+                                    </a:rPr>
+                                    <m:t>𝑝</m:t>
+                                  </m:r>
+                                </m:e>
+                                <m:sub>
+                                  <m:r>
+                                    <a:rPr lang="en-GB" sz="1400" b="0" i="1" smtClean="0">
+                                      <a:latin typeface="Cambria Math" panose="02040503050406030204" pitchFamily="18" charset="0"/>
+                                      <a:ea typeface="Cambria Math" panose="02040503050406030204" pitchFamily="18" charset="0"/>
+                                    </a:rPr>
+                                    <m:t>𝑐𝑜𝑚𝑝𝑎𝑟𝑒</m:t>
+                                  </m:r>
+                                </m:sub>
+                              </m:sSub>
+                            </m:oMath>
+                          </a14:m>
+                          <a:r>
+                            <a:rPr lang="en-GB" sz="1400" dirty="0"/>
+                            <a:t>=</a:t>
+                          </a:r>
+                          <a14:m>
+                            <m:oMath xmlns:m="http://schemas.openxmlformats.org/officeDocument/2006/math">
+                              <m:r>
+                                <a:rPr lang="en-GB" sz="1400" i="1" smtClean="0">
+                                  <a:latin typeface="Cambria Math" panose="02040503050406030204" pitchFamily="18" charset="0"/>
+                                  <a:ea typeface="Cambria Math" panose="02040503050406030204" pitchFamily="18" charset="0"/>
+                                </a:rPr>
+                                <m:t>∆</m:t>
+                              </m:r>
+                              <m:sSub>
+                                <m:sSubPr>
+                                  <m:ctrlPr>
+                                    <a:rPr lang="en-GB" sz="1400" i="1" smtClean="0">
+                                      <a:latin typeface="Cambria Math" panose="02040503050406030204" pitchFamily="18" charset="0"/>
+                                      <a:ea typeface="Cambria Math" panose="02040503050406030204" pitchFamily="18" charset="0"/>
+                                    </a:rPr>
+                                  </m:ctrlPr>
+                                </m:sSubPr>
+                                <m:e>
+                                  <m:r>
+                                    <a:rPr lang="en-GB" sz="1400" b="0" i="1" smtClean="0">
+                                      <a:latin typeface="Cambria Math" panose="02040503050406030204" pitchFamily="18" charset="0"/>
+                                      <a:ea typeface="Cambria Math" panose="02040503050406030204" pitchFamily="18" charset="0"/>
+                                    </a:rPr>
+                                    <m:t>𝑝</m:t>
+                                  </m:r>
+                                </m:e>
+                                <m:sub>
+                                  <m:r>
+                                    <a:rPr lang="en-GB" sz="1400" b="0" i="1" smtClean="0">
+                                      <a:latin typeface="Cambria Math" panose="02040503050406030204" pitchFamily="18" charset="0"/>
+                                      <a:ea typeface="Cambria Math" panose="02040503050406030204" pitchFamily="18" charset="0"/>
+                                    </a:rPr>
+                                    <m:t>2</m:t>
+                                  </m:r>
+                                </m:sub>
+                              </m:sSub>
+                            </m:oMath>
+                          </a14:m>
+                          <a:endParaRPr lang="en-GB" sz="1400" dirty="0"/>
+                        </a:p>
+                      </a:txBody>
+                      <a:tcPr/>
+                    </a:tc>
+                    <a:extLst>
+                      <a:ext uri="{0D108BD9-81ED-4DB2-BD59-A6C34878D82A}">
+                        <a16:rowId xmlns:a16="http://schemas.microsoft.com/office/drawing/2014/main" val="3485680928"/>
+                      </a:ext>
+                    </a:extLst>
+                  </a:tr>
+                  <a:tr h="370840">
+                    <a:tc>
+                      <a:txBody>
+                        <a:bodyPr/>
+                        <a:lstStyle/>
+                        <a:p>
+                          <a:pPr marL="0" marR="0" lvl="0" indent="0" algn="l" defTabSz="914400" rtl="0" eaLnBrk="1" fontAlgn="auto" latinLnBrk="0" hangingPunct="1">
+                            <a:lnSpc>
+                              <a:spcPct val="100000"/>
+                            </a:lnSpc>
+                            <a:spcBef>
+                              <a:spcPts val="0"/>
+                            </a:spcBef>
+                            <a:spcAft>
+                              <a:spcPts val="0"/>
+                            </a:spcAft>
+                            <a:buClrTx/>
+                            <a:buSzTx/>
+                            <a:buFontTx/>
+                            <a:buNone/>
+                            <a:tabLst/>
+                            <a:defRPr/>
+                          </a:pPr>
+                          <a:r>
+                            <a:rPr lang="en-GB" sz="1600" dirty="0">
+                              <a:solidFill>
+                                <a:srgbClr val="FF0000"/>
+                              </a:solidFill>
+                            </a:rPr>
+                            <a:t>Many points faulty because of noise</a:t>
+                          </a:r>
+                        </a:p>
+                      </a:txBody>
+                      <a:tcPr/>
+                    </a:tc>
+                    <a:tc>
+                      <a:txBody>
+                        <a:bodyPr/>
+                        <a:lstStyle/>
+                        <a:p>
+                          <a:r>
+                            <a:rPr lang="en-GB" sz="1600" b="1" dirty="0">
+                              <a:solidFill>
+                                <a:srgbClr val="FF0000"/>
+                              </a:solidFill>
+                            </a:rPr>
+                            <a:t>! </a:t>
+                          </a:r>
+                          <a:r>
+                            <a:rPr lang="en-GB" sz="1600" b="0" dirty="0">
+                              <a:solidFill>
+                                <a:srgbClr val="FF0000"/>
+                              </a:solidFill>
+                            </a:rPr>
+                            <a:t>We </a:t>
+                          </a:r>
+                          <a:r>
+                            <a:rPr lang="en-GB" sz="1600" b="1" u="sng" dirty="0">
+                              <a:solidFill>
+                                <a:srgbClr val="FF0000"/>
+                              </a:solidFill>
+                            </a:rPr>
+                            <a:t>only</a:t>
+                          </a:r>
+                          <a:r>
+                            <a:rPr lang="en-GB" sz="1600" b="0" u="sng" dirty="0">
+                              <a:solidFill>
+                                <a:srgbClr val="FF0000"/>
+                              </a:solidFill>
+                            </a:rPr>
+                            <a:t> </a:t>
+                          </a:r>
+                          <a:r>
+                            <a:rPr lang="en-GB" sz="1600" b="0" dirty="0">
+                              <a:solidFill>
+                                <a:srgbClr val="FF0000"/>
+                              </a:solidFill>
+                            </a:rPr>
+                            <a:t>flip the sign of </a:t>
+                          </a:r>
+                          <a14:m>
+                            <m:oMath xmlns:m="http://schemas.openxmlformats.org/officeDocument/2006/math">
+                              <m:r>
+                                <a:rPr lang="en-GB" sz="1600" b="0" i="0" smtClean="0">
+                                  <a:solidFill>
+                                    <a:srgbClr val="FF0000"/>
+                                  </a:solidFill>
+                                  <a:latin typeface="Cambria Math" panose="02040503050406030204" pitchFamily="18" charset="0"/>
+                                  <a:ea typeface="Cambria Math" panose="02040503050406030204" pitchFamily="18" charset="0"/>
+                                </a:rPr>
+                                <m:t> </m:t>
+                              </m:r>
+                              <m:r>
+                                <a:rPr lang="en-GB" sz="1600" i="1" smtClean="0">
+                                  <a:solidFill>
+                                    <a:srgbClr val="FF0000"/>
+                                  </a:solidFill>
+                                  <a:latin typeface="Cambria Math" panose="02040503050406030204" pitchFamily="18" charset="0"/>
+                                  <a:ea typeface="Cambria Math" panose="02040503050406030204" pitchFamily="18" charset="0"/>
+                                </a:rPr>
+                                <m:t>∆</m:t>
+                              </m:r>
+                              <m:sSub>
+                                <m:sSubPr>
+                                  <m:ctrlPr>
+                                    <a:rPr lang="en-GB" sz="1600" i="1" smtClean="0">
+                                      <a:solidFill>
+                                        <a:srgbClr val="FF0000"/>
+                                      </a:solidFill>
+                                      <a:latin typeface="Cambria Math" panose="02040503050406030204" pitchFamily="18" charset="0"/>
+                                      <a:ea typeface="Cambria Math" panose="02040503050406030204" pitchFamily="18" charset="0"/>
+                                    </a:rPr>
+                                  </m:ctrlPr>
+                                </m:sSubPr>
+                                <m:e>
+                                  <m:r>
+                                    <a:rPr lang="en-GB" sz="1600" b="0" i="1" smtClean="0">
+                                      <a:solidFill>
+                                        <a:srgbClr val="FF0000"/>
+                                      </a:solidFill>
+                                      <a:latin typeface="Cambria Math" panose="02040503050406030204" pitchFamily="18" charset="0"/>
+                                      <a:ea typeface="Cambria Math" panose="02040503050406030204" pitchFamily="18" charset="0"/>
+                                    </a:rPr>
+                                    <m:t>𝑝</m:t>
+                                  </m:r>
+                                </m:e>
+                                <m:sub>
+                                  <m:r>
+                                    <a:rPr lang="en-GB" sz="1600" b="0" i="1" smtClean="0">
+                                      <a:solidFill>
+                                        <a:srgbClr val="FF0000"/>
+                                      </a:solidFill>
+                                      <a:latin typeface="Cambria Math" panose="02040503050406030204" pitchFamily="18" charset="0"/>
+                                      <a:ea typeface="Cambria Math" panose="02040503050406030204" pitchFamily="18" charset="0"/>
+                                    </a:rPr>
+                                    <m:t>𝑐𝑜𝑚𝑝𝑎𝑟𝑒</m:t>
+                                  </m:r>
+                                </m:sub>
+                              </m:sSub>
+                            </m:oMath>
+                          </a14:m>
+                          <a:r>
+                            <a:rPr lang="en-GB" sz="1600" b="0" dirty="0">
+                              <a:solidFill>
+                                <a:srgbClr val="FF0000"/>
+                              </a:solidFill>
+                            </a:rPr>
+                            <a:t> when two </a:t>
+                          </a:r>
+                          <a:r>
+                            <a:rPr lang="en-GB" sz="1600" b="1" u="sng" dirty="0">
+                              <a:solidFill>
+                                <a:srgbClr val="FF0000"/>
+                              </a:solidFill>
+                            </a:rPr>
+                            <a:t>if statement </a:t>
+                          </a:r>
+                          <a:r>
+                            <a:rPr lang="en-GB" sz="1600" b="0" dirty="0">
+                              <a:solidFill>
+                                <a:srgbClr val="FF0000"/>
+                              </a:solidFill>
+                            </a:rPr>
+                            <a:t>are met </a:t>
+                          </a:r>
+                        </a:p>
+                      </a:txBody>
+                      <a:tcPr/>
+                    </a:tc>
+                    <a:extLst>
+                      <a:ext uri="{0D108BD9-81ED-4DB2-BD59-A6C34878D82A}">
+                        <a16:rowId xmlns:a16="http://schemas.microsoft.com/office/drawing/2014/main" val="762481793"/>
+                      </a:ext>
+                    </a:extLst>
+                  </a:tr>
+                  <a:tr h="370840">
+                    <a:tc gridSpan="2">
+                      <a:txBody>
+                        <a:bodyPr/>
+                        <a:lstStyle/>
+                        <a:p>
+                          <a:pPr marL="0" marR="0" lvl="0" indent="0" algn="ctr" defTabSz="914400" rtl="0" eaLnBrk="1" fontAlgn="auto" latinLnBrk="0" hangingPunct="1">
+                            <a:lnSpc>
+                              <a:spcPct val="100000"/>
+                            </a:lnSpc>
+                            <a:spcBef>
+                              <a:spcPts val="0"/>
+                            </a:spcBef>
+                            <a:spcAft>
+                              <a:spcPts val="0"/>
+                            </a:spcAft>
+                            <a:buClrTx/>
+                            <a:buSzTx/>
+                            <a:buFontTx/>
+                            <a:buNone/>
+                            <a:tabLst/>
+                            <a:defRPr/>
+                          </a:pPr>
+                          <a:r>
+                            <a:rPr lang="en-GB" b="1" dirty="0"/>
+                            <a:t>Baseline_1 + Baseline_2 = Baseline_improved    </a:t>
+                          </a:r>
+                          <a:r>
+                            <a:rPr lang="en-GB" sz="1600" b="1" i="1" u="sng" kern="1200" dirty="0">
+                              <a:solidFill>
+                                <a:schemeClr val="accent6">
+                                  <a:lumMod val="75000"/>
+                                </a:schemeClr>
+                              </a:solidFill>
+                              <a:latin typeface="+mn-lt"/>
+                              <a:ea typeface="+mn-ea"/>
+                              <a:cs typeface="+mn-cs"/>
+                            </a:rPr>
+                            <a:t>Real field data: 116 (raw) or 69 (smoothed) detected, a few missed, a few faulty</a:t>
+                          </a:r>
+                        </a:p>
+                      </a:txBody>
+                      <a:tcPr/>
+                    </a:tc>
+                    <a:tc hMerge="1">
+                      <a:txBody>
+                        <a:bodyPr/>
+                        <a:lstStyle/>
+                        <a:p>
+                          <a:endParaRPr lang="en-GB" dirty="0"/>
+                        </a:p>
+                      </a:txBody>
+                      <a:tcPr/>
+                    </a:tc>
+                    <a:extLst>
+                      <a:ext uri="{0D108BD9-81ED-4DB2-BD59-A6C34878D82A}">
+                        <a16:rowId xmlns:a16="http://schemas.microsoft.com/office/drawing/2014/main" val="1145915302"/>
+                      </a:ext>
+                    </a:extLst>
+                  </a:tr>
+                </a:tbl>
+              </a:graphicData>
+            </a:graphic>
+          </p:graphicFrame>
+        </mc:Choice>
+        <mc:Fallback>
+          <p:graphicFrame>
+            <p:nvGraphicFramePr>
+              <p:cNvPr id="4" name="Table 4">
+                <a:extLst>
+                  <a:ext uri="{FF2B5EF4-FFF2-40B4-BE49-F238E27FC236}">
+                    <a16:creationId xmlns:a16="http://schemas.microsoft.com/office/drawing/2014/main" id="{8D6D41C4-7B76-42F4-9DD4-320517F84565}"/>
+                  </a:ext>
+                </a:extLst>
+              </p:cNvPr>
+              <p:cNvGraphicFramePr>
+                <a:graphicFrameLocks noGrp="1"/>
+              </p:cNvGraphicFramePr>
+              <p:nvPr>
+                <p:ph idx="1"/>
+                <p:extLst>
+                  <p:ext uri="{D42A27DB-BD31-4B8C-83A1-F6EECF244321}">
+                    <p14:modId xmlns:p14="http://schemas.microsoft.com/office/powerpoint/2010/main" val="444151696"/>
+                  </p:ext>
+                </p:extLst>
+              </p:nvPr>
+            </p:nvGraphicFramePr>
+            <p:xfrm>
+              <a:off x="749424" y="157480"/>
+              <a:ext cx="10515600" cy="6543040"/>
+            </p:xfrm>
+            <a:graphic>
+              <a:graphicData uri="http://schemas.openxmlformats.org/drawingml/2006/table">
+                <a:tbl>
+                  <a:tblPr firstRow="1" bandRow="1">
+                    <a:tableStyleId>{5C22544A-7EE6-4342-B048-85BDC9FD1C3A}</a:tableStyleId>
+                  </a:tblPr>
+                  <a:tblGrid>
+                    <a:gridCol w="4239828">
+                      <a:extLst>
+                        <a:ext uri="{9D8B030D-6E8A-4147-A177-3AD203B41FA5}">
+                          <a16:colId xmlns:a16="http://schemas.microsoft.com/office/drawing/2014/main" val="3200318556"/>
+                        </a:ext>
+                      </a:extLst>
+                    </a:gridCol>
+                    <a:gridCol w="6275772">
+                      <a:extLst>
+                        <a:ext uri="{9D8B030D-6E8A-4147-A177-3AD203B41FA5}">
+                          <a16:colId xmlns:a16="http://schemas.microsoft.com/office/drawing/2014/main" val="3166266220"/>
+                        </a:ext>
+                      </a:extLst>
+                    </a:gridCol>
+                  </a:tblGrid>
+                  <a:tr h="370840">
+                    <a:tc gridSpan="2">
+                      <a:txBody>
+                        <a:bodyPr/>
+                        <a:lstStyle/>
+                        <a:p>
+                          <a:pPr marL="0" marR="0" lvl="0" indent="0" algn="l" defTabSz="914400" rtl="0" eaLnBrk="1" fontAlgn="auto" latinLnBrk="0" hangingPunct="1">
+                            <a:lnSpc>
+                              <a:spcPct val="100000"/>
+                            </a:lnSpc>
+                            <a:spcBef>
+                              <a:spcPts val="0"/>
+                            </a:spcBef>
+                            <a:spcAft>
+                              <a:spcPts val="0"/>
+                            </a:spcAft>
+                            <a:buClrTx/>
+                            <a:buSzTx/>
+                            <a:buFontTx/>
+                            <a:buNone/>
+                            <a:tabLst/>
+                            <a:defRPr/>
+                          </a:pPr>
+                          <a:r>
+                            <a:rPr lang="en-GB" dirty="0"/>
+                            <a:t>Algorithm</a:t>
+                          </a:r>
+                        </a:p>
+                      </a:txBody>
+                      <a:tcPr/>
+                    </a:tc>
+                    <a:tc hMerge="1">
+                      <a:txBody>
+                        <a:bodyPr/>
+                        <a:lstStyle/>
+                        <a:p>
+                          <a:pPr marL="0" marR="0" lvl="0" indent="0" algn="l" defTabSz="914400" rtl="0" eaLnBrk="1" fontAlgn="auto" latinLnBrk="0" hangingPunct="1">
+                            <a:lnSpc>
+                              <a:spcPct val="100000"/>
+                            </a:lnSpc>
+                            <a:spcBef>
+                              <a:spcPts val="0"/>
+                            </a:spcBef>
+                            <a:spcAft>
+                              <a:spcPts val="0"/>
+                            </a:spcAft>
+                            <a:buClrTx/>
+                            <a:buSzTx/>
+                            <a:buFontTx/>
+                            <a:buNone/>
+                            <a:tabLst/>
+                            <a:defRPr/>
+                          </a:pPr>
+                          <a:endParaRPr lang="en-GB" dirty="0"/>
+                        </a:p>
+                      </a:txBody>
+                      <a:tcPr/>
+                    </a:tc>
+                    <a:extLst>
+                      <a:ext uri="{0D108BD9-81ED-4DB2-BD59-A6C34878D82A}">
+                        <a16:rowId xmlns:a16="http://schemas.microsoft.com/office/drawing/2014/main" val="198614115"/>
+                      </a:ext>
+                    </a:extLst>
+                  </a:tr>
+                  <a:tr h="370840">
+                    <a:tc gridSpan="2">
+                      <a:txBody>
+                        <a:bodyPr/>
+                        <a:lstStyle/>
+                        <a:p>
+                          <a:pPr marL="0" marR="0" lvl="0" indent="0" algn="l" defTabSz="914400" rtl="0" eaLnBrk="1" fontAlgn="auto" latinLnBrk="0" hangingPunct="1">
+                            <a:lnSpc>
+                              <a:spcPct val="100000"/>
+                            </a:lnSpc>
+                            <a:spcBef>
+                              <a:spcPts val="0"/>
+                            </a:spcBef>
+                            <a:spcAft>
+                              <a:spcPts val="0"/>
+                            </a:spcAft>
+                            <a:buClrTx/>
+                            <a:buSzTx/>
+                            <a:buFontTx/>
+                            <a:buNone/>
+                            <a:tabLst/>
+                            <a:defRPr/>
+                          </a:pPr>
+                          <a:r>
+                            <a:rPr lang="en-GB" sz="1400" dirty="0"/>
+                            <a:t>Point 1, point 2 are adjacent</a:t>
+                          </a:r>
+                        </a:p>
+                      </a:txBody>
+                      <a:tcPr/>
+                    </a:tc>
+                    <a:tc hMerge="1">
+                      <a:txBody>
+                        <a:bodyPr/>
+                        <a:lstStyle/>
+                        <a:p>
+                          <a:endParaRPr lang="en-GB" dirty="0"/>
+                        </a:p>
+                      </a:txBody>
+                      <a:tcPr/>
+                    </a:tc>
+                    <a:extLst>
+                      <a:ext uri="{0D108BD9-81ED-4DB2-BD59-A6C34878D82A}">
+                        <a16:rowId xmlns:a16="http://schemas.microsoft.com/office/drawing/2014/main" val="4265215324"/>
+                      </a:ext>
+                    </a:extLst>
+                  </a:tr>
+                  <a:tr h="370840">
+                    <a:tc gridSpan="2">
+                      <a:txBody>
+                        <a:bodyPr/>
+                        <a:lstStyle/>
+                        <a:p>
+                          <a:endParaRPr lang="en-US"/>
+                        </a:p>
+                      </a:txBody>
+                      <a:tcPr>
+                        <a:blipFill>
+                          <a:blip r:embed="rId3"/>
+                          <a:stretch>
+                            <a:fillRect l="-58" t="-208197" r="-290" b="-1481967"/>
+                          </a:stretch>
+                        </a:blipFill>
+                      </a:tcPr>
+                    </a:tc>
+                    <a:tc hMerge="1">
+                      <a:txBody>
+                        <a:bodyPr/>
+                        <a:lstStyle/>
+                        <a:p>
+                          <a:endParaRPr lang="en-GB"/>
+                        </a:p>
+                      </a:txBody>
+                      <a:tcPr/>
+                    </a:tc>
+                    <a:extLst>
+                      <a:ext uri="{0D108BD9-81ED-4DB2-BD59-A6C34878D82A}">
+                        <a16:rowId xmlns:a16="http://schemas.microsoft.com/office/drawing/2014/main" val="219602631"/>
+                      </a:ext>
+                    </a:extLst>
+                  </a:tr>
+                  <a:tr h="370840">
+                    <a:tc gridSpan="2">
+                      <a:txBody>
+                        <a:bodyPr/>
+                        <a:lstStyle/>
+                        <a:p>
+                          <a:endParaRPr lang="en-US"/>
+                        </a:p>
+                      </a:txBody>
+                      <a:tcPr>
+                        <a:blipFill>
+                          <a:blip r:embed="rId3"/>
+                          <a:stretch>
+                            <a:fillRect l="-58" t="-308197" r="-290" b="-1381967"/>
+                          </a:stretch>
+                        </a:blipFill>
+                      </a:tcPr>
+                    </a:tc>
+                    <a:tc hMerge="1">
+                      <a:txBody>
+                        <a:bodyPr/>
+                        <a:lstStyle/>
+                        <a:p>
+                          <a:endParaRPr lang="en-GB"/>
+                        </a:p>
+                      </a:txBody>
+                      <a:tcPr/>
+                    </a:tc>
+                    <a:extLst>
+                      <a:ext uri="{0D108BD9-81ED-4DB2-BD59-A6C34878D82A}">
+                        <a16:rowId xmlns:a16="http://schemas.microsoft.com/office/drawing/2014/main" val="834563075"/>
+                      </a:ext>
+                    </a:extLst>
+                  </a:tr>
+                  <a:tr h="370840">
+                    <a:tc gridSpan="2">
+                      <a:txBody>
+                        <a:bodyPr/>
+                        <a:lstStyle/>
+                        <a:p>
+                          <a:endParaRPr lang="en-US"/>
+                        </a:p>
+                      </a:txBody>
+                      <a:tcPr>
+                        <a:blipFill>
+                          <a:blip r:embed="rId3"/>
+                          <a:stretch>
+                            <a:fillRect l="-58" t="-408197" r="-290" b="-1281967"/>
+                          </a:stretch>
+                        </a:blipFill>
+                      </a:tcPr>
+                    </a:tc>
+                    <a:tc hMerge="1">
+                      <a:txBody>
+                        <a:bodyPr/>
+                        <a:lstStyle/>
+                        <a:p>
+                          <a:endParaRPr lang="en-GB" dirty="0"/>
+                        </a:p>
+                      </a:txBody>
+                      <a:tcPr/>
+                    </a:tc>
+                    <a:extLst>
+                      <a:ext uri="{0D108BD9-81ED-4DB2-BD59-A6C34878D82A}">
+                        <a16:rowId xmlns:a16="http://schemas.microsoft.com/office/drawing/2014/main" val="3901237211"/>
+                      </a:ext>
+                    </a:extLst>
+                  </a:tr>
+                  <a:tr h="370840">
+                    <a:tc gridSpan="2">
+                      <a:txBody>
+                        <a:bodyPr/>
+                        <a:lstStyle/>
+                        <a:p>
+                          <a:endParaRPr lang="en-US"/>
+                        </a:p>
+                      </a:txBody>
+                      <a:tcPr>
+                        <a:blipFill>
+                          <a:blip r:embed="rId3"/>
+                          <a:stretch>
+                            <a:fillRect l="-58" t="-508197" r="-290" b="-1181967"/>
+                          </a:stretch>
+                        </a:blipFill>
+                      </a:tcPr>
+                    </a:tc>
+                    <a:tc hMerge="1">
+                      <a:txBody>
+                        <a:bodyPr/>
+                        <a:lstStyle/>
+                        <a:p>
+                          <a:endParaRPr lang="en-GB" dirty="0"/>
+                        </a:p>
+                      </a:txBody>
+                      <a:tcPr/>
+                    </a:tc>
+                    <a:extLst>
+                      <a:ext uri="{0D108BD9-81ED-4DB2-BD59-A6C34878D82A}">
+                        <a16:rowId xmlns:a16="http://schemas.microsoft.com/office/drawing/2014/main" val="3634268447"/>
+                      </a:ext>
+                    </a:extLst>
+                  </a:tr>
+                  <a:tr h="370840">
+                    <a:tc gridSpan="2">
+                      <a:txBody>
+                        <a:bodyPr/>
+                        <a:lstStyle/>
+                        <a:p>
+                          <a:endParaRPr lang="en-US"/>
+                        </a:p>
+                      </a:txBody>
+                      <a:tcPr>
+                        <a:blipFill>
+                          <a:blip r:embed="rId3"/>
+                          <a:stretch>
+                            <a:fillRect l="-58" t="-618333" r="-290" b="-1101667"/>
+                          </a:stretch>
+                        </a:blipFill>
+                      </a:tcPr>
+                    </a:tc>
+                    <a:tc hMerge="1">
+                      <a:txBody>
+                        <a:bodyPr/>
+                        <a:lstStyle/>
+                        <a:p>
+                          <a:endParaRPr lang="en-GB" b="1" dirty="0"/>
+                        </a:p>
+                      </a:txBody>
+                      <a:tcPr/>
+                    </a:tc>
+                    <a:extLst>
+                      <a:ext uri="{0D108BD9-81ED-4DB2-BD59-A6C34878D82A}">
+                        <a16:rowId xmlns:a16="http://schemas.microsoft.com/office/drawing/2014/main" val="3387342646"/>
+                      </a:ext>
+                    </a:extLst>
+                  </a:tr>
+                  <a:tr h="370840">
+                    <a:tc gridSpan="2">
+                      <a:txBody>
+                        <a:bodyPr/>
+                        <a:lstStyle/>
+                        <a:p>
+                          <a:r>
+                            <a:rPr lang="en-GB" b="1" dirty="0"/>
+                            <a:t>Start Point    </a:t>
+                          </a:r>
+                          <a:r>
+                            <a:rPr lang="en-GB" sz="1600" b="1" i="1" u="sng" kern="1200" dirty="0">
+                              <a:solidFill>
+                                <a:schemeClr val="accent6">
+                                  <a:lumMod val="75000"/>
+                                </a:schemeClr>
+                              </a:solidFill>
+                              <a:latin typeface="+mn-lt"/>
+                              <a:ea typeface="+mn-ea"/>
+                              <a:cs typeface="+mn-cs"/>
+                            </a:rPr>
+                            <a:t>Real field data(smoothed): 404 </a:t>
+                          </a:r>
+                          <a:r>
+                            <a:rPr lang="en-GB" sz="1600" b="1" i="1" u="sng" dirty="0">
+                              <a:solidFill>
+                                <a:schemeClr val="accent6">
+                                  <a:lumMod val="75000"/>
+                                </a:schemeClr>
+                              </a:solidFill>
+                            </a:rPr>
+                            <a:t>detected, many points missed </a:t>
+                          </a:r>
+                          <a:endParaRPr lang="en-GB" sz="1600" b="1" dirty="0"/>
+                        </a:p>
+                      </a:txBody>
+                      <a:tcPr/>
+                    </a:tc>
+                    <a:tc hMerge="1">
+                      <a:txBody>
+                        <a:bodyPr/>
+                        <a:lstStyle/>
+                        <a:p>
+                          <a:endParaRPr lang="en-GB"/>
+                        </a:p>
+                      </a:txBody>
+                      <a:tcPr/>
+                    </a:tc>
+                    <a:extLst>
+                      <a:ext uri="{0D108BD9-81ED-4DB2-BD59-A6C34878D82A}">
+                        <a16:rowId xmlns:a16="http://schemas.microsoft.com/office/drawing/2014/main" val="2299951807"/>
+                      </a:ext>
+                    </a:extLst>
+                  </a:tr>
+                  <a:tr h="370840">
+                    <a:tc gridSpan="2">
+                      <a:txBody>
+                        <a:bodyPr/>
+                        <a:lstStyle/>
+                        <a:p>
+                          <a:endParaRPr lang="en-US"/>
+                        </a:p>
+                      </a:txBody>
+                      <a:tcPr>
+                        <a:blipFill>
+                          <a:blip r:embed="rId3"/>
+                          <a:stretch>
+                            <a:fillRect l="-58" t="-806557" r="-290" b="-883607"/>
+                          </a:stretch>
+                        </a:blipFill>
+                      </a:tcPr>
+                    </a:tc>
+                    <a:tc hMerge="1">
+                      <a:txBody>
+                        <a:bodyPr/>
+                        <a:lstStyle/>
+                        <a:p>
+                          <a:endParaRPr lang="en-GB" sz="1400" dirty="0"/>
+                        </a:p>
+                      </a:txBody>
+                      <a:tcPr/>
+                    </a:tc>
+                    <a:extLst>
+                      <a:ext uri="{0D108BD9-81ED-4DB2-BD59-A6C34878D82A}">
+                        <a16:rowId xmlns:a16="http://schemas.microsoft.com/office/drawing/2014/main" val="3600218825"/>
+                      </a:ext>
+                    </a:extLst>
+                  </a:tr>
+                  <a:tr h="370840">
+                    <a:tc gridSpan="2">
+                      <a:txBody>
+                        <a:bodyPr/>
+                        <a:lstStyle/>
+                        <a:p>
+                          <a:pPr marL="0" marR="0" lvl="0" indent="0" algn="l" defTabSz="914400" rtl="0" eaLnBrk="1" fontAlgn="auto" latinLnBrk="0" hangingPunct="1">
+                            <a:lnSpc>
+                              <a:spcPct val="100000"/>
+                            </a:lnSpc>
+                            <a:spcBef>
+                              <a:spcPts val="0"/>
+                            </a:spcBef>
+                            <a:spcAft>
+                              <a:spcPts val="0"/>
+                            </a:spcAft>
+                            <a:buClrTx/>
+                            <a:buSzTx/>
+                            <a:buFontTx/>
+                            <a:buNone/>
+                            <a:tabLst/>
+                            <a:defRPr/>
+                          </a:pPr>
+                          <a:r>
+                            <a:rPr lang="en-GB" sz="1400" dirty="0"/>
+                            <a:t>                   point 2 is breakpoint</a:t>
+                          </a:r>
+                          <a:endParaRPr lang="en-GB" sz="1600" dirty="0">
+                            <a:solidFill>
+                              <a:srgbClr val="FF0000"/>
+                            </a:solidFill>
+                          </a:endParaRPr>
+                        </a:p>
+                      </a:txBody>
+                      <a:tcPr/>
+                    </a:tc>
+                    <a:tc hMerge="1">
+                      <a:txBody>
+                        <a:bodyPr/>
+                        <a:lstStyle/>
+                        <a:p>
+                          <a:pPr marL="0" marR="0" lvl="0" indent="0" algn="l" defTabSz="914400" rtl="0" eaLnBrk="1" fontAlgn="auto" latinLnBrk="0" hangingPunct="1">
+                            <a:lnSpc>
+                              <a:spcPct val="100000"/>
+                            </a:lnSpc>
+                            <a:spcBef>
+                              <a:spcPts val="0"/>
+                            </a:spcBef>
+                            <a:spcAft>
+                              <a:spcPts val="0"/>
+                            </a:spcAft>
+                            <a:buClrTx/>
+                            <a:buSzTx/>
+                            <a:buFontTx/>
+                            <a:buNone/>
+                            <a:tabLst/>
+                            <a:defRPr/>
+                          </a:pPr>
+                          <a:endParaRPr lang="en-GB" sz="1400" dirty="0"/>
+                        </a:p>
+                      </a:txBody>
+                      <a:tcPr/>
+                    </a:tc>
+                    <a:extLst>
+                      <a:ext uri="{0D108BD9-81ED-4DB2-BD59-A6C34878D82A}">
+                        <a16:rowId xmlns:a16="http://schemas.microsoft.com/office/drawing/2014/main" val="889876729"/>
+                      </a:ext>
+                    </a:extLst>
+                  </a:tr>
+                  <a:tr h="370840">
+                    <a:tc>
+                      <a:txBody>
+                        <a:bodyPr/>
+                        <a:lstStyle/>
+                        <a:p>
+                          <a:r>
+                            <a:rPr lang="en-GB" b="1" dirty="0"/>
+                            <a:t>Baseline_1</a:t>
+                          </a:r>
+                        </a:p>
+                      </a:txBody>
+                      <a:tcPr/>
+                    </a:tc>
+                    <a:tc>
+                      <a:txBody>
+                        <a:bodyPr/>
+                        <a:lstStyle/>
+                        <a:p>
+                          <a:r>
+                            <a:rPr lang="en-GB" b="1" dirty="0"/>
+                            <a:t>Baseline_2</a:t>
+                          </a:r>
+                        </a:p>
+                      </a:txBody>
+                      <a:tcPr/>
+                    </a:tc>
+                    <a:extLst>
+                      <a:ext uri="{0D108BD9-81ED-4DB2-BD59-A6C34878D82A}">
+                        <a16:rowId xmlns:a16="http://schemas.microsoft.com/office/drawing/2014/main" val="2352218127"/>
+                      </a:ext>
+                    </a:extLst>
+                  </a:tr>
+                  <a:tr h="370840">
+                    <a:tc>
+                      <a:txBody>
+                        <a:bodyPr/>
+                        <a:lstStyle/>
+                        <a:p>
+                          <a:endParaRPr lang="en-US"/>
+                        </a:p>
+                      </a:txBody>
+                      <a:tcPr>
+                        <a:blipFill>
+                          <a:blip r:embed="rId3"/>
+                          <a:stretch>
+                            <a:fillRect l="-144" t="-1106557" r="-148707" b="-583607"/>
+                          </a:stretch>
+                        </a:blipFill>
+                      </a:tcPr>
+                    </a:tc>
+                    <a:tc>
+                      <a:txBody>
+                        <a:bodyPr/>
+                        <a:lstStyle/>
+                        <a:p>
+                          <a:endParaRPr lang="en-US"/>
+                        </a:p>
+                      </a:txBody>
+                      <a:tcPr>
+                        <a:blipFill>
+                          <a:blip r:embed="rId3"/>
+                          <a:stretch>
+                            <a:fillRect l="-67670" t="-1106557" r="-485" b="-583607"/>
+                          </a:stretch>
+                        </a:blipFill>
+                      </a:tcPr>
+                    </a:tc>
+                    <a:extLst>
+                      <a:ext uri="{0D108BD9-81ED-4DB2-BD59-A6C34878D82A}">
+                        <a16:rowId xmlns:a16="http://schemas.microsoft.com/office/drawing/2014/main" val="3686176604"/>
+                      </a:ext>
+                    </a:extLst>
+                  </a:tr>
+                  <a:tr h="370840">
+                    <a:tc>
+                      <a:txBody>
+                        <a:bodyPr/>
+                        <a:lstStyle/>
+                        <a:p>
+                          <a:endParaRPr lang="en-US"/>
+                        </a:p>
+                      </a:txBody>
+                      <a:tcPr>
+                        <a:blipFill>
+                          <a:blip r:embed="rId3"/>
+                          <a:stretch>
+                            <a:fillRect l="-144" t="-1206557" r="-148707" b="-483607"/>
+                          </a:stretch>
+                        </a:blipFill>
+                      </a:tcPr>
+                    </a:tc>
+                    <a:tc>
+                      <a:txBody>
+                        <a:bodyPr/>
+                        <a:lstStyle/>
+                        <a:p>
+                          <a:endParaRPr lang="en-US"/>
+                        </a:p>
+                      </a:txBody>
+                      <a:tcPr>
+                        <a:blipFill>
+                          <a:blip r:embed="rId3"/>
+                          <a:stretch>
+                            <a:fillRect l="-67670" t="-1206557" r="-485" b="-483607"/>
+                          </a:stretch>
+                        </a:blipFill>
+                      </a:tcPr>
+                    </a:tc>
+                    <a:extLst>
+                      <a:ext uri="{0D108BD9-81ED-4DB2-BD59-A6C34878D82A}">
+                        <a16:rowId xmlns:a16="http://schemas.microsoft.com/office/drawing/2014/main" val="1720628296"/>
+                      </a:ext>
+                    </a:extLst>
+                  </a:tr>
+                  <a:tr h="370840">
+                    <a:tc>
+                      <a:txBody>
+                        <a:bodyPr/>
+                        <a:lstStyle/>
+                        <a:p>
+                          <a:pPr marL="0" marR="0" lvl="0" indent="0" algn="l" defTabSz="914400" rtl="0" eaLnBrk="1" fontAlgn="auto" latinLnBrk="0" hangingPunct="1">
+                            <a:lnSpc>
+                              <a:spcPct val="100000"/>
+                            </a:lnSpc>
+                            <a:spcBef>
+                              <a:spcPts val="0"/>
+                            </a:spcBef>
+                            <a:spcAft>
+                              <a:spcPts val="0"/>
+                            </a:spcAft>
+                            <a:buClrTx/>
+                            <a:buSzTx/>
+                            <a:buFontTx/>
+                            <a:buNone/>
+                            <a:tabLst/>
+                            <a:defRPr/>
+                          </a:pPr>
+                          <a:r>
+                            <a:rPr lang="en-GB" sz="1400" dirty="0"/>
+                            <a:t>                   point 2 is breakpoint</a:t>
+                          </a:r>
+                        </a:p>
+                      </a:txBody>
+                      <a:tcPr/>
+                    </a:tc>
+                    <a:tc>
+                      <a:txBody>
+                        <a:bodyPr/>
+                        <a:lstStyle/>
+                        <a:p>
+                          <a:pPr marL="0" marR="0" lvl="0" indent="0" algn="l" defTabSz="914400" rtl="0" eaLnBrk="1" fontAlgn="auto" latinLnBrk="0" hangingPunct="1">
+                            <a:lnSpc>
+                              <a:spcPct val="100000"/>
+                            </a:lnSpc>
+                            <a:spcBef>
+                              <a:spcPts val="0"/>
+                            </a:spcBef>
+                            <a:spcAft>
+                              <a:spcPts val="0"/>
+                            </a:spcAft>
+                            <a:buClrTx/>
+                            <a:buSzTx/>
+                            <a:buFontTx/>
+                            <a:buNone/>
+                            <a:tabLst/>
+                            <a:defRPr/>
+                          </a:pPr>
+                          <a:r>
+                            <a:rPr lang="en-GB" sz="1400" dirty="0"/>
+                            <a:t>                   point 2 is breakpoint</a:t>
+                          </a:r>
+                        </a:p>
+                      </a:txBody>
+                      <a:tcPr/>
+                    </a:tc>
+                    <a:extLst>
+                      <a:ext uri="{0D108BD9-81ED-4DB2-BD59-A6C34878D82A}">
+                        <a16:rowId xmlns:a16="http://schemas.microsoft.com/office/drawing/2014/main" val="2880666315"/>
+                      </a:ext>
+                    </a:extLst>
+                  </a:tr>
+                  <a:tr h="370840">
+                    <a:tc>
+                      <a:txBody>
+                        <a:bodyPr/>
+                        <a:lstStyle/>
+                        <a:p>
+                          <a:endParaRPr lang="en-GB" dirty="0"/>
+                        </a:p>
+                      </a:txBody>
+                      <a:tcPr/>
+                    </a:tc>
+                    <a:tc>
+                      <a:txBody>
+                        <a:bodyPr/>
+                        <a:lstStyle/>
+                        <a:p>
+                          <a:endParaRPr lang="en-US"/>
+                        </a:p>
+                      </a:txBody>
+                      <a:tcPr>
+                        <a:blipFill>
+                          <a:blip r:embed="rId3"/>
+                          <a:stretch>
+                            <a:fillRect l="-67670" t="-1406557" r="-485" b="-283607"/>
+                          </a:stretch>
+                        </a:blipFill>
+                      </a:tcPr>
+                    </a:tc>
+                    <a:extLst>
+                      <a:ext uri="{0D108BD9-81ED-4DB2-BD59-A6C34878D82A}">
+                        <a16:rowId xmlns:a16="http://schemas.microsoft.com/office/drawing/2014/main" val="3485680928"/>
+                      </a:ext>
+                    </a:extLst>
+                  </a:tr>
+                  <a:tr h="370840">
+                    <a:tc>
+                      <a:txBody>
+                        <a:bodyPr/>
+                        <a:lstStyle/>
+                        <a:p>
+                          <a:pPr marL="0" marR="0" lvl="0" indent="0" algn="l" defTabSz="914400" rtl="0" eaLnBrk="1" fontAlgn="auto" latinLnBrk="0" hangingPunct="1">
+                            <a:lnSpc>
+                              <a:spcPct val="100000"/>
+                            </a:lnSpc>
+                            <a:spcBef>
+                              <a:spcPts val="0"/>
+                            </a:spcBef>
+                            <a:spcAft>
+                              <a:spcPts val="0"/>
+                            </a:spcAft>
+                            <a:buClrTx/>
+                            <a:buSzTx/>
+                            <a:buFontTx/>
+                            <a:buNone/>
+                            <a:tabLst/>
+                            <a:defRPr/>
+                          </a:pPr>
+                          <a:r>
+                            <a:rPr lang="en-GB" sz="1600" dirty="0">
+                              <a:solidFill>
+                                <a:srgbClr val="FF0000"/>
+                              </a:solidFill>
+                            </a:rPr>
+                            <a:t>Many points faulty because of noise</a:t>
+                          </a:r>
+                        </a:p>
+                      </a:txBody>
+                      <a:tcPr/>
+                    </a:tc>
+                    <a:tc>
+                      <a:txBody>
+                        <a:bodyPr/>
+                        <a:lstStyle/>
+                        <a:p>
+                          <a:endParaRPr lang="en-US"/>
+                        </a:p>
+                      </a:txBody>
+                      <a:tcPr>
+                        <a:blipFill>
+                          <a:blip r:embed="rId3"/>
+                          <a:stretch>
+                            <a:fillRect l="-67670" t="-1506557" r="-485" b="-183607"/>
+                          </a:stretch>
+                        </a:blipFill>
+                      </a:tcPr>
+                    </a:tc>
+                    <a:extLst>
+                      <a:ext uri="{0D108BD9-81ED-4DB2-BD59-A6C34878D82A}">
+                        <a16:rowId xmlns:a16="http://schemas.microsoft.com/office/drawing/2014/main" val="762481793"/>
+                      </a:ext>
+                    </a:extLst>
+                  </a:tr>
+                  <a:tr h="609600">
+                    <a:tc gridSpan="2">
+                      <a:txBody>
+                        <a:bodyPr/>
+                        <a:lstStyle/>
+                        <a:p>
+                          <a:pPr marL="0" marR="0" lvl="0" indent="0" algn="ctr" defTabSz="914400" rtl="0" eaLnBrk="1" fontAlgn="auto" latinLnBrk="0" hangingPunct="1">
+                            <a:lnSpc>
+                              <a:spcPct val="100000"/>
+                            </a:lnSpc>
+                            <a:spcBef>
+                              <a:spcPts val="0"/>
+                            </a:spcBef>
+                            <a:spcAft>
+                              <a:spcPts val="0"/>
+                            </a:spcAft>
+                            <a:buClrTx/>
+                            <a:buSzTx/>
+                            <a:buFontTx/>
+                            <a:buNone/>
+                            <a:tabLst/>
+                            <a:defRPr/>
+                          </a:pPr>
+                          <a:r>
+                            <a:rPr lang="en-GB" b="1" dirty="0"/>
+                            <a:t>Baseline_1 + Baseline_2 = Baseline_improved    </a:t>
+                          </a:r>
+                          <a:r>
+                            <a:rPr lang="en-GB" sz="1600" b="1" i="1" u="sng" kern="1200" dirty="0">
+                              <a:solidFill>
+                                <a:schemeClr val="accent6">
+                                  <a:lumMod val="75000"/>
+                                </a:schemeClr>
+                              </a:solidFill>
+                              <a:latin typeface="+mn-lt"/>
+                              <a:ea typeface="+mn-ea"/>
+                              <a:cs typeface="+mn-cs"/>
+                            </a:rPr>
+                            <a:t>Real field data: 116 (raw) or 69 (smoothed) detected, a few missed, a few faulty</a:t>
+                          </a:r>
+                        </a:p>
+                      </a:txBody>
+                      <a:tcPr/>
+                    </a:tc>
+                    <a:tc hMerge="1">
+                      <a:txBody>
+                        <a:bodyPr/>
+                        <a:lstStyle/>
+                        <a:p>
+                          <a:endParaRPr lang="en-GB" dirty="0"/>
+                        </a:p>
+                      </a:txBody>
+                      <a:tcPr/>
+                    </a:tc>
+                    <a:extLst>
+                      <a:ext uri="{0D108BD9-81ED-4DB2-BD59-A6C34878D82A}">
+                        <a16:rowId xmlns:a16="http://schemas.microsoft.com/office/drawing/2014/main" val="1145915302"/>
+                      </a:ext>
+                    </a:extLst>
+                  </a:tr>
+                </a:tbl>
+              </a:graphicData>
+            </a:graphic>
+          </p:graphicFrame>
+        </mc:Fallback>
+      </mc:AlternateContent>
+    </p:spTree>
+    <p:extLst>
+      <p:ext uri="{BB962C8B-B14F-4D97-AF65-F5344CB8AC3E}">
+        <p14:creationId xmlns:p14="http://schemas.microsoft.com/office/powerpoint/2010/main" val="1209639389"/>
+      </p:ext>
+    </p:extLst>
+  </p:cSld>
+  <p:clrMapOvr>
+    <a:masterClrMapping/>
+  </p:clrMapOvr>
+</p:sld>
+</file>
+
+<file path=ppt/slides/slide42.xml><?xml version="1.0" encoding="utf-8"?>
+<p:sld xmlns:a="http://schemas.openxmlformats.org/drawingml/2006/main" xmlns:r="http://schemas.openxmlformats.org/officeDocument/2006/relationships" xmlns:p="http://schemas.openxmlformats.org/presentationml/2006/main">
+  <p:cSld>
+    <p:spTree>
+      <p:nvGrpSpPr>
+        <p:cNvPr id="1" name=""/>
+        <p:cNvGrpSpPr/>
+        <p:nvPr/>
+      </p:nvGrpSpPr>
+      <p:grpSpPr>
+        <a:xfrm>
+          <a:off x="0" y="0"/>
+          <a:ext cx="0" cy="0"/>
+          <a:chOff x="0" y="0"/>
+          <a:chExt cx="0" cy="0"/>
+        </a:xfrm>
+      </p:grpSpPr>
+      <p:sp>
+        <p:nvSpPr>
+          <p:cNvPr id="2" name="Title 1">
+            <a:extLst>
+              <a:ext uri="{FF2B5EF4-FFF2-40B4-BE49-F238E27FC236}">
+                <a16:creationId xmlns:a16="http://schemas.microsoft.com/office/drawing/2014/main" id="{323BC450-68EE-4309-AFC5-B65AC0588281}"/>
+              </a:ext>
+            </a:extLst>
+          </p:cNvPr>
+          <p:cNvSpPr>
+            <a:spLocks noGrp="1"/>
+          </p:cNvSpPr>
+          <p:nvPr>
+            <p:ph type="title"/>
+          </p:nvPr>
+        </p:nvSpPr>
+        <p:spPr/>
+        <p:txBody>
+          <a:bodyPr/>
+          <a:lstStyle/>
+          <a:p>
+            <a:r>
+              <a:rPr lang="en-GB" dirty="0"/>
               <a:t>Start Point Method</a:t>
             </a:r>
           </a:p>
@@ -10353,7 +14543,7 @@
             <a:pPr lvl="2"/>
             <a:r>
               <a:rPr lang="en-GB" dirty="0"/>
-              <a:t>Noise threshold: 2.9*std  </a:t>
+              <a:t>Noise threshold: 2.8*std  </a:t>
             </a:r>
             <a:r>
               <a:rPr lang="en-GB" sz="1600" b="1" i="1" u="sng" dirty="0">
@@ -10565,470 +14755,7 @@
 </p:sld>
 </file>
 
-<file path=ppt/slides/slide41.xml><?xml version="1.0" encoding="utf-8"?>
-<p:sld xmlns:a="http://schemas.openxmlformats.org/drawingml/2006/main" xmlns:r="http://schemas.openxmlformats.org/officeDocument/2006/relationships" xmlns:p="http://schemas.openxmlformats.org/presentationml/2006/main">
-  <p:cSld>
-    <p:spTree>
-      <p:nvGrpSpPr>
-        <p:cNvPr id="1" name=""/>
-        <p:cNvGrpSpPr/>
-        <p:nvPr/>
-      </p:nvGrpSpPr>
-      <p:grpSpPr>
-        <a:xfrm>
-          <a:off x="0" y="0"/>
-          <a:ext cx="0" cy="0"/>
-          <a:chOff x="0" y="0"/>
-          <a:chExt cx="0" cy="0"/>
-        </a:xfrm>
-      </p:grpSpPr>
-      <p:pic>
-        <p:nvPicPr>
-          <p:cNvPr id="3" name="Picture 2">
-            <a:extLst>
-              <a:ext uri="{FF2B5EF4-FFF2-40B4-BE49-F238E27FC236}">
-                <a16:creationId xmlns:a16="http://schemas.microsoft.com/office/drawing/2014/main" id="{93BA4F4C-5D97-4905-A810-F6C41F6F80C8}"/>
-              </a:ext>
-            </a:extLst>
-          </p:cNvPr>
-          <p:cNvPicPr>
-            <a:picLocks noChangeAspect="1"/>
-          </p:cNvPicPr>
-          <p:nvPr/>
-        </p:nvPicPr>
-        <p:blipFill>
-          <a:blip r:embed="rId2"/>
-          <a:stretch>
-            <a:fillRect/>
-          </a:stretch>
-        </p:blipFill>
-        <p:spPr>
-          <a:xfrm>
-            <a:off x="1406803" y="718124"/>
-            <a:ext cx="9691688" cy="5997408"/>
-          </a:xfrm>
-          <a:prstGeom prst="rect">
-            <a:avLst/>
-          </a:prstGeom>
-        </p:spPr>
-      </p:pic>
-      <p:sp>
-        <p:nvSpPr>
-          <p:cNvPr id="7" name="TextBox 6">
-            <a:extLst>
-              <a:ext uri="{FF2B5EF4-FFF2-40B4-BE49-F238E27FC236}">
-                <a16:creationId xmlns:a16="http://schemas.microsoft.com/office/drawing/2014/main" id="{748347CF-DF13-4F74-826C-07C9725EFB96}"/>
-              </a:ext>
-            </a:extLst>
-          </p:cNvPr>
-          <p:cNvSpPr txBox="1"/>
-          <p:nvPr/>
-        </p:nvSpPr>
-        <p:spPr>
-          <a:xfrm>
-            <a:off x="1093509" y="348792"/>
-            <a:ext cx="6911316" cy="369332"/>
-          </a:xfrm>
-          <a:prstGeom prst="rect">
-            <a:avLst/>
-          </a:prstGeom>
-          <a:noFill/>
-        </p:spPr>
-        <p:txBody>
-          <a:bodyPr wrap="none" rtlCol="0">
-            <a:spAutoFit/>
-          </a:bodyPr>
-          <a:lstStyle/>
-          <a:p>
-            <a:r>
-              <a:rPr lang="en-GB" dirty="0"/>
-              <a:t>A transient: 400-900 hours/synthetic    </a:t>
-            </a:r>
-            <a:r>
-              <a:rPr lang="en-GB" b="1" u="sng" dirty="0">
-                <a:solidFill>
-                  <a:srgbClr val="FF0000"/>
-                </a:solidFill>
-              </a:rPr>
-              <a:t>--My judgement for transients ?</a:t>
-            </a:r>
-          </a:p>
-        </p:txBody>
-      </p:sp>
-      <p:cxnSp>
-        <p:nvCxnSpPr>
-          <p:cNvPr id="8" name="Straight Arrow Connector 7">
-            <a:extLst>
-              <a:ext uri="{FF2B5EF4-FFF2-40B4-BE49-F238E27FC236}">
-                <a16:creationId xmlns:a16="http://schemas.microsoft.com/office/drawing/2014/main" id="{828CD507-9159-43C9-B661-6DA29F97A2F7}"/>
-              </a:ext>
-            </a:extLst>
-          </p:cNvPr>
-          <p:cNvCxnSpPr>
-            <a:cxnSpLocks/>
-            <a:stCxn id="9" idx="3"/>
-          </p:cNvCxnSpPr>
-          <p:nvPr/>
-        </p:nvCxnSpPr>
-        <p:spPr>
-          <a:xfrm>
-            <a:off x="1575726" y="2501952"/>
-            <a:ext cx="224794" cy="420357"/>
-          </a:xfrm>
-          <a:prstGeom prst="straightConnector1">
-            <a:avLst/>
-          </a:prstGeom>
-          <a:ln w="38100">
-            <a:solidFill>
-              <a:srgbClr val="FFC000"/>
-            </a:solidFill>
-            <a:tailEnd type="triangle"/>
-          </a:ln>
-        </p:spPr>
-        <p:style>
-          <a:lnRef idx="1">
-            <a:schemeClr val="dk1"/>
-          </a:lnRef>
-          <a:fillRef idx="0">
-            <a:schemeClr val="dk1"/>
-          </a:fillRef>
-          <a:effectRef idx="0">
-            <a:schemeClr val="dk1"/>
-          </a:effectRef>
-          <a:fontRef idx="minor">
-            <a:schemeClr val="tx1"/>
-          </a:fontRef>
-        </p:style>
-      </p:cxnSp>
-      <p:sp>
-        <p:nvSpPr>
-          <p:cNvPr id="9" name="TextBox 8">
-            <a:extLst>
-              <a:ext uri="{FF2B5EF4-FFF2-40B4-BE49-F238E27FC236}">
-                <a16:creationId xmlns:a16="http://schemas.microsoft.com/office/drawing/2014/main" id="{844868A6-77E7-4234-AD30-5C8AE15AF3B1}"/>
-              </a:ext>
-            </a:extLst>
-          </p:cNvPr>
-          <p:cNvSpPr txBox="1"/>
-          <p:nvPr/>
-        </p:nvSpPr>
-        <p:spPr>
-          <a:xfrm>
-            <a:off x="453689" y="2255730"/>
-            <a:ext cx="1122037" cy="492443"/>
-          </a:xfrm>
-          <a:prstGeom prst="rect">
-            <a:avLst/>
-          </a:prstGeom>
-          <a:noFill/>
-        </p:spPr>
-        <p:txBody>
-          <a:bodyPr wrap="none" rtlCol="0">
-            <a:spAutoFit/>
-          </a:bodyPr>
-          <a:lstStyle/>
-          <a:p>
-            <a:pPr algn="ctr"/>
-            <a:r>
-              <a:rPr lang="en-GB" sz="1300" dirty="0">
-                <a:highlight>
-                  <a:srgbClr val="FFFF00"/>
-                </a:highlight>
-              </a:rPr>
-              <a:t>Start point of </a:t>
-            </a:r>
-          </a:p>
-          <a:p>
-            <a:pPr algn="ctr"/>
-            <a:r>
-              <a:rPr lang="en-GB" sz="1300" dirty="0">
-                <a:highlight>
-                  <a:srgbClr val="FFFF00"/>
-                </a:highlight>
-              </a:rPr>
-              <a:t>build up</a:t>
-            </a:r>
-          </a:p>
-        </p:txBody>
-      </p:sp>
-      <p:sp>
-        <p:nvSpPr>
-          <p:cNvPr id="11" name="TextBox 10">
-            <a:extLst>
-              <a:ext uri="{FF2B5EF4-FFF2-40B4-BE49-F238E27FC236}">
-                <a16:creationId xmlns:a16="http://schemas.microsoft.com/office/drawing/2014/main" id="{49728B46-C07A-48A6-85E8-7B1789B275AB}"/>
-              </a:ext>
-            </a:extLst>
-          </p:cNvPr>
-          <p:cNvSpPr txBox="1"/>
-          <p:nvPr/>
-        </p:nvSpPr>
-        <p:spPr>
-          <a:xfrm>
-            <a:off x="7713899" y="1664762"/>
-            <a:ext cx="1122037" cy="492443"/>
-          </a:xfrm>
-          <a:prstGeom prst="rect">
-            <a:avLst/>
-          </a:prstGeom>
-          <a:noFill/>
-        </p:spPr>
-        <p:txBody>
-          <a:bodyPr wrap="none" rtlCol="0">
-            <a:spAutoFit/>
-          </a:bodyPr>
-          <a:lstStyle/>
-          <a:p>
-            <a:pPr algn="ctr"/>
-            <a:r>
-              <a:rPr lang="en-GB" sz="1300" dirty="0">
-                <a:highlight>
-                  <a:srgbClr val="FFFF00"/>
-                </a:highlight>
-              </a:rPr>
-              <a:t>Start point of </a:t>
-            </a:r>
-          </a:p>
-          <a:p>
-            <a:pPr algn="ctr"/>
-            <a:r>
-              <a:rPr lang="en-GB" sz="1300" dirty="0">
-                <a:highlight>
-                  <a:srgbClr val="FFFF00"/>
-                </a:highlight>
-              </a:rPr>
-              <a:t>draw down</a:t>
-            </a:r>
-          </a:p>
-        </p:txBody>
-      </p:sp>
-      <p:cxnSp>
-        <p:nvCxnSpPr>
-          <p:cNvPr id="12" name="Straight Arrow Connector 11">
-            <a:extLst>
-              <a:ext uri="{FF2B5EF4-FFF2-40B4-BE49-F238E27FC236}">
-                <a16:creationId xmlns:a16="http://schemas.microsoft.com/office/drawing/2014/main" id="{7FB2C48A-015D-4D4A-BB08-01338F7B20CA}"/>
-              </a:ext>
-            </a:extLst>
-          </p:cNvPr>
-          <p:cNvCxnSpPr>
-            <a:cxnSpLocks/>
-          </p:cNvCxnSpPr>
-          <p:nvPr/>
-        </p:nvCxnSpPr>
-        <p:spPr>
-          <a:xfrm flipV="1">
-            <a:off x="8729221" y="1197205"/>
-            <a:ext cx="348791" cy="386498"/>
-          </a:xfrm>
-          <a:prstGeom prst="straightConnector1">
-            <a:avLst/>
-          </a:prstGeom>
-          <a:ln w="38100">
-            <a:solidFill>
-              <a:srgbClr val="FFC000"/>
-            </a:solidFill>
-            <a:tailEnd type="triangle"/>
-          </a:ln>
-        </p:spPr>
-        <p:style>
-          <a:lnRef idx="1">
-            <a:schemeClr val="dk1"/>
-          </a:lnRef>
-          <a:fillRef idx="0">
-            <a:schemeClr val="dk1"/>
-          </a:fillRef>
-          <a:effectRef idx="0">
-            <a:schemeClr val="dk1"/>
-          </a:effectRef>
-          <a:fontRef idx="minor">
-            <a:schemeClr val="tx1"/>
-          </a:fontRef>
-        </p:style>
-      </p:cxnSp>
-      <p:sp>
-        <p:nvSpPr>
-          <p:cNvPr id="10" name="TextBox 9">
-            <a:extLst>
-              <a:ext uri="{FF2B5EF4-FFF2-40B4-BE49-F238E27FC236}">
-                <a16:creationId xmlns:a16="http://schemas.microsoft.com/office/drawing/2014/main" id="{F457F3E6-7033-472F-9A46-2BF6D092A3C1}"/>
-              </a:ext>
-            </a:extLst>
-          </p:cNvPr>
-          <p:cNvSpPr txBox="1"/>
-          <p:nvPr/>
-        </p:nvSpPr>
-        <p:spPr>
-          <a:xfrm>
-            <a:off x="123794" y="4135152"/>
-            <a:ext cx="1130694" cy="292388"/>
-          </a:xfrm>
-          <a:prstGeom prst="rect">
-            <a:avLst/>
-          </a:prstGeom>
-          <a:noFill/>
-        </p:spPr>
-        <p:txBody>
-          <a:bodyPr wrap="none" rtlCol="0">
-            <a:spAutoFit/>
-          </a:bodyPr>
-          <a:lstStyle/>
-          <a:p>
-            <a:pPr algn="ctr"/>
-            <a:r>
-              <a:rPr lang="en-GB" sz="1300" dirty="0">
-                <a:highlight>
-                  <a:srgbClr val="FFFF00"/>
-                </a:highlight>
-              </a:rPr>
-              <a:t>Zero flow rate</a:t>
-            </a:r>
-          </a:p>
-        </p:txBody>
-      </p:sp>
-      <p:cxnSp>
-        <p:nvCxnSpPr>
-          <p:cNvPr id="13" name="Straight Arrow Connector 12">
-            <a:extLst>
-              <a:ext uri="{FF2B5EF4-FFF2-40B4-BE49-F238E27FC236}">
-                <a16:creationId xmlns:a16="http://schemas.microsoft.com/office/drawing/2014/main" id="{A9B0E7A5-A1F4-4A29-B9D7-904D88ADDF91}"/>
-              </a:ext>
-            </a:extLst>
-          </p:cNvPr>
-          <p:cNvCxnSpPr>
-            <a:cxnSpLocks/>
-          </p:cNvCxnSpPr>
-          <p:nvPr/>
-        </p:nvCxnSpPr>
-        <p:spPr>
-          <a:xfrm flipV="1">
-            <a:off x="1263942" y="4109828"/>
-            <a:ext cx="649699" cy="224908"/>
-          </a:xfrm>
-          <a:prstGeom prst="straightConnector1">
-            <a:avLst/>
-          </a:prstGeom>
-          <a:ln w="38100">
-            <a:solidFill>
-              <a:srgbClr val="FFC000"/>
-            </a:solidFill>
-            <a:tailEnd type="triangle"/>
-          </a:ln>
-        </p:spPr>
-        <p:style>
-          <a:lnRef idx="1">
-            <a:schemeClr val="dk1"/>
-          </a:lnRef>
-          <a:fillRef idx="0">
-            <a:schemeClr val="dk1"/>
-          </a:fillRef>
-          <a:effectRef idx="0">
-            <a:schemeClr val="dk1"/>
-          </a:effectRef>
-          <a:fontRef idx="minor">
-            <a:schemeClr val="tx1"/>
-          </a:fontRef>
-        </p:style>
-      </p:cxnSp>
-      <p:sp>
-        <p:nvSpPr>
-          <p:cNvPr id="14" name="TextBox 13">
-            <a:extLst>
-              <a:ext uri="{FF2B5EF4-FFF2-40B4-BE49-F238E27FC236}">
-                <a16:creationId xmlns:a16="http://schemas.microsoft.com/office/drawing/2014/main" id="{DA92B0D3-9CA6-4B30-8DC3-F38A14D5F65F}"/>
-              </a:ext>
-            </a:extLst>
-          </p:cNvPr>
-          <p:cNvSpPr txBox="1"/>
-          <p:nvPr/>
-        </p:nvSpPr>
-        <p:spPr>
-          <a:xfrm>
-            <a:off x="10533144" y="4281346"/>
-            <a:ext cx="1130694" cy="292388"/>
-          </a:xfrm>
-          <a:prstGeom prst="rect">
-            <a:avLst/>
-          </a:prstGeom>
-          <a:noFill/>
-        </p:spPr>
-        <p:txBody>
-          <a:bodyPr wrap="none" rtlCol="0">
-            <a:spAutoFit/>
-          </a:bodyPr>
-          <a:lstStyle/>
-          <a:p>
-            <a:pPr algn="ctr"/>
-            <a:r>
-              <a:rPr lang="en-GB" sz="1300" dirty="0">
-                <a:highlight>
-                  <a:srgbClr val="FFFF00"/>
-                </a:highlight>
-              </a:rPr>
-              <a:t>Zero flow rate</a:t>
-            </a:r>
-          </a:p>
-        </p:txBody>
-      </p:sp>
-      <p:cxnSp>
-        <p:nvCxnSpPr>
-          <p:cNvPr id="15" name="Straight Arrow Connector 14">
-            <a:extLst>
-              <a:ext uri="{FF2B5EF4-FFF2-40B4-BE49-F238E27FC236}">
-                <a16:creationId xmlns:a16="http://schemas.microsoft.com/office/drawing/2014/main" id="{0952564C-73FC-482B-8D46-599744EE3371}"/>
-              </a:ext>
-            </a:extLst>
-          </p:cNvPr>
-          <p:cNvCxnSpPr>
-            <a:cxnSpLocks/>
-            <a:stCxn id="14" idx="1"/>
-          </p:cNvCxnSpPr>
-          <p:nvPr/>
-        </p:nvCxnSpPr>
-        <p:spPr>
-          <a:xfrm flipH="1" flipV="1">
-            <a:off x="10130855" y="4135152"/>
-            <a:ext cx="402289" cy="292388"/>
-          </a:xfrm>
-          <a:prstGeom prst="straightConnector1">
-            <a:avLst/>
-          </a:prstGeom>
-          <a:ln w="38100">
-            <a:solidFill>
-              <a:srgbClr val="FFC000"/>
-            </a:solidFill>
-            <a:tailEnd type="triangle"/>
-          </a:ln>
-        </p:spPr>
-        <p:style>
-          <a:lnRef idx="1">
-            <a:schemeClr val="dk1"/>
-          </a:lnRef>
-          <a:fillRef idx="0">
-            <a:schemeClr val="dk1"/>
-          </a:fillRef>
-          <a:effectRef idx="0">
-            <a:schemeClr val="dk1"/>
-          </a:effectRef>
-          <a:fontRef idx="minor">
-            <a:schemeClr val="tx1"/>
-          </a:fontRef>
-        </p:style>
-      </p:cxnSp>
-    </p:spTree>
-    <p:extLst>
-      <p:ext uri="{BB962C8B-B14F-4D97-AF65-F5344CB8AC3E}">
-        <p14:creationId xmlns:p14="http://schemas.microsoft.com/office/powerpoint/2010/main" val="2981849993"/>
-      </p:ext>
-    </p:extLst>
-  </p:cSld>
-  <p:clrMapOvr>
-    <a:masterClrMapping/>
-  </p:clrMapOvr>
-</p:sld>
-</file>
-
-<file path=ppt/slides/slide42.xml><?xml version="1.0" encoding="utf-8"?>
+<file path=ppt/slides/slide43.xml><?xml version="1.0" encoding="utf-8"?>
 <p:sld xmlns:a="http://schemas.openxmlformats.org/drawingml/2006/main" xmlns:r="http://schemas.openxmlformats.org/officeDocument/2006/relationships" xmlns:p="http://schemas.openxmlformats.org/presentationml/2006/main">
   <p:cSld>
     <p:spTree>
@@ -11182,7 +14909,7 @@
 </p:sld>
 </file>
 
-<file path=ppt/slides/slide43.xml><?xml version="1.0" encoding="utf-8"?>
+<file path=ppt/slides/slide44.xml><?xml version="1.0" encoding="utf-8"?>
 <p:sld xmlns:a="http://schemas.openxmlformats.org/drawingml/2006/main" xmlns:r="http://schemas.openxmlformats.org/officeDocument/2006/relationships" xmlns:p="http://schemas.openxmlformats.org/presentationml/2006/main">
   <p:cSld>
     <p:spTree>
@@ -11257,7 +14984,11 @@
           <a:p>
             <a:r>
               <a:rPr lang="en-GB" dirty="0"/>
-              <a:t>Test with real field data</a:t>
+              <a:t>Test with </a:t>
+            </a:r>
+            <a:r>
+              <a:rPr lang="en-GB" b="1" dirty="0"/>
+              <a:t>real field data (S-G)</a:t>
             </a:r>
           </a:p>
           <a:p>
@@ -11299,6 +15030,69 @@
             <a:r>
               <a:rPr lang="en-GB" dirty="0"/>
               <a:t>Ground truth: </a:t>
+            </a:r>
+            <a:r>
+              <a:rPr lang="en-GB" dirty="0">
+                <a:solidFill>
+                  <a:srgbClr val="FF0000"/>
+                </a:solidFill>
+              </a:rPr>
+              <a:t>60 </a:t>
+            </a:r>
+            <a:endParaRPr lang="en-GB" dirty="0"/>
+          </a:p>
+          <a:p>
+            <a:pPr lvl="1">
+              <a:buFont typeface="Courier New" panose="02070309020205020404" pitchFamily="49" charset="0"/>
+              <a:buChar char="o"/>
+            </a:pPr>
+            <a:r>
+              <a:rPr lang="en-GB" dirty="0"/>
+              <a:t>Statistics plot for experiment result</a:t>
+            </a:r>
+          </a:p>
+          <a:p>
+            <a:pPr marL="914400" lvl="2" indent="0">
+              <a:buNone/>
+            </a:pPr>
+            <a:r>
+              <a:rPr lang="en-GB" b="1" dirty="0">
+                <a:solidFill>
+                  <a:srgbClr val="00B050"/>
+                </a:solidFill>
+              </a:rPr>
+              <a:t>With</a:t>
+            </a:r>
+            <a:r>
+              <a:rPr lang="en-GB" dirty="0"/>
+              <a:t> S-G filter</a:t>
+            </a:r>
+          </a:p>
+          <a:p>
+            <a:pPr marL="914400" lvl="2" indent="0">
+              <a:buNone/>
+            </a:pPr>
+            <a:r>
+              <a:rPr lang="en-GB" dirty="0"/>
+              <a:t>Noise threshold: 3*std</a:t>
+            </a:r>
+          </a:p>
+          <a:p>
+            <a:pPr marL="914400" lvl="2" indent="0">
+              <a:buNone/>
+            </a:pPr>
+            <a:r>
+              <a:rPr lang="en-GB" dirty="0"/>
+              <a:t>Total detected breakpoints: 404</a:t>
+            </a:r>
+          </a:p>
+          <a:p>
+            <a:pPr marL="914400" lvl="2" indent="0">
+              <a:buNone/>
+            </a:pPr>
+            <a:r>
+              <a:rPr lang="en-GB" dirty="0"/>
+              <a:t>Points correct: </a:t>
             </a:r>
             <a:r>
               <a:rPr lang="en-GB" dirty="0">
@@ -11314,57 +15108,12 @@
             </a:r>
           </a:p>
           <a:p>
-            <a:pPr lvl="1">
-              <a:buFont typeface="Courier New" panose="02070309020205020404" pitchFamily="49" charset="0"/>
-              <a:buChar char="o"/>
-            </a:pPr>
-            <a:r>
-              <a:rPr lang="en-GB" dirty="0"/>
-              <a:t>Statistics plot for experiment result</a:t>
-            </a:r>
-          </a:p>
-          <a:p>
             <a:pPr marL="914400" lvl="2" indent="0">
               <a:buNone/>
             </a:pPr>
             <a:r>
-              <a:rPr lang="en-GB" b="1" dirty="0">
-                <a:solidFill>
-                  <a:srgbClr val="00B050"/>
-                </a:solidFill>
-              </a:rPr>
-              <a:t>With</a:t>
-            </a:r>
-            <a:r>
               <a:rPr lang="en-GB" dirty="0"/>
-              <a:t> S-G filter</a:t>
-            </a:r>
-          </a:p>
-          <a:p>
-            <a:pPr marL="914400" lvl="2" indent="0">
-              <a:buNone/>
-            </a:pPr>
-            <a:r>
-              <a:rPr lang="en-GB" dirty="0"/>
-              <a:t>Noise threshold: 3*std</a:t>
-            </a:r>
-          </a:p>
-          <a:p>
-            <a:pPr marL="914400" lvl="2" indent="0">
-              <a:buNone/>
-            </a:pPr>
-            <a:r>
-              <a:rPr lang="en-GB" dirty="0"/>
-              <a:t>Total detected breakpoints: 404</a:t>
-            </a:r>
-          </a:p>
-          <a:p>
-            <a:pPr marL="914400" lvl="2" indent="0">
-              <a:buNone/>
-            </a:pPr>
-            <a:r>
-              <a:rPr lang="en-GB" dirty="0"/>
-              <a:t>Points correct: </a:t>
+              <a:t>Points faulty: </a:t>
             </a:r>
             <a:r>
               <a:rPr lang="en-GB" dirty="0">
@@ -11385,27 +15134,6 @@
             </a:pPr>
             <a:r>
               <a:rPr lang="en-GB" dirty="0"/>
-              <a:t>Points faulty: </a:t>
-            </a:r>
-            <a:r>
-              <a:rPr lang="en-GB" dirty="0">
-                <a:solidFill>
-                  <a:srgbClr val="FF0000"/>
-                </a:solidFill>
-              </a:rPr>
-              <a:t>?</a:t>
-            </a:r>
-            <a:r>
-              <a:rPr lang="en-GB" dirty="0"/>
-              <a:t> (my next job)</a:t>
-            </a:r>
-          </a:p>
-          <a:p>
-            <a:pPr marL="914400" lvl="2" indent="0">
-              <a:buNone/>
-            </a:pPr>
-            <a:r>
-              <a:rPr lang="en-GB" dirty="0"/>
               <a:t>Points missed: </a:t>
             </a:r>
             <a:r>
@@ -11441,7 +15169,7 @@
         </p:nvGrpSpPr>
         <p:grpSpPr>
           <a:xfrm>
-            <a:off x="7123322" y="2276083"/>
+            <a:off x="7451795" y="2036385"/>
             <a:ext cx="3337927" cy="3004986"/>
             <a:chOff x="6877585" y="2367265"/>
             <a:chExt cx="3337927" cy="3004986"/>
@@ -11846,6 +15574,103 @@
           </p:txBody>
         </p:sp>
       </p:grpSp>
+      <mc:AlternateContent xmlns:mc="http://schemas.openxmlformats.org/markup-compatibility/2006">
+        <mc:Choice xmlns:pslz="http://schemas.microsoft.com/office/powerpoint/2016/slidezoom" Requires="pslz">
+          <p:graphicFrame>
+            <p:nvGraphicFramePr>
+              <p:cNvPr id="5" name="Slide Zoom 4">
+                <a:extLst>
+                  <a:ext uri="{FF2B5EF4-FFF2-40B4-BE49-F238E27FC236}">
+                    <a16:creationId xmlns:a16="http://schemas.microsoft.com/office/drawing/2014/main" id="{5CFEDDF2-B36B-40FC-B35B-B2E1D6091504}"/>
+                  </a:ext>
+                </a:extLst>
+              </p:cNvPr>
+              <p:cNvGraphicFramePr>
+                <a:graphicFrameLocks noChangeAspect="1"/>
+              </p:cNvGraphicFramePr>
+              <p:nvPr>
+                <p:extLst>
+                  <p:ext uri="{D42A27DB-BD31-4B8C-83A1-F6EECF244321}">
+                    <p14:modId xmlns:p14="http://schemas.microsoft.com/office/powerpoint/2010/main" val="475640788"/>
+                  </p:ext>
+                </p:extLst>
+              </p:nvPr>
+            </p:nvGraphicFramePr>
+            <p:xfrm>
+              <a:off x="0" y="6158060"/>
+              <a:ext cx="1244338" cy="699940"/>
+            </p:xfrm>
+            <a:graphic>
+              <a:graphicData uri="http://schemas.microsoft.com/office/powerpoint/2016/slidezoom">
+                <pslz:sldZm>
+                  <pslz:sldZmObj sldId="310" cId="89032760">
+                    <pslz:zmPr id="{C8262097-174A-4008-89A4-78D44D8762DF}" returnToParent="0" transitionDur="1000">
+                      <p166:blipFill xmlns:p166="http://schemas.microsoft.com/office/powerpoint/2016/6/main">
+                        <a:blip r:embed="rId3"/>
+                        <a:stretch>
+                          <a:fillRect/>
+                        </a:stretch>
+                      </p166:blipFill>
+                      <p166:spPr xmlns:p166="http://schemas.microsoft.com/office/powerpoint/2016/6/main">
+                        <a:xfrm>
+                          <a:off x="0" y="0"/>
+                          <a:ext cx="1244338" cy="699940"/>
+                        </a:xfrm>
+                        <a:prstGeom prst="rect">
+                          <a:avLst/>
+                        </a:prstGeom>
+                        <a:ln w="3175">
+                          <a:solidFill>
+                            <a:prstClr val="ltGray"/>
+                          </a:solidFill>
+                        </a:ln>
+                      </p166:spPr>
+                    </pslz:zmPr>
+                  </pslz:sldZmObj>
+                </pslz:sldZm>
+              </a:graphicData>
+            </a:graphic>
+          </p:graphicFrame>
+        </mc:Choice>
+        <mc:Fallback>
+          <p:pic>
+            <p:nvPicPr>
+              <p:cNvPr id="5" name="Slide Zoom 4">
+                <a:hlinkClick r:id="rId4" action="ppaction://hlinksldjump"/>
+                <a:extLst>
+                  <a:ext uri="{FF2B5EF4-FFF2-40B4-BE49-F238E27FC236}">
+                    <a16:creationId xmlns:a16="http://schemas.microsoft.com/office/drawing/2014/main" id="{5CFEDDF2-B36B-40FC-B35B-B2E1D6091504}"/>
+                  </a:ext>
+                </a:extLst>
+              </p:cNvPr>
+              <p:cNvPicPr>
+                <a:picLocks noGrp="1" noRot="1" noChangeAspect="1" noMove="1" noResize="1" noEditPoints="1" noAdjustHandles="1" noChangeArrowheads="1" noChangeShapeType="1"/>
+              </p:cNvPicPr>
+              <p:nvPr/>
+            </p:nvPicPr>
+            <p:blipFill>
+              <a:blip r:embed="rId3"/>
+              <a:stretch>
+                <a:fillRect/>
+              </a:stretch>
+            </p:blipFill>
+            <p:spPr>
+              <a:xfrm>
+                <a:off x="0" y="6158060"/>
+                <a:ext cx="1244338" cy="699940"/>
+              </a:xfrm>
+              <a:prstGeom prst="rect">
+                <a:avLst/>
+              </a:prstGeom>
+              <a:ln w="3175">
+                <a:solidFill>
+                  <a:prstClr val="ltGray"/>
+                </a:solidFill>
+              </a:ln>
+            </p:spPr>
+          </p:pic>
+        </mc:Fallback>
+      </mc:AlternateContent>
     </p:spTree>
     <p:extLst>
       <p:ext uri="{BB962C8B-B14F-4D97-AF65-F5344CB8AC3E}">
@@ -11859,7 +15684,7 @@
 </p:sld>
 </file>
 
-<file path=ppt/slides/slide44.xml><?xml version="1.0" encoding="utf-8"?>
+<file path=ppt/slides/slide45.xml><?xml version="1.0" encoding="utf-8"?>
 <p:sld xmlns:a="http://schemas.openxmlformats.org/drawingml/2006/main" xmlns:r="http://schemas.openxmlformats.org/officeDocument/2006/relationships" xmlns:p="http://schemas.openxmlformats.org/presentationml/2006/main">
   <p:cSld>
     <p:spTree>
@@ -12198,7 +16023,7 @@
 </p:sld>
 </file>
 
-<file path=ppt/slides/slide45.xml><?xml version="1.0" encoding="utf-8"?>
+<file path=ppt/slides/slide46.xml><?xml version="1.0" encoding="utf-8"?>
 <p:sld xmlns:a="http://schemas.openxmlformats.org/drawingml/2006/main" xmlns:r="http://schemas.openxmlformats.org/officeDocument/2006/relationships" xmlns:p="http://schemas.openxmlformats.org/presentationml/2006/main">
   <p:cSld>
     <p:spTree>
@@ -12674,428 +16499,37 @@
           </a:p>
         </p:txBody>
       </p:sp>
-    </p:spTree>
-    <p:extLst>
-      <p:ext uri="{BB962C8B-B14F-4D97-AF65-F5344CB8AC3E}">
-        <p14:creationId xmlns:p14="http://schemas.microsoft.com/office/powerpoint/2010/main" val="3073363319"/>
-      </p:ext>
-    </p:extLst>
-  </p:cSld>
-  <p:clrMapOvr>
-    <a:masterClrMapping/>
-  </p:clrMapOvr>
-</p:sld>
-</file>
-
-<file path=ppt/slides/slide46.xml><?xml version="1.0" encoding="utf-8"?>
-<p:sld xmlns:a="http://schemas.openxmlformats.org/drawingml/2006/main" xmlns:r="http://schemas.openxmlformats.org/officeDocument/2006/relationships" xmlns:p="http://schemas.openxmlformats.org/presentationml/2006/main">
-  <p:cSld>
-    <p:spTree>
-      <p:nvGrpSpPr>
-        <p:cNvPr id="1" name=""/>
-        <p:cNvGrpSpPr/>
-        <p:nvPr/>
-      </p:nvGrpSpPr>
-      <p:grpSpPr>
-        <a:xfrm>
-          <a:off x="0" y="0"/>
-          <a:ext cx="0" cy="0"/>
-          <a:chOff x="0" y="0"/>
-          <a:chExt cx="0" cy="0"/>
-        </a:xfrm>
-      </p:grpSpPr>
-      <p:sp>
-        <p:nvSpPr>
-          <p:cNvPr id="2" name="Title 1">
-            <a:extLst>
-              <a:ext uri="{FF2B5EF4-FFF2-40B4-BE49-F238E27FC236}">
-                <a16:creationId xmlns:a16="http://schemas.microsoft.com/office/drawing/2014/main" id="{323BC450-68EE-4309-AFC5-B65AC0588281}"/>
-              </a:ext>
-            </a:extLst>
-          </p:cNvPr>
-          <p:cNvSpPr>
-            <a:spLocks noGrp="1"/>
-          </p:cNvSpPr>
-          <p:nvPr>
-            <p:ph type="title"/>
-          </p:nvPr>
-        </p:nvSpPr>
-        <p:spPr/>
-        <p:txBody>
-          <a:bodyPr/>
-          <a:lstStyle/>
-          <a:p>
-            <a:r>
-              <a:rPr lang="en-GB" dirty="0"/>
-              <a:t>Baseline methods:</a:t>
-            </a:r>
-          </a:p>
-        </p:txBody>
-      </p:sp>
-      <p:sp>
-        <p:nvSpPr>
-          <p:cNvPr id="3" name="Content Placeholder 2">
-            <a:extLst>
-              <a:ext uri="{FF2B5EF4-FFF2-40B4-BE49-F238E27FC236}">
-                <a16:creationId xmlns:a16="http://schemas.microsoft.com/office/drawing/2014/main" id="{50658BD8-D889-4EB8-A806-BD5FB10A772D}"/>
-              </a:ext>
-            </a:extLst>
-          </p:cNvPr>
-          <p:cNvSpPr>
-            <a:spLocks noGrp="1"/>
-          </p:cNvSpPr>
-          <p:nvPr>
-            <p:ph idx="1"/>
-          </p:nvPr>
-        </p:nvSpPr>
-        <p:spPr/>
-        <p:txBody>
-          <a:bodyPr/>
-          <a:lstStyle/>
-          <a:p>
-            <a:r>
-              <a:rPr lang="en-GB" dirty="0"/>
-              <a:t>Basic idea:</a:t>
-            </a:r>
-          </a:p>
-          <a:p>
-            <a:pPr marL="0" marR="0" lvl="0" indent="0" algn="l" defTabSz="914400" rtl="0" eaLnBrk="1" fontAlgn="auto" latinLnBrk="0" hangingPunct="1">
-              <a:lnSpc>
-                <a:spcPct val="90000"/>
-              </a:lnSpc>
-              <a:spcBef>
-                <a:spcPts val="1000"/>
-              </a:spcBef>
-              <a:spcAft>
-                <a:spcPts val="0"/>
-              </a:spcAft>
-              <a:buClrTx/>
-              <a:buSzTx/>
-              <a:buFont typeface="Arial" panose="020B0604020202020204" pitchFamily="34" charset="0"/>
-              <a:buNone/>
-              <a:tabLst/>
-              <a:defRPr/>
-            </a:pPr>
-            <a:r>
-              <a:rPr kumimoji="0" lang="en-GB" sz="1600" b="0" i="1" u="none" strike="noStrike" kern="1200" cap="none" spc="0" normalizeH="0" baseline="0" noProof="0" dirty="0">
-                <a:ln>
-                  <a:noFill/>
-                </a:ln>
-                <a:solidFill>
-                  <a:srgbClr val="5B9BD5">
-                    <a:lumMod val="75000"/>
-                  </a:srgbClr>
-                </a:solidFill>
-                <a:effectLst/>
-                <a:uLnTx/>
-                <a:uFillTx/>
-                <a:latin typeface="Calibri" panose="020F0502020204030204"/>
-                <a:ea typeface="+mn-ea"/>
-                <a:cs typeface="+mn-cs"/>
-              </a:rPr>
-              <a:t>(inspired by filter convolution method proposed by </a:t>
-            </a:r>
-            <a:r>
-              <a:rPr lang="en-GB" sz="1600" i="1" dirty="0">
-                <a:solidFill>
-                  <a:srgbClr val="5B9BD5">
-                    <a:lumMod val="75000"/>
-                  </a:srgbClr>
-                </a:solidFill>
-                <a:latin typeface="Calibri" panose="020F0502020204030204"/>
-              </a:rPr>
-              <a:t>Suzuki &amp; Chorneyko </a:t>
-            </a:r>
-            <a:r>
-              <a:rPr kumimoji="0" lang="en-GB" sz="1600" b="0" i="1" u="none" strike="noStrike" kern="1200" cap="none" spc="0" normalizeH="0" baseline="0" noProof="0" dirty="0">
-                <a:ln>
-                  <a:noFill/>
-                </a:ln>
-                <a:solidFill>
-                  <a:srgbClr val="5B9BD5">
-                    <a:lumMod val="75000"/>
-                  </a:srgbClr>
-                </a:solidFill>
-                <a:effectLst/>
-                <a:uLnTx/>
-                <a:uFillTx/>
-                <a:latin typeface="Calibri" panose="020F0502020204030204"/>
-                <a:ea typeface="+mn-ea"/>
-                <a:cs typeface="+mn-cs"/>
-              </a:rPr>
-              <a:t>)</a:t>
-            </a:r>
-          </a:p>
-          <a:p>
-            <a:endParaRPr lang="en-GB" dirty="0"/>
-          </a:p>
-          <a:p>
-            <a:pPr marL="0" indent="0">
-              <a:buNone/>
-            </a:pPr>
-            <a:endParaRPr lang="en-GB" dirty="0"/>
-          </a:p>
-        </p:txBody>
-      </p:sp>
-      <p:pic>
-        <p:nvPicPr>
-          <p:cNvPr id="5" name="Picture 4">
-            <a:extLst>
-              <a:ext uri="{FF2B5EF4-FFF2-40B4-BE49-F238E27FC236}">
-                <a16:creationId xmlns:a16="http://schemas.microsoft.com/office/drawing/2014/main" id="{F9E086B9-46AB-478E-B7C8-D7F4C3665BBC}"/>
-              </a:ext>
-            </a:extLst>
-          </p:cNvPr>
-          <p:cNvPicPr>
-            <a:picLocks noChangeAspect="1"/>
-          </p:cNvPicPr>
+      <p:sp>
+        <p:nvSpPr>
+          <p:cNvPr id="2" name="Action Button: Document 1">
+            <a:hlinkClick r:id="rId3" action="ppaction://hlinkfile" highlightClick="1"/>
+            <a:extLst>
+              <a:ext uri="{FF2B5EF4-FFF2-40B4-BE49-F238E27FC236}">
+                <a16:creationId xmlns:a16="http://schemas.microsoft.com/office/drawing/2014/main" id="{8B129A4B-0D1F-497C-A372-6FA3A48FF499}"/>
+              </a:ext>
+            </a:extLst>
+          </p:cNvPr>
+          <p:cNvSpPr/>
           <p:nvPr/>
-        </p:nvPicPr>
-        <p:blipFill>
-          <a:blip r:embed="rId2"/>
-          <a:stretch>
-            <a:fillRect/>
-          </a:stretch>
-        </p:blipFill>
+        </p:nvSpPr>
         <p:spPr>
           <a:xfrm>
-            <a:off x="1034156" y="4515566"/>
-            <a:ext cx="5010150" cy="1457325"/>
+            <a:off x="7767814" y="1106785"/>
+            <a:ext cx="364242" cy="519415"/>
           </a:xfrm>
-          <a:prstGeom prst="rect">
-            <a:avLst/>
-          </a:prstGeom>
-        </p:spPr>
-      </p:pic>
-      <p:pic>
-        <p:nvPicPr>
-          <p:cNvPr id="7" name="Picture 6">
-            <a:extLst>
-              <a:ext uri="{FF2B5EF4-FFF2-40B4-BE49-F238E27FC236}">
-                <a16:creationId xmlns:a16="http://schemas.microsoft.com/office/drawing/2014/main" id="{6B8409F6-DF01-441C-B35F-50F78078F232}"/>
-              </a:ext>
-            </a:extLst>
-          </p:cNvPr>
-          <p:cNvPicPr>
-            <a:picLocks noChangeAspect="1"/>
-          </p:cNvPicPr>
-          <p:nvPr/>
-        </p:nvPicPr>
-        <p:blipFill>
-          <a:blip r:embed="rId3"/>
-          <a:stretch>
-            <a:fillRect/>
-          </a:stretch>
-        </p:blipFill>
-        <p:spPr>
-          <a:xfrm>
-            <a:off x="1110356" y="2604854"/>
-            <a:ext cx="4857750" cy="1524000"/>
-          </a:xfrm>
-          <a:prstGeom prst="rect">
-            <a:avLst/>
-          </a:prstGeom>
-        </p:spPr>
-      </p:pic>
-      <p:sp>
-        <p:nvSpPr>
-          <p:cNvPr id="8" name="TextBox 7">
-            <a:extLst>
-              <a:ext uri="{FF2B5EF4-FFF2-40B4-BE49-F238E27FC236}">
-                <a16:creationId xmlns:a16="http://schemas.microsoft.com/office/drawing/2014/main" id="{843A896E-A022-40A8-80A2-4F93674EAF81}"/>
-              </a:ext>
-            </a:extLst>
-          </p:cNvPr>
-          <p:cNvSpPr txBox="1"/>
-          <p:nvPr/>
-        </p:nvSpPr>
-        <p:spPr>
-          <a:xfrm>
-            <a:off x="6962405" y="1506118"/>
-            <a:ext cx="4119239" cy="2893100"/>
-          </a:xfrm>
-          <a:prstGeom prst="rect">
-            <a:avLst/>
-          </a:prstGeom>
-          <a:noFill/>
-        </p:spPr>
-        <p:txBody>
-          <a:bodyPr wrap="square" rtlCol="0">
-            <a:spAutoFit/>
-          </a:bodyPr>
-          <a:lstStyle/>
-          <a:p>
-            <a:r>
-              <a:rPr lang="en-GB" dirty="0"/>
-              <a:t>Criteria for deciding breakpoints:</a:t>
-            </a:r>
-          </a:p>
-          <a:p>
-            <a:r>
-              <a:rPr lang="en-GB" dirty="0"/>
-              <a:t>If there exists two adjacent points:</a:t>
-            </a:r>
-          </a:p>
-          <a:p>
-            <a:pPr marL="342900" indent="-342900">
-              <a:buAutoNum type="arabicParenBoth"/>
-            </a:pPr>
-            <a:r>
-              <a:rPr lang="en-GB" dirty="0"/>
-              <a:t>the sign of first order derivative are different </a:t>
-            </a:r>
-          </a:p>
-          <a:p>
-            <a:pPr marL="342900" indent="-342900">
-              <a:buAutoNum type="arabicParenBoth"/>
-            </a:pPr>
-            <a:r>
-              <a:rPr lang="en-GB" dirty="0"/>
-              <a:t>The difference of first order derivative is larger than a certain threshold</a:t>
-            </a:r>
-          </a:p>
-          <a:p>
-            <a:r>
-              <a:rPr lang="en-GB" dirty="0"/>
-              <a:t>Then, the latter point is a breakpoint.</a:t>
-            </a:r>
-          </a:p>
-          <a:p>
-            <a:r>
-              <a:rPr lang="en-GB" sz="1400" dirty="0">
-                <a:solidFill>
-                  <a:schemeClr val="accent1">
-                    <a:lumMod val="75000"/>
-                  </a:schemeClr>
-                </a:solidFill>
-              </a:rPr>
-              <a:t>Note: </a:t>
-            </a:r>
-          </a:p>
-          <a:p>
-            <a:pPr marL="285750" indent="-285750">
-              <a:buFont typeface="Arial" panose="020B0604020202020204" pitchFamily="34" charset="0"/>
-              <a:buChar char="•"/>
-            </a:pPr>
-            <a:r>
-              <a:rPr lang="en-GB" sz="1400" dirty="0">
-                <a:solidFill>
-                  <a:schemeClr val="accent1">
-                    <a:lumMod val="75000"/>
-                  </a:schemeClr>
-                </a:solidFill>
-              </a:rPr>
-              <a:t>Empirical threshold value: 2.5 std</a:t>
-            </a:r>
-          </a:p>
-          <a:p>
-            <a:pPr marL="285750" indent="-285750">
-              <a:buFont typeface="Arial" panose="020B0604020202020204" pitchFamily="34" charset="0"/>
-              <a:buChar char="•"/>
-            </a:pPr>
-            <a:r>
-              <a:rPr lang="en-GB" sz="1400" dirty="0">
-                <a:solidFill>
-                  <a:schemeClr val="accent1">
-                    <a:lumMod val="75000"/>
-                  </a:schemeClr>
-                </a:solidFill>
-              </a:rPr>
-              <a:t>Works well with synthetic data, but not for real data because of</a:t>
-            </a:r>
-            <a:r>
-              <a:rPr lang="en-GB" sz="1400" b="1" dirty="0">
-                <a:solidFill>
-                  <a:schemeClr val="accent1">
-                    <a:lumMod val="75000"/>
-                  </a:schemeClr>
-                </a:solidFill>
-              </a:rPr>
-              <a:t> </a:t>
-            </a:r>
-            <a:r>
-              <a:rPr lang="en-GB" sz="1400" b="1" dirty="0">
-                <a:solidFill>
-                  <a:srgbClr val="FF0000"/>
-                </a:solidFill>
-              </a:rPr>
-              <a:t>NOISE!</a:t>
-            </a:r>
-            <a:endParaRPr lang="en-GB" sz="1400" dirty="0">
-              <a:solidFill>
-                <a:srgbClr val="FF0000"/>
-              </a:solidFill>
-            </a:endParaRPr>
-          </a:p>
-        </p:txBody>
-      </p:sp>
-      <p:sp>
-        <p:nvSpPr>
-          <p:cNvPr id="9" name="TextBox 8">
-            <a:extLst>
-              <a:ext uri="{FF2B5EF4-FFF2-40B4-BE49-F238E27FC236}">
-                <a16:creationId xmlns:a16="http://schemas.microsoft.com/office/drawing/2014/main" id="{E018030D-4972-4B3E-8BCB-112E6FBDE8BA}"/>
-              </a:ext>
-            </a:extLst>
-          </p:cNvPr>
-          <p:cNvSpPr txBox="1"/>
-          <p:nvPr/>
-        </p:nvSpPr>
-        <p:spPr>
-          <a:xfrm>
-            <a:off x="7101858" y="4860966"/>
-            <a:ext cx="4119239" cy="1200329"/>
-          </a:xfrm>
-          <a:prstGeom prst="rect">
-            <a:avLst/>
-          </a:prstGeom>
-          <a:noFill/>
-        </p:spPr>
-        <p:txBody>
-          <a:bodyPr wrap="square" rtlCol="0">
-            <a:spAutoFit/>
-          </a:bodyPr>
-          <a:lstStyle/>
-          <a:p>
-            <a:r>
-              <a:rPr lang="en-GB" dirty="0"/>
-              <a:t>(3) Set the sign of first order derivative of later point as same as the previous one, if the difference of slope between them is smaller than a threshold</a:t>
-            </a:r>
-          </a:p>
-        </p:txBody>
-      </p:sp>
-      <p:sp>
-        <p:nvSpPr>
-          <p:cNvPr id="12" name="Arrow: Down 11">
-            <a:extLst>
-              <a:ext uri="{FF2B5EF4-FFF2-40B4-BE49-F238E27FC236}">
-                <a16:creationId xmlns:a16="http://schemas.microsoft.com/office/drawing/2014/main" id="{60471264-8476-4C65-BEC1-AA1E23F5EB18}"/>
-              </a:ext>
-            </a:extLst>
-          </p:cNvPr>
-          <p:cNvSpPr/>
-          <p:nvPr/>
-        </p:nvSpPr>
-        <p:spPr>
-          <a:xfrm>
-            <a:off x="8708994" y="4432952"/>
-            <a:ext cx="195309" cy="360545"/>
-          </a:xfrm>
-          <a:prstGeom prst="downArrow">
+          <a:prstGeom prst="actionButtonDocument">
             <a:avLst/>
           </a:prstGeom>
         </p:spPr>
         <p:style>
-          <a:lnRef idx="2">
-            <a:schemeClr val="accent6">
-              <a:shade val="50000"/>
-            </a:schemeClr>
+          <a:lnRef idx="0">
+            <a:schemeClr val="accent3"/>
           </a:lnRef>
-          <a:fillRef idx="1">
-            <a:schemeClr val="accent6"/>
+          <a:fillRef idx="3">
+            <a:schemeClr val="accent3"/>
           </a:fillRef>
-          <a:effectRef idx="0">
-            <a:schemeClr val="accent6"/>
+          <a:effectRef idx="3">
+            <a:schemeClr val="accent3"/>
           </a:effectRef>
           <a:fontRef idx="minor">
             <a:schemeClr val="lt1"/>
@@ -13110,45 +16544,10 @@
           </a:p>
         </p:txBody>
       </p:sp>
-      <p:sp>
-        <p:nvSpPr>
-          <p:cNvPr id="4" name="TextBox 3">
-            <a:extLst>
-              <a:ext uri="{FF2B5EF4-FFF2-40B4-BE49-F238E27FC236}">
-                <a16:creationId xmlns:a16="http://schemas.microsoft.com/office/drawing/2014/main" id="{C592F393-87BD-42A8-A13C-A98FFF50CB9C}"/>
-              </a:ext>
-            </a:extLst>
-          </p:cNvPr>
-          <p:cNvSpPr txBox="1"/>
-          <p:nvPr/>
-        </p:nvSpPr>
-        <p:spPr>
-          <a:xfrm>
-            <a:off x="8921284" y="4399218"/>
-            <a:ext cx="1207767" cy="369332"/>
-          </a:xfrm>
-          <a:prstGeom prst="rect">
-            <a:avLst/>
-          </a:prstGeom>
-          <a:noFill/>
-        </p:spPr>
-        <p:txBody>
-          <a:bodyPr wrap="none" rtlCol="0">
-            <a:spAutoFit/>
-          </a:bodyPr>
-          <a:lstStyle/>
-          <a:p>
-            <a:r>
-              <a:rPr lang="en-GB" dirty="0"/>
-              <a:t>to improve</a:t>
-            </a:r>
-          </a:p>
-        </p:txBody>
-      </p:sp>
     </p:spTree>
     <p:extLst>
       <p:ext uri="{BB962C8B-B14F-4D97-AF65-F5344CB8AC3E}">
-        <p14:creationId xmlns:p14="http://schemas.microsoft.com/office/powerpoint/2010/main" val="3024291697"/>
+        <p14:creationId xmlns:p14="http://schemas.microsoft.com/office/powerpoint/2010/main" val="3073363319"/>
       </p:ext>
     </p:extLst>
   </p:cSld>
@@ -13198,7 +16597,7 @@
           <a:p>
             <a:r>
               <a:rPr lang="en-GB" dirty="0"/>
-              <a:t>Start Point Method</a:t>
+              <a:t>Baseline Method</a:t>
             </a:r>
           </a:p>
         </p:txBody>
@@ -13233,7 +16632,11 @@
           <a:p>
             <a:r>
               <a:rPr lang="en-GB" dirty="0"/>
-              <a:t>Test with synthetic data</a:t>
+              <a:t>Test with </a:t>
+            </a:r>
+            <a:r>
+              <a:rPr lang="en-GB" b="1" dirty="0"/>
+              <a:t>synthetic data</a:t>
             </a:r>
           </a:p>
           <a:p>
@@ -13802,6 +17205,51 @@
           </a:p>
         </p:txBody>
       </p:sp>
+      <p:sp>
+        <p:nvSpPr>
+          <p:cNvPr id="2" name="Action Button: Document 1">
+            <a:hlinkClick r:id="rId4" action="ppaction://hlinkfile" highlightClick="1"/>
+            <a:extLst>
+              <a:ext uri="{FF2B5EF4-FFF2-40B4-BE49-F238E27FC236}">
+                <a16:creationId xmlns:a16="http://schemas.microsoft.com/office/drawing/2014/main" id="{BF3E92DC-8D21-40B3-9706-9EA555BEF732}"/>
+              </a:ext>
+            </a:extLst>
+          </p:cNvPr>
+          <p:cNvSpPr/>
+          <p:nvPr/>
+        </p:nvSpPr>
+        <p:spPr>
+          <a:xfrm>
+            <a:off x="7004665" y="1414019"/>
+            <a:ext cx="212880" cy="241620"/>
+          </a:xfrm>
+          <a:prstGeom prst="actionButtonDocument">
+            <a:avLst/>
+          </a:prstGeom>
+        </p:spPr>
+        <p:style>
+          <a:lnRef idx="0">
+            <a:schemeClr val="accent3"/>
+          </a:lnRef>
+          <a:fillRef idx="3">
+            <a:schemeClr val="accent3"/>
+          </a:fillRef>
+          <a:effectRef idx="3">
+            <a:schemeClr val="accent3"/>
+          </a:effectRef>
+          <a:fontRef idx="minor">
+            <a:schemeClr val="lt1"/>
+          </a:fontRef>
+        </p:style>
+        <p:txBody>
+          <a:bodyPr rtlCol="0" anchor="ctr"/>
+          <a:lstStyle/>
+          <a:p>
+            <a:pPr algn="ctr"/>
+            <a:endParaRPr lang="en-GB"/>
+          </a:p>
+        </p:txBody>
+      </p:sp>
     </p:spTree>
     <p:extLst>
       <p:ext uri="{BB962C8B-B14F-4D97-AF65-F5344CB8AC3E}">
@@ -13888,7 +17336,11 @@
           <a:p>
             <a:r>
               <a:rPr lang="en-GB" dirty="0"/>
-              <a:t>Test with real field data</a:t>
+              <a:t>Test with </a:t>
+            </a:r>
+            <a:r>
+              <a:rPr lang="en-GB" b="1" dirty="0"/>
+              <a:t>real field data</a:t>
             </a:r>
           </a:p>
           <a:p>
@@ -13932,16 +17384,16 @@
               <a:t>Ground truth: </a:t>
             </a:r>
             <a:r>
-              <a:rPr lang="en-GB" dirty="0">
+              <a:rPr lang="en-GB" b="1" dirty="0">
                 <a:solidFill>
                   <a:srgbClr val="FF0000"/>
                 </a:solidFill>
               </a:rPr>
-              <a:t>?</a:t>
+              <a:t>60</a:t>
             </a:r>
             <a:r>
               <a:rPr lang="en-GB" dirty="0"/>
-              <a:t> (my next job)</a:t>
+              <a:t> breakpoints</a:t>
             </a:r>
           </a:p>
           <a:p>
@@ -15078,6 +18530,96 @@
           </a:p>
         </p:txBody>
       </p:sp>
+      <p:sp>
+        <p:nvSpPr>
+          <p:cNvPr id="2" name="Action Button: Document 1">
+            <a:hlinkClick r:id="rId3" action="ppaction://hlinkfile" highlightClick="1"/>
+            <a:extLst>
+              <a:ext uri="{FF2B5EF4-FFF2-40B4-BE49-F238E27FC236}">
+                <a16:creationId xmlns:a16="http://schemas.microsoft.com/office/drawing/2014/main" id="{4993D8C7-B7EE-4115-82E8-3BDF0A9D2E55}"/>
+              </a:ext>
+            </a:extLst>
+          </p:cNvPr>
+          <p:cNvSpPr/>
+          <p:nvPr/>
+        </p:nvSpPr>
+        <p:spPr>
+          <a:xfrm>
+            <a:off x="1971850" y="961534"/>
+            <a:ext cx="346229" cy="299371"/>
+          </a:xfrm>
+          <a:prstGeom prst="actionButtonDocument">
+            <a:avLst/>
+          </a:prstGeom>
+        </p:spPr>
+        <p:style>
+          <a:lnRef idx="0">
+            <a:schemeClr val="accent3"/>
+          </a:lnRef>
+          <a:fillRef idx="3">
+            <a:schemeClr val="accent3"/>
+          </a:fillRef>
+          <a:effectRef idx="3">
+            <a:schemeClr val="accent3"/>
+          </a:effectRef>
+          <a:fontRef idx="minor">
+            <a:schemeClr val="lt1"/>
+          </a:fontRef>
+        </p:style>
+        <p:txBody>
+          <a:bodyPr rtlCol="0" anchor="ctr"/>
+          <a:lstStyle/>
+          <a:p>
+            <a:pPr algn="ctr"/>
+            <a:endParaRPr lang="en-GB"/>
+          </a:p>
+        </p:txBody>
+      </p:sp>
+      <p:sp>
+        <p:nvSpPr>
+          <p:cNvPr id="5" name="Action Button: Document 4">
+            <a:hlinkClick r:id="rId4" action="ppaction://hlinkfile" highlightClick="1"/>
+            <a:extLst>
+              <a:ext uri="{FF2B5EF4-FFF2-40B4-BE49-F238E27FC236}">
+                <a16:creationId xmlns:a16="http://schemas.microsoft.com/office/drawing/2014/main" id="{0AA10873-0318-4C18-A4AA-462C7D36D57A}"/>
+              </a:ext>
+            </a:extLst>
+          </p:cNvPr>
+          <p:cNvSpPr/>
+          <p:nvPr/>
+        </p:nvSpPr>
+        <p:spPr>
+          <a:xfrm>
+            <a:off x="5488963" y="1197204"/>
+            <a:ext cx="273378" cy="299371"/>
+          </a:xfrm>
+          <a:prstGeom prst="actionButtonDocument">
+            <a:avLst/>
+          </a:prstGeom>
+        </p:spPr>
+        <p:style>
+          <a:lnRef idx="0">
+            <a:schemeClr val="accent3"/>
+          </a:lnRef>
+          <a:fillRef idx="3">
+            <a:schemeClr val="accent3"/>
+          </a:fillRef>
+          <a:effectRef idx="3">
+            <a:schemeClr val="accent3"/>
+          </a:effectRef>
+          <a:fontRef idx="minor">
+            <a:schemeClr val="lt1"/>
+          </a:fontRef>
+        </p:style>
+        <p:txBody>
+          <a:bodyPr rtlCol="0" anchor="ctr"/>
+          <a:lstStyle/>
+          <a:p>
+            <a:pPr algn="ctr"/>
+            <a:endParaRPr lang="en-GB"/>
+          </a:p>
+        </p:txBody>
+      </p:sp>
     </p:spTree>
     <p:extLst>
       <p:ext uri="{BB962C8B-B14F-4D97-AF65-F5344CB8AC3E}">
@@ -15232,6 +18774,96 @@
           </a:p>
         </p:txBody>
       </p:sp>
+      <p:sp>
+        <p:nvSpPr>
+          <p:cNvPr id="2" name="Action Button: Document 1">
+            <a:hlinkClick r:id="rId3" action="ppaction://hlinkfile" highlightClick="1"/>
+            <a:extLst>
+              <a:ext uri="{FF2B5EF4-FFF2-40B4-BE49-F238E27FC236}">
+                <a16:creationId xmlns:a16="http://schemas.microsoft.com/office/drawing/2014/main" id="{E8E1CEAD-6138-411B-AD23-18CD4CAF4D69}"/>
+              </a:ext>
+            </a:extLst>
+          </p:cNvPr>
+          <p:cNvSpPr/>
+          <p:nvPr/>
+        </p:nvSpPr>
+        <p:spPr>
+          <a:xfrm>
+            <a:off x="3280528" y="530260"/>
+            <a:ext cx="339365" cy="346431"/>
+          </a:xfrm>
+          <a:prstGeom prst="actionButtonDocument">
+            <a:avLst/>
+          </a:prstGeom>
+        </p:spPr>
+        <p:style>
+          <a:lnRef idx="0">
+            <a:schemeClr val="accent3"/>
+          </a:lnRef>
+          <a:fillRef idx="3">
+            <a:schemeClr val="accent3"/>
+          </a:fillRef>
+          <a:effectRef idx="3">
+            <a:schemeClr val="accent3"/>
+          </a:effectRef>
+          <a:fontRef idx="minor">
+            <a:schemeClr val="lt1"/>
+          </a:fontRef>
+        </p:style>
+        <p:txBody>
+          <a:bodyPr rtlCol="0" anchor="ctr"/>
+          <a:lstStyle/>
+          <a:p>
+            <a:pPr algn="ctr"/>
+            <a:endParaRPr lang="en-GB"/>
+          </a:p>
+        </p:txBody>
+      </p:sp>
+      <p:sp>
+        <p:nvSpPr>
+          <p:cNvPr id="6" name="Action Button: Document 5">
+            <a:hlinkClick r:id="rId4" action="ppaction://hlinkfile" highlightClick="1"/>
+            <a:extLst>
+              <a:ext uri="{FF2B5EF4-FFF2-40B4-BE49-F238E27FC236}">
+                <a16:creationId xmlns:a16="http://schemas.microsoft.com/office/drawing/2014/main" id="{35683E94-0EFB-4947-8946-F7CB621D9916}"/>
+              </a:ext>
+            </a:extLst>
+          </p:cNvPr>
+          <p:cNvSpPr/>
+          <p:nvPr/>
+        </p:nvSpPr>
+        <p:spPr>
+          <a:xfrm>
+            <a:off x="6683604" y="871978"/>
+            <a:ext cx="273377" cy="346431"/>
+          </a:xfrm>
+          <a:prstGeom prst="actionButtonDocument">
+            <a:avLst/>
+          </a:prstGeom>
+        </p:spPr>
+        <p:style>
+          <a:lnRef idx="0">
+            <a:schemeClr val="accent3"/>
+          </a:lnRef>
+          <a:fillRef idx="3">
+            <a:schemeClr val="accent3"/>
+          </a:fillRef>
+          <a:effectRef idx="3">
+            <a:schemeClr val="accent3"/>
+          </a:effectRef>
+          <a:fontRef idx="minor">
+            <a:schemeClr val="lt1"/>
+          </a:fontRef>
+        </p:style>
+        <p:txBody>
+          <a:bodyPr rtlCol="0" anchor="ctr"/>
+          <a:lstStyle/>
+          <a:p>
+            <a:pPr algn="ctr"/>
+            <a:endParaRPr lang="en-GB"/>
+          </a:p>
+        </p:txBody>
+      </p:sp>
     </p:spTree>
     <p:extLst>
       <p:ext uri="{BB962C8B-B14F-4D97-AF65-F5344CB8AC3E}">
@@ -15323,7 +18955,7 @@
             </a:pPr>
             <a:r>
               <a:rPr lang="en-GB" dirty="0"/>
-              <a:t>Identify all the transients towards synthetic data</a:t>
+              <a:t>Very good performance towards synthetic data</a:t>
             </a:r>
           </a:p>
           <a:p>
@@ -15341,7 +18973,7 @@
                   <a:srgbClr val="FF0000"/>
                 </a:solidFill>
               </a:rPr>
-              <a:t>(denoising can help to filter extremely noisy points)</a:t>
+              <a:t>(however denoising can help to smooth extremely noisy points)</a:t>
             </a:r>
           </a:p>
           <a:p>
@@ -15367,7 +18999,7 @@
             </a:pPr>
             <a:r>
               <a:rPr lang="en-GB" dirty="0"/>
-              <a:t>Have some faulty detections for real field data</a:t>
+              <a:t>Have difficulty for the data which is very noisy</a:t>
             </a:r>
           </a:p>
           <a:p>
@@ -15444,6 +19076,1419 @@
           <p:cNvPr id="2" name="Title 1">
             <a:extLst>
               <a:ext uri="{FF2B5EF4-FFF2-40B4-BE49-F238E27FC236}">
+                <a16:creationId xmlns:a16="http://schemas.microsoft.com/office/drawing/2014/main" id="{0912102D-AFEF-4390-A57F-46CE7DF0A8D1}"/>
+              </a:ext>
+            </a:extLst>
+          </p:cNvPr>
+          <p:cNvSpPr>
+            <a:spLocks noGrp="1"/>
+          </p:cNvSpPr>
+          <p:nvPr>
+            <p:ph type="title"/>
+          </p:nvPr>
+        </p:nvSpPr>
+        <p:spPr/>
+        <p:txBody>
+          <a:bodyPr/>
+          <a:lstStyle/>
+          <a:p>
+            <a:r>
+              <a:rPr lang="en-GB" dirty="0"/>
+              <a:t>Baseline methods--Conclusion</a:t>
+            </a:r>
+          </a:p>
+        </p:txBody>
+      </p:sp>
+      <p:sp>
+        <p:nvSpPr>
+          <p:cNvPr id="3" name="Content Placeholder 2">
+            <a:extLst>
+              <a:ext uri="{FF2B5EF4-FFF2-40B4-BE49-F238E27FC236}">
+                <a16:creationId xmlns:a16="http://schemas.microsoft.com/office/drawing/2014/main" id="{D8CDBBCC-80CF-4A24-9762-48C2CF192BC7}"/>
+              </a:ext>
+            </a:extLst>
+          </p:cNvPr>
+          <p:cNvSpPr>
+            <a:spLocks noGrp="1"/>
+          </p:cNvSpPr>
+          <p:nvPr>
+            <p:ph idx="1"/>
+          </p:nvPr>
+        </p:nvSpPr>
+        <p:spPr/>
+        <p:txBody>
+          <a:bodyPr/>
+          <a:lstStyle/>
+          <a:p>
+            <a:r>
+              <a:rPr lang="en-GB" dirty="0"/>
+              <a:t>About the S-G filter</a:t>
+            </a:r>
+          </a:p>
+          <a:p>
+            <a:pPr lvl="1">
+              <a:buFont typeface="Courier New" panose="02070309020205020404" pitchFamily="49" charset="0"/>
+              <a:buChar char="o"/>
+            </a:pPr>
+            <a:r>
+              <a:rPr lang="en-GB" dirty="0"/>
+              <a:t>Helps with the extremely noisy data</a:t>
+            </a:r>
+          </a:p>
+          <a:p>
+            <a:pPr lvl="1">
+              <a:buFont typeface="Courier New" panose="02070309020205020404" pitchFamily="49" charset="0"/>
+              <a:buChar char="o"/>
+            </a:pPr>
+            <a:r>
+              <a:rPr lang="en-GB" dirty="0"/>
+              <a:t>Increase the </a:t>
+            </a:r>
+            <a:r>
+              <a:rPr lang="en-GB" b="1" dirty="0"/>
+              <a:t>missed points </a:t>
+            </a:r>
+            <a:r>
+              <a:rPr lang="en-GB" dirty="0"/>
+              <a:t>if over smoothed</a:t>
+            </a:r>
+          </a:p>
+          <a:p>
+            <a:pPr lvl="1">
+              <a:buFont typeface="Courier New" panose="02070309020205020404" pitchFamily="49" charset="0"/>
+              <a:buChar char="o"/>
+            </a:pPr>
+            <a:r>
+              <a:rPr lang="en-GB" dirty="0"/>
+              <a:t>The detected breakpoints are </a:t>
+            </a:r>
+            <a:r>
+              <a:rPr lang="en-GB" b="1" dirty="0"/>
+              <a:t>slightly different </a:t>
+            </a:r>
+            <a:r>
+              <a:rPr lang="en-GB" dirty="0"/>
+              <a:t>from the one without smoothing</a:t>
+            </a:r>
+          </a:p>
+          <a:p>
+            <a:pPr marL="228600" marR="0" lvl="0" indent="-228600" algn="l" defTabSz="914400" rtl="0" eaLnBrk="1" fontAlgn="auto" latinLnBrk="0" hangingPunct="1">
+              <a:lnSpc>
+                <a:spcPct val="90000"/>
+              </a:lnSpc>
+              <a:spcBef>
+                <a:spcPts val="1000"/>
+              </a:spcBef>
+              <a:spcAft>
+                <a:spcPts val="0"/>
+              </a:spcAft>
+              <a:buClrTx/>
+              <a:buSzTx/>
+              <a:buFont typeface="Arial" panose="020B0604020202020204" pitchFamily="34" charset="0"/>
+              <a:buChar char="•"/>
+              <a:tabLst/>
+              <a:defRPr/>
+            </a:pPr>
+            <a:r>
+              <a:rPr kumimoji="0" lang="en-GB" sz="2800" b="0" i="0" u="none" strike="noStrike" kern="1200" cap="none" spc="0" normalizeH="0" baseline="0" noProof="0" dirty="0">
+                <a:ln>
+                  <a:noFill/>
+                </a:ln>
+                <a:solidFill>
+                  <a:prstClr val="black"/>
+                </a:solidFill>
+                <a:effectLst/>
+                <a:uLnTx/>
+                <a:uFillTx/>
+                <a:latin typeface="Calibri" panose="020F0502020204030204"/>
+                <a:ea typeface="+mn-ea"/>
+                <a:cs typeface="+mn-cs"/>
+              </a:rPr>
+              <a:t>The limitation of methods basing on derivatives</a:t>
+            </a:r>
+          </a:p>
+          <a:p>
+            <a:pPr marL="228600" marR="0" lvl="0" indent="-228600" algn="l" defTabSz="914400" rtl="0" eaLnBrk="1" fontAlgn="auto" latinLnBrk="0" hangingPunct="1">
+              <a:lnSpc>
+                <a:spcPct val="90000"/>
+              </a:lnSpc>
+              <a:spcBef>
+                <a:spcPts val="1000"/>
+              </a:spcBef>
+              <a:spcAft>
+                <a:spcPts val="0"/>
+              </a:spcAft>
+              <a:buClrTx/>
+              <a:buSzTx/>
+              <a:buFont typeface="Arial" panose="020B0604020202020204" pitchFamily="34" charset="0"/>
+              <a:buChar char="•"/>
+              <a:tabLst/>
+              <a:defRPr/>
+            </a:pPr>
+            <a:r>
+              <a:rPr kumimoji="0" lang="en-GB" sz="2800" b="0" i="0" u="none" strike="noStrike" kern="1200" cap="none" spc="0" normalizeH="0" baseline="0" noProof="0" dirty="0">
+                <a:ln>
+                  <a:noFill/>
+                </a:ln>
+                <a:solidFill>
+                  <a:prstClr val="black"/>
+                </a:solidFill>
+                <a:effectLst/>
+                <a:uLnTx/>
+                <a:uFillTx/>
+                <a:latin typeface="Calibri" panose="020F0502020204030204"/>
+                <a:ea typeface="+mn-ea"/>
+                <a:cs typeface="+mn-cs"/>
+              </a:rPr>
+              <a:t>Difficult to get rid of</a:t>
+            </a:r>
+            <a:r>
+              <a:rPr lang="en-GB" dirty="0">
+                <a:solidFill>
+                  <a:prstClr val="black"/>
+                </a:solidFill>
+                <a:latin typeface="Calibri" panose="020F0502020204030204"/>
+              </a:rPr>
+              <a:t> noise threshold</a:t>
+            </a:r>
+          </a:p>
+          <a:p>
+            <a:pPr marL="228600" marR="0" lvl="0" indent="-228600" algn="l" defTabSz="914400" rtl="0" eaLnBrk="1" fontAlgn="auto" latinLnBrk="0" hangingPunct="1">
+              <a:lnSpc>
+                <a:spcPct val="90000"/>
+              </a:lnSpc>
+              <a:spcBef>
+                <a:spcPts val="1000"/>
+              </a:spcBef>
+              <a:spcAft>
+                <a:spcPts val="0"/>
+              </a:spcAft>
+              <a:buClrTx/>
+              <a:buSzTx/>
+              <a:buFont typeface="Arial" panose="020B0604020202020204" pitchFamily="34" charset="0"/>
+              <a:buChar char="•"/>
+              <a:tabLst/>
+              <a:defRPr/>
+            </a:pPr>
+            <a:r>
+              <a:rPr kumimoji="0" lang="en-GB" sz="2800" b="0" i="0" u="none" strike="noStrike" kern="1200" cap="none" spc="0" normalizeH="0" baseline="0" noProof="0" dirty="0">
+                <a:ln>
+                  <a:noFill/>
+                </a:ln>
+                <a:solidFill>
+                  <a:prstClr val="black"/>
+                </a:solidFill>
+                <a:effectLst/>
+                <a:uLnTx/>
+                <a:uFillTx/>
+                <a:latin typeface="Calibri" panose="020F0502020204030204"/>
+                <a:ea typeface="+mn-ea"/>
+                <a:cs typeface="+mn-cs"/>
+              </a:rPr>
+              <a:t>The main reason for faulty detection</a:t>
+            </a:r>
+          </a:p>
+          <a:p>
+            <a:pPr lvl="1">
+              <a:spcBef>
+                <a:spcPts val="1000"/>
+              </a:spcBef>
+              <a:buFont typeface="Courier New" panose="02070309020205020404" pitchFamily="49" charset="0"/>
+              <a:buChar char="o"/>
+              <a:defRPr/>
+            </a:pPr>
+            <a:endParaRPr lang="en-GB" dirty="0">
+              <a:solidFill>
+                <a:prstClr val="black"/>
+              </a:solidFill>
+              <a:latin typeface="Calibri" panose="020F0502020204030204"/>
+            </a:endParaRPr>
+          </a:p>
+          <a:p>
+            <a:pPr marL="228600" marR="0" lvl="0" indent="-228600" algn="l" defTabSz="914400" rtl="0" eaLnBrk="1" fontAlgn="auto" latinLnBrk="0" hangingPunct="1">
+              <a:lnSpc>
+                <a:spcPct val="90000"/>
+              </a:lnSpc>
+              <a:spcBef>
+                <a:spcPts val="1000"/>
+              </a:spcBef>
+              <a:spcAft>
+                <a:spcPts val="0"/>
+              </a:spcAft>
+              <a:buClrTx/>
+              <a:buSzTx/>
+              <a:buFont typeface="Arial" panose="020B0604020202020204" pitchFamily="34" charset="0"/>
+              <a:buChar char="•"/>
+              <a:tabLst/>
+              <a:defRPr/>
+            </a:pPr>
+            <a:endParaRPr kumimoji="0" lang="en-GB" sz="2800" b="0" i="0" u="none" strike="noStrike" kern="1200" cap="none" spc="0" normalizeH="0" baseline="0" noProof="0" dirty="0">
+              <a:ln>
+                <a:noFill/>
+              </a:ln>
+              <a:solidFill>
+                <a:prstClr val="black"/>
+              </a:solidFill>
+              <a:effectLst/>
+              <a:uLnTx/>
+              <a:uFillTx/>
+              <a:latin typeface="Calibri" panose="020F0502020204030204"/>
+              <a:ea typeface="+mn-ea"/>
+              <a:cs typeface="+mn-cs"/>
+            </a:endParaRPr>
+          </a:p>
+          <a:p>
+            <a:pPr marL="457200" lvl="1" indent="0">
+              <a:buNone/>
+            </a:pPr>
+            <a:endParaRPr lang="en-GB" dirty="0"/>
+          </a:p>
+          <a:p>
+            <a:pPr lvl="1">
+              <a:buFont typeface="Courier New" panose="02070309020205020404" pitchFamily="49" charset="0"/>
+              <a:buChar char="o"/>
+            </a:pPr>
+            <a:endParaRPr lang="en-GB" dirty="0"/>
+          </a:p>
+          <a:p>
+            <a:pPr lvl="1">
+              <a:buFont typeface="Courier New" panose="02070309020205020404" pitchFamily="49" charset="0"/>
+              <a:buChar char="o"/>
+            </a:pPr>
+            <a:endParaRPr lang="en-GB" dirty="0"/>
+          </a:p>
+        </p:txBody>
+      </p:sp>
+      <p:sp>
+        <p:nvSpPr>
+          <p:cNvPr id="4" name="Action Button: Document 3">
+            <a:hlinkClick r:id="rId2" action="ppaction://hlinkfile" highlightClick="1"/>
+            <a:extLst>
+              <a:ext uri="{FF2B5EF4-FFF2-40B4-BE49-F238E27FC236}">
+                <a16:creationId xmlns:a16="http://schemas.microsoft.com/office/drawing/2014/main" id="{27D0B49C-FEE9-4E26-9A0A-78D0B61FFAA7}"/>
+              </a:ext>
+            </a:extLst>
+          </p:cNvPr>
+          <p:cNvSpPr/>
+          <p:nvPr/>
+        </p:nvSpPr>
+        <p:spPr>
+          <a:xfrm>
+            <a:off x="6457362" y="4967926"/>
+            <a:ext cx="273377" cy="329938"/>
+          </a:xfrm>
+          <a:prstGeom prst="actionButtonDocument">
+            <a:avLst/>
+          </a:prstGeom>
+        </p:spPr>
+        <p:style>
+          <a:lnRef idx="0">
+            <a:schemeClr val="accent3"/>
+          </a:lnRef>
+          <a:fillRef idx="3">
+            <a:schemeClr val="accent3"/>
+          </a:fillRef>
+          <a:effectRef idx="3">
+            <a:schemeClr val="accent3"/>
+          </a:effectRef>
+          <a:fontRef idx="minor">
+            <a:schemeClr val="lt1"/>
+          </a:fontRef>
+        </p:style>
+        <p:txBody>
+          <a:bodyPr rtlCol="0" anchor="ctr"/>
+          <a:lstStyle/>
+          <a:p>
+            <a:pPr algn="ctr"/>
+            <a:endParaRPr lang="en-GB"/>
+          </a:p>
+        </p:txBody>
+      </p:sp>
+    </p:spTree>
+    <p:extLst>
+      <p:ext uri="{BB962C8B-B14F-4D97-AF65-F5344CB8AC3E}">
+        <p14:creationId xmlns:p14="http://schemas.microsoft.com/office/powerpoint/2010/main" val="2318962107"/>
+      </p:ext>
+    </p:extLst>
+  </p:cSld>
+  <p:clrMapOvr>
+    <a:masterClrMapping/>
+  </p:clrMapOvr>
+</p:sld>
+</file>
+
+<file path=ppt/slides/slide54.xml><?xml version="1.0" encoding="utf-8"?>
+<p:sld xmlns:a="http://schemas.openxmlformats.org/drawingml/2006/main" xmlns:r="http://schemas.openxmlformats.org/officeDocument/2006/relationships" xmlns:p="http://schemas.openxmlformats.org/presentationml/2006/main">
+  <p:cSld>
+    <p:spTree>
+      <p:nvGrpSpPr>
+        <p:cNvPr id="1" name=""/>
+        <p:cNvGrpSpPr/>
+        <p:nvPr/>
+      </p:nvGrpSpPr>
+      <p:grpSpPr>
+        <a:xfrm>
+          <a:off x="0" y="0"/>
+          <a:ext cx="0" cy="0"/>
+          <a:chOff x="0" y="0"/>
+          <a:chExt cx="0" cy="0"/>
+        </a:xfrm>
+      </p:grpSpPr>
+      <p:sp>
+        <p:nvSpPr>
+          <p:cNvPr id="2" name="Title 1">
+            <a:extLst>
+              <a:ext uri="{FF2B5EF4-FFF2-40B4-BE49-F238E27FC236}">
+                <a16:creationId xmlns:a16="http://schemas.microsoft.com/office/drawing/2014/main" id="{0912102D-AFEF-4390-A57F-46CE7DF0A8D1}"/>
+              </a:ext>
+            </a:extLst>
+          </p:cNvPr>
+          <p:cNvSpPr>
+            <a:spLocks noGrp="1"/>
+          </p:cNvSpPr>
+          <p:nvPr>
+            <p:ph type="title"/>
+          </p:nvPr>
+        </p:nvSpPr>
+        <p:spPr>
+          <a:xfrm>
+            <a:off x="809921" y="356573"/>
+            <a:ext cx="10515600" cy="1325563"/>
+          </a:xfrm>
+        </p:spPr>
+        <p:txBody>
+          <a:bodyPr/>
+          <a:lstStyle/>
+          <a:p>
+            <a:r>
+              <a:rPr lang="en-GB" dirty="0"/>
+              <a:t>Baseline methods--Discussion</a:t>
+            </a:r>
+          </a:p>
+        </p:txBody>
+      </p:sp>
+      <p:sp>
+        <p:nvSpPr>
+          <p:cNvPr id="3" name="Content Placeholder 2">
+            <a:extLst>
+              <a:ext uri="{FF2B5EF4-FFF2-40B4-BE49-F238E27FC236}">
+                <a16:creationId xmlns:a16="http://schemas.microsoft.com/office/drawing/2014/main" id="{D8CDBBCC-80CF-4A24-9762-48C2CF192BC7}"/>
+              </a:ext>
+            </a:extLst>
+          </p:cNvPr>
+          <p:cNvSpPr>
+            <a:spLocks noGrp="1"/>
+          </p:cNvSpPr>
+          <p:nvPr>
+            <p:ph idx="1"/>
+          </p:nvPr>
+        </p:nvSpPr>
+        <p:spPr>
+          <a:xfrm>
+            <a:off x="809921" y="1946634"/>
+            <a:ext cx="10515600" cy="4351338"/>
+          </a:xfrm>
+        </p:spPr>
+        <p:txBody>
+          <a:bodyPr>
+            <a:normAutofit/>
+          </a:bodyPr>
+          <a:lstStyle/>
+          <a:p>
+            <a:r>
+              <a:rPr lang="en-GB" dirty="0"/>
+              <a:t>The criteria for </a:t>
+            </a:r>
+            <a:r>
+              <a:rPr lang="en-GB" dirty="0" err="1"/>
+              <a:t>Ground_truth</a:t>
+            </a:r>
+            <a:r>
+              <a:rPr lang="en-GB" dirty="0"/>
+              <a:t>?</a:t>
+            </a:r>
+          </a:p>
+          <a:p>
+            <a:r>
+              <a:rPr lang="en-GB" dirty="0"/>
+              <a:t>The criteria for </a:t>
+            </a:r>
+            <a:r>
+              <a:rPr lang="en-GB" dirty="0" err="1"/>
+              <a:t>points_correct</a:t>
+            </a:r>
+            <a:r>
+              <a:rPr lang="en-GB" dirty="0"/>
+              <a:t>?</a:t>
+            </a:r>
+          </a:p>
+          <a:p>
+            <a:pPr lvl="1">
+              <a:buFont typeface="Courier New" panose="02070309020205020404" pitchFamily="49" charset="0"/>
+              <a:buChar char="o"/>
+            </a:pPr>
+            <a:r>
+              <a:rPr lang="en-GB" dirty="0"/>
+              <a:t>Should points closed to </a:t>
+            </a:r>
+            <a:r>
+              <a:rPr lang="en-GB" b="1" dirty="0"/>
+              <a:t>ground truth </a:t>
+            </a:r>
+            <a:r>
+              <a:rPr lang="en-GB" dirty="0"/>
+              <a:t>be classified as correct? </a:t>
+            </a:r>
+          </a:p>
+          <a:p>
+            <a:pPr lvl="1">
+              <a:buFont typeface="Courier New" panose="02070309020205020404" pitchFamily="49" charset="0"/>
+              <a:buChar char="o"/>
+            </a:pPr>
+            <a:r>
+              <a:rPr lang="en-GB" dirty="0"/>
+              <a:t>Should points closed to </a:t>
+            </a:r>
+            <a:r>
+              <a:rPr lang="en-GB" b="1" dirty="0"/>
+              <a:t>each other </a:t>
+            </a:r>
+            <a:r>
+              <a:rPr lang="en-GB" dirty="0"/>
+              <a:t>be grouped as 1?</a:t>
+            </a:r>
+          </a:p>
+          <a:p>
+            <a:pPr marL="228600" marR="0" lvl="0" indent="-228600" algn="l" defTabSz="914400" rtl="0" eaLnBrk="1" fontAlgn="auto" latinLnBrk="0" hangingPunct="1">
+              <a:lnSpc>
+                <a:spcPct val="90000"/>
+              </a:lnSpc>
+              <a:spcBef>
+                <a:spcPts val="1000"/>
+              </a:spcBef>
+              <a:spcAft>
+                <a:spcPts val="0"/>
+              </a:spcAft>
+              <a:buClrTx/>
+              <a:buSzTx/>
+              <a:buFont typeface="Arial" panose="020B0604020202020204" pitchFamily="34" charset="0"/>
+              <a:buChar char="•"/>
+              <a:tabLst/>
+              <a:defRPr/>
+            </a:pPr>
+            <a:r>
+              <a:rPr kumimoji="0" lang="en-GB" sz="2800" b="0" i="0" u="none" strike="noStrike" kern="1200" cap="none" spc="0" normalizeH="0" baseline="0" noProof="0" dirty="0">
+                <a:ln>
+                  <a:noFill/>
+                </a:ln>
+                <a:solidFill>
+                  <a:prstClr val="black"/>
+                </a:solidFill>
+                <a:effectLst/>
+                <a:uLnTx/>
+                <a:uFillTx/>
+                <a:latin typeface="Calibri" panose="020F0502020204030204"/>
+                <a:ea typeface="+mn-ea"/>
+                <a:cs typeface="+mn-cs"/>
+              </a:rPr>
+              <a:t>Is the flow rate always available?</a:t>
+            </a:r>
+          </a:p>
+          <a:p>
+            <a:pPr lvl="1">
+              <a:spcBef>
+                <a:spcPts val="1000"/>
+              </a:spcBef>
+              <a:buFont typeface="Courier New" panose="02070309020205020404" pitchFamily="49" charset="0"/>
+              <a:buChar char="o"/>
+              <a:defRPr/>
+            </a:pPr>
+            <a:r>
+              <a:rPr lang="en-GB" dirty="0">
+                <a:solidFill>
+                  <a:prstClr val="black"/>
+                </a:solidFill>
+                <a:latin typeface="Calibri" panose="020F0502020204030204"/>
+              </a:rPr>
+              <a:t>If so, we can use it to refine our detection basing on pressure data</a:t>
+            </a:r>
+          </a:p>
+          <a:p>
+            <a:pPr lvl="1">
+              <a:spcBef>
+                <a:spcPts val="1000"/>
+              </a:spcBef>
+              <a:buFont typeface="Courier New" panose="02070309020205020404" pitchFamily="49" charset="0"/>
+              <a:buChar char="o"/>
+              <a:defRPr/>
+            </a:pPr>
+            <a:r>
+              <a:rPr lang="en-GB" dirty="0">
+                <a:solidFill>
+                  <a:prstClr val="black"/>
+                </a:solidFill>
+                <a:latin typeface="Calibri" panose="020F0502020204030204"/>
+              </a:rPr>
+              <a:t>Or our scope is just using the pressure data?</a:t>
+            </a:r>
+          </a:p>
+          <a:p>
+            <a:pPr marL="228600" marR="0" lvl="0" indent="-228600" algn="l" defTabSz="914400" rtl="0" eaLnBrk="1" fontAlgn="auto" latinLnBrk="0" hangingPunct="1">
+              <a:lnSpc>
+                <a:spcPct val="90000"/>
+              </a:lnSpc>
+              <a:spcBef>
+                <a:spcPts val="1000"/>
+              </a:spcBef>
+              <a:spcAft>
+                <a:spcPts val="0"/>
+              </a:spcAft>
+              <a:buClrTx/>
+              <a:buSzTx/>
+              <a:buFont typeface="Arial" panose="020B0604020202020204" pitchFamily="34" charset="0"/>
+              <a:buChar char="•"/>
+              <a:tabLst/>
+              <a:defRPr/>
+            </a:pPr>
+            <a:r>
+              <a:rPr lang="en-GB" dirty="0">
+                <a:solidFill>
+                  <a:prstClr val="black"/>
+                </a:solidFill>
+                <a:latin typeface="Calibri" panose="020F0502020204030204"/>
+              </a:rPr>
+              <a:t>The criteria for dominating multi-rate transient?</a:t>
+            </a:r>
+            <a:endParaRPr kumimoji="0" lang="en-GB" sz="2800" b="0" i="0" u="none" strike="noStrike" kern="1200" cap="none" spc="0" normalizeH="0" baseline="0" noProof="0" dirty="0">
+              <a:ln>
+                <a:noFill/>
+              </a:ln>
+              <a:solidFill>
+                <a:prstClr val="black"/>
+              </a:solidFill>
+              <a:effectLst/>
+              <a:uLnTx/>
+              <a:uFillTx/>
+              <a:latin typeface="Calibri" panose="020F0502020204030204"/>
+              <a:ea typeface="+mn-ea"/>
+              <a:cs typeface="+mn-cs"/>
+            </a:endParaRPr>
+          </a:p>
+          <a:p>
+            <a:pPr lvl="1">
+              <a:spcBef>
+                <a:spcPts val="1000"/>
+              </a:spcBef>
+              <a:buFont typeface="Courier New" panose="02070309020205020404" pitchFamily="49" charset="0"/>
+              <a:buChar char="o"/>
+              <a:defRPr/>
+            </a:pPr>
+            <a:endParaRPr lang="en-GB" dirty="0">
+              <a:solidFill>
+                <a:prstClr val="black"/>
+              </a:solidFill>
+              <a:latin typeface="Calibri" panose="020F0502020204030204"/>
+            </a:endParaRPr>
+          </a:p>
+          <a:p>
+            <a:pPr marL="228600" marR="0" lvl="0" indent="-228600" algn="l" defTabSz="914400" rtl="0" eaLnBrk="1" fontAlgn="auto" latinLnBrk="0" hangingPunct="1">
+              <a:lnSpc>
+                <a:spcPct val="90000"/>
+              </a:lnSpc>
+              <a:spcBef>
+                <a:spcPts val="1000"/>
+              </a:spcBef>
+              <a:spcAft>
+                <a:spcPts val="0"/>
+              </a:spcAft>
+              <a:buClrTx/>
+              <a:buSzTx/>
+              <a:buFont typeface="Arial" panose="020B0604020202020204" pitchFamily="34" charset="0"/>
+              <a:buChar char="•"/>
+              <a:tabLst/>
+              <a:defRPr/>
+            </a:pPr>
+            <a:endParaRPr kumimoji="0" lang="en-GB" sz="2800" b="0" i="0" u="none" strike="noStrike" kern="1200" cap="none" spc="0" normalizeH="0" baseline="0" noProof="0" dirty="0">
+              <a:ln>
+                <a:noFill/>
+              </a:ln>
+              <a:solidFill>
+                <a:prstClr val="black"/>
+              </a:solidFill>
+              <a:effectLst/>
+              <a:uLnTx/>
+              <a:uFillTx/>
+              <a:latin typeface="Calibri" panose="020F0502020204030204"/>
+              <a:ea typeface="+mn-ea"/>
+              <a:cs typeface="+mn-cs"/>
+            </a:endParaRPr>
+          </a:p>
+          <a:p>
+            <a:pPr marL="457200" lvl="1" indent="0">
+              <a:buNone/>
+            </a:pPr>
+            <a:endParaRPr lang="en-GB" dirty="0"/>
+          </a:p>
+          <a:p>
+            <a:pPr lvl="1">
+              <a:buFont typeface="Courier New" panose="02070309020205020404" pitchFamily="49" charset="0"/>
+              <a:buChar char="o"/>
+            </a:pPr>
+            <a:endParaRPr lang="en-GB" dirty="0"/>
+          </a:p>
+          <a:p>
+            <a:pPr lvl="1">
+              <a:buFont typeface="Courier New" panose="02070309020205020404" pitchFamily="49" charset="0"/>
+              <a:buChar char="o"/>
+            </a:pPr>
+            <a:endParaRPr lang="en-GB" dirty="0"/>
+          </a:p>
+        </p:txBody>
+      </p:sp>
+      <p:sp>
+        <p:nvSpPr>
+          <p:cNvPr id="4" name="Action Button: Document 3">
+            <a:hlinkClick r:id="rId2" action="ppaction://hlinkfile" highlightClick="1"/>
+            <a:extLst>
+              <a:ext uri="{FF2B5EF4-FFF2-40B4-BE49-F238E27FC236}">
+                <a16:creationId xmlns:a16="http://schemas.microsoft.com/office/drawing/2014/main" id="{845A40FF-1B7C-43CB-8531-0FFB2CEA577C}"/>
+              </a:ext>
+            </a:extLst>
+          </p:cNvPr>
+          <p:cNvSpPr/>
+          <p:nvPr/>
+        </p:nvSpPr>
+        <p:spPr>
+          <a:xfrm>
+            <a:off x="9275977" y="2837468"/>
+            <a:ext cx="301657" cy="367645"/>
+          </a:xfrm>
+          <a:prstGeom prst="actionButtonDocument">
+            <a:avLst/>
+          </a:prstGeom>
+        </p:spPr>
+        <p:style>
+          <a:lnRef idx="0">
+            <a:schemeClr val="accent3"/>
+          </a:lnRef>
+          <a:fillRef idx="3">
+            <a:schemeClr val="accent3"/>
+          </a:fillRef>
+          <a:effectRef idx="3">
+            <a:schemeClr val="accent3"/>
+          </a:effectRef>
+          <a:fontRef idx="minor">
+            <a:schemeClr val="lt1"/>
+          </a:fontRef>
+        </p:style>
+        <p:txBody>
+          <a:bodyPr rtlCol="0" anchor="ctr"/>
+          <a:lstStyle/>
+          <a:p>
+            <a:pPr algn="ctr"/>
+            <a:endParaRPr lang="en-GB"/>
+          </a:p>
+        </p:txBody>
+      </p:sp>
+      <p:sp>
+        <p:nvSpPr>
+          <p:cNvPr id="5" name="Action Button: Document 4">
+            <a:hlinkClick r:id="rId3" action="ppaction://hlinkfile" highlightClick="1"/>
+            <a:extLst>
+              <a:ext uri="{FF2B5EF4-FFF2-40B4-BE49-F238E27FC236}">
+                <a16:creationId xmlns:a16="http://schemas.microsoft.com/office/drawing/2014/main" id="{17174346-B301-4777-BEC8-681EE58CF273}"/>
+              </a:ext>
+            </a:extLst>
+          </p:cNvPr>
+          <p:cNvSpPr/>
+          <p:nvPr/>
+        </p:nvSpPr>
+        <p:spPr>
+          <a:xfrm>
+            <a:off x="8220171" y="3372440"/>
+            <a:ext cx="320511" cy="329938"/>
+          </a:xfrm>
+          <a:prstGeom prst="actionButtonDocument">
+            <a:avLst/>
+          </a:prstGeom>
+        </p:spPr>
+        <p:style>
+          <a:lnRef idx="0">
+            <a:schemeClr val="accent3"/>
+          </a:lnRef>
+          <a:fillRef idx="3">
+            <a:schemeClr val="accent3"/>
+          </a:fillRef>
+          <a:effectRef idx="3">
+            <a:schemeClr val="accent3"/>
+          </a:effectRef>
+          <a:fontRef idx="minor">
+            <a:schemeClr val="lt1"/>
+          </a:fontRef>
+        </p:style>
+        <p:txBody>
+          <a:bodyPr rtlCol="0" anchor="ctr"/>
+          <a:lstStyle/>
+          <a:p>
+            <a:pPr algn="ctr"/>
+            <a:endParaRPr lang="en-GB"/>
+          </a:p>
+        </p:txBody>
+      </p:sp>
+      <p:sp>
+        <p:nvSpPr>
+          <p:cNvPr id="7" name="Action Button: Document 6">
+            <a:hlinkClick r:id="rId4" action="ppaction://hlinkfile" highlightClick="1"/>
+            <a:extLst>
+              <a:ext uri="{FF2B5EF4-FFF2-40B4-BE49-F238E27FC236}">
+                <a16:creationId xmlns:a16="http://schemas.microsoft.com/office/drawing/2014/main" id="{FED48A74-C668-42A6-A7BA-7E0AFABFB5A0}"/>
+              </a:ext>
+            </a:extLst>
+          </p:cNvPr>
+          <p:cNvSpPr/>
+          <p:nvPr/>
+        </p:nvSpPr>
+        <p:spPr>
+          <a:xfrm>
+            <a:off x="8220172" y="5128183"/>
+            <a:ext cx="320511" cy="405352"/>
+          </a:xfrm>
+          <a:prstGeom prst="actionButtonDocument">
+            <a:avLst/>
+          </a:prstGeom>
+        </p:spPr>
+        <p:style>
+          <a:lnRef idx="0">
+            <a:schemeClr val="accent3"/>
+          </a:lnRef>
+          <a:fillRef idx="3">
+            <a:schemeClr val="accent3"/>
+          </a:fillRef>
+          <a:effectRef idx="3">
+            <a:schemeClr val="accent3"/>
+          </a:effectRef>
+          <a:fontRef idx="minor">
+            <a:schemeClr val="lt1"/>
+          </a:fontRef>
+        </p:style>
+        <p:txBody>
+          <a:bodyPr rtlCol="0" anchor="ctr"/>
+          <a:lstStyle/>
+          <a:p>
+            <a:pPr algn="ctr"/>
+            <a:endParaRPr lang="en-GB"/>
+          </a:p>
+        </p:txBody>
+      </p:sp>
+    </p:spTree>
+    <p:extLst>
+      <p:ext uri="{BB962C8B-B14F-4D97-AF65-F5344CB8AC3E}">
+        <p14:creationId xmlns:p14="http://schemas.microsoft.com/office/powerpoint/2010/main" val="2661162926"/>
+      </p:ext>
+    </p:extLst>
+  </p:cSld>
+  <p:clrMapOvr>
+    <a:masterClrMapping/>
+  </p:clrMapOvr>
+</p:sld>
+</file>
+
+<file path=ppt/slides/slide55.xml><?xml version="1.0" encoding="utf-8"?>
+<p:sld xmlns:a="http://schemas.openxmlformats.org/drawingml/2006/main" xmlns:r="http://schemas.openxmlformats.org/officeDocument/2006/relationships" xmlns:p="http://schemas.openxmlformats.org/presentationml/2006/main">
+  <p:cSld>
+    <p:spTree>
+      <p:nvGrpSpPr>
+        <p:cNvPr id="1" name=""/>
+        <p:cNvGrpSpPr/>
+        <p:nvPr/>
+      </p:nvGrpSpPr>
+      <p:grpSpPr>
+        <a:xfrm>
+          <a:off x="0" y="0"/>
+          <a:ext cx="0" cy="0"/>
+          <a:chOff x="0" y="0"/>
+          <a:chExt cx="0" cy="0"/>
+        </a:xfrm>
+      </p:grpSpPr>
+      <p:pic>
+        <p:nvPicPr>
+          <p:cNvPr id="3" name="Picture 2">
+            <a:extLst>
+              <a:ext uri="{FF2B5EF4-FFF2-40B4-BE49-F238E27FC236}">
+                <a16:creationId xmlns:a16="http://schemas.microsoft.com/office/drawing/2014/main" id="{93BA4F4C-5D97-4905-A810-F6C41F6F80C8}"/>
+              </a:ext>
+            </a:extLst>
+          </p:cNvPr>
+          <p:cNvPicPr>
+            <a:picLocks noChangeAspect="1"/>
+          </p:cNvPicPr>
+          <p:nvPr/>
+        </p:nvPicPr>
+        <p:blipFill>
+          <a:blip r:embed="rId2"/>
+          <a:stretch>
+            <a:fillRect/>
+          </a:stretch>
+        </p:blipFill>
+        <p:spPr>
+          <a:xfrm>
+            <a:off x="1406803" y="718124"/>
+            <a:ext cx="9691688" cy="5997408"/>
+          </a:xfrm>
+          <a:prstGeom prst="rect">
+            <a:avLst/>
+          </a:prstGeom>
+        </p:spPr>
+      </p:pic>
+      <p:sp>
+        <p:nvSpPr>
+          <p:cNvPr id="7" name="TextBox 6">
+            <a:extLst>
+              <a:ext uri="{FF2B5EF4-FFF2-40B4-BE49-F238E27FC236}">
+                <a16:creationId xmlns:a16="http://schemas.microsoft.com/office/drawing/2014/main" id="{748347CF-DF13-4F74-826C-07C9725EFB96}"/>
+              </a:ext>
+            </a:extLst>
+          </p:cNvPr>
+          <p:cNvSpPr txBox="1"/>
+          <p:nvPr/>
+        </p:nvSpPr>
+        <p:spPr>
+          <a:xfrm>
+            <a:off x="1093509" y="348792"/>
+            <a:ext cx="7501092" cy="369332"/>
+          </a:xfrm>
+          <a:prstGeom prst="rect">
+            <a:avLst/>
+          </a:prstGeom>
+          <a:noFill/>
+        </p:spPr>
+        <p:txBody>
+          <a:bodyPr wrap="none" rtlCol="0">
+            <a:spAutoFit/>
+          </a:bodyPr>
+          <a:lstStyle/>
+          <a:p>
+            <a:r>
+              <a:rPr lang="en-GB" dirty="0"/>
+              <a:t>A transient in </a:t>
+            </a:r>
+            <a:r>
+              <a:rPr lang="en-GB" b="1" dirty="0"/>
+              <a:t>400-900 hours</a:t>
+            </a:r>
+            <a:r>
+              <a:rPr lang="en-GB" dirty="0"/>
+              <a:t>/synthetic data   </a:t>
+            </a:r>
+            <a:r>
+              <a:rPr lang="en-GB" b="1" u="sng" dirty="0">
+                <a:solidFill>
+                  <a:srgbClr val="FF0000"/>
+                </a:solidFill>
+              </a:rPr>
+              <a:t>--My judgement for transients ?</a:t>
+            </a:r>
+          </a:p>
+        </p:txBody>
+      </p:sp>
+      <p:cxnSp>
+        <p:nvCxnSpPr>
+          <p:cNvPr id="8" name="Straight Arrow Connector 7">
+            <a:extLst>
+              <a:ext uri="{FF2B5EF4-FFF2-40B4-BE49-F238E27FC236}">
+                <a16:creationId xmlns:a16="http://schemas.microsoft.com/office/drawing/2014/main" id="{828CD507-9159-43C9-B661-6DA29F97A2F7}"/>
+              </a:ext>
+            </a:extLst>
+          </p:cNvPr>
+          <p:cNvCxnSpPr>
+            <a:cxnSpLocks/>
+            <a:stCxn id="9" idx="3"/>
+          </p:cNvCxnSpPr>
+          <p:nvPr/>
+        </p:nvCxnSpPr>
+        <p:spPr>
+          <a:xfrm>
+            <a:off x="1575726" y="2501952"/>
+            <a:ext cx="224794" cy="420357"/>
+          </a:xfrm>
+          <a:prstGeom prst="straightConnector1">
+            <a:avLst/>
+          </a:prstGeom>
+          <a:ln w="38100">
+            <a:solidFill>
+              <a:srgbClr val="FFC000"/>
+            </a:solidFill>
+            <a:tailEnd type="triangle"/>
+          </a:ln>
+        </p:spPr>
+        <p:style>
+          <a:lnRef idx="1">
+            <a:schemeClr val="dk1"/>
+          </a:lnRef>
+          <a:fillRef idx="0">
+            <a:schemeClr val="dk1"/>
+          </a:fillRef>
+          <a:effectRef idx="0">
+            <a:schemeClr val="dk1"/>
+          </a:effectRef>
+          <a:fontRef idx="minor">
+            <a:schemeClr val="tx1"/>
+          </a:fontRef>
+        </p:style>
+      </p:cxnSp>
+      <p:sp>
+        <p:nvSpPr>
+          <p:cNvPr id="9" name="TextBox 8">
+            <a:extLst>
+              <a:ext uri="{FF2B5EF4-FFF2-40B4-BE49-F238E27FC236}">
+                <a16:creationId xmlns:a16="http://schemas.microsoft.com/office/drawing/2014/main" id="{844868A6-77E7-4234-AD30-5C8AE15AF3B1}"/>
+              </a:ext>
+            </a:extLst>
+          </p:cNvPr>
+          <p:cNvSpPr txBox="1"/>
+          <p:nvPr/>
+        </p:nvSpPr>
+        <p:spPr>
+          <a:xfrm>
+            <a:off x="453689" y="2255730"/>
+            <a:ext cx="1122037" cy="492443"/>
+          </a:xfrm>
+          <a:prstGeom prst="rect">
+            <a:avLst/>
+          </a:prstGeom>
+          <a:noFill/>
+        </p:spPr>
+        <p:txBody>
+          <a:bodyPr wrap="none" rtlCol="0">
+            <a:spAutoFit/>
+          </a:bodyPr>
+          <a:lstStyle/>
+          <a:p>
+            <a:pPr algn="ctr"/>
+            <a:r>
+              <a:rPr lang="en-GB" sz="1300" dirty="0">
+                <a:highlight>
+                  <a:srgbClr val="FFFF00"/>
+                </a:highlight>
+              </a:rPr>
+              <a:t>Start point of </a:t>
+            </a:r>
+          </a:p>
+          <a:p>
+            <a:pPr algn="ctr"/>
+            <a:r>
+              <a:rPr lang="en-GB" sz="1300" dirty="0">
+                <a:highlight>
+                  <a:srgbClr val="FFFF00"/>
+                </a:highlight>
+              </a:rPr>
+              <a:t>build up</a:t>
+            </a:r>
+          </a:p>
+        </p:txBody>
+      </p:sp>
+      <p:sp>
+        <p:nvSpPr>
+          <p:cNvPr id="11" name="TextBox 10">
+            <a:extLst>
+              <a:ext uri="{FF2B5EF4-FFF2-40B4-BE49-F238E27FC236}">
+                <a16:creationId xmlns:a16="http://schemas.microsoft.com/office/drawing/2014/main" id="{49728B46-C07A-48A6-85E8-7B1789B275AB}"/>
+              </a:ext>
+            </a:extLst>
+          </p:cNvPr>
+          <p:cNvSpPr txBox="1"/>
+          <p:nvPr/>
+        </p:nvSpPr>
+        <p:spPr>
+          <a:xfrm>
+            <a:off x="7713899" y="1664762"/>
+            <a:ext cx="1122037" cy="492443"/>
+          </a:xfrm>
+          <a:prstGeom prst="rect">
+            <a:avLst/>
+          </a:prstGeom>
+          <a:noFill/>
+        </p:spPr>
+        <p:txBody>
+          <a:bodyPr wrap="none" rtlCol="0">
+            <a:spAutoFit/>
+          </a:bodyPr>
+          <a:lstStyle/>
+          <a:p>
+            <a:pPr algn="ctr"/>
+            <a:r>
+              <a:rPr lang="en-GB" sz="1300" dirty="0">
+                <a:highlight>
+                  <a:srgbClr val="FFFF00"/>
+                </a:highlight>
+              </a:rPr>
+              <a:t>Start point of </a:t>
+            </a:r>
+          </a:p>
+          <a:p>
+            <a:pPr algn="ctr"/>
+            <a:r>
+              <a:rPr lang="en-GB" sz="1300" dirty="0">
+                <a:highlight>
+                  <a:srgbClr val="FFFF00"/>
+                </a:highlight>
+              </a:rPr>
+              <a:t>draw down</a:t>
+            </a:r>
+          </a:p>
+        </p:txBody>
+      </p:sp>
+      <p:cxnSp>
+        <p:nvCxnSpPr>
+          <p:cNvPr id="12" name="Straight Arrow Connector 11">
+            <a:extLst>
+              <a:ext uri="{FF2B5EF4-FFF2-40B4-BE49-F238E27FC236}">
+                <a16:creationId xmlns:a16="http://schemas.microsoft.com/office/drawing/2014/main" id="{7FB2C48A-015D-4D4A-BB08-01338F7B20CA}"/>
+              </a:ext>
+            </a:extLst>
+          </p:cNvPr>
+          <p:cNvCxnSpPr>
+            <a:cxnSpLocks/>
+          </p:cNvCxnSpPr>
+          <p:nvPr/>
+        </p:nvCxnSpPr>
+        <p:spPr>
+          <a:xfrm flipV="1">
+            <a:off x="8729221" y="1197205"/>
+            <a:ext cx="348791" cy="386498"/>
+          </a:xfrm>
+          <a:prstGeom prst="straightConnector1">
+            <a:avLst/>
+          </a:prstGeom>
+          <a:ln w="38100">
+            <a:solidFill>
+              <a:srgbClr val="FFC000"/>
+            </a:solidFill>
+            <a:tailEnd type="triangle"/>
+          </a:ln>
+        </p:spPr>
+        <p:style>
+          <a:lnRef idx="1">
+            <a:schemeClr val="dk1"/>
+          </a:lnRef>
+          <a:fillRef idx="0">
+            <a:schemeClr val="dk1"/>
+          </a:fillRef>
+          <a:effectRef idx="0">
+            <a:schemeClr val="dk1"/>
+          </a:effectRef>
+          <a:fontRef idx="minor">
+            <a:schemeClr val="tx1"/>
+          </a:fontRef>
+        </p:style>
+      </p:cxnSp>
+      <p:sp>
+        <p:nvSpPr>
+          <p:cNvPr id="10" name="TextBox 9">
+            <a:extLst>
+              <a:ext uri="{FF2B5EF4-FFF2-40B4-BE49-F238E27FC236}">
+                <a16:creationId xmlns:a16="http://schemas.microsoft.com/office/drawing/2014/main" id="{F457F3E6-7033-472F-9A46-2BF6D092A3C1}"/>
+              </a:ext>
+            </a:extLst>
+          </p:cNvPr>
+          <p:cNvSpPr txBox="1"/>
+          <p:nvPr/>
+        </p:nvSpPr>
+        <p:spPr>
+          <a:xfrm>
+            <a:off x="123794" y="4135152"/>
+            <a:ext cx="1130694" cy="292388"/>
+          </a:xfrm>
+          <a:prstGeom prst="rect">
+            <a:avLst/>
+          </a:prstGeom>
+          <a:noFill/>
+        </p:spPr>
+        <p:txBody>
+          <a:bodyPr wrap="none" rtlCol="0">
+            <a:spAutoFit/>
+          </a:bodyPr>
+          <a:lstStyle/>
+          <a:p>
+            <a:pPr algn="ctr"/>
+            <a:r>
+              <a:rPr lang="en-GB" sz="1300" dirty="0">
+                <a:highlight>
+                  <a:srgbClr val="FFFF00"/>
+                </a:highlight>
+              </a:rPr>
+              <a:t>Zero flow rate</a:t>
+            </a:r>
+          </a:p>
+        </p:txBody>
+      </p:sp>
+      <p:cxnSp>
+        <p:nvCxnSpPr>
+          <p:cNvPr id="13" name="Straight Arrow Connector 12">
+            <a:extLst>
+              <a:ext uri="{FF2B5EF4-FFF2-40B4-BE49-F238E27FC236}">
+                <a16:creationId xmlns:a16="http://schemas.microsoft.com/office/drawing/2014/main" id="{A9B0E7A5-A1F4-4A29-B9D7-904D88ADDF91}"/>
+              </a:ext>
+            </a:extLst>
+          </p:cNvPr>
+          <p:cNvCxnSpPr>
+            <a:cxnSpLocks/>
+          </p:cNvCxnSpPr>
+          <p:nvPr/>
+        </p:nvCxnSpPr>
+        <p:spPr>
+          <a:xfrm flipV="1">
+            <a:off x="1263942" y="4109828"/>
+            <a:ext cx="649699" cy="224908"/>
+          </a:xfrm>
+          <a:prstGeom prst="straightConnector1">
+            <a:avLst/>
+          </a:prstGeom>
+          <a:ln w="38100">
+            <a:solidFill>
+              <a:srgbClr val="FFC000"/>
+            </a:solidFill>
+            <a:tailEnd type="triangle"/>
+          </a:ln>
+        </p:spPr>
+        <p:style>
+          <a:lnRef idx="1">
+            <a:schemeClr val="dk1"/>
+          </a:lnRef>
+          <a:fillRef idx="0">
+            <a:schemeClr val="dk1"/>
+          </a:fillRef>
+          <a:effectRef idx="0">
+            <a:schemeClr val="dk1"/>
+          </a:effectRef>
+          <a:fontRef idx="minor">
+            <a:schemeClr val="tx1"/>
+          </a:fontRef>
+        </p:style>
+      </p:cxnSp>
+      <p:sp>
+        <p:nvSpPr>
+          <p:cNvPr id="14" name="TextBox 13">
+            <a:extLst>
+              <a:ext uri="{FF2B5EF4-FFF2-40B4-BE49-F238E27FC236}">
+                <a16:creationId xmlns:a16="http://schemas.microsoft.com/office/drawing/2014/main" id="{DA92B0D3-9CA6-4B30-8DC3-F38A14D5F65F}"/>
+              </a:ext>
+            </a:extLst>
+          </p:cNvPr>
+          <p:cNvSpPr txBox="1"/>
+          <p:nvPr/>
+        </p:nvSpPr>
+        <p:spPr>
+          <a:xfrm>
+            <a:off x="10533144" y="4281346"/>
+            <a:ext cx="1130694" cy="292388"/>
+          </a:xfrm>
+          <a:prstGeom prst="rect">
+            <a:avLst/>
+          </a:prstGeom>
+          <a:noFill/>
+        </p:spPr>
+        <p:txBody>
+          <a:bodyPr wrap="none" rtlCol="0">
+            <a:spAutoFit/>
+          </a:bodyPr>
+          <a:lstStyle/>
+          <a:p>
+            <a:pPr algn="ctr"/>
+            <a:r>
+              <a:rPr lang="en-GB" sz="1300" dirty="0">
+                <a:highlight>
+                  <a:srgbClr val="FFFF00"/>
+                </a:highlight>
+              </a:rPr>
+              <a:t>Zero flow rate</a:t>
+            </a:r>
+          </a:p>
+        </p:txBody>
+      </p:sp>
+      <p:cxnSp>
+        <p:nvCxnSpPr>
+          <p:cNvPr id="15" name="Straight Arrow Connector 14">
+            <a:extLst>
+              <a:ext uri="{FF2B5EF4-FFF2-40B4-BE49-F238E27FC236}">
+                <a16:creationId xmlns:a16="http://schemas.microsoft.com/office/drawing/2014/main" id="{0952564C-73FC-482B-8D46-599744EE3371}"/>
+              </a:ext>
+            </a:extLst>
+          </p:cNvPr>
+          <p:cNvCxnSpPr>
+            <a:cxnSpLocks/>
+            <a:stCxn id="14" idx="1"/>
+          </p:cNvCxnSpPr>
+          <p:nvPr/>
+        </p:nvCxnSpPr>
+        <p:spPr>
+          <a:xfrm flipH="1" flipV="1">
+            <a:off x="10130855" y="4135152"/>
+            <a:ext cx="402289" cy="292388"/>
+          </a:xfrm>
+          <a:prstGeom prst="straightConnector1">
+            <a:avLst/>
+          </a:prstGeom>
+          <a:ln w="38100">
+            <a:solidFill>
+              <a:srgbClr val="FFC000"/>
+            </a:solidFill>
+            <a:tailEnd type="triangle"/>
+          </a:ln>
+        </p:spPr>
+        <p:style>
+          <a:lnRef idx="1">
+            <a:schemeClr val="dk1"/>
+          </a:lnRef>
+          <a:fillRef idx="0">
+            <a:schemeClr val="dk1"/>
+          </a:fillRef>
+          <a:effectRef idx="0">
+            <a:schemeClr val="dk1"/>
+          </a:effectRef>
+          <a:fontRef idx="minor">
+            <a:schemeClr val="tx1"/>
+          </a:fontRef>
+        </p:style>
+      </p:cxnSp>
+      <p:cxnSp>
+        <p:nvCxnSpPr>
+          <p:cNvPr id="18" name="Straight Arrow Connector 17">
+            <a:extLst>
+              <a:ext uri="{FF2B5EF4-FFF2-40B4-BE49-F238E27FC236}">
+                <a16:creationId xmlns:a16="http://schemas.microsoft.com/office/drawing/2014/main" id="{6E77B7A9-14AA-40E7-A1BE-610B0F8AF22C}"/>
+              </a:ext>
+            </a:extLst>
+          </p:cNvPr>
+          <p:cNvCxnSpPr>
+            <a:cxnSpLocks/>
+          </p:cNvCxnSpPr>
+          <p:nvPr/>
+        </p:nvCxnSpPr>
+        <p:spPr>
+          <a:xfrm flipH="1" flipV="1">
+            <a:off x="10167876" y="2922309"/>
+            <a:ext cx="328246" cy="329938"/>
+          </a:xfrm>
+          <a:prstGeom prst="straightConnector1">
+            <a:avLst/>
+          </a:prstGeom>
+          <a:ln w="38100">
+            <a:solidFill>
+              <a:srgbClr val="FFC000"/>
+            </a:solidFill>
+            <a:tailEnd type="triangle"/>
+          </a:ln>
+        </p:spPr>
+        <p:style>
+          <a:lnRef idx="1">
+            <a:schemeClr val="dk1"/>
+          </a:lnRef>
+          <a:fillRef idx="0">
+            <a:schemeClr val="dk1"/>
+          </a:fillRef>
+          <a:effectRef idx="0">
+            <a:schemeClr val="dk1"/>
+          </a:effectRef>
+          <a:fontRef idx="minor">
+            <a:schemeClr val="tx1"/>
+          </a:fontRef>
+        </p:style>
+      </p:cxnSp>
+      <p:sp>
+        <p:nvSpPr>
+          <p:cNvPr id="20" name="TextBox 19">
+            <a:extLst>
+              <a:ext uri="{FF2B5EF4-FFF2-40B4-BE49-F238E27FC236}">
+                <a16:creationId xmlns:a16="http://schemas.microsoft.com/office/drawing/2014/main" id="{C08B9A61-C9BD-41E2-AC0D-C5CE9DCF717E}"/>
+              </a:ext>
+            </a:extLst>
+          </p:cNvPr>
+          <p:cNvSpPr txBox="1"/>
+          <p:nvPr/>
+        </p:nvSpPr>
+        <p:spPr>
+          <a:xfrm>
+            <a:off x="10067192" y="3006025"/>
+            <a:ext cx="1979902" cy="492443"/>
+          </a:xfrm>
+          <a:prstGeom prst="rect">
+            <a:avLst/>
+          </a:prstGeom>
+          <a:noFill/>
+        </p:spPr>
+        <p:txBody>
+          <a:bodyPr wrap="none" rtlCol="0">
+            <a:spAutoFit/>
+          </a:bodyPr>
+          <a:lstStyle/>
+          <a:p>
+            <a:pPr algn="ctr"/>
+            <a:r>
+              <a:rPr lang="en-GB" sz="1300" dirty="0">
+                <a:highlight>
+                  <a:srgbClr val="FFFF00"/>
+                </a:highlight>
+              </a:rPr>
+              <a:t>Start point of </a:t>
+            </a:r>
+          </a:p>
+          <a:p>
+            <a:pPr algn="ctr"/>
+            <a:r>
+              <a:rPr lang="en-GB" sz="1300" dirty="0">
+                <a:highlight>
+                  <a:srgbClr val="FFFF00"/>
+                </a:highlight>
+              </a:rPr>
+              <a:t>Build up for </a:t>
+            </a:r>
+            <a:r>
+              <a:rPr lang="en-GB" sz="1300" b="1" dirty="0">
+                <a:highlight>
+                  <a:srgbClr val="FFFF00"/>
+                </a:highlight>
+              </a:rPr>
+              <a:t>next transient</a:t>
+            </a:r>
+          </a:p>
+        </p:txBody>
+      </p:sp>
+    </p:spTree>
+    <p:extLst>
+      <p:ext uri="{BB962C8B-B14F-4D97-AF65-F5344CB8AC3E}">
+        <p14:creationId xmlns:p14="http://schemas.microsoft.com/office/powerpoint/2010/main" val="2981849993"/>
+      </p:ext>
+    </p:extLst>
+  </p:cSld>
+  <p:clrMapOvr>
+    <a:masterClrMapping/>
+  </p:clrMapOvr>
+</p:sld>
+</file>
+
+<file path=ppt/slides/slide56.xml><?xml version="1.0" encoding="utf-8"?>
+<p:sld xmlns:a="http://schemas.openxmlformats.org/drawingml/2006/main" xmlns:r="http://schemas.openxmlformats.org/officeDocument/2006/relationships" xmlns:p="http://schemas.openxmlformats.org/presentationml/2006/main">
+  <p:cSld>
+    <p:spTree>
+      <p:nvGrpSpPr>
+        <p:cNvPr id="1" name=""/>
+        <p:cNvGrpSpPr/>
+        <p:nvPr/>
+      </p:nvGrpSpPr>
+      <p:grpSpPr>
+        <a:xfrm>
+          <a:off x="0" y="0"/>
+          <a:ext cx="0" cy="0"/>
+          <a:chOff x="0" y="0"/>
+          <a:chExt cx="0" cy="0"/>
+        </a:xfrm>
+      </p:grpSpPr>
+      <p:sp>
+        <p:nvSpPr>
+          <p:cNvPr id="2" name="Title 1">
+            <a:extLst>
+              <a:ext uri="{FF2B5EF4-FFF2-40B4-BE49-F238E27FC236}">
                 <a16:creationId xmlns:a16="http://schemas.microsoft.com/office/drawing/2014/main" id="{09614724-C01B-49F7-8385-6DBC46AABFFA}"/>
               </a:ext>
             </a:extLst>
@@ -15614,7 +20659,7 @@
 </p:sld>
 </file>
 
-<file path=ppt/slides/slide54.xml><?xml version="1.0" encoding="utf-8"?>
+<file path=ppt/slides/slide57.xml><?xml version="1.0" encoding="utf-8"?>
 <p:sld xmlns:a="http://schemas.openxmlformats.org/drawingml/2006/main" xmlns:r="http://schemas.openxmlformats.org/officeDocument/2006/relationships" xmlns:p="http://schemas.openxmlformats.org/presentationml/2006/main">
   <p:cSld>
     <p:spTree>
@@ -15794,578 +20839,6 @@
 </p:sld>
 </file>
 
-<file path=ppt/slides/slide55.xml><?xml version="1.0" encoding="utf-8"?>
-<p:sld xmlns:a="http://schemas.openxmlformats.org/drawingml/2006/main" xmlns:r="http://schemas.openxmlformats.org/officeDocument/2006/relationships" xmlns:p="http://schemas.openxmlformats.org/presentationml/2006/main">
-  <p:cSld>
-    <p:spTree>
-      <p:nvGrpSpPr>
-        <p:cNvPr id="1" name=""/>
-        <p:cNvGrpSpPr/>
-        <p:nvPr/>
-      </p:nvGrpSpPr>
-      <p:grpSpPr>
-        <a:xfrm>
-          <a:off x="0" y="0"/>
-          <a:ext cx="0" cy="0"/>
-          <a:chOff x="0" y="0"/>
-          <a:chExt cx="0" cy="0"/>
-        </a:xfrm>
-      </p:grpSpPr>
-      <p:sp>
-        <p:nvSpPr>
-          <p:cNvPr id="2" name="Title 1">
-            <a:extLst>
-              <a:ext uri="{FF2B5EF4-FFF2-40B4-BE49-F238E27FC236}">
-                <a16:creationId xmlns:a16="http://schemas.microsoft.com/office/drawing/2014/main" id="{09614724-C01B-49F7-8385-6DBC46AABFFA}"/>
-              </a:ext>
-            </a:extLst>
-          </p:cNvPr>
-          <p:cNvSpPr>
-            <a:spLocks noGrp="1"/>
-          </p:cNvSpPr>
-          <p:nvPr>
-            <p:ph type="title"/>
-          </p:nvPr>
-        </p:nvSpPr>
-        <p:spPr/>
-        <p:txBody>
-          <a:bodyPr/>
-          <a:lstStyle/>
-          <a:p>
-            <a:r>
-              <a:rPr lang="en-GB" dirty="0">
-                <a:solidFill>
-                  <a:srgbClr val="000000"/>
-                </a:solidFill>
-                <a:latin typeface="Calibri" panose="020F0502020204030204" pitchFamily="34" charset="0"/>
-              </a:rPr>
-              <a:t>Job ahead (advanced methods)</a:t>
-            </a:r>
-            <a:endParaRPr lang="en-GB" dirty="0"/>
-          </a:p>
-        </p:txBody>
-      </p:sp>
-      <p:sp>
-        <p:nvSpPr>
-          <p:cNvPr id="3" name="Content Placeholder 2">
-            <a:extLst>
-              <a:ext uri="{FF2B5EF4-FFF2-40B4-BE49-F238E27FC236}">
-                <a16:creationId xmlns:a16="http://schemas.microsoft.com/office/drawing/2014/main" id="{E205715D-163C-4200-B228-AFC78AAD339F}"/>
-              </a:ext>
-            </a:extLst>
-          </p:cNvPr>
-          <p:cNvSpPr>
-            <a:spLocks noGrp="1"/>
-          </p:cNvSpPr>
-          <p:nvPr>
-            <p:ph idx="1"/>
-          </p:nvPr>
-        </p:nvSpPr>
-        <p:spPr/>
-        <p:txBody>
-          <a:bodyPr>
-            <a:normAutofit/>
-          </a:bodyPr>
-          <a:lstStyle/>
-          <a:p>
-            <a:pPr algn="l"/>
-            <a:r>
-              <a:rPr lang="en-GB" dirty="0"/>
-              <a:t>Machine learning –classical methods</a:t>
-            </a:r>
-          </a:p>
-          <a:p>
-            <a:pPr lvl="1">
-              <a:buFont typeface="Courier New" panose="02070309020205020404" pitchFamily="49" charset="0"/>
-              <a:buChar char="o"/>
-            </a:pPr>
-            <a:r>
-              <a:rPr lang="en-GB" dirty="0"/>
-              <a:t>Split the data to train and test set following 80/20 rule</a:t>
-            </a:r>
-          </a:p>
-          <a:p>
-            <a:pPr lvl="1">
-              <a:buFont typeface="Courier New" panose="02070309020205020404" pitchFamily="49" charset="0"/>
-              <a:buChar char="o"/>
-            </a:pPr>
-            <a:r>
-              <a:rPr lang="en-GB" dirty="0"/>
-              <a:t>Cross validation, K-means, etc.</a:t>
-            </a:r>
-          </a:p>
-          <a:p>
-            <a:pPr lvl="1">
-              <a:buFont typeface="Courier New" panose="02070309020205020404" pitchFamily="49" charset="0"/>
-              <a:buChar char="o"/>
-            </a:pPr>
-            <a:r>
-              <a:rPr lang="en-GB" dirty="0"/>
-              <a:t>Experiment with different classifiers</a:t>
-            </a:r>
-          </a:p>
-        </p:txBody>
-      </p:sp>
-    </p:spTree>
-    <p:extLst>
-      <p:ext uri="{BB962C8B-B14F-4D97-AF65-F5344CB8AC3E}">
-        <p14:creationId xmlns:p14="http://schemas.microsoft.com/office/powerpoint/2010/main" val="1819220278"/>
-      </p:ext>
-    </p:extLst>
-  </p:cSld>
-  <p:clrMapOvr>
-    <a:masterClrMapping/>
-  </p:clrMapOvr>
-</p:sld>
-</file>
-
-<file path=ppt/slides/slide56.xml><?xml version="1.0" encoding="utf-8"?>
-<p:sld xmlns:a="http://schemas.openxmlformats.org/drawingml/2006/main" xmlns:r="http://schemas.openxmlformats.org/officeDocument/2006/relationships" xmlns:p="http://schemas.openxmlformats.org/presentationml/2006/main">
-  <p:cSld>
-    <p:spTree>
-      <p:nvGrpSpPr>
-        <p:cNvPr id="1" name=""/>
-        <p:cNvGrpSpPr/>
-        <p:nvPr/>
-      </p:nvGrpSpPr>
-      <p:grpSpPr>
-        <a:xfrm>
-          <a:off x="0" y="0"/>
-          <a:ext cx="0" cy="0"/>
-          <a:chOff x="0" y="0"/>
-          <a:chExt cx="0" cy="0"/>
-        </a:xfrm>
-      </p:grpSpPr>
-      <p:sp>
-        <p:nvSpPr>
-          <p:cNvPr id="2" name="Title 1">
-            <a:extLst>
-              <a:ext uri="{FF2B5EF4-FFF2-40B4-BE49-F238E27FC236}">
-                <a16:creationId xmlns:a16="http://schemas.microsoft.com/office/drawing/2014/main" id="{09614724-C01B-49F7-8385-6DBC46AABFFA}"/>
-              </a:ext>
-            </a:extLst>
-          </p:cNvPr>
-          <p:cNvSpPr>
-            <a:spLocks noGrp="1"/>
-          </p:cNvSpPr>
-          <p:nvPr>
-            <p:ph type="title"/>
-          </p:nvPr>
-        </p:nvSpPr>
-        <p:spPr/>
-        <p:txBody>
-          <a:bodyPr/>
-          <a:lstStyle/>
-          <a:p>
-            <a:r>
-              <a:rPr lang="en-GB" dirty="0">
-                <a:solidFill>
-                  <a:srgbClr val="000000"/>
-                </a:solidFill>
-                <a:latin typeface="Calibri" panose="020F0502020204030204" pitchFamily="34" charset="0"/>
-              </a:rPr>
-              <a:t>Job ahead (advanced methods)</a:t>
-            </a:r>
-            <a:endParaRPr lang="en-GB" dirty="0"/>
-          </a:p>
-        </p:txBody>
-      </p:sp>
-      <p:sp>
-        <p:nvSpPr>
-          <p:cNvPr id="3" name="Content Placeholder 2">
-            <a:extLst>
-              <a:ext uri="{FF2B5EF4-FFF2-40B4-BE49-F238E27FC236}">
-                <a16:creationId xmlns:a16="http://schemas.microsoft.com/office/drawing/2014/main" id="{E205715D-163C-4200-B228-AFC78AAD339F}"/>
-              </a:ext>
-            </a:extLst>
-          </p:cNvPr>
-          <p:cNvSpPr>
-            <a:spLocks noGrp="1"/>
-          </p:cNvSpPr>
-          <p:nvPr>
-            <p:ph idx="1"/>
-          </p:nvPr>
-        </p:nvSpPr>
-        <p:spPr/>
-        <p:txBody>
-          <a:bodyPr>
-            <a:normAutofit/>
-          </a:bodyPr>
-          <a:lstStyle/>
-          <a:p>
-            <a:pPr algn="l"/>
-            <a:r>
-              <a:rPr lang="en-GB" dirty="0"/>
-              <a:t>Machine learning</a:t>
-            </a:r>
-          </a:p>
-          <a:p>
-            <a:pPr lvl="1">
-              <a:buFont typeface="Courier New" panose="02070309020205020404" pitchFamily="49" charset="0"/>
-              <a:buChar char="o"/>
-            </a:pPr>
-            <a:r>
-              <a:rPr lang="en-GB" dirty="0"/>
-              <a:t>Pros:</a:t>
-            </a:r>
-          </a:p>
-          <a:p>
-            <a:pPr lvl="2"/>
-            <a:r>
-              <a:rPr lang="en-GB" dirty="0"/>
-              <a:t>Higher accuracy</a:t>
-            </a:r>
-          </a:p>
-          <a:p>
-            <a:pPr lvl="1">
-              <a:buFont typeface="Courier New" panose="02070309020205020404" pitchFamily="49" charset="0"/>
-              <a:buChar char="o"/>
-            </a:pPr>
-            <a:r>
-              <a:rPr lang="en-GB" dirty="0"/>
-              <a:t>Cons:</a:t>
-            </a:r>
-          </a:p>
-          <a:p>
-            <a:pPr lvl="2"/>
-            <a:r>
-              <a:rPr lang="en-GB" dirty="0"/>
-              <a:t>More computation</a:t>
-            </a:r>
-          </a:p>
-          <a:p>
-            <a:pPr algn="l"/>
-            <a:endParaRPr lang="en-GB" dirty="0"/>
-          </a:p>
-        </p:txBody>
-      </p:sp>
-    </p:spTree>
-    <p:extLst>
-      <p:ext uri="{BB962C8B-B14F-4D97-AF65-F5344CB8AC3E}">
-        <p14:creationId xmlns:p14="http://schemas.microsoft.com/office/powerpoint/2010/main" val="1483895712"/>
-      </p:ext>
-    </p:extLst>
-  </p:cSld>
-  <p:clrMapOvr>
-    <a:masterClrMapping/>
-  </p:clrMapOvr>
-</p:sld>
-</file>
-
-<file path=ppt/slides/slide57.xml><?xml version="1.0" encoding="utf-8"?>
-<p:sld xmlns:a="http://schemas.openxmlformats.org/drawingml/2006/main" xmlns:r="http://schemas.openxmlformats.org/officeDocument/2006/relationships" xmlns:p="http://schemas.openxmlformats.org/presentationml/2006/main">
-  <p:cSld>
-    <p:spTree>
-      <p:nvGrpSpPr>
-        <p:cNvPr id="1" name=""/>
-        <p:cNvGrpSpPr/>
-        <p:nvPr/>
-      </p:nvGrpSpPr>
-      <p:grpSpPr>
-        <a:xfrm>
-          <a:off x="0" y="0"/>
-          <a:ext cx="0" cy="0"/>
-          <a:chOff x="0" y="0"/>
-          <a:chExt cx="0" cy="0"/>
-        </a:xfrm>
-      </p:grpSpPr>
-      <p:sp>
-        <p:nvSpPr>
-          <p:cNvPr id="2" name="Title 1">
-            <a:extLst>
-              <a:ext uri="{FF2B5EF4-FFF2-40B4-BE49-F238E27FC236}">
-                <a16:creationId xmlns:a16="http://schemas.microsoft.com/office/drawing/2014/main" id="{09614724-C01B-49F7-8385-6DBC46AABFFA}"/>
-              </a:ext>
-            </a:extLst>
-          </p:cNvPr>
-          <p:cNvSpPr>
-            <a:spLocks noGrp="1"/>
-          </p:cNvSpPr>
-          <p:nvPr>
-            <p:ph type="title"/>
-          </p:nvPr>
-        </p:nvSpPr>
-        <p:spPr/>
-        <p:txBody>
-          <a:bodyPr/>
-          <a:lstStyle/>
-          <a:p>
-            <a:r>
-              <a:rPr lang="en-GB" dirty="0">
-                <a:solidFill>
-                  <a:srgbClr val="000000"/>
-                </a:solidFill>
-                <a:latin typeface="Calibri" panose="020F0502020204030204" pitchFamily="34" charset="0"/>
-              </a:rPr>
-              <a:t>Job ahead (advanced methods)</a:t>
-            </a:r>
-            <a:endParaRPr lang="en-GB" dirty="0"/>
-          </a:p>
-        </p:txBody>
-      </p:sp>
-      <p:sp>
-        <p:nvSpPr>
-          <p:cNvPr id="3" name="Content Placeholder 2">
-            <a:extLst>
-              <a:ext uri="{FF2B5EF4-FFF2-40B4-BE49-F238E27FC236}">
-                <a16:creationId xmlns:a16="http://schemas.microsoft.com/office/drawing/2014/main" id="{E205715D-163C-4200-B228-AFC78AAD339F}"/>
-              </a:ext>
-            </a:extLst>
-          </p:cNvPr>
-          <p:cNvSpPr>
-            <a:spLocks noGrp="1"/>
-          </p:cNvSpPr>
-          <p:nvPr>
-            <p:ph idx="1"/>
-          </p:nvPr>
-        </p:nvSpPr>
-        <p:spPr>
-          <a:xfrm>
-            <a:off x="889286" y="1422214"/>
-            <a:ext cx="10515600" cy="5214256"/>
-          </a:xfrm>
-        </p:spPr>
-        <p:txBody>
-          <a:bodyPr>
-            <a:normAutofit fontScale="92500" lnSpcReduction="20000"/>
-          </a:bodyPr>
-          <a:lstStyle/>
-          <a:p>
-            <a:pPr algn="l"/>
-            <a:r>
-              <a:rPr lang="en-GB" dirty="0"/>
-              <a:t>Web application[10]</a:t>
-            </a:r>
-          </a:p>
-          <a:p>
-            <a:pPr lvl="1">
-              <a:buFont typeface="Courier New" panose="02070309020205020404" pitchFamily="49" charset="0"/>
-              <a:buChar char="o"/>
-            </a:pPr>
-            <a:r>
-              <a:rPr lang="en-GB" sz="2800" dirty="0"/>
-              <a:t>Rest API</a:t>
-            </a:r>
-          </a:p>
-          <a:p>
-            <a:pPr lvl="1">
-              <a:buFont typeface="Courier New" panose="02070309020205020404" pitchFamily="49" charset="0"/>
-              <a:buChar char="o"/>
-            </a:pPr>
-            <a:r>
-              <a:rPr lang="en-GB" sz="2800" dirty="0"/>
-              <a:t>API endpoint: Python flask web framework</a:t>
-            </a:r>
-          </a:p>
-          <a:p>
-            <a:pPr lvl="1">
-              <a:buFont typeface="Courier New" panose="02070309020205020404" pitchFamily="49" charset="0"/>
-              <a:buChar char="o"/>
-            </a:pPr>
-            <a:r>
-              <a:rPr lang="en-GB" sz="2800" dirty="0"/>
-              <a:t>Front end: Javascript, CSS</a:t>
-            </a:r>
-          </a:p>
-          <a:p>
-            <a:pPr lvl="1">
-              <a:buFont typeface="Courier New" panose="02070309020205020404" pitchFamily="49" charset="0"/>
-              <a:buChar char="o"/>
-            </a:pPr>
-            <a:endParaRPr lang="en-GB" dirty="0"/>
-          </a:p>
-          <a:p>
-            <a:pPr lvl="1">
-              <a:buFont typeface="Courier New" panose="02070309020205020404" pitchFamily="49" charset="0"/>
-              <a:buChar char="o"/>
-            </a:pPr>
-            <a:endParaRPr lang="en-GB" dirty="0"/>
-          </a:p>
-          <a:p>
-            <a:pPr lvl="1">
-              <a:buFont typeface="Courier New" panose="02070309020205020404" pitchFamily="49" charset="0"/>
-              <a:buChar char="o"/>
-            </a:pPr>
-            <a:endParaRPr lang="en-GB" dirty="0"/>
-          </a:p>
-          <a:p>
-            <a:pPr lvl="1">
-              <a:buFont typeface="Courier New" panose="02070309020205020404" pitchFamily="49" charset="0"/>
-              <a:buChar char="o"/>
-            </a:pPr>
-            <a:endParaRPr lang="en-GB" dirty="0"/>
-          </a:p>
-          <a:p>
-            <a:pPr lvl="1">
-              <a:buFont typeface="Courier New" panose="02070309020205020404" pitchFamily="49" charset="0"/>
-              <a:buChar char="o"/>
-            </a:pPr>
-            <a:endParaRPr lang="en-GB" dirty="0"/>
-          </a:p>
-          <a:p>
-            <a:pPr lvl="1">
-              <a:buFont typeface="Courier New" panose="02070309020205020404" pitchFamily="49" charset="0"/>
-              <a:buChar char="o"/>
-            </a:pPr>
-            <a:endParaRPr lang="en-GB" dirty="0"/>
-          </a:p>
-          <a:p>
-            <a:pPr lvl="1">
-              <a:buFont typeface="Courier New" panose="02070309020205020404" pitchFamily="49" charset="0"/>
-              <a:buChar char="o"/>
-            </a:pPr>
-            <a:endParaRPr lang="en-GB" dirty="0"/>
-          </a:p>
-          <a:p>
-            <a:pPr lvl="1">
-              <a:buFont typeface="Courier New" panose="02070309020205020404" pitchFamily="49" charset="0"/>
-              <a:buChar char="o"/>
-            </a:pPr>
-            <a:endParaRPr lang="en-GB" sz="1800" b="0" i="0" u="none" strike="noStrike" baseline="0" dirty="0">
-              <a:solidFill>
-                <a:srgbClr val="000000"/>
-              </a:solidFill>
-              <a:latin typeface="Calibri" panose="020F0502020204030204" pitchFamily="34" charset="0"/>
-            </a:endParaRPr>
-          </a:p>
-          <a:p>
-            <a:pPr lvl="1">
-              <a:buFont typeface="Courier New" panose="02070309020205020404" pitchFamily="49" charset="0"/>
-              <a:buChar char="o"/>
-            </a:pPr>
-            <a:endParaRPr lang="en-GB" sz="1800" b="0" i="0" u="none" strike="noStrike" baseline="0" dirty="0">
-              <a:solidFill>
-                <a:srgbClr val="000000"/>
-              </a:solidFill>
-              <a:latin typeface="Calibri" panose="020F0502020204030204" pitchFamily="34" charset="0"/>
-            </a:endParaRPr>
-          </a:p>
-          <a:p>
-            <a:pPr lvl="1">
-              <a:buFont typeface="Courier New" panose="02070309020205020404" pitchFamily="49" charset="0"/>
-              <a:buChar char="o"/>
-            </a:pPr>
-            <a:endParaRPr lang="en-GB" sz="1800" b="0" i="0" u="none" strike="noStrike" baseline="0" dirty="0">
-              <a:solidFill>
-                <a:srgbClr val="000000"/>
-              </a:solidFill>
-              <a:latin typeface="Calibri" panose="020F0502020204030204" pitchFamily="34" charset="0"/>
-            </a:endParaRPr>
-          </a:p>
-          <a:p>
-            <a:pPr lvl="1">
-              <a:buFont typeface="Courier New" panose="02070309020205020404" pitchFamily="49" charset="0"/>
-              <a:buChar char="o"/>
-            </a:pPr>
-            <a:endParaRPr lang="en-GB" sz="1800" dirty="0">
-              <a:solidFill>
-                <a:srgbClr val="000000"/>
-              </a:solidFill>
-              <a:latin typeface="Calibri" panose="020F0502020204030204" pitchFamily="34" charset="0"/>
-            </a:endParaRPr>
-          </a:p>
-          <a:p>
-            <a:pPr marL="457200" lvl="1" indent="0">
-              <a:buNone/>
-            </a:pPr>
-            <a:r>
-              <a:rPr lang="en-GB" sz="1800" dirty="0">
-                <a:solidFill>
-                  <a:srgbClr val="000000"/>
-                </a:solidFill>
-                <a:latin typeface="Calibri" panose="020F0502020204030204" pitchFamily="34" charset="0"/>
-              </a:rPr>
-              <a:t>                     	 </a:t>
-            </a:r>
-            <a:r>
-              <a:rPr lang="en-GB" sz="1900" b="1" dirty="0">
-                <a:solidFill>
-                  <a:srgbClr val="000000"/>
-                </a:solidFill>
-                <a:latin typeface="Calibri" panose="020F0502020204030204" pitchFamily="34" charset="0"/>
-              </a:rPr>
-              <a:t>User interface[10]</a:t>
-            </a:r>
-            <a:r>
-              <a:rPr lang="en-GB" sz="1800" b="0" i="0" u="none" strike="noStrike" baseline="0" dirty="0">
-                <a:solidFill>
-                  <a:srgbClr val="000000"/>
-                </a:solidFill>
-                <a:latin typeface="Calibri" panose="020F0502020204030204" pitchFamily="34" charset="0"/>
-              </a:rPr>
-              <a:t>	</a:t>
-            </a:r>
-          </a:p>
-          <a:p>
-            <a:pPr lvl="1">
-              <a:buFont typeface="Courier New" panose="02070309020205020404" pitchFamily="49" charset="0"/>
-              <a:buChar char="o"/>
-            </a:pPr>
-            <a:endParaRPr lang="en-GB" dirty="0"/>
-          </a:p>
-          <a:p>
-            <a:pPr lvl="1">
-              <a:buFont typeface="Courier New" panose="02070309020205020404" pitchFamily="49" charset="0"/>
-              <a:buChar char="o"/>
-            </a:pPr>
-            <a:endParaRPr lang="en-GB" dirty="0"/>
-          </a:p>
-          <a:p>
-            <a:pPr lvl="1">
-              <a:buFont typeface="Courier New" panose="02070309020205020404" pitchFamily="49" charset="0"/>
-              <a:buChar char="o"/>
-            </a:pPr>
-            <a:endParaRPr lang="en-GB" dirty="0"/>
-          </a:p>
-          <a:p>
-            <a:pPr algn="l"/>
-            <a:endParaRPr lang="en-GB" dirty="0"/>
-          </a:p>
-        </p:txBody>
-      </p:sp>
-      <p:pic>
-        <p:nvPicPr>
-          <p:cNvPr id="5" name="Picture 4">
-            <a:extLst>
-              <a:ext uri="{FF2B5EF4-FFF2-40B4-BE49-F238E27FC236}">
-                <a16:creationId xmlns:a16="http://schemas.microsoft.com/office/drawing/2014/main" id="{2D6A7BB9-089A-43AC-A7CB-89EB6D487DC2}"/>
-              </a:ext>
-            </a:extLst>
-          </p:cNvPr>
-          <p:cNvPicPr>
-            <a:picLocks noChangeAspect="1"/>
-          </p:cNvPicPr>
-          <p:nvPr/>
-        </p:nvPicPr>
-        <p:blipFill>
-          <a:blip r:embed="rId2"/>
-          <a:stretch>
-            <a:fillRect/>
-          </a:stretch>
-        </p:blipFill>
-        <p:spPr>
-          <a:xfrm>
-            <a:off x="1313493" y="3044859"/>
-            <a:ext cx="5942613" cy="3097604"/>
-          </a:xfrm>
-          <a:prstGeom prst="rect">
-            <a:avLst/>
-          </a:prstGeom>
-        </p:spPr>
-      </p:pic>
-    </p:spTree>
-    <p:extLst>
-      <p:ext uri="{BB962C8B-B14F-4D97-AF65-F5344CB8AC3E}">
-        <p14:creationId xmlns:p14="http://schemas.microsoft.com/office/powerpoint/2010/main" val="52580728"/>
-      </p:ext>
-    </p:extLst>
-  </p:cSld>
-  <p:clrMapOvr>
-    <a:masterClrMapping/>
-  </p:clrMapOvr>
-</p:sld>
-</file>
-
 <file path=ppt/slides/slide58.xml><?xml version="1.0" encoding="utf-8"?>
 <p:sld xmlns:a="http://schemas.openxmlformats.org/drawingml/2006/main" xmlns:r="http://schemas.openxmlformats.org/officeDocument/2006/relationships" xmlns:p="http://schemas.openxmlformats.org/presentationml/2006/main">
   <p:cSld>
@@ -16411,7 +20884,7 @@
                 </a:solidFill>
                 <a:latin typeface="Calibri" panose="020F0502020204030204" pitchFamily="34" charset="0"/>
               </a:rPr>
-              <a:t>Reference</a:t>
+              <a:t>Job ahead (advanced methods)</a:t>
             </a:r>
             <a:endParaRPr lang="en-GB" dirty="0"/>
           </a:p>
@@ -16433,225 +20906,47 @@
             <p:ph idx="1"/>
           </p:nvPr>
         </p:nvSpPr>
-        <p:spPr>
-          <a:xfrm>
-            <a:off x="889286" y="1422214"/>
-            <a:ext cx="10515600" cy="5214256"/>
-          </a:xfrm>
-        </p:spPr>
+        <p:spPr/>
         <p:txBody>
           <a:bodyPr>
-            <a:normAutofit fontScale="92500" lnSpcReduction="10000"/>
+            <a:normAutofit/>
           </a:bodyPr>
           <a:lstStyle/>
           <a:p>
             <a:pPr algn="l"/>
             <a:r>
-              <a:rPr lang="en-GB" sz="1800" b="0" i="0" u="none" strike="noStrike" baseline="0" dirty="0">
-                <a:latin typeface="LinLibertineT"/>
-              </a:rPr>
-              <a:t>[1] </a:t>
-            </a:r>
-            <a:r>
-              <a:rPr lang="en-GB" sz="1800" b="0" i="0" u="none" strike="noStrike" baseline="0" dirty="0" err="1">
-                <a:latin typeface="LinLibertineT"/>
-              </a:rPr>
-              <a:t>Athichanagorn</a:t>
-            </a:r>
-            <a:r>
-              <a:rPr lang="en-GB" sz="1800" b="0" i="0" u="none" strike="noStrike" baseline="0" dirty="0">
-                <a:latin typeface="LinLibertineT"/>
-              </a:rPr>
-              <a:t>, S. (1999). Development of an interpretation methodology for long-term pressure data from permanent downhole gauges.</a:t>
-            </a:r>
-          </a:p>
-          <a:p>
-            <a:pPr algn="l"/>
-            <a:r>
-              <a:rPr lang="en-GB" sz="1800" b="0" i="0" u="none" strike="noStrike" baseline="0" dirty="0">
-                <a:latin typeface="LinLibertineT"/>
-              </a:rPr>
-              <a:t>[2] Olsen, S., </a:t>
-            </a:r>
-            <a:r>
-              <a:rPr lang="en-GB" sz="1800" b="0" i="0" u="none" strike="noStrike" baseline="0" dirty="0" err="1">
-                <a:latin typeface="LinLibertineT"/>
-              </a:rPr>
-              <a:t>Nordtvedt</a:t>
-            </a:r>
-            <a:r>
-              <a:rPr lang="en-GB" sz="1800" b="0" i="0" u="none" strike="noStrike" baseline="0" dirty="0">
-                <a:latin typeface="LinLibertineT"/>
-              </a:rPr>
-              <a:t>, J.E. (2005). Automatic Filtering and Monitoring of Real-Time Reservoir and Production Data.</a:t>
-            </a:r>
-          </a:p>
-          <a:p>
-            <a:pPr algn="l"/>
-            <a:r>
-              <a:rPr lang="en-GB" sz="1800" b="0" i="0" u="none" strike="noStrike" baseline="0" dirty="0">
-                <a:latin typeface="LinLibertineT"/>
-              </a:rPr>
-              <a:t>[3] H. Rai. (2005). </a:t>
-            </a:r>
-            <a:r>
-              <a:rPr lang="en-GB" sz="1800" b="0" i="0" u="none" strike="noStrike" baseline="0" dirty="0" err="1">
-                <a:latin typeface="LinLibertineT"/>
-              </a:rPr>
-              <a:t>Analyzing</a:t>
-            </a:r>
-            <a:r>
-              <a:rPr lang="en-GB" sz="1800" b="0" i="0" u="none" strike="noStrike" baseline="0" dirty="0">
-                <a:latin typeface="LinLibertineT"/>
-              </a:rPr>
-              <a:t> rate data from permanent downhole gauges. MS report, Stanford University.</a:t>
-            </a:r>
-          </a:p>
-          <a:p>
-            <a:pPr algn="l"/>
-            <a:r>
-              <a:rPr lang="en-GB" sz="1800" b="0" i="0" u="none" strike="noStrike" baseline="0" dirty="0">
-                <a:latin typeface="LinLibertineT"/>
-              </a:rPr>
-              <a:t>[4] </a:t>
-            </a:r>
-            <a:r>
-              <a:rPr lang="en-GB" sz="1800" b="0" i="0" u="none" strike="noStrike" baseline="0" dirty="0" err="1">
-                <a:latin typeface="LinLibertineT"/>
-              </a:rPr>
-              <a:t>Khong</a:t>
-            </a:r>
-            <a:r>
-              <a:rPr lang="en-GB" sz="1800" b="0" i="0" u="none" strike="noStrike" baseline="0" dirty="0">
-                <a:latin typeface="LinLibertineT"/>
-              </a:rPr>
-              <a:t>, C.K. (2001). Permanent Downhole Gauge Data Interpretation, MS report, Stanford University.</a:t>
-            </a:r>
-          </a:p>
-          <a:p>
-            <a:pPr algn="l"/>
-            <a:r>
-              <a:rPr lang="en-GB" sz="1800" b="0" i="0" u="none" strike="noStrike" baseline="0" dirty="0">
-                <a:latin typeface="LinLibertineT"/>
-              </a:rPr>
-              <a:t>[5] Nomura, M. (2006). Processing and interpretation of pressure transient data from permanent downhole gauges.</a:t>
-            </a:r>
-          </a:p>
-          <a:p>
-            <a:pPr algn="l"/>
-            <a:r>
-              <a:rPr lang="en-GB" sz="1800" b="0" i="0" u="none" strike="noStrike" baseline="0" dirty="0">
-                <a:latin typeface="LinLibertineT"/>
-              </a:rPr>
-              <a:t>[6] Suzuki, Satomi &amp; Chorneyko, David. (2009). Automatic Detection of Pressure-</a:t>
-            </a:r>
-            <a:r>
-              <a:rPr lang="en-GB" sz="1800" b="0" i="0" u="none" strike="noStrike" baseline="0" dirty="0" err="1">
-                <a:latin typeface="LinLibertineT"/>
-              </a:rPr>
-              <a:t>Buildup</a:t>
-            </a:r>
-            <a:r>
-              <a:rPr lang="en-GB" sz="1800" b="0" i="0" u="none" strike="noStrike" baseline="0" dirty="0">
-                <a:latin typeface="LinLibertineT"/>
-              </a:rPr>
-              <a:t> Intervals From Permanent Downhole Pressure Data Using Filter Convolution. 10.2118/125240-MS.</a:t>
-            </a:r>
-          </a:p>
-          <a:p>
-            <a:pPr algn="l"/>
-            <a:r>
-              <a:rPr lang="en-GB" sz="1800" b="0" i="0" u="none" strike="noStrike" baseline="0" dirty="0">
-                <a:latin typeface="LinLibertineT"/>
-              </a:rPr>
-              <a:t>[7] Pavel </a:t>
-            </a:r>
-            <a:r>
-              <a:rPr lang="en-GB" sz="1800" b="0" i="0" u="none" strike="noStrike" baseline="0" dirty="0" err="1">
-                <a:latin typeface="LinLibertineT"/>
-              </a:rPr>
-              <a:t>Holoborodko</a:t>
-            </a:r>
-            <a:r>
-              <a:rPr lang="en-GB" sz="1800" b="0" i="0" u="none" strike="noStrike" baseline="0" dirty="0">
-                <a:latin typeface="LinLibertineT"/>
-              </a:rPr>
-              <a:t>. (2009). Smooth noise-robust differentiators. http://www.holoborodko.com/pavel/numerical-methods/numericalderivative/smooth-low-noise-differentiators/deriv.</a:t>
-            </a:r>
-          </a:p>
-          <a:p>
-            <a:pPr algn="l"/>
-            <a:r>
-              <a:rPr lang="en-GB" sz="1800" b="0" i="0" u="none" strike="noStrike" baseline="0" dirty="0">
-                <a:latin typeface="LinLibertineT"/>
-              </a:rPr>
-              <a:t>[8] Andrey </a:t>
-            </a:r>
-            <a:r>
-              <a:rPr lang="en-GB" sz="1800" b="0" i="0" u="none" strike="noStrike" baseline="0" dirty="0" err="1">
-                <a:latin typeface="LinLibertineT"/>
-              </a:rPr>
-              <a:t>Paramonov</a:t>
-            </a:r>
-            <a:r>
-              <a:rPr lang="en-GB" sz="1800" b="0" i="0" u="none" strike="noStrike" baseline="0" dirty="0">
-                <a:latin typeface="LinLibertineT"/>
-              </a:rPr>
-              <a:t>. (2015). Noise-robust smoothing filter. http://www.holoborodko.com/pavel/numerical-methods/noise-robustsmoothing-filter/.</a:t>
-            </a:r>
-          </a:p>
-          <a:p>
-            <a:pPr algn="l"/>
-            <a:r>
-              <a:rPr lang="en-GB" sz="1800" b="0" i="0" u="none" strike="noStrike" baseline="0" dirty="0">
-                <a:latin typeface="LinLibertineT"/>
-              </a:rPr>
-              <a:t>[9] Liu </a:t>
-            </a:r>
-            <a:r>
-              <a:rPr lang="en-GB" sz="1800" b="0" i="0" u="none" strike="noStrike" baseline="0" dirty="0" err="1">
-                <a:latin typeface="LinLibertineT"/>
-              </a:rPr>
-              <a:t>Junrong</a:t>
-            </a:r>
-            <a:r>
-              <a:rPr lang="en-GB" sz="1800" b="0" i="0" u="none" strike="noStrike" baseline="0" dirty="0">
-                <a:latin typeface="LinLibertineT"/>
-              </a:rPr>
-              <a:t>, Yao Jun, Yu </a:t>
-            </a:r>
-            <a:r>
-              <a:rPr lang="en-GB" sz="1800" b="0" i="0" u="none" strike="noStrike" baseline="0" dirty="0" err="1">
-                <a:latin typeface="LinLibertineT"/>
-              </a:rPr>
-              <a:t>Weiqiang</a:t>
-            </a:r>
-            <a:r>
-              <a:rPr lang="en-GB" sz="1800" b="0" i="0" u="none" strike="noStrike" baseline="0" dirty="0">
-                <a:latin typeface="LinLibertineT"/>
-              </a:rPr>
-              <a:t>. (2016). Study of Identification Method of Transient Flow from Permanent Downhole Pressure Data. Journal of Southwest Petroleum University(Science Technology Edition)</a:t>
-            </a:r>
-          </a:p>
-          <a:p>
-            <a:pPr algn="l"/>
-            <a:r>
-              <a:rPr lang="en-GB" sz="1800" dirty="0">
-                <a:latin typeface="LinLibertineT"/>
-              </a:rPr>
-              <a:t>[10] Anisa </a:t>
-            </a:r>
-            <a:r>
-              <a:rPr lang="en-GB" sz="1800" dirty="0" err="1">
-                <a:latin typeface="LinLibertineT"/>
-              </a:rPr>
-              <a:t>Zhurda</a:t>
-            </a:r>
-            <a:r>
-              <a:rPr lang="en-GB" sz="1800" dirty="0">
-                <a:latin typeface="LinLibertineT"/>
-              </a:rPr>
-              <a:t>, "Automated Well Monitoring: Machine Learning and Web Application," University of Stavanger, 2020. </a:t>
+              <a:rPr lang="en-GB" dirty="0"/>
+              <a:t>Machine learning –classical methods</a:t>
+            </a:r>
+          </a:p>
+          <a:p>
+            <a:pPr lvl="1">
+              <a:buFont typeface="Courier New" panose="02070309020205020404" pitchFamily="49" charset="0"/>
+              <a:buChar char="o"/>
+            </a:pPr>
+            <a:r>
+              <a:rPr lang="en-GB" dirty="0"/>
+              <a:t>Split the data to train and test set following 80/20 rule</a:t>
+            </a:r>
+          </a:p>
+          <a:p>
+            <a:pPr lvl="1">
+              <a:buFont typeface="Courier New" panose="02070309020205020404" pitchFamily="49" charset="0"/>
+              <a:buChar char="o"/>
+            </a:pPr>
+            <a:r>
+              <a:rPr lang="en-GB" dirty="0"/>
+              <a:t>Cross validation, K-means, etc.</a:t>
+            </a:r>
+          </a:p>
+          <a:p>
+            <a:pPr lvl="1">
+              <a:buFont typeface="Courier New" panose="02070309020205020404" pitchFamily="49" charset="0"/>
+              <a:buChar char="o"/>
+            </a:pPr>
+            <a:r>
+              <a:rPr lang="en-GB" dirty="0"/>
+              <a:t>Experiment with different classifiers</a:t>
             </a:r>
           </a:p>
         </p:txBody>
@@ -16659,7 +20954,7 @@
     </p:spTree>
     <p:extLst>
       <p:ext uri="{BB962C8B-B14F-4D97-AF65-F5344CB8AC3E}">
-        <p14:creationId xmlns:p14="http://schemas.microsoft.com/office/powerpoint/2010/main" val="3039275320"/>
+        <p14:creationId xmlns:p14="http://schemas.microsoft.com/office/powerpoint/2010/main" val="1819220278"/>
       </p:ext>
     </p:extLst>
   </p:cSld>
@@ -16688,133 +20983,111 @@
       </p:grpSpPr>
       <p:sp>
         <p:nvSpPr>
-          <p:cNvPr id="2" name="Rectangle 1">
-            <a:extLst>
-              <a:ext uri="{FF2B5EF4-FFF2-40B4-BE49-F238E27FC236}">
-                <a16:creationId xmlns:a16="http://schemas.microsoft.com/office/drawing/2014/main" id="{C27D377C-B4BB-491F-9160-FEE13DFA3E7B}"/>
-              </a:ext>
-            </a:extLst>
-          </p:cNvPr>
-          <p:cNvSpPr/>
-          <p:nvPr/>
-        </p:nvSpPr>
-        <p:spPr>
-          <a:xfrm>
-            <a:off x="3704101" y="2967335"/>
-            <a:ext cx="4783810" cy="1754326"/>
-          </a:xfrm>
-          <a:prstGeom prst="rect">
-            <a:avLst/>
-          </a:prstGeom>
-          <a:noFill/>
-        </p:spPr>
+          <p:cNvPr id="2" name="Title 1">
+            <a:extLst>
+              <a:ext uri="{FF2B5EF4-FFF2-40B4-BE49-F238E27FC236}">
+                <a16:creationId xmlns:a16="http://schemas.microsoft.com/office/drawing/2014/main" id="{09614724-C01B-49F7-8385-6DBC46AABFFA}"/>
+              </a:ext>
+            </a:extLst>
+          </p:cNvPr>
+          <p:cNvSpPr>
+            <a:spLocks noGrp="1"/>
+          </p:cNvSpPr>
+          <p:nvPr>
+            <p:ph type="title"/>
+          </p:nvPr>
+        </p:nvSpPr>
+        <p:spPr/>
         <p:txBody>
-          <a:bodyPr wrap="none" lIns="91440" tIns="45720" rIns="91440" bIns="45720">
-            <a:spAutoFit/>
+          <a:bodyPr/>
+          <a:lstStyle/>
+          <a:p>
+            <a:r>
+              <a:rPr lang="en-GB" dirty="0">
+                <a:solidFill>
+                  <a:srgbClr val="000000"/>
+                </a:solidFill>
+                <a:latin typeface="Calibri" panose="020F0502020204030204" pitchFamily="34" charset="0"/>
+              </a:rPr>
+              <a:t>Job ahead (advanced methods)</a:t>
+            </a:r>
+            <a:endParaRPr lang="en-GB" dirty="0"/>
+          </a:p>
+        </p:txBody>
+      </p:sp>
+      <p:sp>
+        <p:nvSpPr>
+          <p:cNvPr id="3" name="Content Placeholder 2">
+            <a:extLst>
+              <a:ext uri="{FF2B5EF4-FFF2-40B4-BE49-F238E27FC236}">
+                <a16:creationId xmlns:a16="http://schemas.microsoft.com/office/drawing/2014/main" id="{E205715D-163C-4200-B228-AFC78AAD339F}"/>
+              </a:ext>
+            </a:extLst>
+          </p:cNvPr>
+          <p:cNvSpPr>
+            <a:spLocks noGrp="1"/>
+          </p:cNvSpPr>
+          <p:nvPr>
+            <p:ph idx="1"/>
+          </p:nvPr>
+        </p:nvSpPr>
+        <p:spPr/>
+        <p:txBody>
+          <a:bodyPr>
+            <a:normAutofit/>
           </a:bodyPr>
           <a:lstStyle/>
           <a:p>
-            <a:pPr algn="ctr"/>
-            <a:r>
-              <a:rPr lang="en-US" sz="5400" b="1" cap="none" spc="0" dirty="0">
-                <a:ln w="12700">
-                  <a:solidFill>
-                    <a:schemeClr val="accent5"/>
-                  </a:solidFill>
-                  <a:prstDash val="solid"/>
-                </a:ln>
-                <a:pattFill prst="ltDnDiag">
-                  <a:fgClr>
-                    <a:schemeClr val="accent5">
-                      <a:lumMod val="60000"/>
-                      <a:lumOff val="40000"/>
-                    </a:schemeClr>
-                  </a:fgClr>
-                  <a:bgClr>
-                    <a:schemeClr val="bg1"/>
-                  </a:bgClr>
-                </a:pattFill>
-                <a:effectLst/>
-              </a:rPr>
-              <a:t>Thanks </a:t>
-            </a:r>
-            <a:r>
-              <a:rPr lang="en-US" sz="5400" b="1" cap="none" spc="0" dirty="0">
-                <a:ln w="12700">
-                  <a:solidFill>
-                    <a:schemeClr val="accent5"/>
-                  </a:solidFill>
-                  <a:prstDash val="solid"/>
-                </a:ln>
-                <a:pattFill prst="ltDnDiag">
-                  <a:fgClr>
-                    <a:schemeClr val="accent5">
-                      <a:lumMod val="60000"/>
-                      <a:lumOff val="40000"/>
-                    </a:schemeClr>
-                  </a:fgClr>
-                  <a:bgClr>
-                    <a:schemeClr val="bg1"/>
-                  </a:bgClr>
-                </a:pattFill>
-                <a:effectLst/>
-                <a:sym typeface="Wingdings" panose="05000000000000000000" pitchFamily="2" charset="2"/>
-              </a:rPr>
-              <a:t></a:t>
-            </a:r>
-          </a:p>
-          <a:p>
-            <a:pPr algn="ctr"/>
-            <a:r>
-              <a:rPr lang="en-US" sz="5400" b="1" dirty="0">
-                <a:ln w="12700">
-                  <a:solidFill>
-                    <a:schemeClr val="accent5"/>
-                  </a:solidFill>
-                  <a:prstDash val="solid"/>
-                </a:ln>
-                <a:pattFill prst="ltDnDiag">
-                  <a:fgClr>
-                    <a:schemeClr val="accent5">
-                      <a:lumMod val="60000"/>
-                      <a:lumOff val="40000"/>
-                    </a:schemeClr>
-                  </a:fgClr>
-                  <a:bgClr>
-                    <a:schemeClr val="bg1"/>
-                  </a:bgClr>
-                </a:pattFill>
-                <a:sym typeface="Wingdings" panose="05000000000000000000" pitchFamily="2" charset="2"/>
-              </a:rPr>
-              <a:t>Any comments?</a:t>
-            </a:r>
-            <a:endParaRPr lang="en-US" sz="5400" b="1" cap="none" spc="0" dirty="0">
-              <a:ln w="12700">
-                <a:solidFill>
-                  <a:schemeClr val="accent5"/>
-                </a:solidFill>
-                <a:prstDash val="solid"/>
-              </a:ln>
-              <a:pattFill prst="ltDnDiag">
-                <a:fgClr>
-                  <a:schemeClr val="accent5">
-                    <a:lumMod val="60000"/>
-                    <a:lumOff val="40000"/>
-                  </a:schemeClr>
-                </a:fgClr>
-                <a:bgClr>
-                  <a:schemeClr val="bg1"/>
-                </a:bgClr>
-              </a:pattFill>
-              <a:effectLst/>
-            </a:endParaRPr>
+            <a:pPr algn="l"/>
+            <a:r>
+              <a:rPr lang="en-GB" dirty="0"/>
+              <a:t>Machine learning</a:t>
+            </a:r>
+          </a:p>
+          <a:p>
+            <a:pPr lvl="1">
+              <a:buFont typeface="Courier New" panose="02070309020205020404" pitchFamily="49" charset="0"/>
+              <a:buChar char="o"/>
+            </a:pPr>
+            <a:r>
+              <a:rPr lang="en-GB" dirty="0"/>
+              <a:t>Pros:</a:t>
+            </a:r>
+          </a:p>
+          <a:p>
+            <a:pPr lvl="2"/>
+            <a:r>
+              <a:rPr lang="en-GB" dirty="0"/>
+              <a:t>Higher accuracy</a:t>
+            </a:r>
+          </a:p>
+          <a:p>
+            <a:pPr lvl="1">
+              <a:buFont typeface="Courier New" panose="02070309020205020404" pitchFamily="49" charset="0"/>
+              <a:buChar char="o"/>
+            </a:pPr>
+            <a:r>
+              <a:rPr lang="en-GB" dirty="0"/>
+              <a:t>Cons:</a:t>
+            </a:r>
+          </a:p>
+          <a:p>
+            <a:pPr lvl="2"/>
+            <a:r>
+              <a:rPr lang="en-GB" dirty="0"/>
+              <a:t>More computation</a:t>
+            </a:r>
+          </a:p>
+          <a:p>
+            <a:pPr algn="l"/>
+            <a:endParaRPr lang="en-GB" dirty="0"/>
           </a:p>
         </p:txBody>
       </p:sp>
     </p:spTree>
     <p:extLst>
       <p:ext uri="{BB962C8B-B14F-4D97-AF65-F5344CB8AC3E}">
-        <p14:creationId xmlns:p14="http://schemas.microsoft.com/office/powerpoint/2010/main" val="2855702051"/>
+        <p14:creationId xmlns:p14="http://schemas.microsoft.com/office/powerpoint/2010/main" val="1483895712"/>
       </p:ext>
     </p:extLst>
   </p:cSld>
@@ -17121,6 +21394,1269 @@
     <p:extLst>
       <p:ext uri="{BB962C8B-B14F-4D97-AF65-F5344CB8AC3E}">
         <p14:creationId xmlns:p14="http://schemas.microsoft.com/office/powerpoint/2010/main" val="648684954"/>
+      </p:ext>
+    </p:extLst>
+  </p:cSld>
+  <p:clrMapOvr>
+    <a:masterClrMapping/>
+  </p:clrMapOvr>
+</p:sld>
+</file>
+
+<file path=ppt/slides/slide60.xml><?xml version="1.0" encoding="utf-8"?>
+<p:sld xmlns:a="http://schemas.openxmlformats.org/drawingml/2006/main" xmlns:r="http://schemas.openxmlformats.org/officeDocument/2006/relationships" xmlns:p="http://schemas.openxmlformats.org/presentationml/2006/main">
+  <p:cSld>
+    <p:spTree>
+      <p:nvGrpSpPr>
+        <p:cNvPr id="1" name=""/>
+        <p:cNvGrpSpPr/>
+        <p:nvPr/>
+      </p:nvGrpSpPr>
+      <p:grpSpPr>
+        <a:xfrm>
+          <a:off x="0" y="0"/>
+          <a:ext cx="0" cy="0"/>
+          <a:chOff x="0" y="0"/>
+          <a:chExt cx="0" cy="0"/>
+        </a:xfrm>
+      </p:grpSpPr>
+      <p:sp>
+        <p:nvSpPr>
+          <p:cNvPr id="2" name="Title 1">
+            <a:extLst>
+              <a:ext uri="{FF2B5EF4-FFF2-40B4-BE49-F238E27FC236}">
+                <a16:creationId xmlns:a16="http://schemas.microsoft.com/office/drawing/2014/main" id="{09614724-C01B-49F7-8385-6DBC46AABFFA}"/>
+              </a:ext>
+            </a:extLst>
+          </p:cNvPr>
+          <p:cNvSpPr>
+            <a:spLocks noGrp="1"/>
+          </p:cNvSpPr>
+          <p:nvPr>
+            <p:ph type="title"/>
+          </p:nvPr>
+        </p:nvSpPr>
+        <p:spPr/>
+        <p:txBody>
+          <a:bodyPr/>
+          <a:lstStyle/>
+          <a:p>
+            <a:r>
+              <a:rPr lang="en-GB" dirty="0">
+                <a:solidFill>
+                  <a:srgbClr val="000000"/>
+                </a:solidFill>
+                <a:latin typeface="Calibri" panose="020F0502020204030204" pitchFamily="34" charset="0"/>
+              </a:rPr>
+              <a:t>Job ahead (advanced methods)</a:t>
+            </a:r>
+            <a:endParaRPr lang="en-GB" dirty="0"/>
+          </a:p>
+        </p:txBody>
+      </p:sp>
+      <p:sp>
+        <p:nvSpPr>
+          <p:cNvPr id="3" name="Content Placeholder 2">
+            <a:extLst>
+              <a:ext uri="{FF2B5EF4-FFF2-40B4-BE49-F238E27FC236}">
+                <a16:creationId xmlns:a16="http://schemas.microsoft.com/office/drawing/2014/main" id="{E205715D-163C-4200-B228-AFC78AAD339F}"/>
+              </a:ext>
+            </a:extLst>
+          </p:cNvPr>
+          <p:cNvSpPr>
+            <a:spLocks noGrp="1"/>
+          </p:cNvSpPr>
+          <p:nvPr>
+            <p:ph idx="1"/>
+          </p:nvPr>
+        </p:nvSpPr>
+        <p:spPr>
+          <a:xfrm>
+            <a:off x="889286" y="1422214"/>
+            <a:ext cx="10515600" cy="5214256"/>
+          </a:xfrm>
+        </p:spPr>
+        <p:txBody>
+          <a:bodyPr>
+            <a:normAutofit fontScale="92500" lnSpcReduction="20000"/>
+          </a:bodyPr>
+          <a:lstStyle/>
+          <a:p>
+            <a:pPr algn="l"/>
+            <a:r>
+              <a:rPr lang="en-GB" dirty="0"/>
+              <a:t>Web application[10]</a:t>
+            </a:r>
+          </a:p>
+          <a:p>
+            <a:pPr lvl="1">
+              <a:buFont typeface="Courier New" panose="02070309020205020404" pitchFamily="49" charset="0"/>
+              <a:buChar char="o"/>
+            </a:pPr>
+            <a:r>
+              <a:rPr lang="en-GB" sz="2800" dirty="0"/>
+              <a:t>Rest API</a:t>
+            </a:r>
+          </a:p>
+          <a:p>
+            <a:pPr lvl="1">
+              <a:buFont typeface="Courier New" panose="02070309020205020404" pitchFamily="49" charset="0"/>
+              <a:buChar char="o"/>
+            </a:pPr>
+            <a:r>
+              <a:rPr lang="en-GB" sz="2800" dirty="0"/>
+              <a:t>API endpoint: Python flask web framework</a:t>
+            </a:r>
+          </a:p>
+          <a:p>
+            <a:pPr lvl="1">
+              <a:buFont typeface="Courier New" panose="02070309020205020404" pitchFamily="49" charset="0"/>
+              <a:buChar char="o"/>
+            </a:pPr>
+            <a:r>
+              <a:rPr lang="en-GB" sz="2800" dirty="0"/>
+              <a:t>Front end: Javascript, CSS</a:t>
+            </a:r>
+          </a:p>
+          <a:p>
+            <a:pPr lvl="1">
+              <a:buFont typeface="Courier New" panose="02070309020205020404" pitchFamily="49" charset="0"/>
+              <a:buChar char="o"/>
+            </a:pPr>
+            <a:endParaRPr lang="en-GB" dirty="0"/>
+          </a:p>
+          <a:p>
+            <a:pPr lvl="1">
+              <a:buFont typeface="Courier New" panose="02070309020205020404" pitchFamily="49" charset="0"/>
+              <a:buChar char="o"/>
+            </a:pPr>
+            <a:endParaRPr lang="en-GB" dirty="0"/>
+          </a:p>
+          <a:p>
+            <a:pPr lvl="1">
+              <a:buFont typeface="Courier New" panose="02070309020205020404" pitchFamily="49" charset="0"/>
+              <a:buChar char="o"/>
+            </a:pPr>
+            <a:endParaRPr lang="en-GB" dirty="0"/>
+          </a:p>
+          <a:p>
+            <a:pPr lvl="1">
+              <a:buFont typeface="Courier New" panose="02070309020205020404" pitchFamily="49" charset="0"/>
+              <a:buChar char="o"/>
+            </a:pPr>
+            <a:endParaRPr lang="en-GB" dirty="0"/>
+          </a:p>
+          <a:p>
+            <a:pPr lvl="1">
+              <a:buFont typeface="Courier New" panose="02070309020205020404" pitchFamily="49" charset="0"/>
+              <a:buChar char="o"/>
+            </a:pPr>
+            <a:endParaRPr lang="en-GB" dirty="0"/>
+          </a:p>
+          <a:p>
+            <a:pPr lvl="1">
+              <a:buFont typeface="Courier New" panose="02070309020205020404" pitchFamily="49" charset="0"/>
+              <a:buChar char="o"/>
+            </a:pPr>
+            <a:endParaRPr lang="en-GB" dirty="0"/>
+          </a:p>
+          <a:p>
+            <a:pPr lvl="1">
+              <a:buFont typeface="Courier New" panose="02070309020205020404" pitchFamily="49" charset="0"/>
+              <a:buChar char="o"/>
+            </a:pPr>
+            <a:endParaRPr lang="en-GB" dirty="0"/>
+          </a:p>
+          <a:p>
+            <a:pPr lvl="1">
+              <a:buFont typeface="Courier New" panose="02070309020205020404" pitchFamily="49" charset="0"/>
+              <a:buChar char="o"/>
+            </a:pPr>
+            <a:endParaRPr lang="en-GB" sz="1800" b="0" i="0" u="none" strike="noStrike" baseline="0" dirty="0">
+              <a:solidFill>
+                <a:srgbClr val="000000"/>
+              </a:solidFill>
+              <a:latin typeface="Calibri" panose="020F0502020204030204" pitchFamily="34" charset="0"/>
+            </a:endParaRPr>
+          </a:p>
+          <a:p>
+            <a:pPr lvl="1">
+              <a:buFont typeface="Courier New" panose="02070309020205020404" pitchFamily="49" charset="0"/>
+              <a:buChar char="o"/>
+            </a:pPr>
+            <a:endParaRPr lang="en-GB" sz="1800" b="0" i="0" u="none" strike="noStrike" baseline="0" dirty="0">
+              <a:solidFill>
+                <a:srgbClr val="000000"/>
+              </a:solidFill>
+              <a:latin typeface="Calibri" panose="020F0502020204030204" pitchFamily="34" charset="0"/>
+            </a:endParaRPr>
+          </a:p>
+          <a:p>
+            <a:pPr lvl="1">
+              <a:buFont typeface="Courier New" panose="02070309020205020404" pitchFamily="49" charset="0"/>
+              <a:buChar char="o"/>
+            </a:pPr>
+            <a:endParaRPr lang="en-GB" sz="1800" b="0" i="0" u="none" strike="noStrike" baseline="0" dirty="0">
+              <a:solidFill>
+                <a:srgbClr val="000000"/>
+              </a:solidFill>
+              <a:latin typeface="Calibri" panose="020F0502020204030204" pitchFamily="34" charset="0"/>
+            </a:endParaRPr>
+          </a:p>
+          <a:p>
+            <a:pPr lvl="1">
+              <a:buFont typeface="Courier New" panose="02070309020205020404" pitchFamily="49" charset="0"/>
+              <a:buChar char="o"/>
+            </a:pPr>
+            <a:endParaRPr lang="en-GB" sz="1800" dirty="0">
+              <a:solidFill>
+                <a:srgbClr val="000000"/>
+              </a:solidFill>
+              <a:latin typeface="Calibri" panose="020F0502020204030204" pitchFamily="34" charset="0"/>
+            </a:endParaRPr>
+          </a:p>
+          <a:p>
+            <a:pPr marL="457200" lvl="1" indent="0">
+              <a:buNone/>
+            </a:pPr>
+            <a:r>
+              <a:rPr lang="en-GB" sz="1800" dirty="0">
+                <a:solidFill>
+                  <a:srgbClr val="000000"/>
+                </a:solidFill>
+                <a:latin typeface="Calibri" panose="020F0502020204030204" pitchFamily="34" charset="0"/>
+              </a:rPr>
+              <a:t>                     	 </a:t>
+            </a:r>
+          </a:p>
+          <a:p>
+            <a:pPr marL="457200" lvl="1" indent="0">
+              <a:buNone/>
+            </a:pPr>
+            <a:r>
+              <a:rPr lang="en-GB" sz="1800" b="1" dirty="0">
+                <a:solidFill>
+                  <a:srgbClr val="000000"/>
+                </a:solidFill>
+                <a:latin typeface="Calibri" panose="020F0502020204030204" pitchFamily="34" charset="0"/>
+              </a:rPr>
+              <a:t>                 </a:t>
+            </a:r>
+            <a:r>
+              <a:rPr lang="en-GB" sz="1900" b="1" dirty="0">
+                <a:solidFill>
+                  <a:srgbClr val="000000"/>
+                </a:solidFill>
+                <a:latin typeface="Calibri" panose="020F0502020204030204" pitchFamily="34" charset="0"/>
+              </a:rPr>
+              <a:t>User interface(picture is from Anisa[10]</a:t>
+            </a:r>
+            <a:r>
+              <a:rPr lang="en-GB" sz="1800" dirty="0">
+                <a:solidFill>
+                  <a:srgbClr val="000000"/>
+                </a:solidFill>
+                <a:latin typeface="Calibri" panose="020F0502020204030204" pitchFamily="34" charset="0"/>
+              </a:rPr>
+              <a:t>)</a:t>
+            </a:r>
+            <a:endParaRPr lang="en-GB" sz="1800" b="0" i="0" u="none" strike="noStrike" baseline="0" dirty="0">
+              <a:solidFill>
+                <a:srgbClr val="000000"/>
+              </a:solidFill>
+              <a:latin typeface="Calibri" panose="020F0502020204030204" pitchFamily="34" charset="0"/>
+            </a:endParaRPr>
+          </a:p>
+          <a:p>
+            <a:pPr lvl="1">
+              <a:buFont typeface="Courier New" panose="02070309020205020404" pitchFamily="49" charset="0"/>
+              <a:buChar char="o"/>
+            </a:pPr>
+            <a:endParaRPr lang="en-GB" dirty="0"/>
+          </a:p>
+          <a:p>
+            <a:pPr lvl="1">
+              <a:buFont typeface="Courier New" panose="02070309020205020404" pitchFamily="49" charset="0"/>
+              <a:buChar char="o"/>
+            </a:pPr>
+            <a:endParaRPr lang="en-GB" dirty="0"/>
+          </a:p>
+          <a:p>
+            <a:pPr lvl="1">
+              <a:buFont typeface="Courier New" panose="02070309020205020404" pitchFamily="49" charset="0"/>
+              <a:buChar char="o"/>
+            </a:pPr>
+            <a:endParaRPr lang="en-GB" dirty="0"/>
+          </a:p>
+          <a:p>
+            <a:pPr algn="l"/>
+            <a:endParaRPr lang="en-GB" dirty="0"/>
+          </a:p>
+        </p:txBody>
+      </p:sp>
+      <p:pic>
+        <p:nvPicPr>
+          <p:cNvPr id="5" name="Picture 4">
+            <a:extLst>
+              <a:ext uri="{FF2B5EF4-FFF2-40B4-BE49-F238E27FC236}">
+                <a16:creationId xmlns:a16="http://schemas.microsoft.com/office/drawing/2014/main" id="{2D6A7BB9-089A-43AC-A7CB-89EB6D487DC2}"/>
+              </a:ext>
+            </a:extLst>
+          </p:cNvPr>
+          <p:cNvPicPr>
+            <a:picLocks noChangeAspect="1"/>
+          </p:cNvPicPr>
+          <p:nvPr/>
+        </p:nvPicPr>
+        <p:blipFill>
+          <a:blip r:embed="rId2"/>
+          <a:stretch>
+            <a:fillRect/>
+          </a:stretch>
+        </p:blipFill>
+        <p:spPr>
+          <a:xfrm>
+            <a:off x="1200372" y="2869300"/>
+            <a:ext cx="5942613" cy="3097604"/>
+          </a:xfrm>
+          <a:prstGeom prst="rect">
+            <a:avLst/>
+          </a:prstGeom>
+        </p:spPr>
+      </p:pic>
+    </p:spTree>
+    <p:extLst>
+      <p:ext uri="{BB962C8B-B14F-4D97-AF65-F5344CB8AC3E}">
+        <p14:creationId xmlns:p14="http://schemas.microsoft.com/office/powerpoint/2010/main" val="52580728"/>
+      </p:ext>
+    </p:extLst>
+  </p:cSld>
+  <p:clrMapOvr>
+    <a:masterClrMapping/>
+  </p:clrMapOvr>
+</p:sld>
+</file>
+
+<file path=ppt/slides/slide61.xml><?xml version="1.0" encoding="utf-8"?>
+<p:sld xmlns:a="http://schemas.openxmlformats.org/drawingml/2006/main" xmlns:r="http://schemas.openxmlformats.org/officeDocument/2006/relationships" xmlns:p="http://schemas.openxmlformats.org/presentationml/2006/main">
+  <p:cSld>
+    <p:spTree>
+      <p:nvGrpSpPr>
+        <p:cNvPr id="1" name=""/>
+        <p:cNvGrpSpPr/>
+        <p:nvPr/>
+      </p:nvGrpSpPr>
+      <p:grpSpPr>
+        <a:xfrm>
+          <a:off x="0" y="0"/>
+          <a:ext cx="0" cy="0"/>
+          <a:chOff x="0" y="0"/>
+          <a:chExt cx="0" cy="0"/>
+        </a:xfrm>
+      </p:grpSpPr>
+      <p:sp>
+        <p:nvSpPr>
+          <p:cNvPr id="2" name="Title 1">
+            <a:extLst>
+              <a:ext uri="{FF2B5EF4-FFF2-40B4-BE49-F238E27FC236}">
+                <a16:creationId xmlns:a16="http://schemas.microsoft.com/office/drawing/2014/main" id="{09614724-C01B-49F7-8385-6DBC46AABFFA}"/>
+              </a:ext>
+            </a:extLst>
+          </p:cNvPr>
+          <p:cNvSpPr>
+            <a:spLocks noGrp="1"/>
+          </p:cNvSpPr>
+          <p:nvPr>
+            <p:ph type="title"/>
+          </p:nvPr>
+        </p:nvSpPr>
+        <p:spPr/>
+        <p:txBody>
+          <a:bodyPr/>
+          <a:lstStyle/>
+          <a:p>
+            <a:r>
+              <a:rPr lang="en-GB" dirty="0">
+                <a:solidFill>
+                  <a:srgbClr val="000000"/>
+                </a:solidFill>
+                <a:latin typeface="Calibri" panose="020F0502020204030204" pitchFamily="34" charset="0"/>
+              </a:rPr>
+              <a:t>Reference</a:t>
+            </a:r>
+            <a:endParaRPr lang="en-GB" dirty="0"/>
+          </a:p>
+        </p:txBody>
+      </p:sp>
+      <p:sp>
+        <p:nvSpPr>
+          <p:cNvPr id="3" name="Content Placeholder 2">
+            <a:extLst>
+              <a:ext uri="{FF2B5EF4-FFF2-40B4-BE49-F238E27FC236}">
+                <a16:creationId xmlns:a16="http://schemas.microsoft.com/office/drawing/2014/main" id="{E205715D-163C-4200-B228-AFC78AAD339F}"/>
+              </a:ext>
+            </a:extLst>
+          </p:cNvPr>
+          <p:cNvSpPr>
+            <a:spLocks noGrp="1"/>
+          </p:cNvSpPr>
+          <p:nvPr>
+            <p:ph idx="1"/>
+          </p:nvPr>
+        </p:nvSpPr>
+        <p:spPr>
+          <a:xfrm>
+            <a:off x="889286" y="1422214"/>
+            <a:ext cx="10515600" cy="5214256"/>
+          </a:xfrm>
+        </p:spPr>
+        <p:txBody>
+          <a:bodyPr>
+            <a:normAutofit fontScale="92500" lnSpcReduction="10000"/>
+          </a:bodyPr>
+          <a:lstStyle/>
+          <a:p>
+            <a:pPr algn="l"/>
+            <a:r>
+              <a:rPr lang="en-GB" sz="1800" b="0" i="0" u="none" strike="noStrike" baseline="0" dirty="0">
+                <a:latin typeface="LinLibertineT"/>
+              </a:rPr>
+              <a:t>[1] </a:t>
+            </a:r>
+            <a:r>
+              <a:rPr lang="en-GB" sz="1800" b="0" i="0" u="none" strike="noStrike" baseline="0" dirty="0" err="1">
+                <a:latin typeface="LinLibertineT"/>
+              </a:rPr>
+              <a:t>Athichanagorn</a:t>
+            </a:r>
+            <a:r>
+              <a:rPr lang="en-GB" sz="1800" b="0" i="0" u="none" strike="noStrike" baseline="0" dirty="0">
+                <a:latin typeface="LinLibertineT"/>
+              </a:rPr>
+              <a:t>, S. (1999). Development of an interpretation methodology for long-term pressure data from permanent downhole gauges.</a:t>
+            </a:r>
+          </a:p>
+          <a:p>
+            <a:pPr algn="l"/>
+            <a:r>
+              <a:rPr lang="en-GB" sz="1800" b="0" i="0" u="none" strike="noStrike" baseline="0" dirty="0">
+                <a:latin typeface="LinLibertineT"/>
+              </a:rPr>
+              <a:t>[2] Olsen, S., </a:t>
+            </a:r>
+            <a:r>
+              <a:rPr lang="en-GB" sz="1800" b="0" i="0" u="none" strike="noStrike" baseline="0" dirty="0" err="1">
+                <a:latin typeface="LinLibertineT"/>
+              </a:rPr>
+              <a:t>Nordtvedt</a:t>
+            </a:r>
+            <a:r>
+              <a:rPr lang="en-GB" sz="1800" b="0" i="0" u="none" strike="noStrike" baseline="0" dirty="0">
+                <a:latin typeface="LinLibertineT"/>
+              </a:rPr>
+              <a:t>, J.E. (2005). Automatic Filtering and Monitoring of Real-Time Reservoir and Production Data.</a:t>
+            </a:r>
+          </a:p>
+          <a:p>
+            <a:pPr algn="l"/>
+            <a:r>
+              <a:rPr lang="en-GB" sz="1800" b="0" i="0" u="none" strike="noStrike" baseline="0" dirty="0">
+                <a:latin typeface="LinLibertineT"/>
+              </a:rPr>
+              <a:t>[3] H. Rai. (2005). </a:t>
+            </a:r>
+            <a:r>
+              <a:rPr lang="en-GB" sz="1800" b="0" i="0" u="none" strike="noStrike" baseline="0" dirty="0" err="1">
+                <a:latin typeface="LinLibertineT"/>
+              </a:rPr>
+              <a:t>Analyzing</a:t>
+            </a:r>
+            <a:r>
+              <a:rPr lang="en-GB" sz="1800" b="0" i="0" u="none" strike="noStrike" baseline="0" dirty="0">
+                <a:latin typeface="LinLibertineT"/>
+              </a:rPr>
+              <a:t> rate data from permanent downhole gauges. MS report, Stanford University.</a:t>
+            </a:r>
+          </a:p>
+          <a:p>
+            <a:pPr algn="l"/>
+            <a:r>
+              <a:rPr lang="en-GB" sz="1800" b="0" i="0" u="none" strike="noStrike" baseline="0" dirty="0">
+                <a:latin typeface="LinLibertineT"/>
+              </a:rPr>
+              <a:t>[4] </a:t>
+            </a:r>
+            <a:r>
+              <a:rPr lang="en-GB" sz="1800" b="0" i="0" u="none" strike="noStrike" baseline="0" dirty="0" err="1">
+                <a:latin typeface="LinLibertineT"/>
+              </a:rPr>
+              <a:t>Khong</a:t>
+            </a:r>
+            <a:r>
+              <a:rPr lang="en-GB" sz="1800" b="0" i="0" u="none" strike="noStrike" baseline="0" dirty="0">
+                <a:latin typeface="LinLibertineT"/>
+              </a:rPr>
+              <a:t>, C.K. (2001). Permanent Downhole Gauge Data Interpretation, MS report, Stanford University.</a:t>
+            </a:r>
+          </a:p>
+          <a:p>
+            <a:pPr algn="l"/>
+            <a:r>
+              <a:rPr lang="en-GB" sz="1800" b="0" i="0" u="none" strike="noStrike" baseline="0" dirty="0">
+                <a:latin typeface="LinLibertineT"/>
+              </a:rPr>
+              <a:t>[5] Nomura, M. (2006). Processing and interpretation of pressure transient data from permanent downhole gauges.</a:t>
+            </a:r>
+          </a:p>
+          <a:p>
+            <a:pPr algn="l"/>
+            <a:r>
+              <a:rPr lang="en-GB" sz="1800" b="0" i="0" u="none" strike="noStrike" baseline="0" dirty="0">
+                <a:latin typeface="LinLibertineT"/>
+              </a:rPr>
+              <a:t>[6] Suzuki, Satomi &amp; Chorneyko, David. (2009). Automatic Detection of Pressure-</a:t>
+            </a:r>
+            <a:r>
+              <a:rPr lang="en-GB" sz="1800" b="0" i="0" u="none" strike="noStrike" baseline="0" dirty="0" err="1">
+                <a:latin typeface="LinLibertineT"/>
+              </a:rPr>
+              <a:t>Buildup</a:t>
+            </a:r>
+            <a:r>
+              <a:rPr lang="en-GB" sz="1800" b="0" i="0" u="none" strike="noStrike" baseline="0" dirty="0">
+                <a:latin typeface="LinLibertineT"/>
+              </a:rPr>
+              <a:t> Intervals From Permanent Downhole Pressure Data Using Filter Convolution. 10.2118/125240-MS.</a:t>
+            </a:r>
+          </a:p>
+          <a:p>
+            <a:pPr algn="l"/>
+            <a:r>
+              <a:rPr lang="en-GB" sz="1800" b="0" i="0" u="none" strike="noStrike" baseline="0" dirty="0">
+                <a:latin typeface="LinLibertineT"/>
+              </a:rPr>
+              <a:t>[7] Pavel </a:t>
+            </a:r>
+            <a:r>
+              <a:rPr lang="en-GB" sz="1800" b="0" i="0" u="none" strike="noStrike" baseline="0" dirty="0" err="1">
+                <a:latin typeface="LinLibertineT"/>
+              </a:rPr>
+              <a:t>Holoborodko</a:t>
+            </a:r>
+            <a:r>
+              <a:rPr lang="en-GB" sz="1800" b="0" i="0" u="none" strike="noStrike" baseline="0" dirty="0">
+                <a:latin typeface="LinLibertineT"/>
+              </a:rPr>
+              <a:t>. (2009). Smooth noise-robust differentiators. http://www.holoborodko.com/pavel/numerical-methods/numericalderivative/smooth-low-noise-differentiators/deriv.</a:t>
+            </a:r>
+          </a:p>
+          <a:p>
+            <a:pPr algn="l"/>
+            <a:r>
+              <a:rPr lang="en-GB" sz="1800" b="0" i="0" u="none" strike="noStrike" baseline="0" dirty="0">
+                <a:latin typeface="LinLibertineT"/>
+              </a:rPr>
+              <a:t>[8] Andrey </a:t>
+            </a:r>
+            <a:r>
+              <a:rPr lang="en-GB" sz="1800" b="0" i="0" u="none" strike="noStrike" baseline="0" dirty="0" err="1">
+                <a:latin typeface="LinLibertineT"/>
+              </a:rPr>
+              <a:t>Paramonov</a:t>
+            </a:r>
+            <a:r>
+              <a:rPr lang="en-GB" sz="1800" b="0" i="0" u="none" strike="noStrike" baseline="0" dirty="0">
+                <a:latin typeface="LinLibertineT"/>
+              </a:rPr>
+              <a:t>. (2015). Noise-robust smoothing filter. http://www.holoborodko.com/pavel/numerical-methods/noise-robustsmoothing-filter/.</a:t>
+            </a:r>
+          </a:p>
+          <a:p>
+            <a:pPr algn="l"/>
+            <a:r>
+              <a:rPr lang="en-GB" sz="1800" b="0" i="0" u="none" strike="noStrike" baseline="0" dirty="0">
+                <a:latin typeface="LinLibertineT"/>
+              </a:rPr>
+              <a:t>[9] Liu </a:t>
+            </a:r>
+            <a:r>
+              <a:rPr lang="en-GB" sz="1800" b="0" i="0" u="none" strike="noStrike" baseline="0" dirty="0" err="1">
+                <a:latin typeface="LinLibertineT"/>
+              </a:rPr>
+              <a:t>Junrong</a:t>
+            </a:r>
+            <a:r>
+              <a:rPr lang="en-GB" sz="1800" b="0" i="0" u="none" strike="noStrike" baseline="0" dirty="0">
+                <a:latin typeface="LinLibertineT"/>
+              </a:rPr>
+              <a:t>, Yao Jun, Yu </a:t>
+            </a:r>
+            <a:r>
+              <a:rPr lang="en-GB" sz="1800" b="0" i="0" u="none" strike="noStrike" baseline="0" dirty="0" err="1">
+                <a:latin typeface="LinLibertineT"/>
+              </a:rPr>
+              <a:t>Weiqiang</a:t>
+            </a:r>
+            <a:r>
+              <a:rPr lang="en-GB" sz="1800" b="0" i="0" u="none" strike="noStrike" baseline="0" dirty="0">
+                <a:latin typeface="LinLibertineT"/>
+              </a:rPr>
+              <a:t>. (2016). Study of Identification Method of Transient Flow from Permanent Downhole Pressure Data. Journal of Southwest Petroleum University(Science Technology Edition)</a:t>
+            </a:r>
+          </a:p>
+          <a:p>
+            <a:pPr algn="l"/>
+            <a:r>
+              <a:rPr lang="en-GB" sz="1800" dirty="0">
+                <a:latin typeface="LinLibertineT"/>
+              </a:rPr>
+              <a:t>[10] Anisa </a:t>
+            </a:r>
+            <a:r>
+              <a:rPr lang="en-GB" sz="1800" dirty="0" err="1">
+                <a:latin typeface="LinLibertineT"/>
+              </a:rPr>
+              <a:t>Zhurda</a:t>
+            </a:r>
+            <a:r>
+              <a:rPr lang="en-GB" sz="1800" dirty="0">
+                <a:latin typeface="LinLibertineT"/>
+              </a:rPr>
+              <a:t>, "Automated Well Monitoring: Machine Learning and Web Application," University of Stavanger, 2020. </a:t>
+            </a:r>
+          </a:p>
+        </p:txBody>
+      </p:sp>
+    </p:spTree>
+    <p:extLst>
+      <p:ext uri="{BB962C8B-B14F-4D97-AF65-F5344CB8AC3E}">
+        <p14:creationId xmlns:p14="http://schemas.microsoft.com/office/powerpoint/2010/main" val="3039275320"/>
+      </p:ext>
+    </p:extLst>
+  </p:cSld>
+  <p:clrMapOvr>
+    <a:masterClrMapping/>
+  </p:clrMapOvr>
+</p:sld>
+</file>
+
+<file path=ppt/slides/slide62.xml><?xml version="1.0" encoding="utf-8"?>
+<p:sld xmlns:a="http://schemas.openxmlformats.org/drawingml/2006/main" xmlns:r="http://schemas.openxmlformats.org/officeDocument/2006/relationships" xmlns:p="http://schemas.openxmlformats.org/presentationml/2006/main">
+  <p:cSld>
+    <p:spTree>
+      <p:nvGrpSpPr>
+        <p:cNvPr id="1" name=""/>
+        <p:cNvGrpSpPr/>
+        <p:nvPr/>
+      </p:nvGrpSpPr>
+      <p:grpSpPr>
+        <a:xfrm>
+          <a:off x="0" y="0"/>
+          <a:ext cx="0" cy="0"/>
+          <a:chOff x="0" y="0"/>
+          <a:chExt cx="0" cy="0"/>
+        </a:xfrm>
+      </p:grpSpPr>
+      <p:sp>
+        <p:nvSpPr>
+          <p:cNvPr id="2" name="Rectangle 1">
+            <a:extLst>
+              <a:ext uri="{FF2B5EF4-FFF2-40B4-BE49-F238E27FC236}">
+                <a16:creationId xmlns:a16="http://schemas.microsoft.com/office/drawing/2014/main" id="{C27D377C-B4BB-491F-9160-FEE13DFA3E7B}"/>
+              </a:ext>
+            </a:extLst>
+          </p:cNvPr>
+          <p:cNvSpPr/>
+          <p:nvPr/>
+        </p:nvSpPr>
+        <p:spPr>
+          <a:xfrm>
+            <a:off x="3704101" y="2967335"/>
+            <a:ext cx="4783810" cy="1754326"/>
+          </a:xfrm>
+          <a:prstGeom prst="rect">
+            <a:avLst/>
+          </a:prstGeom>
+          <a:noFill/>
+        </p:spPr>
+        <p:txBody>
+          <a:bodyPr wrap="none" lIns="91440" tIns="45720" rIns="91440" bIns="45720">
+            <a:spAutoFit/>
+          </a:bodyPr>
+          <a:lstStyle/>
+          <a:p>
+            <a:pPr algn="ctr"/>
+            <a:r>
+              <a:rPr lang="en-US" sz="5400" b="1" cap="none" spc="0" dirty="0">
+                <a:ln w="12700">
+                  <a:solidFill>
+                    <a:schemeClr val="accent5"/>
+                  </a:solidFill>
+                  <a:prstDash val="solid"/>
+                </a:ln>
+                <a:pattFill prst="ltDnDiag">
+                  <a:fgClr>
+                    <a:schemeClr val="accent5">
+                      <a:lumMod val="60000"/>
+                      <a:lumOff val="40000"/>
+                    </a:schemeClr>
+                  </a:fgClr>
+                  <a:bgClr>
+                    <a:schemeClr val="bg1"/>
+                  </a:bgClr>
+                </a:pattFill>
+                <a:effectLst/>
+              </a:rPr>
+              <a:t>Thanks </a:t>
+            </a:r>
+            <a:r>
+              <a:rPr lang="en-US" sz="5400" b="1" cap="none" spc="0" dirty="0">
+                <a:ln w="12700">
+                  <a:solidFill>
+                    <a:schemeClr val="accent5"/>
+                  </a:solidFill>
+                  <a:prstDash val="solid"/>
+                </a:ln>
+                <a:pattFill prst="ltDnDiag">
+                  <a:fgClr>
+                    <a:schemeClr val="accent5">
+                      <a:lumMod val="60000"/>
+                      <a:lumOff val="40000"/>
+                    </a:schemeClr>
+                  </a:fgClr>
+                  <a:bgClr>
+                    <a:schemeClr val="bg1"/>
+                  </a:bgClr>
+                </a:pattFill>
+                <a:effectLst/>
+                <a:sym typeface="Wingdings" panose="05000000000000000000" pitchFamily="2" charset="2"/>
+              </a:rPr>
+              <a:t></a:t>
+            </a:r>
+          </a:p>
+          <a:p>
+            <a:pPr algn="ctr"/>
+            <a:r>
+              <a:rPr lang="en-US" sz="5400" b="1" dirty="0">
+                <a:ln w="12700">
+                  <a:solidFill>
+                    <a:schemeClr val="accent5"/>
+                  </a:solidFill>
+                  <a:prstDash val="solid"/>
+                </a:ln>
+                <a:pattFill prst="ltDnDiag">
+                  <a:fgClr>
+                    <a:schemeClr val="accent5">
+                      <a:lumMod val="60000"/>
+                      <a:lumOff val="40000"/>
+                    </a:schemeClr>
+                  </a:fgClr>
+                  <a:bgClr>
+                    <a:schemeClr val="bg1"/>
+                  </a:bgClr>
+                </a:pattFill>
+                <a:sym typeface="Wingdings" panose="05000000000000000000" pitchFamily="2" charset="2"/>
+              </a:rPr>
+              <a:t>Any comments?</a:t>
+            </a:r>
+            <a:endParaRPr lang="en-US" sz="5400" b="1" cap="none" spc="0" dirty="0">
+              <a:ln w="12700">
+                <a:solidFill>
+                  <a:schemeClr val="accent5"/>
+                </a:solidFill>
+                <a:prstDash val="solid"/>
+              </a:ln>
+              <a:pattFill prst="ltDnDiag">
+                <a:fgClr>
+                  <a:schemeClr val="accent5">
+                    <a:lumMod val="60000"/>
+                    <a:lumOff val="40000"/>
+                  </a:schemeClr>
+                </a:fgClr>
+                <a:bgClr>
+                  <a:schemeClr val="bg1"/>
+                </a:bgClr>
+              </a:pattFill>
+              <a:effectLst/>
+            </a:endParaRPr>
+          </a:p>
+        </p:txBody>
+      </p:sp>
+    </p:spTree>
+    <p:extLst>
+      <p:ext uri="{BB962C8B-B14F-4D97-AF65-F5344CB8AC3E}">
+        <p14:creationId xmlns:p14="http://schemas.microsoft.com/office/powerpoint/2010/main" val="2855702051"/>
+      </p:ext>
+    </p:extLst>
+  </p:cSld>
+  <p:clrMapOvr>
+    <a:masterClrMapping/>
+  </p:clrMapOvr>
+</p:sld>
+</file>
+
+<file path=ppt/slides/slide63.xml><?xml version="1.0" encoding="utf-8"?>
+<p:sld xmlns:a="http://schemas.openxmlformats.org/drawingml/2006/main" xmlns:r="http://schemas.openxmlformats.org/officeDocument/2006/relationships" xmlns:p="http://schemas.openxmlformats.org/presentationml/2006/main">
+  <p:cSld>
+    <p:spTree>
+      <p:nvGrpSpPr>
+        <p:cNvPr id="1" name=""/>
+        <p:cNvGrpSpPr/>
+        <p:nvPr/>
+      </p:nvGrpSpPr>
+      <p:grpSpPr>
+        <a:xfrm>
+          <a:off x="0" y="0"/>
+          <a:ext cx="0" cy="0"/>
+          <a:chOff x="0" y="0"/>
+          <a:chExt cx="0" cy="0"/>
+        </a:xfrm>
+      </p:grpSpPr>
+      <p:sp>
+        <p:nvSpPr>
+          <p:cNvPr id="2" name="Title 1">
+            <a:extLst>
+              <a:ext uri="{FF2B5EF4-FFF2-40B4-BE49-F238E27FC236}">
+                <a16:creationId xmlns:a16="http://schemas.microsoft.com/office/drawing/2014/main" id="{323BC450-68EE-4309-AFC5-B65AC0588281}"/>
+              </a:ext>
+            </a:extLst>
+          </p:cNvPr>
+          <p:cNvSpPr>
+            <a:spLocks noGrp="1"/>
+          </p:cNvSpPr>
+          <p:nvPr>
+            <p:ph type="title"/>
+          </p:nvPr>
+        </p:nvSpPr>
+        <p:spPr/>
+        <p:txBody>
+          <a:bodyPr/>
+          <a:lstStyle/>
+          <a:p>
+            <a:r>
+              <a:rPr lang="en-GB" dirty="0"/>
+              <a:t>Baseline methods:</a:t>
+            </a:r>
+          </a:p>
+        </p:txBody>
+      </p:sp>
+      <p:sp>
+        <p:nvSpPr>
+          <p:cNvPr id="3" name="Content Placeholder 2">
+            <a:extLst>
+              <a:ext uri="{FF2B5EF4-FFF2-40B4-BE49-F238E27FC236}">
+                <a16:creationId xmlns:a16="http://schemas.microsoft.com/office/drawing/2014/main" id="{50658BD8-D889-4EB8-A806-BD5FB10A772D}"/>
+              </a:ext>
+            </a:extLst>
+          </p:cNvPr>
+          <p:cNvSpPr>
+            <a:spLocks noGrp="1"/>
+          </p:cNvSpPr>
+          <p:nvPr>
+            <p:ph idx="1"/>
+          </p:nvPr>
+        </p:nvSpPr>
+        <p:spPr/>
+        <p:txBody>
+          <a:bodyPr/>
+          <a:lstStyle/>
+          <a:p>
+            <a:r>
+              <a:rPr lang="en-GB" dirty="0"/>
+              <a:t>Basic idea:</a:t>
+            </a:r>
+          </a:p>
+          <a:p>
+            <a:pPr marL="0" marR="0" lvl="0" indent="0" algn="l" defTabSz="914400" rtl="0" eaLnBrk="1" fontAlgn="auto" latinLnBrk="0" hangingPunct="1">
+              <a:lnSpc>
+                <a:spcPct val="90000"/>
+              </a:lnSpc>
+              <a:spcBef>
+                <a:spcPts val="1000"/>
+              </a:spcBef>
+              <a:spcAft>
+                <a:spcPts val="0"/>
+              </a:spcAft>
+              <a:buClrTx/>
+              <a:buSzTx/>
+              <a:buFont typeface="Arial" panose="020B0604020202020204" pitchFamily="34" charset="0"/>
+              <a:buNone/>
+              <a:tabLst/>
+              <a:defRPr/>
+            </a:pPr>
+            <a:r>
+              <a:rPr kumimoji="0" lang="en-GB" sz="1600" b="0" i="1" u="none" strike="noStrike" kern="1200" cap="none" spc="0" normalizeH="0" baseline="0" noProof="0" dirty="0">
+                <a:ln>
+                  <a:noFill/>
+                </a:ln>
+                <a:solidFill>
+                  <a:srgbClr val="5B9BD5">
+                    <a:lumMod val="75000"/>
+                  </a:srgbClr>
+                </a:solidFill>
+                <a:effectLst/>
+                <a:uLnTx/>
+                <a:uFillTx/>
+                <a:latin typeface="Calibri" panose="020F0502020204030204"/>
+                <a:ea typeface="+mn-ea"/>
+                <a:cs typeface="+mn-cs"/>
+              </a:rPr>
+              <a:t>(inspired by filter convolution method proposed by </a:t>
+            </a:r>
+            <a:r>
+              <a:rPr lang="en-GB" sz="1600" i="1" dirty="0">
+                <a:solidFill>
+                  <a:srgbClr val="5B9BD5">
+                    <a:lumMod val="75000"/>
+                  </a:srgbClr>
+                </a:solidFill>
+                <a:latin typeface="Calibri" panose="020F0502020204030204"/>
+              </a:rPr>
+              <a:t>Suzuki &amp; Chorneyko </a:t>
+            </a:r>
+            <a:r>
+              <a:rPr kumimoji="0" lang="en-GB" sz="1600" b="0" i="1" u="none" strike="noStrike" kern="1200" cap="none" spc="0" normalizeH="0" baseline="0" noProof="0" dirty="0">
+                <a:ln>
+                  <a:noFill/>
+                </a:ln>
+                <a:solidFill>
+                  <a:srgbClr val="5B9BD5">
+                    <a:lumMod val="75000"/>
+                  </a:srgbClr>
+                </a:solidFill>
+                <a:effectLst/>
+                <a:uLnTx/>
+                <a:uFillTx/>
+                <a:latin typeface="Calibri" panose="020F0502020204030204"/>
+                <a:ea typeface="+mn-ea"/>
+                <a:cs typeface="+mn-cs"/>
+              </a:rPr>
+              <a:t>)</a:t>
+            </a:r>
+          </a:p>
+          <a:p>
+            <a:endParaRPr lang="en-GB" dirty="0"/>
+          </a:p>
+          <a:p>
+            <a:pPr marL="0" indent="0">
+              <a:buNone/>
+            </a:pPr>
+            <a:endParaRPr lang="en-GB" dirty="0"/>
+          </a:p>
+        </p:txBody>
+      </p:sp>
+      <p:pic>
+        <p:nvPicPr>
+          <p:cNvPr id="5" name="Picture 4">
+            <a:extLst>
+              <a:ext uri="{FF2B5EF4-FFF2-40B4-BE49-F238E27FC236}">
+                <a16:creationId xmlns:a16="http://schemas.microsoft.com/office/drawing/2014/main" id="{F9E086B9-46AB-478E-B7C8-D7F4C3665BBC}"/>
+              </a:ext>
+            </a:extLst>
+          </p:cNvPr>
+          <p:cNvPicPr>
+            <a:picLocks noChangeAspect="1"/>
+          </p:cNvPicPr>
+          <p:nvPr/>
+        </p:nvPicPr>
+        <p:blipFill>
+          <a:blip r:embed="rId2"/>
+          <a:stretch>
+            <a:fillRect/>
+          </a:stretch>
+        </p:blipFill>
+        <p:spPr>
+          <a:xfrm>
+            <a:off x="1034156" y="4515566"/>
+            <a:ext cx="5010150" cy="1457325"/>
+          </a:xfrm>
+          <a:prstGeom prst="rect">
+            <a:avLst/>
+          </a:prstGeom>
+        </p:spPr>
+      </p:pic>
+      <p:pic>
+        <p:nvPicPr>
+          <p:cNvPr id="7" name="Picture 6">
+            <a:extLst>
+              <a:ext uri="{FF2B5EF4-FFF2-40B4-BE49-F238E27FC236}">
+                <a16:creationId xmlns:a16="http://schemas.microsoft.com/office/drawing/2014/main" id="{6B8409F6-DF01-441C-B35F-50F78078F232}"/>
+              </a:ext>
+            </a:extLst>
+          </p:cNvPr>
+          <p:cNvPicPr>
+            <a:picLocks noChangeAspect="1"/>
+          </p:cNvPicPr>
+          <p:nvPr/>
+        </p:nvPicPr>
+        <p:blipFill>
+          <a:blip r:embed="rId3"/>
+          <a:stretch>
+            <a:fillRect/>
+          </a:stretch>
+        </p:blipFill>
+        <p:spPr>
+          <a:xfrm>
+            <a:off x="1110356" y="2604854"/>
+            <a:ext cx="4857750" cy="1524000"/>
+          </a:xfrm>
+          <a:prstGeom prst="rect">
+            <a:avLst/>
+          </a:prstGeom>
+        </p:spPr>
+      </p:pic>
+      <p:sp>
+        <p:nvSpPr>
+          <p:cNvPr id="8" name="TextBox 7">
+            <a:extLst>
+              <a:ext uri="{FF2B5EF4-FFF2-40B4-BE49-F238E27FC236}">
+                <a16:creationId xmlns:a16="http://schemas.microsoft.com/office/drawing/2014/main" id="{843A896E-A022-40A8-80A2-4F93674EAF81}"/>
+              </a:ext>
+            </a:extLst>
+          </p:cNvPr>
+          <p:cNvSpPr txBox="1"/>
+          <p:nvPr/>
+        </p:nvSpPr>
+        <p:spPr>
+          <a:xfrm>
+            <a:off x="6962405" y="1506118"/>
+            <a:ext cx="4119239" cy="2893100"/>
+          </a:xfrm>
+          <a:prstGeom prst="rect">
+            <a:avLst/>
+          </a:prstGeom>
+          <a:noFill/>
+        </p:spPr>
+        <p:txBody>
+          <a:bodyPr wrap="square" rtlCol="0">
+            <a:spAutoFit/>
+          </a:bodyPr>
+          <a:lstStyle/>
+          <a:p>
+            <a:r>
+              <a:rPr lang="en-GB" dirty="0"/>
+              <a:t>Criteria for deciding breakpoints:</a:t>
+            </a:r>
+          </a:p>
+          <a:p>
+            <a:r>
+              <a:rPr lang="en-GB" dirty="0"/>
+              <a:t>If there exists two adjacent points:</a:t>
+            </a:r>
+          </a:p>
+          <a:p>
+            <a:pPr marL="342900" indent="-342900">
+              <a:buAutoNum type="arabicParenBoth"/>
+            </a:pPr>
+            <a:r>
+              <a:rPr lang="en-GB" dirty="0"/>
+              <a:t>the sign of first order derivative are different </a:t>
+            </a:r>
+          </a:p>
+          <a:p>
+            <a:pPr marL="342900" indent="-342900">
+              <a:buAutoNum type="arabicParenBoth"/>
+            </a:pPr>
+            <a:r>
+              <a:rPr lang="en-GB" dirty="0"/>
+              <a:t>The difference of first order derivative is larger than a certain threshold</a:t>
+            </a:r>
+          </a:p>
+          <a:p>
+            <a:r>
+              <a:rPr lang="en-GB" dirty="0"/>
+              <a:t>Then, the latter point is a breakpoint.</a:t>
+            </a:r>
+          </a:p>
+          <a:p>
+            <a:r>
+              <a:rPr lang="en-GB" sz="1400" dirty="0">
+                <a:solidFill>
+                  <a:schemeClr val="accent1">
+                    <a:lumMod val="75000"/>
+                  </a:schemeClr>
+                </a:solidFill>
+              </a:rPr>
+              <a:t>Note: </a:t>
+            </a:r>
+          </a:p>
+          <a:p>
+            <a:pPr marL="285750" indent="-285750">
+              <a:buFont typeface="Arial" panose="020B0604020202020204" pitchFamily="34" charset="0"/>
+              <a:buChar char="•"/>
+            </a:pPr>
+            <a:r>
+              <a:rPr lang="en-GB" sz="1400" dirty="0">
+                <a:solidFill>
+                  <a:schemeClr val="accent1">
+                    <a:lumMod val="75000"/>
+                  </a:schemeClr>
+                </a:solidFill>
+              </a:rPr>
+              <a:t>Empirical threshold value: 2.5 std</a:t>
+            </a:r>
+          </a:p>
+          <a:p>
+            <a:pPr marL="285750" indent="-285750">
+              <a:buFont typeface="Arial" panose="020B0604020202020204" pitchFamily="34" charset="0"/>
+              <a:buChar char="•"/>
+            </a:pPr>
+            <a:r>
+              <a:rPr lang="en-GB" sz="1400" dirty="0">
+                <a:solidFill>
+                  <a:schemeClr val="accent1">
+                    <a:lumMod val="75000"/>
+                  </a:schemeClr>
+                </a:solidFill>
+              </a:rPr>
+              <a:t>Works well with synthetic data, but not for real data because of</a:t>
+            </a:r>
+            <a:r>
+              <a:rPr lang="en-GB" sz="1400" b="1" dirty="0">
+                <a:solidFill>
+                  <a:schemeClr val="accent1">
+                    <a:lumMod val="75000"/>
+                  </a:schemeClr>
+                </a:solidFill>
+              </a:rPr>
+              <a:t> </a:t>
+            </a:r>
+            <a:r>
+              <a:rPr lang="en-GB" sz="1400" b="1" dirty="0">
+                <a:solidFill>
+                  <a:srgbClr val="FF0000"/>
+                </a:solidFill>
+              </a:rPr>
+              <a:t>NOISE!</a:t>
+            </a:r>
+            <a:endParaRPr lang="en-GB" sz="1400" dirty="0">
+              <a:solidFill>
+                <a:srgbClr val="FF0000"/>
+              </a:solidFill>
+            </a:endParaRPr>
+          </a:p>
+        </p:txBody>
+      </p:sp>
+      <p:sp>
+        <p:nvSpPr>
+          <p:cNvPr id="9" name="TextBox 8">
+            <a:extLst>
+              <a:ext uri="{FF2B5EF4-FFF2-40B4-BE49-F238E27FC236}">
+                <a16:creationId xmlns:a16="http://schemas.microsoft.com/office/drawing/2014/main" id="{E018030D-4972-4B3E-8BCB-112E6FBDE8BA}"/>
+              </a:ext>
+            </a:extLst>
+          </p:cNvPr>
+          <p:cNvSpPr txBox="1"/>
+          <p:nvPr/>
+        </p:nvSpPr>
+        <p:spPr>
+          <a:xfrm>
+            <a:off x="7101858" y="4860966"/>
+            <a:ext cx="4119239" cy="1200329"/>
+          </a:xfrm>
+          <a:prstGeom prst="rect">
+            <a:avLst/>
+          </a:prstGeom>
+          <a:noFill/>
+        </p:spPr>
+        <p:txBody>
+          <a:bodyPr wrap="square" rtlCol="0">
+            <a:spAutoFit/>
+          </a:bodyPr>
+          <a:lstStyle/>
+          <a:p>
+            <a:r>
+              <a:rPr lang="en-GB" dirty="0"/>
+              <a:t>(3) Set the sign of first order derivative of later point as same as the previous one, if the difference of slope between them is smaller than a threshold</a:t>
+            </a:r>
+          </a:p>
+        </p:txBody>
+      </p:sp>
+      <p:sp>
+        <p:nvSpPr>
+          <p:cNvPr id="12" name="Arrow: Down 11">
+            <a:extLst>
+              <a:ext uri="{FF2B5EF4-FFF2-40B4-BE49-F238E27FC236}">
+                <a16:creationId xmlns:a16="http://schemas.microsoft.com/office/drawing/2014/main" id="{60471264-8476-4C65-BEC1-AA1E23F5EB18}"/>
+              </a:ext>
+            </a:extLst>
+          </p:cNvPr>
+          <p:cNvSpPr/>
+          <p:nvPr/>
+        </p:nvSpPr>
+        <p:spPr>
+          <a:xfrm>
+            <a:off x="8708994" y="4432952"/>
+            <a:ext cx="195309" cy="360545"/>
+          </a:xfrm>
+          <a:prstGeom prst="downArrow">
+            <a:avLst/>
+          </a:prstGeom>
+        </p:spPr>
+        <p:style>
+          <a:lnRef idx="2">
+            <a:schemeClr val="accent6">
+              <a:shade val="50000"/>
+            </a:schemeClr>
+          </a:lnRef>
+          <a:fillRef idx="1">
+            <a:schemeClr val="accent6"/>
+          </a:fillRef>
+          <a:effectRef idx="0">
+            <a:schemeClr val="accent6"/>
+          </a:effectRef>
+          <a:fontRef idx="minor">
+            <a:schemeClr val="lt1"/>
+          </a:fontRef>
+        </p:style>
+        <p:txBody>
+          <a:bodyPr rtlCol="0" anchor="ctr"/>
+          <a:lstStyle/>
+          <a:p>
+            <a:pPr algn="ctr"/>
+            <a:endParaRPr lang="en-GB"/>
+          </a:p>
+        </p:txBody>
+      </p:sp>
+      <p:sp>
+        <p:nvSpPr>
+          <p:cNvPr id="4" name="TextBox 3">
+            <a:extLst>
+              <a:ext uri="{FF2B5EF4-FFF2-40B4-BE49-F238E27FC236}">
+                <a16:creationId xmlns:a16="http://schemas.microsoft.com/office/drawing/2014/main" id="{C592F393-87BD-42A8-A13C-A98FFF50CB9C}"/>
+              </a:ext>
+            </a:extLst>
+          </p:cNvPr>
+          <p:cNvSpPr txBox="1"/>
+          <p:nvPr/>
+        </p:nvSpPr>
+        <p:spPr>
+          <a:xfrm>
+            <a:off x="8921284" y="4399218"/>
+            <a:ext cx="1207767" cy="369332"/>
+          </a:xfrm>
+          <a:prstGeom prst="rect">
+            <a:avLst/>
+          </a:prstGeom>
+          <a:noFill/>
+        </p:spPr>
+        <p:txBody>
+          <a:bodyPr wrap="none" rtlCol="0">
+            <a:spAutoFit/>
+          </a:bodyPr>
+          <a:lstStyle/>
+          <a:p>
+            <a:r>
+              <a:rPr lang="en-GB" dirty="0"/>
+              <a:t>to improve</a:t>
+            </a:r>
+          </a:p>
+        </p:txBody>
+      </p:sp>
+    </p:spTree>
+    <p:extLst>
+      <p:ext uri="{BB962C8B-B14F-4D97-AF65-F5344CB8AC3E}">
+        <p14:creationId xmlns:p14="http://schemas.microsoft.com/office/powerpoint/2010/main" val="3024291697"/>
       </p:ext>
     </p:extLst>
   </p:cSld>
